--- a/GrunerLab_RWorkshop_PPT.pptx
+++ b/GrunerLab_RWorkshop_PPT.pptx
@@ -5,7 +5,7 @@
     <p:sldMasterId id="2147483648" r:id="rId1"/>
   </p:sldMasterIdLst>
   <p:notesMasterIdLst>
-    <p:notesMasterId r:id="rId27"/>
+    <p:notesMasterId r:id="rId40"/>
   </p:notesMasterIdLst>
   <p:sldIdLst>
     <p:sldId id="256" r:id="rId2"/>
@@ -18,21 +18,34 @@
     <p:sldId id="260" r:id="rId9"/>
     <p:sldId id="264" r:id="rId10"/>
     <p:sldId id="261" r:id="rId11"/>
-    <p:sldId id="265" r:id="rId12"/>
-    <p:sldId id="267" r:id="rId13"/>
-    <p:sldId id="262" r:id="rId14"/>
-    <p:sldId id="268" r:id="rId15"/>
-    <p:sldId id="270" r:id="rId16"/>
-    <p:sldId id="269" r:id="rId17"/>
-    <p:sldId id="271" r:id="rId18"/>
-    <p:sldId id="274" r:id="rId19"/>
-    <p:sldId id="272" r:id="rId20"/>
-    <p:sldId id="275" r:id="rId21"/>
-    <p:sldId id="276" r:id="rId22"/>
-    <p:sldId id="277" r:id="rId23"/>
-    <p:sldId id="278" r:id="rId24"/>
-    <p:sldId id="279" r:id="rId25"/>
-    <p:sldId id="280" r:id="rId26"/>
+    <p:sldId id="283" r:id="rId12"/>
+    <p:sldId id="285" r:id="rId13"/>
+    <p:sldId id="287" r:id="rId14"/>
+    <p:sldId id="265" r:id="rId15"/>
+    <p:sldId id="286" r:id="rId16"/>
+    <p:sldId id="267" r:id="rId17"/>
+    <p:sldId id="262" r:id="rId18"/>
+    <p:sldId id="268" r:id="rId19"/>
+    <p:sldId id="269" r:id="rId20"/>
+    <p:sldId id="271" r:id="rId21"/>
+    <p:sldId id="288" r:id="rId22"/>
+    <p:sldId id="289" r:id="rId23"/>
+    <p:sldId id="290" r:id="rId24"/>
+    <p:sldId id="274" r:id="rId25"/>
+    <p:sldId id="272" r:id="rId26"/>
+    <p:sldId id="275" r:id="rId27"/>
+    <p:sldId id="291" r:id="rId28"/>
+    <p:sldId id="276" r:id="rId29"/>
+    <p:sldId id="277" r:id="rId30"/>
+    <p:sldId id="278" r:id="rId31"/>
+    <p:sldId id="292" r:id="rId32"/>
+    <p:sldId id="279" r:id="rId33"/>
+    <p:sldId id="293" r:id="rId34"/>
+    <p:sldId id="281" r:id="rId35"/>
+    <p:sldId id="294" r:id="rId36"/>
+    <p:sldId id="295" r:id="rId37"/>
+    <p:sldId id="282" r:id="rId38"/>
+    <p:sldId id="296" r:id="rId39"/>
   </p:sldIdLst>
   <p:sldSz cx="12192000" cy="6858000"/>
   <p:notesSz cx="6858000" cy="9144000"/>
@@ -661,7 +674,7 @@
           <a:p>
             <a:fld id="{8A47D321-4B9D-A54E-97D6-FEA18F041D8A}" type="slidenum">
               <a:rPr lang="en-US" smtClean="0"/>
-              <a:t>16</a:t>
+              <a:t>19</a:t>
             </a:fld>
             <a:endParaRPr lang="en-US"/>
           </a:p>
@@ -769,7 +782,7 @@
           <a:p>
             <a:fld id="{8A47D321-4B9D-A54E-97D6-FEA18F041D8A}" type="slidenum">
               <a:rPr lang="en-US" smtClean="0"/>
-              <a:t>17</a:t>
+              <a:t>20</a:t>
             </a:fld>
             <a:endParaRPr lang="en-US"/>
           </a:p>
@@ -789,6 +802,222 @@
 </file>
 
 <file path=ppt/notesSlides/notesSlide12.xml><?xml version="1.0" encoding="utf-8"?>
+<p:notes xmlns:a="http://schemas.openxmlformats.org/drawingml/2006/main" xmlns:r="http://schemas.openxmlformats.org/officeDocument/2006/relationships" xmlns:p="http://schemas.openxmlformats.org/presentationml/2006/main">
+  <p:cSld>
+    <p:spTree>
+      <p:nvGrpSpPr>
+        <p:cNvPr id="1" name="">
+          <a:extLst>
+            <a:ext uri="{FF2B5EF4-FFF2-40B4-BE49-F238E27FC236}">
+              <a16:creationId xmlns:a16="http://schemas.microsoft.com/office/drawing/2014/main" id="{868C1BCC-1ACD-0080-846E-B2A7068F8DC4}"/>
+            </a:ext>
+          </a:extLst>
+        </p:cNvPr>
+        <p:cNvGrpSpPr/>
+        <p:nvPr/>
+      </p:nvGrpSpPr>
+      <p:grpSpPr>
+        <a:xfrm>
+          <a:off x="0" y="0"/>
+          <a:ext cx="0" cy="0"/>
+          <a:chOff x="0" y="0"/>
+          <a:chExt cx="0" cy="0"/>
+        </a:xfrm>
+      </p:grpSpPr>
+      <p:sp>
+        <p:nvSpPr>
+          <p:cNvPr id="2" name="Slide Image Placeholder 1">
+            <a:extLst>
+              <a:ext uri="{FF2B5EF4-FFF2-40B4-BE49-F238E27FC236}">
+                <a16:creationId xmlns:a16="http://schemas.microsoft.com/office/drawing/2014/main" id="{525A1FEA-63FF-5FDB-C5C8-D22C0FAB978F}"/>
+              </a:ext>
+            </a:extLst>
+          </p:cNvPr>
+          <p:cNvSpPr>
+            <a:spLocks noGrp="1" noRot="1" noChangeAspect="1"/>
+          </p:cNvSpPr>
+          <p:nvPr>
+            <p:ph type="sldImg"/>
+          </p:nvPr>
+        </p:nvSpPr>
+        <p:spPr/>
+      </p:sp>
+      <p:sp>
+        <p:nvSpPr>
+          <p:cNvPr id="3" name="Notes Placeholder 2">
+            <a:extLst>
+              <a:ext uri="{FF2B5EF4-FFF2-40B4-BE49-F238E27FC236}">
+                <a16:creationId xmlns:a16="http://schemas.microsoft.com/office/drawing/2014/main" id="{04F0D945-A6AF-ABB0-C1E0-714A2B7F7D38}"/>
+              </a:ext>
+            </a:extLst>
+          </p:cNvPr>
+          <p:cNvSpPr>
+            <a:spLocks noGrp="1"/>
+          </p:cNvSpPr>
+          <p:nvPr>
+            <p:ph type="body" idx="1"/>
+          </p:nvPr>
+        </p:nvSpPr>
+        <p:spPr/>
+        <p:txBody>
+          <a:bodyPr/>
+          <a:lstStyle/>
+          <a:p>
+            <a:endParaRPr lang="en-US" dirty="0"/>
+          </a:p>
+        </p:txBody>
+      </p:sp>
+      <p:sp>
+        <p:nvSpPr>
+          <p:cNvPr id="4" name="Slide Number Placeholder 3">
+            <a:extLst>
+              <a:ext uri="{FF2B5EF4-FFF2-40B4-BE49-F238E27FC236}">
+                <a16:creationId xmlns:a16="http://schemas.microsoft.com/office/drawing/2014/main" id="{8AA48F0E-1E64-BCA7-4160-716274F02AA5}"/>
+              </a:ext>
+            </a:extLst>
+          </p:cNvPr>
+          <p:cNvSpPr>
+            <a:spLocks noGrp="1"/>
+          </p:cNvSpPr>
+          <p:nvPr>
+            <p:ph type="sldNum" sz="quarter" idx="5"/>
+          </p:nvPr>
+        </p:nvSpPr>
+        <p:spPr/>
+        <p:txBody>
+          <a:bodyPr/>
+          <a:lstStyle/>
+          <a:p>
+            <a:fld id="{8A47D321-4B9D-A54E-97D6-FEA18F041D8A}" type="slidenum">
+              <a:rPr lang="en-US" smtClean="0"/>
+              <a:t>21</a:t>
+            </a:fld>
+            <a:endParaRPr lang="en-US"/>
+          </a:p>
+        </p:txBody>
+      </p:sp>
+    </p:spTree>
+    <p:extLst>
+      <p:ext uri="{BB962C8B-B14F-4D97-AF65-F5344CB8AC3E}">
+        <p14:creationId xmlns:p14="http://schemas.microsoft.com/office/powerpoint/2010/main" val="2968457941"/>
+      </p:ext>
+    </p:extLst>
+  </p:cSld>
+  <p:clrMapOvr>
+    <a:masterClrMapping/>
+  </p:clrMapOvr>
+</p:notes>
+</file>
+
+<file path=ppt/notesSlides/notesSlide13.xml><?xml version="1.0" encoding="utf-8"?>
+<p:notes xmlns:a="http://schemas.openxmlformats.org/drawingml/2006/main" xmlns:r="http://schemas.openxmlformats.org/officeDocument/2006/relationships" xmlns:p="http://schemas.openxmlformats.org/presentationml/2006/main">
+  <p:cSld>
+    <p:spTree>
+      <p:nvGrpSpPr>
+        <p:cNvPr id="1" name="">
+          <a:extLst>
+            <a:ext uri="{FF2B5EF4-FFF2-40B4-BE49-F238E27FC236}">
+              <a16:creationId xmlns:a16="http://schemas.microsoft.com/office/drawing/2014/main" id="{13FCBF8D-52CD-9966-8598-73384E4BC7D1}"/>
+            </a:ext>
+          </a:extLst>
+        </p:cNvPr>
+        <p:cNvGrpSpPr/>
+        <p:nvPr/>
+      </p:nvGrpSpPr>
+      <p:grpSpPr>
+        <a:xfrm>
+          <a:off x="0" y="0"/>
+          <a:ext cx="0" cy="0"/>
+          <a:chOff x="0" y="0"/>
+          <a:chExt cx="0" cy="0"/>
+        </a:xfrm>
+      </p:grpSpPr>
+      <p:sp>
+        <p:nvSpPr>
+          <p:cNvPr id="2" name="Slide Image Placeholder 1">
+            <a:extLst>
+              <a:ext uri="{FF2B5EF4-FFF2-40B4-BE49-F238E27FC236}">
+                <a16:creationId xmlns:a16="http://schemas.microsoft.com/office/drawing/2014/main" id="{51D015D2-8354-004E-764D-FDCAEE368819}"/>
+              </a:ext>
+            </a:extLst>
+          </p:cNvPr>
+          <p:cNvSpPr>
+            <a:spLocks noGrp="1" noRot="1" noChangeAspect="1"/>
+          </p:cNvSpPr>
+          <p:nvPr>
+            <p:ph type="sldImg"/>
+          </p:nvPr>
+        </p:nvSpPr>
+        <p:spPr/>
+      </p:sp>
+      <p:sp>
+        <p:nvSpPr>
+          <p:cNvPr id="3" name="Notes Placeholder 2">
+            <a:extLst>
+              <a:ext uri="{FF2B5EF4-FFF2-40B4-BE49-F238E27FC236}">
+                <a16:creationId xmlns:a16="http://schemas.microsoft.com/office/drawing/2014/main" id="{8EC22B8E-3249-CC7B-F1CA-4A4CF8AD4E6E}"/>
+              </a:ext>
+            </a:extLst>
+          </p:cNvPr>
+          <p:cNvSpPr>
+            <a:spLocks noGrp="1"/>
+          </p:cNvSpPr>
+          <p:nvPr>
+            <p:ph type="body" idx="1"/>
+          </p:nvPr>
+        </p:nvSpPr>
+        <p:spPr/>
+        <p:txBody>
+          <a:bodyPr/>
+          <a:lstStyle/>
+          <a:p>
+            <a:endParaRPr lang="en-US" dirty="0"/>
+          </a:p>
+        </p:txBody>
+      </p:sp>
+      <p:sp>
+        <p:nvSpPr>
+          <p:cNvPr id="4" name="Slide Number Placeholder 3">
+            <a:extLst>
+              <a:ext uri="{FF2B5EF4-FFF2-40B4-BE49-F238E27FC236}">
+                <a16:creationId xmlns:a16="http://schemas.microsoft.com/office/drawing/2014/main" id="{2BDE8E14-D0A4-4C69-A552-A42CCC93B10F}"/>
+              </a:ext>
+            </a:extLst>
+          </p:cNvPr>
+          <p:cNvSpPr>
+            <a:spLocks noGrp="1"/>
+          </p:cNvSpPr>
+          <p:nvPr>
+            <p:ph type="sldNum" sz="quarter" idx="5"/>
+          </p:nvPr>
+        </p:nvSpPr>
+        <p:spPr/>
+        <p:txBody>
+          <a:bodyPr/>
+          <a:lstStyle/>
+          <a:p>
+            <a:fld id="{8A47D321-4B9D-A54E-97D6-FEA18F041D8A}" type="slidenum">
+              <a:rPr lang="en-US" smtClean="0"/>
+              <a:t>22</a:t>
+            </a:fld>
+            <a:endParaRPr lang="en-US"/>
+          </a:p>
+        </p:txBody>
+      </p:sp>
+    </p:spTree>
+    <p:extLst>
+      <p:ext uri="{BB962C8B-B14F-4D97-AF65-F5344CB8AC3E}">
+        <p14:creationId xmlns:p14="http://schemas.microsoft.com/office/powerpoint/2010/main" val="4109280385"/>
+      </p:ext>
+    </p:extLst>
+  </p:cSld>
+  <p:clrMapOvr>
+    <a:masterClrMapping/>
+  </p:clrMapOvr>
+</p:notes>
+</file>
+
+<file path=ppt/notesSlides/notesSlide14.xml><?xml version="1.0" encoding="utf-8"?>
 <p:notes xmlns:a="http://schemas.openxmlformats.org/drawingml/2006/main" xmlns:r="http://schemas.openxmlformats.org/officeDocument/2006/relationships" xmlns:p="http://schemas.openxmlformats.org/presentationml/2006/main">
   <p:cSld>
     <p:spTree>
@@ -877,7 +1106,7 @@
           <a:p>
             <a:fld id="{8A47D321-4B9D-A54E-97D6-FEA18F041D8A}" type="slidenum">
               <a:rPr lang="en-US" smtClean="0"/>
-              <a:t>18</a:t>
+              <a:t>24</a:t>
             </a:fld>
             <a:endParaRPr lang="en-US"/>
           </a:p>
@@ -896,7 +1125,7 @@
 </p:notes>
 </file>
 
-<file path=ppt/notesSlides/notesSlide13.xml><?xml version="1.0" encoding="utf-8"?>
+<file path=ppt/notesSlides/notesSlide15.xml><?xml version="1.0" encoding="utf-8"?>
 <p:notes xmlns:a="http://schemas.openxmlformats.org/drawingml/2006/main" xmlns:r="http://schemas.openxmlformats.org/officeDocument/2006/relationships" xmlns:p="http://schemas.openxmlformats.org/presentationml/2006/main">
   <p:cSld>
     <p:spTree>
@@ -985,7 +1214,7 @@
           <a:p>
             <a:fld id="{8A47D321-4B9D-A54E-97D6-FEA18F041D8A}" type="slidenum">
               <a:rPr lang="en-US" smtClean="0"/>
-              <a:t>19</a:t>
+              <a:t>25</a:t>
             </a:fld>
             <a:endParaRPr lang="en-US"/>
           </a:p>
@@ -1004,7 +1233,7 @@
 </p:notes>
 </file>
 
-<file path=ppt/notesSlides/notesSlide14.xml><?xml version="1.0" encoding="utf-8"?>
+<file path=ppt/notesSlides/notesSlide16.xml><?xml version="1.0" encoding="utf-8"?>
 <p:notes xmlns:a="http://schemas.openxmlformats.org/drawingml/2006/main" xmlns:r="http://schemas.openxmlformats.org/officeDocument/2006/relationships" xmlns:p="http://schemas.openxmlformats.org/presentationml/2006/main">
   <p:cSld>
     <p:spTree>
@@ -1093,7 +1322,7 @@
           <a:p>
             <a:fld id="{8A47D321-4B9D-A54E-97D6-FEA18F041D8A}" type="slidenum">
               <a:rPr lang="en-US" smtClean="0"/>
-              <a:t>20</a:t>
+              <a:t>26</a:t>
             </a:fld>
             <a:endParaRPr lang="en-US"/>
           </a:p>
@@ -1103,6 +1332,114 @@
     <p:extLst>
       <p:ext uri="{BB962C8B-B14F-4D97-AF65-F5344CB8AC3E}">
         <p14:creationId xmlns:p14="http://schemas.microsoft.com/office/powerpoint/2010/main" val="1955663580"/>
+      </p:ext>
+    </p:extLst>
+  </p:cSld>
+  <p:clrMapOvr>
+    <a:masterClrMapping/>
+  </p:clrMapOvr>
+</p:notes>
+</file>
+
+<file path=ppt/notesSlides/notesSlide17.xml><?xml version="1.0" encoding="utf-8"?>
+<p:notes xmlns:a="http://schemas.openxmlformats.org/drawingml/2006/main" xmlns:r="http://schemas.openxmlformats.org/officeDocument/2006/relationships" xmlns:p="http://schemas.openxmlformats.org/presentationml/2006/main">
+  <p:cSld>
+    <p:spTree>
+      <p:nvGrpSpPr>
+        <p:cNvPr id="1" name="">
+          <a:extLst>
+            <a:ext uri="{FF2B5EF4-FFF2-40B4-BE49-F238E27FC236}">
+              <a16:creationId xmlns:a16="http://schemas.microsoft.com/office/drawing/2014/main" id="{303235C7-29F1-CE2E-721B-DE761025193E}"/>
+            </a:ext>
+          </a:extLst>
+        </p:cNvPr>
+        <p:cNvGrpSpPr/>
+        <p:nvPr/>
+      </p:nvGrpSpPr>
+      <p:grpSpPr>
+        <a:xfrm>
+          <a:off x="0" y="0"/>
+          <a:ext cx="0" cy="0"/>
+          <a:chOff x="0" y="0"/>
+          <a:chExt cx="0" cy="0"/>
+        </a:xfrm>
+      </p:grpSpPr>
+      <p:sp>
+        <p:nvSpPr>
+          <p:cNvPr id="2" name="Slide Image Placeholder 1">
+            <a:extLst>
+              <a:ext uri="{FF2B5EF4-FFF2-40B4-BE49-F238E27FC236}">
+                <a16:creationId xmlns:a16="http://schemas.microsoft.com/office/drawing/2014/main" id="{C3C26EAF-B188-A491-5189-6F25001F90F2}"/>
+              </a:ext>
+            </a:extLst>
+          </p:cNvPr>
+          <p:cNvSpPr>
+            <a:spLocks noGrp="1" noRot="1" noChangeAspect="1"/>
+          </p:cNvSpPr>
+          <p:nvPr>
+            <p:ph type="sldImg"/>
+          </p:nvPr>
+        </p:nvSpPr>
+        <p:spPr/>
+      </p:sp>
+      <p:sp>
+        <p:nvSpPr>
+          <p:cNvPr id="3" name="Notes Placeholder 2">
+            <a:extLst>
+              <a:ext uri="{FF2B5EF4-FFF2-40B4-BE49-F238E27FC236}">
+                <a16:creationId xmlns:a16="http://schemas.microsoft.com/office/drawing/2014/main" id="{352BF93F-CAFE-4DA2-850B-BE28EF2A8191}"/>
+              </a:ext>
+            </a:extLst>
+          </p:cNvPr>
+          <p:cNvSpPr>
+            <a:spLocks noGrp="1"/>
+          </p:cNvSpPr>
+          <p:nvPr>
+            <p:ph type="body" idx="1"/>
+          </p:nvPr>
+        </p:nvSpPr>
+        <p:spPr/>
+        <p:txBody>
+          <a:bodyPr/>
+          <a:lstStyle/>
+          <a:p>
+            <a:endParaRPr lang="en-US" dirty="0"/>
+          </a:p>
+        </p:txBody>
+      </p:sp>
+      <p:sp>
+        <p:nvSpPr>
+          <p:cNvPr id="4" name="Slide Number Placeholder 3">
+            <a:extLst>
+              <a:ext uri="{FF2B5EF4-FFF2-40B4-BE49-F238E27FC236}">
+                <a16:creationId xmlns:a16="http://schemas.microsoft.com/office/drawing/2014/main" id="{CD5D1694-EA86-0F1D-5B7B-889D74EA4DE0}"/>
+              </a:ext>
+            </a:extLst>
+          </p:cNvPr>
+          <p:cNvSpPr>
+            <a:spLocks noGrp="1"/>
+          </p:cNvSpPr>
+          <p:nvPr>
+            <p:ph type="sldNum" sz="quarter" idx="5"/>
+          </p:nvPr>
+        </p:nvSpPr>
+        <p:spPr/>
+        <p:txBody>
+          <a:bodyPr/>
+          <a:lstStyle/>
+          <a:p>
+            <a:fld id="{8A47D321-4B9D-A54E-97D6-FEA18F041D8A}" type="slidenum">
+              <a:rPr lang="en-US" smtClean="0"/>
+              <a:t>27</a:t>
+            </a:fld>
+            <a:endParaRPr lang="en-US"/>
+          </a:p>
+        </p:txBody>
+      </p:sp>
+    </p:spTree>
+    <p:extLst>
+      <p:ext uri="{BB962C8B-B14F-4D97-AF65-F5344CB8AC3E}">
+        <p14:creationId xmlns:p14="http://schemas.microsoft.com/office/powerpoint/2010/main" val="3942036473"/>
       </p:ext>
     </p:extLst>
   </p:cSld>
@@ -1399,6 +1736,114 @@
         <p:cNvPr id="1" name="">
           <a:extLst>
             <a:ext uri="{FF2B5EF4-FFF2-40B4-BE49-F238E27FC236}">
+              <a16:creationId xmlns:a16="http://schemas.microsoft.com/office/drawing/2014/main" id="{434790CE-EF84-0BFF-6922-473A6F57D070}"/>
+            </a:ext>
+          </a:extLst>
+        </p:cNvPr>
+        <p:cNvGrpSpPr/>
+        <p:nvPr/>
+      </p:nvGrpSpPr>
+      <p:grpSpPr>
+        <a:xfrm>
+          <a:off x="0" y="0"/>
+          <a:ext cx="0" cy="0"/>
+          <a:chOff x="0" y="0"/>
+          <a:chExt cx="0" cy="0"/>
+        </a:xfrm>
+      </p:grpSpPr>
+      <p:sp>
+        <p:nvSpPr>
+          <p:cNvPr id="2" name="Slide Image Placeholder 1">
+            <a:extLst>
+              <a:ext uri="{FF2B5EF4-FFF2-40B4-BE49-F238E27FC236}">
+                <a16:creationId xmlns:a16="http://schemas.microsoft.com/office/drawing/2014/main" id="{F596C09A-A1A3-CB9A-75A2-4D41153E0195}"/>
+              </a:ext>
+            </a:extLst>
+          </p:cNvPr>
+          <p:cNvSpPr>
+            <a:spLocks noGrp="1" noRot="1" noChangeAspect="1"/>
+          </p:cNvSpPr>
+          <p:nvPr>
+            <p:ph type="sldImg"/>
+          </p:nvPr>
+        </p:nvSpPr>
+        <p:spPr/>
+      </p:sp>
+      <p:sp>
+        <p:nvSpPr>
+          <p:cNvPr id="3" name="Notes Placeholder 2">
+            <a:extLst>
+              <a:ext uri="{FF2B5EF4-FFF2-40B4-BE49-F238E27FC236}">
+                <a16:creationId xmlns:a16="http://schemas.microsoft.com/office/drawing/2014/main" id="{AABF1CFB-5BCD-5741-7584-D6FCD76CAFE8}"/>
+              </a:ext>
+            </a:extLst>
+          </p:cNvPr>
+          <p:cNvSpPr>
+            <a:spLocks noGrp="1"/>
+          </p:cNvSpPr>
+          <p:nvPr>
+            <p:ph type="body" idx="1"/>
+          </p:nvPr>
+        </p:nvSpPr>
+        <p:spPr/>
+        <p:txBody>
+          <a:bodyPr/>
+          <a:lstStyle/>
+          <a:p>
+            <a:endParaRPr lang="en-US" dirty="0"/>
+          </a:p>
+        </p:txBody>
+      </p:sp>
+      <p:sp>
+        <p:nvSpPr>
+          <p:cNvPr id="4" name="Slide Number Placeholder 3">
+            <a:extLst>
+              <a:ext uri="{FF2B5EF4-FFF2-40B4-BE49-F238E27FC236}">
+                <a16:creationId xmlns:a16="http://schemas.microsoft.com/office/drawing/2014/main" id="{07725112-52C4-854A-9FC3-84E4DE84AB63}"/>
+              </a:ext>
+            </a:extLst>
+          </p:cNvPr>
+          <p:cNvSpPr>
+            <a:spLocks noGrp="1"/>
+          </p:cNvSpPr>
+          <p:nvPr>
+            <p:ph type="sldNum" sz="quarter" idx="5"/>
+          </p:nvPr>
+        </p:nvSpPr>
+        <p:spPr/>
+        <p:txBody>
+          <a:bodyPr/>
+          <a:lstStyle/>
+          <a:p>
+            <a:fld id="{8A47D321-4B9D-A54E-97D6-FEA18F041D8A}" type="slidenum">
+              <a:rPr lang="en-US" smtClean="0"/>
+              <a:t>12</a:t>
+            </a:fld>
+            <a:endParaRPr lang="en-US"/>
+          </a:p>
+        </p:txBody>
+      </p:sp>
+    </p:spTree>
+    <p:extLst>
+      <p:ext uri="{BB962C8B-B14F-4D97-AF65-F5344CB8AC3E}">
+        <p14:creationId xmlns:p14="http://schemas.microsoft.com/office/powerpoint/2010/main" val="2446536812"/>
+      </p:ext>
+    </p:extLst>
+  </p:cSld>
+  <p:clrMapOvr>
+    <a:masterClrMapping/>
+  </p:clrMapOvr>
+</p:notes>
+</file>
+
+<file path=ppt/notesSlides/notesSlide6.xml><?xml version="1.0" encoding="utf-8"?>
+<p:notes xmlns:a="http://schemas.openxmlformats.org/drawingml/2006/main" xmlns:r="http://schemas.openxmlformats.org/officeDocument/2006/relationships" xmlns:p="http://schemas.openxmlformats.org/presentationml/2006/main">
+  <p:cSld>
+    <p:spTree>
+      <p:nvGrpSpPr>
+        <p:cNvPr id="1" name="">
+          <a:extLst>
+            <a:ext uri="{FF2B5EF4-FFF2-40B4-BE49-F238E27FC236}">
               <a16:creationId xmlns:a16="http://schemas.microsoft.com/office/drawing/2014/main" id="{6CB1C9E6-CB24-1B5B-6213-0EF78E2E2063}"/>
             </a:ext>
           </a:extLst>
@@ -1480,7 +1925,7 @@
           <a:p>
             <a:fld id="{8A47D321-4B9D-A54E-97D6-FEA18F041D8A}" type="slidenum">
               <a:rPr lang="en-US" smtClean="0"/>
-              <a:t>11</a:t>
+              <a:t>14</a:t>
             </a:fld>
             <a:endParaRPr lang="en-US"/>
           </a:p>
@@ -1499,7 +1944,7 @@
 </p:notes>
 </file>
 
-<file path=ppt/notesSlides/notesSlide6.xml><?xml version="1.0" encoding="utf-8"?>
+<file path=ppt/notesSlides/notesSlide7.xml><?xml version="1.0" encoding="utf-8"?>
 <p:notes xmlns:a="http://schemas.openxmlformats.org/drawingml/2006/main" xmlns:r="http://schemas.openxmlformats.org/officeDocument/2006/relationships" xmlns:p="http://schemas.openxmlformats.org/presentationml/2006/main">
   <p:cSld>
     <p:spTree>
@@ -1588,7 +2033,7 @@
           <a:p>
             <a:fld id="{8A47D321-4B9D-A54E-97D6-FEA18F041D8A}" type="slidenum">
               <a:rPr lang="en-US" smtClean="0"/>
-              <a:t>12</a:t>
+              <a:t>16</a:t>
             </a:fld>
             <a:endParaRPr lang="en-US"/>
           </a:p>
@@ -1607,7 +2052,7 @@
 </p:notes>
 </file>
 
-<file path=ppt/notesSlides/notesSlide7.xml><?xml version="1.0" encoding="utf-8"?>
+<file path=ppt/notesSlides/notesSlide8.xml><?xml version="1.0" encoding="utf-8"?>
 <p:notes xmlns:a="http://schemas.openxmlformats.org/drawingml/2006/main" xmlns:r="http://schemas.openxmlformats.org/officeDocument/2006/relationships" xmlns:p="http://schemas.openxmlformats.org/presentationml/2006/main">
   <p:cSld>
     <p:spTree>
@@ -1675,7 +2120,7 @@
           <a:p>
             <a:fld id="{8A47D321-4B9D-A54E-97D6-FEA18F041D8A}" type="slidenum">
               <a:rPr lang="en-US" smtClean="0"/>
-              <a:t>13</a:t>
+              <a:t>17</a:t>
             </a:fld>
             <a:endParaRPr lang="en-US"/>
           </a:p>
@@ -1694,7 +2139,7 @@
 </p:notes>
 </file>
 
-<file path=ppt/notesSlides/notesSlide8.xml><?xml version="1.0" encoding="utf-8"?>
+<file path=ppt/notesSlides/notesSlide9.xml><?xml version="1.0" encoding="utf-8"?>
 <p:notes xmlns:a="http://schemas.openxmlformats.org/drawingml/2006/main" xmlns:r="http://schemas.openxmlformats.org/officeDocument/2006/relationships" xmlns:p="http://schemas.openxmlformats.org/presentationml/2006/main">
   <p:cSld>
     <p:spTree>
@@ -1786,7 +2231,7 @@
           <a:p>
             <a:fld id="{8A47D321-4B9D-A54E-97D6-FEA18F041D8A}" type="slidenum">
               <a:rPr lang="en-US" smtClean="0"/>
-              <a:t>14</a:t>
+              <a:t>18</a:t>
             </a:fld>
             <a:endParaRPr lang="en-US"/>
           </a:p>
@@ -1796,117 +2241,6 @@
     <p:extLst>
       <p:ext uri="{BB962C8B-B14F-4D97-AF65-F5344CB8AC3E}">
         <p14:creationId xmlns:p14="http://schemas.microsoft.com/office/powerpoint/2010/main" val="4271590693"/>
-      </p:ext>
-    </p:extLst>
-  </p:cSld>
-  <p:clrMapOvr>
-    <a:masterClrMapping/>
-  </p:clrMapOvr>
-</p:notes>
-</file>
-
-<file path=ppt/notesSlides/notesSlide9.xml><?xml version="1.0" encoding="utf-8"?>
-<p:notes xmlns:a="http://schemas.openxmlformats.org/drawingml/2006/main" xmlns:r="http://schemas.openxmlformats.org/officeDocument/2006/relationships" xmlns:p="http://schemas.openxmlformats.org/presentationml/2006/main">
-  <p:cSld>
-    <p:spTree>
-      <p:nvGrpSpPr>
-        <p:cNvPr id="1" name="">
-          <a:extLst>
-            <a:ext uri="{FF2B5EF4-FFF2-40B4-BE49-F238E27FC236}">
-              <a16:creationId xmlns:a16="http://schemas.microsoft.com/office/drawing/2014/main" id="{C723237D-5A42-DA1B-738A-9DF96334A250}"/>
-            </a:ext>
-          </a:extLst>
-        </p:cNvPr>
-        <p:cNvGrpSpPr/>
-        <p:nvPr/>
-      </p:nvGrpSpPr>
-      <p:grpSpPr>
-        <a:xfrm>
-          <a:off x="0" y="0"/>
-          <a:ext cx="0" cy="0"/>
-          <a:chOff x="0" y="0"/>
-          <a:chExt cx="0" cy="0"/>
-        </a:xfrm>
-      </p:grpSpPr>
-      <p:sp>
-        <p:nvSpPr>
-          <p:cNvPr id="2" name="Slide Image Placeholder 1">
-            <a:extLst>
-              <a:ext uri="{FF2B5EF4-FFF2-40B4-BE49-F238E27FC236}">
-                <a16:creationId xmlns:a16="http://schemas.microsoft.com/office/drawing/2014/main" id="{3A6C4495-BE61-E71B-32E2-22389081ACEF}"/>
-              </a:ext>
-            </a:extLst>
-          </p:cNvPr>
-          <p:cNvSpPr>
-            <a:spLocks noGrp="1" noRot="1" noChangeAspect="1"/>
-          </p:cNvSpPr>
-          <p:nvPr>
-            <p:ph type="sldImg"/>
-          </p:nvPr>
-        </p:nvSpPr>
-        <p:spPr/>
-      </p:sp>
-      <p:sp>
-        <p:nvSpPr>
-          <p:cNvPr id="3" name="Notes Placeholder 2">
-            <a:extLst>
-              <a:ext uri="{FF2B5EF4-FFF2-40B4-BE49-F238E27FC236}">
-                <a16:creationId xmlns:a16="http://schemas.microsoft.com/office/drawing/2014/main" id="{0322CFFC-D9A6-7775-111D-2F5B2530D6B4}"/>
-              </a:ext>
-            </a:extLst>
-          </p:cNvPr>
-          <p:cNvSpPr>
-            <a:spLocks noGrp="1"/>
-          </p:cNvSpPr>
-          <p:nvPr>
-            <p:ph type="body" idx="1"/>
-          </p:nvPr>
-        </p:nvSpPr>
-        <p:spPr/>
-        <p:txBody>
-          <a:bodyPr/>
-          <a:lstStyle/>
-          <a:p>
-            <a:r>
-              <a:rPr lang="en-US" dirty="0"/>
-              <a:t>You want your statistical methods to reflect your question and be a test of your hypothesis – not the other way around</a:t>
-            </a:r>
-          </a:p>
-        </p:txBody>
-      </p:sp>
-      <p:sp>
-        <p:nvSpPr>
-          <p:cNvPr id="4" name="Slide Number Placeholder 3">
-            <a:extLst>
-              <a:ext uri="{FF2B5EF4-FFF2-40B4-BE49-F238E27FC236}">
-                <a16:creationId xmlns:a16="http://schemas.microsoft.com/office/drawing/2014/main" id="{709F968A-70F0-B0C9-48AF-2B63720F1C93}"/>
-              </a:ext>
-            </a:extLst>
-          </p:cNvPr>
-          <p:cNvSpPr>
-            <a:spLocks noGrp="1"/>
-          </p:cNvSpPr>
-          <p:nvPr>
-            <p:ph type="sldNum" sz="quarter" idx="5"/>
-          </p:nvPr>
-        </p:nvSpPr>
-        <p:spPr/>
-        <p:txBody>
-          <a:bodyPr/>
-          <a:lstStyle/>
-          <a:p>
-            <a:fld id="{8A47D321-4B9D-A54E-97D6-FEA18F041D8A}" type="slidenum">
-              <a:rPr lang="en-US" smtClean="0"/>
-              <a:t>15</a:t>
-            </a:fld>
-            <a:endParaRPr lang="en-US"/>
-          </a:p>
-        </p:txBody>
-      </p:sp>
-    </p:spTree>
-    <p:extLst>
-      <p:ext uri="{BB962C8B-B14F-4D97-AF65-F5344CB8AC3E}">
-        <p14:creationId xmlns:p14="http://schemas.microsoft.com/office/powerpoint/2010/main" val="214421550"/>
       </p:ext>
     </p:extLst>
   </p:cSld>
@@ -6687,7 +7021,7 @@
         <p:cNvPr id="1" name="">
           <a:extLst>
             <a:ext uri="{FF2B5EF4-FFF2-40B4-BE49-F238E27FC236}">
-              <a16:creationId xmlns:a16="http://schemas.microsoft.com/office/drawing/2014/main" id="{41418B8F-3693-02DB-7572-B6C30AB43861}"/>
+              <a16:creationId xmlns:a16="http://schemas.microsoft.com/office/drawing/2014/main" id="{2061A00E-1167-C651-C198-1CC11F77444F}"/>
             </a:ext>
           </a:extLst>
         </p:cNvPr>
@@ -6707,7 +7041,7 @@
           <p:cNvPr id="2" name="Title 1">
             <a:extLst>
               <a:ext uri="{FF2B5EF4-FFF2-40B4-BE49-F238E27FC236}">
-                <a16:creationId xmlns:a16="http://schemas.microsoft.com/office/drawing/2014/main" id="{A03016B3-5A76-7D2A-80B7-4027A45A8966}"/>
+                <a16:creationId xmlns:a16="http://schemas.microsoft.com/office/drawing/2014/main" id="{602E26BF-B19D-6ABD-85D5-EE6B8572F0C9}"/>
               </a:ext>
             </a:extLst>
           </p:cNvPr>
@@ -6725,277 +7059,44 @@
           <a:p>
             <a:r>
               <a:rPr lang="en-US" dirty="0"/>
-              <a:t>Workshop Outline</a:t>
-            </a:r>
-          </a:p>
-        </p:txBody>
-      </p:sp>
-      <p:sp>
-        <p:nvSpPr>
-          <p:cNvPr id="7" name="Content Placeholder 6">
-            <a:extLst>
-              <a:ext uri="{FF2B5EF4-FFF2-40B4-BE49-F238E27FC236}">
-                <a16:creationId xmlns:a16="http://schemas.microsoft.com/office/drawing/2014/main" id="{2C6FD734-BF7A-FE90-CF26-B761EAF342C0}"/>
-              </a:ext>
-            </a:extLst>
-          </p:cNvPr>
-          <p:cNvSpPr>
-            <a:spLocks noGrp="1"/>
-          </p:cNvSpPr>
+              <a:t>Data Structure</a:t>
+            </a:r>
+          </a:p>
+        </p:txBody>
+      </p:sp>
+      <p:pic>
+        <p:nvPicPr>
+          <p:cNvPr id="9" name="Content Placeholder 8" descr="A screenshot of a table&#10;&#10;Description automatically generated">
+            <a:extLst>
+              <a:ext uri="{FF2B5EF4-FFF2-40B4-BE49-F238E27FC236}">
+                <a16:creationId xmlns:a16="http://schemas.microsoft.com/office/drawing/2014/main" id="{6CF36115-76FF-4E67-4B8D-E27C63D50037}"/>
+              </a:ext>
+            </a:extLst>
+          </p:cNvPr>
+          <p:cNvPicPr>
+            <a:picLocks noGrp="1" noChangeAspect="1"/>
+          </p:cNvPicPr>
           <p:nvPr>
             <p:ph idx="1"/>
           </p:nvPr>
-        </p:nvSpPr>
-        <p:spPr/>
-        <p:txBody>
-          <a:bodyPr>
-            <a:normAutofit fontScale="92500" lnSpcReduction="10000"/>
-          </a:bodyPr>
-          <a:lstStyle/>
-          <a:p>
-            <a:pPr marL="514350" indent="-514350">
-              <a:buFont typeface="+mj-lt"/>
-              <a:buAutoNum type="arabicPeriod"/>
-            </a:pPr>
-            <a:r>
-              <a:rPr lang="en-US" dirty="0">
-                <a:solidFill>
-                  <a:schemeClr val="bg2">
-                    <a:lumMod val="75000"/>
-                  </a:schemeClr>
-                </a:solidFill>
-              </a:rPr>
-              <a:t>Data Intro</a:t>
-            </a:r>
-          </a:p>
-          <a:p>
-            <a:pPr marL="514350" indent="-514350">
-              <a:buFont typeface="+mj-lt"/>
-              <a:buAutoNum type="arabicPeriod"/>
-            </a:pPr>
-            <a:r>
-              <a:rPr lang="en-US" dirty="0">
-                <a:solidFill>
-                  <a:schemeClr val="bg2">
-                    <a:lumMod val="75000"/>
-                  </a:schemeClr>
-                </a:solidFill>
-              </a:rPr>
-              <a:t>Importing and cleaning data</a:t>
-            </a:r>
-          </a:p>
-          <a:p>
-            <a:pPr lvl="1">
-              <a:spcBef>
-                <a:spcPts val="0"/>
-              </a:spcBef>
-            </a:pPr>
-            <a:r>
-              <a:rPr lang="en-US" dirty="0">
-                <a:solidFill>
-                  <a:schemeClr val="bg2">
-                    <a:lumMod val="75000"/>
-                  </a:schemeClr>
-                </a:solidFill>
-              </a:rPr>
-              <a:t>Not going through today but annotated code is available in </a:t>
-            </a:r>
-            <a:r>
-              <a:rPr lang="en-US" dirty="0" err="1">
-                <a:solidFill>
-                  <a:schemeClr val="bg2">
-                    <a:lumMod val="75000"/>
-                  </a:schemeClr>
-                </a:solidFill>
-              </a:rPr>
-              <a:t>Boxbox</a:t>
-            </a:r>
-            <a:r>
-              <a:rPr lang="en-US" dirty="0">
-                <a:solidFill>
-                  <a:schemeClr val="bg2">
-                    <a:lumMod val="75000"/>
-                  </a:schemeClr>
-                </a:solidFill>
-              </a:rPr>
-              <a:t>-group-</a:t>
-            </a:r>
-            <a:r>
-              <a:rPr lang="en-US" dirty="0" err="1">
-                <a:solidFill>
-                  <a:schemeClr val="bg2">
-                    <a:lumMod val="75000"/>
-                  </a:schemeClr>
-                </a:solidFill>
-              </a:rPr>
-              <a:t>grunerlab</a:t>
-            </a:r>
-            <a:r>
-              <a:rPr lang="en-US" dirty="0">
-                <a:solidFill>
-                  <a:schemeClr val="bg2">
-                    <a:lumMod val="75000"/>
-                  </a:schemeClr>
-                </a:solidFill>
-              </a:rPr>
-              <a:t>/ GRUNERLAB/ R Studio Workshop/ </a:t>
-            </a:r>
-            <a:r>
-              <a:rPr lang="en-US" dirty="0" err="1">
-                <a:solidFill>
-                  <a:schemeClr val="bg2">
-                    <a:lumMod val="75000"/>
-                  </a:schemeClr>
-                </a:solidFill>
-              </a:rPr>
-              <a:t>GrunerLab_RWorkshop</a:t>
-            </a:r>
-            <a:r>
-              <a:rPr lang="en-US" dirty="0">
-                <a:solidFill>
-                  <a:schemeClr val="bg2">
-                    <a:lumMod val="75000"/>
-                  </a:schemeClr>
-                </a:solidFill>
-              </a:rPr>
-              <a:t>/ 01_GrunerLab_RWorkshop_DataCleaning.R</a:t>
-            </a:r>
-          </a:p>
-          <a:p>
-            <a:pPr marL="514350" indent="-514350">
-              <a:buFont typeface="+mj-lt"/>
-              <a:buAutoNum type="arabicPeriod"/>
-            </a:pPr>
-            <a:r>
-              <a:rPr lang="en-US" dirty="0"/>
-              <a:t>Calculating Community Metrics</a:t>
-            </a:r>
-          </a:p>
-          <a:p>
-            <a:pPr lvl="1">
-              <a:lnSpc>
-                <a:spcPct val="100000"/>
-              </a:lnSpc>
-              <a:spcBef>
-                <a:spcPts val="0"/>
-              </a:spcBef>
-            </a:pPr>
-            <a:r>
-              <a:rPr lang="en-US" dirty="0"/>
-              <a:t>Absolute Abundance</a:t>
-            </a:r>
-          </a:p>
-          <a:p>
-            <a:pPr lvl="1">
-              <a:lnSpc>
-                <a:spcPct val="100000"/>
-              </a:lnSpc>
-              <a:spcBef>
-                <a:spcPts val="0"/>
-              </a:spcBef>
-            </a:pPr>
-            <a:r>
-              <a:rPr lang="en-US" dirty="0"/>
-              <a:t>Relative Abundance</a:t>
-            </a:r>
-          </a:p>
-          <a:p>
-            <a:pPr lvl="1">
-              <a:lnSpc>
-                <a:spcPct val="100000"/>
-              </a:lnSpc>
-              <a:spcBef>
-                <a:spcPts val="0"/>
-              </a:spcBef>
-            </a:pPr>
-            <a:r>
-              <a:rPr lang="en-US" dirty="0"/>
-              <a:t>Richness</a:t>
-            </a:r>
-          </a:p>
-          <a:p>
-            <a:pPr lvl="1">
-              <a:lnSpc>
-                <a:spcPct val="100000"/>
-              </a:lnSpc>
-              <a:spcBef>
-                <a:spcPts val="0"/>
-              </a:spcBef>
-            </a:pPr>
-            <a:r>
-              <a:rPr lang="en-US" dirty="0"/>
-              <a:t>Evenness</a:t>
-            </a:r>
-          </a:p>
-          <a:p>
-            <a:pPr lvl="1">
-              <a:lnSpc>
-                <a:spcPct val="100000"/>
-              </a:lnSpc>
-              <a:spcBef>
-                <a:spcPts val="0"/>
-              </a:spcBef>
-            </a:pPr>
-            <a:r>
-              <a:rPr lang="en-US" dirty="0"/>
-              <a:t>Diversity</a:t>
-            </a:r>
-          </a:p>
-          <a:p>
-            <a:pPr marL="514350" indent="-514350">
-              <a:lnSpc>
-                <a:spcPct val="100000"/>
-              </a:lnSpc>
-              <a:spcBef>
-                <a:spcPts val="0"/>
-              </a:spcBef>
-              <a:buFont typeface="+mj-lt"/>
-              <a:buAutoNum type="arabicPeriod"/>
-            </a:pPr>
-            <a:r>
-              <a:rPr lang="en-US" dirty="0">
-                <a:solidFill>
-                  <a:schemeClr val="bg2">
-                    <a:lumMod val="75000"/>
-                  </a:schemeClr>
-                </a:solidFill>
-              </a:rPr>
-              <a:t>Modeling Changes in Community Metrics</a:t>
-            </a:r>
-          </a:p>
-          <a:p>
-            <a:pPr lvl="1">
-              <a:lnSpc>
-                <a:spcPct val="100000"/>
-              </a:lnSpc>
-              <a:spcBef>
-                <a:spcPts val="0"/>
-              </a:spcBef>
-            </a:pPr>
-            <a:r>
-              <a:rPr lang="en-US" dirty="0">
-                <a:solidFill>
-                  <a:schemeClr val="bg2">
-                    <a:lumMod val="75000"/>
-                  </a:schemeClr>
-                </a:solidFill>
-              </a:rPr>
-              <a:t>What model structure to choose? What test to run?</a:t>
-            </a:r>
-          </a:p>
-          <a:p>
-            <a:pPr marL="514350" indent="-514350">
-              <a:buFont typeface="+mj-lt"/>
-              <a:buAutoNum type="arabicPeriod"/>
-            </a:pPr>
-            <a:endParaRPr lang="en-US" dirty="0"/>
-          </a:p>
-        </p:txBody>
-      </p:sp>
+        </p:nvPicPr>
+        <p:blipFill>
+          <a:blip r:embed="rId2"/>
+          <a:stretch>
+            <a:fillRect/>
+          </a:stretch>
+        </p:blipFill>
+        <p:spPr>
+          <a:xfrm>
+            <a:off x="5000625" y="101954"/>
+            <a:ext cx="7029450" cy="6654091"/>
+          </a:xfrm>
+        </p:spPr>
+      </p:pic>
     </p:spTree>
     <p:extLst>
       <p:ext uri="{BB962C8B-B14F-4D97-AF65-F5344CB8AC3E}">
-        <p14:creationId xmlns:p14="http://schemas.microsoft.com/office/powerpoint/2010/main" val="587780476"/>
+        <p14:creationId xmlns:p14="http://schemas.microsoft.com/office/powerpoint/2010/main" val="1795753646"/>
       </p:ext>
     </p:extLst>
   </p:cSld>
@@ -7013,7 +7114,7 @@
         <p:cNvPr id="1" name="">
           <a:extLst>
             <a:ext uri="{FF2B5EF4-FFF2-40B4-BE49-F238E27FC236}">
-              <a16:creationId xmlns:a16="http://schemas.microsoft.com/office/drawing/2014/main" id="{ABC6B99E-6870-BD93-B92D-63305C3071B7}"/>
+              <a16:creationId xmlns:a16="http://schemas.microsoft.com/office/drawing/2014/main" id="{96C783A9-8CAD-DA59-C36A-47C66A198D6E}"/>
             </a:ext>
           </a:extLst>
         </p:cNvPr>
@@ -7033,7 +7134,7 @@
           <p:cNvPr id="2" name="Title 1">
             <a:extLst>
               <a:ext uri="{FF2B5EF4-FFF2-40B4-BE49-F238E27FC236}">
-                <a16:creationId xmlns:a16="http://schemas.microsoft.com/office/drawing/2014/main" id="{802077A2-AD40-5C21-69F8-A900279566D2}"/>
+                <a16:creationId xmlns:a16="http://schemas.microsoft.com/office/drawing/2014/main" id="{26480EBF-A39C-C5A7-F0DE-086B7EB1ABA2}"/>
               </a:ext>
             </a:extLst>
           </p:cNvPr>
@@ -7061,7 +7162,7 @@
           <p:cNvPr id="7" name="Content Placeholder 6">
             <a:extLst>
               <a:ext uri="{FF2B5EF4-FFF2-40B4-BE49-F238E27FC236}">
-                <a16:creationId xmlns:a16="http://schemas.microsoft.com/office/drawing/2014/main" id="{84F59956-D572-F696-93CA-4CBA85C3D29A}"/>
+                <a16:creationId xmlns:a16="http://schemas.microsoft.com/office/drawing/2014/main" id="{8E869DEB-ED9F-A551-F46E-899BFC7D0D21}"/>
               </a:ext>
             </a:extLst>
           </p:cNvPr>
@@ -7075,7 +7176,7 @@
         <p:spPr/>
         <p:txBody>
           <a:bodyPr>
-            <a:normAutofit fontScale="92500" lnSpcReduction="20000"/>
+            <a:normAutofit/>
           </a:bodyPr>
           <a:lstStyle/>
           <a:p>
@@ -7091,7 +7192,7 @@
                   </a:schemeClr>
                 </a:solidFill>
               </a:rPr>
-              <a:t>Data Intro</a:t>
+              <a:t>Data Intro &amp; Structure </a:t>
             </a:r>
           </a:p>
           <a:p>
@@ -7100,13 +7201,7 @@
               <a:buAutoNum type="arabicPeriod"/>
             </a:pPr>
             <a:r>
-              <a:rPr lang="en-US" dirty="0">
-                <a:solidFill>
-                  <a:schemeClr val="bg2">
-                    <a:lumMod val="75000"/>
-                  </a:schemeClr>
-                </a:solidFill>
-              </a:rPr>
+              <a:rPr lang="en-US" dirty="0"/>
               <a:t>Importing and cleaning data</a:t>
             </a:r>
           </a:p>
@@ -7117,75 +7212,40 @@
               </a:spcBef>
             </a:pPr>
             <a:r>
-              <a:rPr lang="en-US" dirty="0">
-                <a:solidFill>
-                  <a:schemeClr val="bg2">
-                    <a:lumMod val="75000"/>
-                  </a:schemeClr>
-                </a:solidFill>
-              </a:rPr>
+              <a:rPr lang="en-US" dirty="0"/>
               <a:t>Not going through today but annotated code is available in </a:t>
             </a:r>
             <a:r>
-              <a:rPr lang="en-US" dirty="0" err="1">
-                <a:solidFill>
-                  <a:schemeClr val="bg2">
-                    <a:lumMod val="75000"/>
-                  </a:schemeClr>
-                </a:solidFill>
-              </a:rPr>
+              <a:rPr lang="en-US" dirty="0" err="1"/>
               <a:t>Boxbox</a:t>
             </a:r>
             <a:r>
-              <a:rPr lang="en-US" dirty="0">
-                <a:solidFill>
-                  <a:schemeClr val="bg2">
-                    <a:lumMod val="75000"/>
-                  </a:schemeClr>
-                </a:solidFill>
-              </a:rPr>
+              <a:rPr lang="en-US" dirty="0"/>
               <a:t>-group-</a:t>
             </a:r>
             <a:r>
-              <a:rPr lang="en-US" dirty="0" err="1">
-                <a:solidFill>
-                  <a:schemeClr val="bg2">
-                    <a:lumMod val="75000"/>
-                  </a:schemeClr>
-                </a:solidFill>
-              </a:rPr>
+              <a:rPr lang="en-US" dirty="0" err="1"/>
               <a:t>grunerlab</a:t>
             </a:r>
             <a:r>
-              <a:rPr lang="en-US" dirty="0">
-                <a:solidFill>
-                  <a:schemeClr val="bg2">
-                    <a:lumMod val="75000"/>
-                  </a:schemeClr>
-                </a:solidFill>
-              </a:rPr>
+              <a:rPr lang="en-US" dirty="0"/>
               <a:t>/ GRUNERLAB/ R Studio Workshop/ </a:t>
             </a:r>
             <a:r>
-              <a:rPr lang="en-US" dirty="0" err="1">
-                <a:solidFill>
-                  <a:schemeClr val="bg2">
-                    <a:lumMod val="75000"/>
-                  </a:schemeClr>
-                </a:solidFill>
-              </a:rPr>
+              <a:rPr lang="en-US" dirty="0" err="1"/>
               <a:t>GrunerLab_RWorkshop</a:t>
             </a:r>
             <a:r>
-              <a:rPr lang="en-US" dirty="0">
-                <a:solidFill>
-                  <a:schemeClr val="bg2">
-                    <a:lumMod val="75000"/>
-                  </a:schemeClr>
-                </a:solidFill>
-              </a:rPr>
+              <a:rPr lang="en-US" dirty="0"/>
               <a:t>/ 01_GrunerLab_RWorkshop_DataCleaning.R</a:t>
             </a:r>
+            <a:endParaRPr lang="en-US" dirty="0">
+              <a:solidFill>
+                <a:schemeClr val="bg2">
+                  <a:lumMod val="75000"/>
+                </a:schemeClr>
+              </a:solidFill>
+            </a:endParaRPr>
           </a:p>
           <a:p>
             <a:pPr marL="514350" indent="-514350">
@@ -7204,13 +7264,9 @@
             </a:r>
           </a:p>
           <a:p>
-            <a:pPr lvl="1">
-              <a:lnSpc>
-                <a:spcPct val="100000"/>
-              </a:lnSpc>
-              <a:spcBef>
-                <a:spcPts val="0"/>
-              </a:spcBef>
+            <a:pPr marL="514350" indent="-514350">
+              <a:buFont typeface="+mj-lt"/>
+              <a:buAutoNum type="arabicPeriod"/>
             </a:pPr>
             <a:r>
               <a:rPr lang="en-US" dirty="0">
@@ -7220,160 +7276,45 @@
                   </a:schemeClr>
                 </a:solidFill>
               </a:rPr>
-              <a:t>Absolute Abundance</a:t>
-            </a:r>
-          </a:p>
-          <a:p>
-            <a:pPr lvl="1">
-              <a:lnSpc>
-                <a:spcPct val="100000"/>
-              </a:lnSpc>
-              <a:spcBef>
-                <a:spcPts val="0"/>
-              </a:spcBef>
-            </a:pPr>
-            <a:r>
-              <a:rPr lang="en-US" dirty="0">
-                <a:solidFill>
-                  <a:schemeClr val="bg2">
-                    <a:lumMod val="75000"/>
-                  </a:schemeClr>
-                </a:solidFill>
-              </a:rPr>
-              <a:t>Relative Abundance</a:t>
-            </a:r>
-          </a:p>
-          <a:p>
-            <a:pPr lvl="1">
-              <a:lnSpc>
-                <a:spcPct val="100000"/>
-              </a:lnSpc>
-              <a:spcBef>
-                <a:spcPts val="0"/>
-              </a:spcBef>
-            </a:pPr>
-            <a:r>
-              <a:rPr lang="en-US" dirty="0">
-                <a:solidFill>
-                  <a:schemeClr val="bg2">
-                    <a:lumMod val="75000"/>
-                  </a:schemeClr>
-                </a:solidFill>
-              </a:rPr>
-              <a:t>Richness</a:t>
-            </a:r>
-          </a:p>
-          <a:p>
-            <a:pPr lvl="1">
-              <a:lnSpc>
-                <a:spcPct val="100000"/>
-              </a:lnSpc>
-              <a:spcBef>
-                <a:spcPts val="0"/>
-              </a:spcBef>
-            </a:pPr>
-            <a:r>
-              <a:rPr lang="en-US" dirty="0">
-                <a:solidFill>
-                  <a:schemeClr val="bg2">
-                    <a:lumMod val="75000"/>
-                  </a:schemeClr>
-                </a:solidFill>
-              </a:rPr>
-              <a:t>Evenness</a:t>
-            </a:r>
-          </a:p>
-          <a:p>
-            <a:pPr lvl="1">
-              <a:lnSpc>
-                <a:spcPct val="100000"/>
-              </a:lnSpc>
-              <a:spcBef>
-                <a:spcPts val="0"/>
-              </a:spcBef>
-            </a:pPr>
-            <a:r>
-              <a:rPr lang="en-US" dirty="0">
-                <a:solidFill>
-                  <a:schemeClr val="bg2">
-                    <a:lumMod val="75000"/>
-                  </a:schemeClr>
-                </a:solidFill>
-              </a:rPr>
-              <a:t>Diversity</a:t>
-            </a:r>
-          </a:p>
-          <a:p>
-            <a:pPr marL="514350" indent="-514350">
-              <a:lnSpc>
-                <a:spcPct val="100000"/>
-              </a:lnSpc>
-              <a:spcBef>
-                <a:spcPts val="0"/>
-              </a:spcBef>
-              <a:buFont typeface="+mj-lt"/>
-              <a:buAutoNum type="arabicPeriod"/>
-            </a:pPr>
-            <a:r>
-              <a:rPr lang="en-US" dirty="0"/>
               <a:t>Modeling Changes in Community Metrics</a:t>
             </a:r>
           </a:p>
-          <a:p>
-            <a:pPr lvl="1">
-              <a:lnSpc>
-                <a:spcPct val="100000"/>
-              </a:lnSpc>
-              <a:spcBef>
-                <a:spcPts val="0"/>
-              </a:spcBef>
-            </a:pPr>
-            <a:r>
-              <a:rPr lang="en-US" dirty="0"/>
-              <a:t>What model structure to choose? What test to run?</a:t>
-            </a:r>
-          </a:p>
-          <a:p>
-            <a:pPr lvl="1">
-              <a:lnSpc>
-                <a:spcPct val="100000"/>
-              </a:lnSpc>
-              <a:spcBef>
-                <a:spcPts val="0"/>
-              </a:spcBef>
-            </a:pPr>
-            <a:r>
-              <a:rPr lang="en-US" dirty="0"/>
-              <a:t>Checking for normality</a:t>
-            </a:r>
-          </a:p>
-          <a:p>
-            <a:pPr lvl="1">
-              <a:lnSpc>
-                <a:spcPct val="100000"/>
-              </a:lnSpc>
-              <a:spcBef>
-                <a:spcPts val="0"/>
-              </a:spcBef>
-            </a:pPr>
-            <a:r>
-              <a:rPr lang="en-US" dirty="0"/>
-              <a:t>Running the models &amp; assessing model fit</a:t>
-            </a:r>
-          </a:p>
-          <a:p>
-            <a:pPr marL="514350" indent="-514350">
-              <a:buFont typeface="+mj-lt"/>
-              <a:buAutoNum type="arabicPeriod"/>
-            </a:pPr>
-            <a:endParaRPr lang="en-US" dirty="0"/>
-          </a:p>
-        </p:txBody>
-      </p:sp>
+        </p:txBody>
+      </p:sp>
+      <p:pic>
+        <p:nvPicPr>
+          <p:cNvPr id="4" name="Picture 3" descr="A screenshot of a computer&#10;&#10;Description automatically generated">
+            <a:extLst>
+              <a:ext uri="{FF2B5EF4-FFF2-40B4-BE49-F238E27FC236}">
+                <a16:creationId xmlns:a16="http://schemas.microsoft.com/office/drawing/2014/main" id="{2F1580A2-44EF-5B02-B574-08E0841976E0}"/>
+              </a:ext>
+            </a:extLst>
+          </p:cNvPr>
+          <p:cNvPicPr>
+            <a:picLocks noChangeAspect="1"/>
+          </p:cNvPicPr>
+          <p:nvPr/>
+        </p:nvPicPr>
+        <p:blipFill>
+          <a:blip r:embed="rId3"/>
+          <a:stretch>
+            <a:fillRect/>
+          </a:stretch>
+        </p:blipFill>
+        <p:spPr>
+          <a:xfrm>
+            <a:off x="6990734" y="3775396"/>
+            <a:ext cx="5201265" cy="3082603"/>
+          </a:xfrm>
+          <a:prstGeom prst="rect">
+            <a:avLst/>
+          </a:prstGeom>
+        </p:spPr>
+      </p:pic>
     </p:spTree>
     <p:extLst>
       <p:ext uri="{BB962C8B-B14F-4D97-AF65-F5344CB8AC3E}">
-        <p14:creationId xmlns:p14="http://schemas.microsoft.com/office/powerpoint/2010/main" val="3227863304"/>
+        <p14:creationId xmlns:p14="http://schemas.microsoft.com/office/powerpoint/2010/main" val="2312146104"/>
       </p:ext>
     </p:extLst>
   </p:cSld>
@@ -7405,6 +7346,737 @@
           <p:cNvPr id="2" name="Title 1">
             <a:extLst>
               <a:ext uri="{FF2B5EF4-FFF2-40B4-BE49-F238E27FC236}">
+                <a16:creationId xmlns:a16="http://schemas.microsoft.com/office/drawing/2014/main" id="{25F1E364-BC02-613C-1CF3-B565DFF51AB2}"/>
+              </a:ext>
+            </a:extLst>
+          </p:cNvPr>
+          <p:cNvSpPr>
+            <a:spLocks noGrp="1"/>
+          </p:cNvSpPr>
+          <p:nvPr>
+            <p:ph type="title"/>
+          </p:nvPr>
+        </p:nvSpPr>
+        <p:spPr>
+          <a:xfrm>
+            <a:off x="0" y="0"/>
+            <a:ext cx="10515600" cy="1325563"/>
+          </a:xfrm>
+        </p:spPr>
+        <p:txBody>
+          <a:bodyPr/>
+          <a:lstStyle/>
+          <a:p>
+            <a:r>
+              <a:rPr lang="en-US" dirty="0"/>
+              <a:t>Install &amp; load packages and read in data</a:t>
+            </a:r>
+            <a:br>
+              <a:rPr lang="en-US" dirty="0"/>
+            </a:br>
+            <a:r>
+              <a:rPr lang="en-US" sz="3200" dirty="0"/>
+              <a:t>Lines 1-31</a:t>
+            </a:r>
+            <a:endParaRPr lang="en-US" dirty="0"/>
+          </a:p>
+        </p:txBody>
+      </p:sp>
+      <p:pic>
+        <p:nvPicPr>
+          <p:cNvPr id="5" name="Content Placeholder 4" descr="A screenshot of a computer program&#10;&#10;Description automatically generated">
+            <a:extLst>
+              <a:ext uri="{FF2B5EF4-FFF2-40B4-BE49-F238E27FC236}">
+                <a16:creationId xmlns:a16="http://schemas.microsoft.com/office/drawing/2014/main" id="{4166FB5D-9675-CEFB-42A4-9C1167B7342E}"/>
+              </a:ext>
+            </a:extLst>
+          </p:cNvPr>
+          <p:cNvPicPr>
+            <a:picLocks noGrp="1" noChangeAspect="1"/>
+          </p:cNvPicPr>
+          <p:nvPr>
+            <p:ph idx="1"/>
+          </p:nvPr>
+        </p:nvPicPr>
+        <p:blipFill>
+          <a:blip r:embed="rId2"/>
+          <a:stretch>
+            <a:fillRect/>
+          </a:stretch>
+        </p:blipFill>
+        <p:spPr>
+          <a:xfrm>
+            <a:off x="0" y="1121480"/>
+            <a:ext cx="8521085" cy="5633482"/>
+          </a:xfrm>
+        </p:spPr>
+      </p:pic>
+      <p:pic>
+        <p:nvPicPr>
+          <p:cNvPr id="7" name="Picture 6" descr="A screenshot of a computer&#10;&#10;Description automatically generated">
+            <a:extLst>
+              <a:ext uri="{FF2B5EF4-FFF2-40B4-BE49-F238E27FC236}">
+                <a16:creationId xmlns:a16="http://schemas.microsoft.com/office/drawing/2014/main" id="{5920F646-4F83-F003-CA02-2D7A83811B54}"/>
+              </a:ext>
+            </a:extLst>
+          </p:cNvPr>
+          <p:cNvPicPr>
+            <a:picLocks noChangeAspect="1"/>
+          </p:cNvPicPr>
+          <p:nvPr/>
+        </p:nvPicPr>
+        <p:blipFill>
+          <a:blip r:embed="rId3"/>
+          <a:stretch>
+            <a:fillRect/>
+          </a:stretch>
+        </p:blipFill>
+        <p:spPr>
+          <a:xfrm>
+            <a:off x="7556500" y="1628058"/>
+            <a:ext cx="4635500" cy="4368800"/>
+          </a:xfrm>
+          <a:prstGeom prst="rect">
+            <a:avLst/>
+          </a:prstGeom>
+        </p:spPr>
+      </p:pic>
+    </p:spTree>
+    <p:extLst>
+      <p:ext uri="{BB962C8B-B14F-4D97-AF65-F5344CB8AC3E}">
+        <p14:creationId xmlns:p14="http://schemas.microsoft.com/office/powerpoint/2010/main" val="3060857914"/>
+      </p:ext>
+    </p:extLst>
+  </p:cSld>
+  <p:clrMapOvr>
+    <a:masterClrMapping/>
+  </p:clrMapOvr>
+  <p:timing>
+    <p:tnLst>
+      <p:par>
+        <p:cTn id="1" dur="indefinite" restart="never" nodeType="tmRoot">
+          <p:childTnLst>
+            <p:seq concurrent="1" nextAc="seek">
+              <p:cTn id="2" dur="indefinite" nodeType="mainSeq">
+                <p:childTnLst>
+                  <p:par>
+                    <p:cTn id="3" fill="hold">
+                      <p:stCondLst>
+                        <p:cond delay="indefinite"/>
+                      </p:stCondLst>
+                      <p:childTnLst>
+                        <p:par>
+                          <p:cTn id="4" fill="hold">
+                            <p:stCondLst>
+                              <p:cond delay="0"/>
+                            </p:stCondLst>
+                            <p:childTnLst>
+                              <p:par>
+                                <p:cTn id="5" presetID="1" presetClass="entr" presetSubtype="0" fill="hold" nodeType="clickEffect">
+                                  <p:stCondLst>
+                                    <p:cond delay="0"/>
+                                  </p:stCondLst>
+                                  <p:childTnLst>
+                                    <p:set>
+                                      <p:cBhvr>
+                                        <p:cTn id="6" dur="1" fill="hold">
+                                          <p:stCondLst>
+                                            <p:cond delay="0"/>
+                                          </p:stCondLst>
+                                        </p:cTn>
+                                        <p:tgtEl>
+                                          <p:spTgt spid="7"/>
+                                        </p:tgtEl>
+                                        <p:attrNameLst>
+                                          <p:attrName>style.visibility</p:attrName>
+                                        </p:attrNameLst>
+                                      </p:cBhvr>
+                                      <p:to>
+                                        <p:strVal val="visible"/>
+                                      </p:to>
+                                    </p:set>
+                                  </p:childTnLst>
+                                </p:cTn>
+                              </p:par>
+                            </p:childTnLst>
+                          </p:cTn>
+                        </p:par>
+                      </p:childTnLst>
+                    </p:cTn>
+                  </p:par>
+                </p:childTnLst>
+              </p:cTn>
+              <p:prevCondLst>
+                <p:cond evt="onPrev" delay="0">
+                  <p:tgtEl>
+                    <p:sldTgt/>
+                  </p:tgtEl>
+                </p:cond>
+              </p:prevCondLst>
+              <p:nextCondLst>
+                <p:cond evt="onNext" delay="0">
+                  <p:tgtEl>
+                    <p:sldTgt/>
+                  </p:tgtEl>
+                </p:cond>
+              </p:nextCondLst>
+            </p:seq>
+          </p:childTnLst>
+        </p:cTn>
+      </p:par>
+    </p:tnLst>
+  </p:timing>
+</p:sld>
+</file>
+
+<file path=ppt/slides/slide14.xml><?xml version="1.0" encoding="utf-8"?>
+<p:sld xmlns:a="http://schemas.openxmlformats.org/drawingml/2006/main" xmlns:r="http://schemas.openxmlformats.org/officeDocument/2006/relationships" xmlns:p="http://schemas.openxmlformats.org/presentationml/2006/main">
+  <p:cSld>
+    <p:spTree>
+      <p:nvGrpSpPr>
+        <p:cNvPr id="1" name="">
+          <a:extLst>
+            <a:ext uri="{FF2B5EF4-FFF2-40B4-BE49-F238E27FC236}">
+              <a16:creationId xmlns:a16="http://schemas.microsoft.com/office/drawing/2014/main" id="{41418B8F-3693-02DB-7572-B6C30AB43861}"/>
+            </a:ext>
+          </a:extLst>
+        </p:cNvPr>
+        <p:cNvGrpSpPr/>
+        <p:nvPr/>
+      </p:nvGrpSpPr>
+      <p:grpSpPr>
+        <a:xfrm>
+          <a:off x="0" y="0"/>
+          <a:ext cx="0" cy="0"/>
+          <a:chOff x="0" y="0"/>
+          <a:chExt cx="0" cy="0"/>
+        </a:xfrm>
+      </p:grpSpPr>
+      <p:sp>
+        <p:nvSpPr>
+          <p:cNvPr id="2" name="Title 1">
+            <a:extLst>
+              <a:ext uri="{FF2B5EF4-FFF2-40B4-BE49-F238E27FC236}">
+                <a16:creationId xmlns:a16="http://schemas.microsoft.com/office/drawing/2014/main" id="{A03016B3-5A76-7D2A-80B7-4027A45A8966}"/>
+              </a:ext>
+            </a:extLst>
+          </p:cNvPr>
+          <p:cNvSpPr>
+            <a:spLocks noGrp="1"/>
+          </p:cNvSpPr>
+          <p:nvPr>
+            <p:ph type="title"/>
+          </p:nvPr>
+        </p:nvSpPr>
+        <p:spPr/>
+        <p:txBody>
+          <a:bodyPr/>
+          <a:lstStyle/>
+          <a:p>
+            <a:r>
+              <a:rPr lang="en-US" dirty="0"/>
+              <a:t>Workshop Outline</a:t>
+            </a:r>
+          </a:p>
+        </p:txBody>
+      </p:sp>
+      <p:sp>
+        <p:nvSpPr>
+          <p:cNvPr id="7" name="Content Placeholder 6">
+            <a:extLst>
+              <a:ext uri="{FF2B5EF4-FFF2-40B4-BE49-F238E27FC236}">
+                <a16:creationId xmlns:a16="http://schemas.microsoft.com/office/drawing/2014/main" id="{2C6FD734-BF7A-FE90-CF26-B761EAF342C0}"/>
+              </a:ext>
+            </a:extLst>
+          </p:cNvPr>
+          <p:cNvSpPr>
+            <a:spLocks noGrp="1"/>
+          </p:cNvSpPr>
+          <p:nvPr>
+            <p:ph idx="1"/>
+          </p:nvPr>
+        </p:nvSpPr>
+        <p:spPr/>
+        <p:txBody>
+          <a:bodyPr>
+            <a:normAutofit/>
+          </a:bodyPr>
+          <a:lstStyle/>
+          <a:p>
+            <a:pPr marL="514350" indent="-514350">
+              <a:buFont typeface="+mj-lt"/>
+              <a:buAutoNum type="arabicPeriod"/>
+            </a:pPr>
+            <a:r>
+              <a:rPr lang="en-US" dirty="0">
+                <a:solidFill>
+                  <a:schemeClr val="bg2">
+                    <a:lumMod val="75000"/>
+                  </a:schemeClr>
+                </a:solidFill>
+              </a:rPr>
+              <a:t>Data Intro &amp; Structure </a:t>
+            </a:r>
+          </a:p>
+          <a:p>
+            <a:pPr marL="514350" indent="-514350">
+              <a:buFont typeface="+mj-lt"/>
+              <a:buAutoNum type="arabicPeriod"/>
+            </a:pPr>
+            <a:r>
+              <a:rPr lang="en-US" dirty="0">
+                <a:solidFill>
+                  <a:schemeClr val="bg2">
+                    <a:lumMod val="75000"/>
+                  </a:schemeClr>
+                </a:solidFill>
+              </a:rPr>
+              <a:t>Importing and cleaning data</a:t>
+            </a:r>
+          </a:p>
+          <a:p>
+            <a:pPr marL="514350" indent="-514350">
+              <a:buFont typeface="+mj-lt"/>
+              <a:buAutoNum type="arabicPeriod"/>
+            </a:pPr>
+            <a:r>
+              <a:rPr lang="en-US" dirty="0"/>
+              <a:t>Calculating Community Metrics</a:t>
+            </a:r>
+          </a:p>
+          <a:p>
+            <a:pPr lvl="1">
+              <a:lnSpc>
+                <a:spcPct val="100000"/>
+              </a:lnSpc>
+              <a:spcBef>
+                <a:spcPts val="0"/>
+              </a:spcBef>
+            </a:pPr>
+            <a:r>
+              <a:rPr lang="en-US" dirty="0"/>
+              <a:t>Absolute Abundance</a:t>
+            </a:r>
+          </a:p>
+          <a:p>
+            <a:pPr lvl="1">
+              <a:lnSpc>
+                <a:spcPct val="100000"/>
+              </a:lnSpc>
+              <a:spcBef>
+                <a:spcPts val="0"/>
+              </a:spcBef>
+            </a:pPr>
+            <a:r>
+              <a:rPr lang="en-US" dirty="0"/>
+              <a:t>Relative Abundance</a:t>
+            </a:r>
+          </a:p>
+          <a:p>
+            <a:pPr lvl="1">
+              <a:lnSpc>
+                <a:spcPct val="100000"/>
+              </a:lnSpc>
+              <a:spcBef>
+                <a:spcPts val="0"/>
+              </a:spcBef>
+            </a:pPr>
+            <a:r>
+              <a:rPr lang="en-US" dirty="0"/>
+              <a:t>Richness</a:t>
+            </a:r>
+          </a:p>
+          <a:p>
+            <a:pPr lvl="1">
+              <a:lnSpc>
+                <a:spcPct val="100000"/>
+              </a:lnSpc>
+              <a:spcBef>
+                <a:spcPts val="0"/>
+              </a:spcBef>
+            </a:pPr>
+            <a:r>
+              <a:rPr lang="en-US" dirty="0"/>
+              <a:t>Evenness</a:t>
+            </a:r>
+          </a:p>
+          <a:p>
+            <a:pPr lvl="1">
+              <a:lnSpc>
+                <a:spcPct val="100000"/>
+              </a:lnSpc>
+              <a:spcBef>
+                <a:spcPts val="0"/>
+              </a:spcBef>
+            </a:pPr>
+            <a:r>
+              <a:rPr lang="en-US" dirty="0"/>
+              <a:t>Diversity</a:t>
+            </a:r>
+          </a:p>
+          <a:p>
+            <a:pPr marL="514350" indent="-514350">
+              <a:lnSpc>
+                <a:spcPct val="100000"/>
+              </a:lnSpc>
+              <a:spcBef>
+                <a:spcPts val="0"/>
+              </a:spcBef>
+              <a:buFont typeface="+mj-lt"/>
+              <a:buAutoNum type="arabicPeriod"/>
+            </a:pPr>
+            <a:r>
+              <a:rPr lang="en-US" dirty="0">
+                <a:solidFill>
+                  <a:schemeClr val="bg2">
+                    <a:lumMod val="75000"/>
+                  </a:schemeClr>
+                </a:solidFill>
+              </a:rPr>
+              <a:t>Modeling Changes in Community Metrics</a:t>
+            </a:r>
+            <a:endParaRPr lang="en-US" dirty="0"/>
+          </a:p>
+        </p:txBody>
+      </p:sp>
+    </p:spTree>
+    <p:extLst>
+      <p:ext uri="{BB962C8B-B14F-4D97-AF65-F5344CB8AC3E}">
+        <p14:creationId xmlns:p14="http://schemas.microsoft.com/office/powerpoint/2010/main" val="587780476"/>
+      </p:ext>
+    </p:extLst>
+  </p:cSld>
+  <p:clrMapOvr>
+    <a:masterClrMapping/>
+  </p:clrMapOvr>
+</p:sld>
+</file>
+
+<file path=ppt/slides/slide15.xml><?xml version="1.0" encoding="utf-8"?>
+<p:sld xmlns:a="http://schemas.openxmlformats.org/drawingml/2006/main" xmlns:r="http://schemas.openxmlformats.org/officeDocument/2006/relationships" xmlns:p="http://schemas.openxmlformats.org/presentationml/2006/main">
+  <p:cSld>
+    <p:spTree>
+      <p:nvGrpSpPr>
+        <p:cNvPr id="1" name=""/>
+        <p:cNvGrpSpPr/>
+        <p:nvPr/>
+      </p:nvGrpSpPr>
+      <p:grpSpPr>
+        <a:xfrm>
+          <a:off x="0" y="0"/>
+          <a:ext cx="0" cy="0"/>
+          <a:chOff x="0" y="0"/>
+          <a:chExt cx="0" cy="0"/>
+        </a:xfrm>
+      </p:grpSpPr>
+      <p:sp>
+        <p:nvSpPr>
+          <p:cNvPr id="2" name="Title 1">
+            <a:extLst>
+              <a:ext uri="{FF2B5EF4-FFF2-40B4-BE49-F238E27FC236}">
+                <a16:creationId xmlns:a16="http://schemas.microsoft.com/office/drawing/2014/main" id="{0941B289-E6EF-ECA1-4BDF-89653326C282}"/>
+              </a:ext>
+            </a:extLst>
+          </p:cNvPr>
+          <p:cNvSpPr>
+            <a:spLocks noGrp="1"/>
+          </p:cNvSpPr>
+          <p:nvPr>
+            <p:ph type="title"/>
+          </p:nvPr>
+        </p:nvSpPr>
+        <p:spPr>
+          <a:xfrm>
+            <a:off x="169607" y="279528"/>
+            <a:ext cx="2709583" cy="2689814"/>
+          </a:xfrm>
+        </p:spPr>
+        <p:txBody>
+          <a:bodyPr>
+            <a:normAutofit/>
+          </a:bodyPr>
+          <a:lstStyle/>
+          <a:p>
+            <a:r>
+              <a:rPr lang="en-US" sz="4000" dirty="0"/>
+              <a:t>Calculate Community Metrics</a:t>
+            </a:r>
+            <a:br>
+              <a:rPr lang="en-US" sz="3200" dirty="0"/>
+            </a:br>
+            <a:r>
+              <a:rPr lang="en-US" sz="3200" dirty="0"/>
+              <a:t>Lines 35 - 68</a:t>
+            </a:r>
+          </a:p>
+        </p:txBody>
+      </p:sp>
+      <p:pic>
+        <p:nvPicPr>
+          <p:cNvPr id="4" name="Picture 3" descr="A screen shot of a computer program&#10;&#10;Description automatically generated">
+            <a:extLst>
+              <a:ext uri="{FF2B5EF4-FFF2-40B4-BE49-F238E27FC236}">
+                <a16:creationId xmlns:a16="http://schemas.microsoft.com/office/drawing/2014/main" id="{B996E36A-3B79-B1FC-F8D9-DEDA2E0BC7A1}"/>
+              </a:ext>
+            </a:extLst>
+          </p:cNvPr>
+          <p:cNvPicPr>
+            <a:picLocks noChangeAspect="1"/>
+          </p:cNvPicPr>
+          <p:nvPr/>
+        </p:nvPicPr>
+        <p:blipFill>
+          <a:blip r:embed="rId2"/>
+          <a:stretch>
+            <a:fillRect/>
+          </a:stretch>
+        </p:blipFill>
+        <p:spPr>
+          <a:xfrm>
+            <a:off x="2879190" y="58993"/>
+            <a:ext cx="9243984" cy="6740013"/>
+          </a:xfrm>
+          <a:prstGeom prst="rect">
+            <a:avLst/>
+          </a:prstGeom>
+        </p:spPr>
+      </p:pic>
+    </p:spTree>
+    <p:extLst>
+      <p:ext uri="{BB962C8B-B14F-4D97-AF65-F5344CB8AC3E}">
+        <p14:creationId xmlns:p14="http://schemas.microsoft.com/office/powerpoint/2010/main" val="2201770435"/>
+      </p:ext>
+    </p:extLst>
+  </p:cSld>
+  <p:clrMapOvr>
+    <a:masterClrMapping/>
+  </p:clrMapOvr>
+</p:sld>
+</file>
+
+<file path=ppt/slides/slide16.xml><?xml version="1.0" encoding="utf-8"?>
+<p:sld xmlns:a="http://schemas.openxmlformats.org/drawingml/2006/main" xmlns:r="http://schemas.openxmlformats.org/officeDocument/2006/relationships" xmlns:p="http://schemas.openxmlformats.org/presentationml/2006/main">
+  <p:cSld>
+    <p:spTree>
+      <p:nvGrpSpPr>
+        <p:cNvPr id="1" name="">
+          <a:extLst>
+            <a:ext uri="{FF2B5EF4-FFF2-40B4-BE49-F238E27FC236}">
+              <a16:creationId xmlns:a16="http://schemas.microsoft.com/office/drawing/2014/main" id="{ABC6B99E-6870-BD93-B92D-63305C3071B7}"/>
+            </a:ext>
+          </a:extLst>
+        </p:cNvPr>
+        <p:cNvGrpSpPr/>
+        <p:nvPr/>
+      </p:nvGrpSpPr>
+      <p:grpSpPr>
+        <a:xfrm>
+          <a:off x="0" y="0"/>
+          <a:ext cx="0" cy="0"/>
+          <a:chOff x="0" y="0"/>
+          <a:chExt cx="0" cy="0"/>
+        </a:xfrm>
+      </p:grpSpPr>
+      <p:sp>
+        <p:nvSpPr>
+          <p:cNvPr id="2" name="Title 1">
+            <a:extLst>
+              <a:ext uri="{FF2B5EF4-FFF2-40B4-BE49-F238E27FC236}">
+                <a16:creationId xmlns:a16="http://schemas.microsoft.com/office/drawing/2014/main" id="{802077A2-AD40-5C21-69F8-A900279566D2}"/>
+              </a:ext>
+            </a:extLst>
+          </p:cNvPr>
+          <p:cNvSpPr>
+            <a:spLocks noGrp="1"/>
+          </p:cNvSpPr>
+          <p:nvPr>
+            <p:ph type="title"/>
+          </p:nvPr>
+        </p:nvSpPr>
+        <p:spPr/>
+        <p:txBody>
+          <a:bodyPr/>
+          <a:lstStyle/>
+          <a:p>
+            <a:r>
+              <a:rPr lang="en-US" dirty="0"/>
+              <a:t>Workshop Outline</a:t>
+            </a:r>
+          </a:p>
+        </p:txBody>
+      </p:sp>
+      <p:sp>
+        <p:nvSpPr>
+          <p:cNvPr id="7" name="Content Placeholder 6">
+            <a:extLst>
+              <a:ext uri="{FF2B5EF4-FFF2-40B4-BE49-F238E27FC236}">
+                <a16:creationId xmlns:a16="http://schemas.microsoft.com/office/drawing/2014/main" id="{84F59956-D572-F696-93CA-4CBA85C3D29A}"/>
+              </a:ext>
+            </a:extLst>
+          </p:cNvPr>
+          <p:cNvSpPr>
+            <a:spLocks noGrp="1"/>
+          </p:cNvSpPr>
+          <p:nvPr>
+            <p:ph idx="1"/>
+          </p:nvPr>
+        </p:nvSpPr>
+        <p:spPr/>
+        <p:txBody>
+          <a:bodyPr>
+            <a:normAutofit/>
+          </a:bodyPr>
+          <a:lstStyle/>
+          <a:p>
+            <a:pPr marL="514350" indent="-514350">
+              <a:buFont typeface="+mj-lt"/>
+              <a:buAutoNum type="arabicPeriod"/>
+            </a:pPr>
+            <a:r>
+              <a:rPr lang="en-US" dirty="0">
+                <a:solidFill>
+                  <a:schemeClr val="bg2">
+                    <a:lumMod val="75000"/>
+                  </a:schemeClr>
+                </a:solidFill>
+              </a:rPr>
+              <a:t>Data Intro &amp; Structure </a:t>
+            </a:r>
+          </a:p>
+          <a:p>
+            <a:pPr marL="514350" indent="-514350">
+              <a:buFont typeface="+mj-lt"/>
+              <a:buAutoNum type="arabicPeriod"/>
+            </a:pPr>
+            <a:r>
+              <a:rPr lang="en-US" dirty="0">
+                <a:solidFill>
+                  <a:schemeClr val="bg2">
+                    <a:lumMod val="75000"/>
+                  </a:schemeClr>
+                </a:solidFill>
+              </a:rPr>
+              <a:t>Importing and cleaning data</a:t>
+            </a:r>
+          </a:p>
+          <a:p>
+            <a:pPr marL="514350" indent="-514350">
+              <a:buFont typeface="+mj-lt"/>
+              <a:buAutoNum type="arabicPeriod"/>
+            </a:pPr>
+            <a:r>
+              <a:rPr lang="en-US" dirty="0">
+                <a:solidFill>
+                  <a:schemeClr val="bg2">
+                    <a:lumMod val="75000"/>
+                  </a:schemeClr>
+                </a:solidFill>
+              </a:rPr>
+              <a:t>Calculating Community Metrics</a:t>
+            </a:r>
+          </a:p>
+          <a:p>
+            <a:pPr marL="514350" indent="-514350">
+              <a:lnSpc>
+                <a:spcPct val="100000"/>
+              </a:lnSpc>
+              <a:spcBef>
+                <a:spcPts val="0"/>
+              </a:spcBef>
+              <a:buFont typeface="+mj-lt"/>
+              <a:buAutoNum type="arabicPeriod"/>
+            </a:pPr>
+            <a:r>
+              <a:rPr lang="en-US" dirty="0"/>
+              <a:t>Modeling Changes in Community Metrics</a:t>
+            </a:r>
+          </a:p>
+          <a:p>
+            <a:pPr lvl="1">
+              <a:lnSpc>
+                <a:spcPct val="100000"/>
+              </a:lnSpc>
+              <a:spcBef>
+                <a:spcPts val="0"/>
+              </a:spcBef>
+            </a:pPr>
+            <a:r>
+              <a:rPr lang="en-US" dirty="0"/>
+              <a:t>What model structure to choose? What test to run?</a:t>
+            </a:r>
+          </a:p>
+          <a:p>
+            <a:pPr lvl="1">
+              <a:lnSpc>
+                <a:spcPct val="100000"/>
+              </a:lnSpc>
+              <a:spcBef>
+                <a:spcPts val="0"/>
+              </a:spcBef>
+            </a:pPr>
+            <a:r>
+              <a:rPr lang="en-US" dirty="0"/>
+              <a:t>Checking for normality</a:t>
+            </a:r>
+          </a:p>
+          <a:p>
+            <a:pPr lvl="1">
+              <a:lnSpc>
+                <a:spcPct val="100000"/>
+              </a:lnSpc>
+              <a:spcBef>
+                <a:spcPts val="0"/>
+              </a:spcBef>
+            </a:pPr>
+            <a:r>
+              <a:rPr lang="en-US" dirty="0"/>
+              <a:t>Running the models &amp; assessing model fit</a:t>
+            </a:r>
+          </a:p>
+          <a:p>
+            <a:pPr marL="514350" indent="-514350">
+              <a:buFont typeface="+mj-lt"/>
+              <a:buAutoNum type="arabicPeriod"/>
+            </a:pPr>
+            <a:endParaRPr lang="en-US" dirty="0"/>
+          </a:p>
+        </p:txBody>
+      </p:sp>
+    </p:spTree>
+    <p:extLst>
+      <p:ext uri="{BB962C8B-B14F-4D97-AF65-F5344CB8AC3E}">
+        <p14:creationId xmlns:p14="http://schemas.microsoft.com/office/powerpoint/2010/main" val="3227863304"/>
+      </p:ext>
+    </p:extLst>
+  </p:cSld>
+  <p:clrMapOvr>
+    <a:masterClrMapping/>
+  </p:clrMapOvr>
+</p:sld>
+</file>
+
+<file path=ppt/slides/slide17.xml><?xml version="1.0" encoding="utf-8"?>
+<p:sld xmlns:a="http://schemas.openxmlformats.org/drawingml/2006/main" xmlns:r="http://schemas.openxmlformats.org/officeDocument/2006/relationships" xmlns:p="http://schemas.openxmlformats.org/presentationml/2006/main">
+  <p:cSld>
+    <p:spTree>
+      <p:nvGrpSpPr>
+        <p:cNvPr id="1" name=""/>
+        <p:cNvGrpSpPr/>
+        <p:nvPr/>
+      </p:nvGrpSpPr>
+      <p:grpSpPr>
+        <a:xfrm>
+          <a:off x="0" y="0"/>
+          <a:ext cx="0" cy="0"/>
+          <a:chOff x="0" y="0"/>
+          <a:chExt cx="0" cy="0"/>
+        </a:xfrm>
+      </p:grpSpPr>
+      <p:sp>
+        <p:nvSpPr>
+          <p:cNvPr id="2" name="Title 1">
+            <a:extLst>
+              <a:ext uri="{FF2B5EF4-FFF2-40B4-BE49-F238E27FC236}">
                 <a16:creationId xmlns:a16="http://schemas.microsoft.com/office/drawing/2014/main" id="{C57E5051-E782-0B9C-FC8D-7F49E8EB6FCE}"/>
               </a:ext>
             </a:extLst>
@@ -7494,7 +8166,7 @@
 </p:sld>
 </file>
 
-<file path=ppt/slides/slide14.xml><?xml version="1.0" encoding="utf-8"?>
+<file path=ppt/slides/slide18.xml><?xml version="1.0" encoding="utf-8"?>
 <p:sld xmlns:a="http://schemas.openxmlformats.org/drawingml/2006/main" xmlns:r="http://schemas.openxmlformats.org/officeDocument/2006/relationships" xmlns:p="http://schemas.openxmlformats.org/presentationml/2006/main">
   <p:cSld>
     <p:spTree>
@@ -7636,149 +8308,7 @@
 </p:sld>
 </file>
 
-<file path=ppt/slides/slide15.xml><?xml version="1.0" encoding="utf-8"?>
-<p:sld xmlns:a="http://schemas.openxmlformats.org/drawingml/2006/main" xmlns:r="http://schemas.openxmlformats.org/officeDocument/2006/relationships" xmlns:p="http://schemas.openxmlformats.org/presentationml/2006/main">
-  <p:cSld>
-    <p:spTree>
-      <p:nvGrpSpPr>
-        <p:cNvPr id="1" name="">
-          <a:extLst>
-            <a:ext uri="{FF2B5EF4-FFF2-40B4-BE49-F238E27FC236}">
-              <a16:creationId xmlns:a16="http://schemas.microsoft.com/office/drawing/2014/main" id="{75CFC063-3FC3-700B-7913-3219A8D2C767}"/>
-            </a:ext>
-          </a:extLst>
-        </p:cNvPr>
-        <p:cNvGrpSpPr/>
-        <p:nvPr/>
-      </p:nvGrpSpPr>
-      <p:grpSpPr>
-        <a:xfrm>
-          <a:off x="0" y="0"/>
-          <a:ext cx="0" cy="0"/>
-          <a:chOff x="0" y="0"/>
-          <a:chExt cx="0" cy="0"/>
-        </a:xfrm>
-      </p:grpSpPr>
-      <p:sp>
-        <p:nvSpPr>
-          <p:cNvPr id="2" name="Title 1">
-            <a:extLst>
-              <a:ext uri="{FF2B5EF4-FFF2-40B4-BE49-F238E27FC236}">
-                <a16:creationId xmlns:a16="http://schemas.microsoft.com/office/drawing/2014/main" id="{F21A7249-56E6-B25F-5F88-A0CF278430BC}"/>
-              </a:ext>
-            </a:extLst>
-          </p:cNvPr>
-          <p:cNvSpPr>
-            <a:spLocks noGrp="1"/>
-          </p:cNvSpPr>
-          <p:nvPr>
-            <p:ph type="title"/>
-          </p:nvPr>
-        </p:nvSpPr>
-        <p:spPr/>
-        <p:txBody>
-          <a:bodyPr/>
-          <a:lstStyle/>
-          <a:p>
-            <a:r>
-              <a:rPr lang="en-US" dirty="0"/>
-              <a:t>Identifying what model to use…</a:t>
-            </a:r>
-          </a:p>
-        </p:txBody>
-      </p:sp>
-      <p:sp>
-        <p:nvSpPr>
-          <p:cNvPr id="3" name="Content Placeholder 2">
-            <a:extLst>
-              <a:ext uri="{FF2B5EF4-FFF2-40B4-BE49-F238E27FC236}">
-                <a16:creationId xmlns:a16="http://schemas.microsoft.com/office/drawing/2014/main" id="{3AD85693-0392-F88A-4C61-D45F2A512F2B}"/>
-              </a:ext>
-            </a:extLst>
-          </p:cNvPr>
-          <p:cNvSpPr>
-            <a:spLocks noGrp="1"/>
-          </p:cNvSpPr>
-          <p:nvPr>
-            <p:ph idx="1"/>
-          </p:nvPr>
-        </p:nvSpPr>
-        <p:spPr/>
-        <p:txBody>
-          <a:bodyPr>
-            <a:normAutofit/>
-          </a:bodyPr>
-          <a:lstStyle/>
-          <a:p>
-            <a:pPr marL="514350" indent="-514350">
-              <a:buFont typeface="+mj-lt"/>
-              <a:buAutoNum type="arabicPeriod"/>
-            </a:pPr>
-            <a:r>
-              <a:rPr lang="en-US" dirty="0"/>
-              <a:t>Develop your question &amp; hypotheses (ideally before collecting data…) </a:t>
-            </a:r>
-          </a:p>
-          <a:p>
-            <a:pPr lvl="1"/>
-            <a:r>
-              <a:rPr lang="en-US" dirty="0"/>
-              <a:t>How does the arthropod community change with grazing intensity?</a:t>
-            </a:r>
-          </a:p>
-          <a:p>
-            <a:pPr lvl="2"/>
-            <a:r>
-              <a:rPr lang="en-US" kern="100" dirty="0">
-                <a:effectLst/>
-                <a:ea typeface="Calibri" panose="020F0502020204030204" pitchFamily="34" charset="0"/>
-                <a:cs typeface="Times New Roman" panose="02020603050405020304" pitchFamily="18" charset="0"/>
-              </a:rPr>
-              <a:t>We hypothesized that as grazing intensified, arthropod richness and abundance would decrease because mixed-grass prairie has relatively low productivity, leading to higher competition for resources.</a:t>
-            </a:r>
-          </a:p>
-          <a:p>
-            <a:pPr lvl="1"/>
-            <a:r>
-              <a:rPr lang="en-US" dirty="0"/>
-              <a:t>Does the arthropod community change from year to year with grazing intensity?</a:t>
-            </a:r>
-          </a:p>
-          <a:p>
-            <a:pPr lvl="2"/>
-            <a:r>
-              <a:rPr lang="en-US" kern="100" dirty="0">
-                <a:ea typeface="Calibri" panose="020F0502020204030204" pitchFamily="34" charset="0"/>
-                <a:cs typeface="Times New Roman" panose="02020603050405020304" pitchFamily="18" charset="0"/>
-              </a:rPr>
-              <a:t>W</a:t>
-            </a:r>
-            <a:r>
-              <a:rPr lang="en-US" kern="100" dirty="0">
-                <a:effectLst/>
-                <a:ea typeface="Calibri" panose="020F0502020204030204" pitchFamily="34" charset="0"/>
-                <a:cs typeface="Times New Roman" panose="02020603050405020304" pitchFamily="18" charset="0"/>
-              </a:rPr>
-              <a:t>e hypothesized that this pattern would be most apparent in years where precipitation is lower due to a reduction in annual net primary productivity leading to higher competition between herbivore types</a:t>
-            </a:r>
-            <a:endParaRPr lang="en-US" dirty="0"/>
-          </a:p>
-        </p:txBody>
-      </p:sp>
-    </p:spTree>
-    <p:extLst>
-      <p:ext uri="{BB962C8B-B14F-4D97-AF65-F5344CB8AC3E}">
-        <p14:creationId xmlns:p14="http://schemas.microsoft.com/office/powerpoint/2010/main" val="1536512506"/>
-      </p:ext>
-    </p:extLst>
-  </p:cSld>
-  <p:clrMapOvr>
-    <a:masterClrMapping/>
-  </p:clrMapOvr>
-</p:sld>
-</file>
-
-<file path=ppt/slides/slide16.xml><?xml version="1.0" encoding="utf-8"?>
+<file path=ppt/slides/slide19.xml><?xml version="1.0" encoding="utf-8"?>
 <p:sld xmlns:a="http://schemas.openxmlformats.org/drawingml/2006/main" xmlns:r="http://schemas.openxmlformats.org/officeDocument/2006/relationships" xmlns:p="http://schemas.openxmlformats.org/presentationml/2006/main">
   <p:cSld>
     <p:spTree>
@@ -7876,571 +8406,22 @@
               <a:t>Assess your variable types (binary response variables vs. continuous vs. discrete etc.)</a:t>
             </a:r>
           </a:p>
+          <a:p>
+            <a:pPr marL="971550" lvl="1" indent="-514350">
+              <a:buFont typeface="+mj-lt"/>
+              <a:buAutoNum type="arabicPeriod"/>
+            </a:pPr>
+            <a:r>
+              <a:rPr lang="en-US" dirty="0"/>
+              <a:t>We have discrete and continuous variables depending on our question</a:t>
+            </a:r>
+          </a:p>
         </p:txBody>
       </p:sp>
     </p:spTree>
     <p:extLst>
       <p:ext uri="{BB962C8B-B14F-4D97-AF65-F5344CB8AC3E}">
         <p14:creationId xmlns:p14="http://schemas.microsoft.com/office/powerpoint/2010/main" val="1875809942"/>
-      </p:ext>
-    </p:extLst>
-  </p:cSld>
-  <p:clrMapOvr>
-    <a:masterClrMapping/>
-  </p:clrMapOvr>
-</p:sld>
-</file>
-
-<file path=ppt/slides/slide17.xml><?xml version="1.0" encoding="utf-8"?>
-<p:sld xmlns:a="http://schemas.openxmlformats.org/drawingml/2006/main" xmlns:r="http://schemas.openxmlformats.org/officeDocument/2006/relationships" xmlns:p="http://schemas.openxmlformats.org/presentationml/2006/main">
-  <p:cSld>
-    <p:spTree>
-      <p:nvGrpSpPr>
-        <p:cNvPr id="1" name="">
-          <a:extLst>
-            <a:ext uri="{FF2B5EF4-FFF2-40B4-BE49-F238E27FC236}">
-              <a16:creationId xmlns:a16="http://schemas.microsoft.com/office/drawing/2014/main" id="{B5352B29-9D5B-B456-3463-3C22B9E2AE6C}"/>
-            </a:ext>
-          </a:extLst>
-        </p:cNvPr>
-        <p:cNvGrpSpPr/>
-        <p:nvPr/>
-      </p:nvGrpSpPr>
-      <p:grpSpPr>
-        <a:xfrm>
-          <a:off x="0" y="0"/>
-          <a:ext cx="0" cy="0"/>
-          <a:chOff x="0" y="0"/>
-          <a:chExt cx="0" cy="0"/>
-        </a:xfrm>
-      </p:grpSpPr>
-      <p:sp>
-        <p:nvSpPr>
-          <p:cNvPr id="2" name="Title 1">
-            <a:extLst>
-              <a:ext uri="{FF2B5EF4-FFF2-40B4-BE49-F238E27FC236}">
-                <a16:creationId xmlns:a16="http://schemas.microsoft.com/office/drawing/2014/main" id="{361CC829-884B-442F-C73A-D21AFAE914D4}"/>
-              </a:ext>
-            </a:extLst>
-          </p:cNvPr>
-          <p:cNvSpPr>
-            <a:spLocks noGrp="1"/>
-          </p:cNvSpPr>
-          <p:nvPr>
-            <p:ph type="title"/>
-          </p:nvPr>
-        </p:nvSpPr>
-        <p:spPr/>
-        <p:txBody>
-          <a:bodyPr/>
-          <a:lstStyle/>
-          <a:p>
-            <a:r>
-              <a:rPr lang="en-US" dirty="0"/>
-              <a:t>Identifying what model to use…</a:t>
-            </a:r>
-          </a:p>
-        </p:txBody>
-      </p:sp>
-      <p:sp>
-        <p:nvSpPr>
-          <p:cNvPr id="3" name="Content Placeholder 2">
-            <a:extLst>
-              <a:ext uri="{FF2B5EF4-FFF2-40B4-BE49-F238E27FC236}">
-                <a16:creationId xmlns:a16="http://schemas.microsoft.com/office/drawing/2014/main" id="{D31F839F-E0A7-46C5-7D0C-BB340815B3FC}"/>
-              </a:ext>
-            </a:extLst>
-          </p:cNvPr>
-          <p:cNvSpPr>
-            <a:spLocks noGrp="1"/>
-          </p:cNvSpPr>
-          <p:nvPr>
-            <p:ph idx="1"/>
-          </p:nvPr>
-        </p:nvSpPr>
-        <p:spPr>
-          <a:xfrm>
-            <a:off x="838199" y="1825625"/>
-            <a:ext cx="10872019" cy="4103688"/>
-          </a:xfrm>
-        </p:spPr>
-        <p:txBody>
-          <a:bodyPr>
-            <a:normAutofit fontScale="92500" lnSpcReduction="10000"/>
-          </a:bodyPr>
-          <a:lstStyle/>
-          <a:p>
-            <a:pPr marL="514350" indent="-514350">
-              <a:buFont typeface="+mj-lt"/>
-              <a:buAutoNum type="arabicPeriod"/>
-            </a:pPr>
-            <a:r>
-              <a:rPr lang="en-US" dirty="0"/>
-              <a:t>Develop your question &amp; hypotheses (ideally before collecting data…) </a:t>
-            </a:r>
-          </a:p>
-          <a:p>
-            <a:pPr marL="514350" indent="-514350">
-              <a:buFont typeface="+mj-lt"/>
-              <a:buAutoNum type="arabicPeriod"/>
-            </a:pPr>
-            <a:r>
-              <a:rPr lang="en-US" dirty="0"/>
-              <a:t>Assess your variable types (binary response variables vs. continuous vs. discrete etc.)</a:t>
-            </a:r>
-          </a:p>
-          <a:p>
-            <a:pPr marL="514350" indent="-514350">
-              <a:buFont typeface="+mj-lt"/>
-              <a:buAutoNum type="arabicPeriod"/>
-            </a:pPr>
-            <a:r>
-              <a:rPr lang="en-US" dirty="0"/>
-              <a:t>Decide if you can use parametric testing or if you need a non-parametric test (</a:t>
-            </a:r>
-            <a:r>
-              <a:rPr lang="en-US" i="1" dirty="0"/>
-              <a:t>i.e. </a:t>
-            </a:r>
-            <a:r>
-              <a:rPr lang="en-US" dirty="0"/>
-              <a:t>do your data abide by the assumptions of parametric testing)</a:t>
-            </a:r>
-          </a:p>
-          <a:p>
-            <a:pPr lvl="1">
-              <a:buFont typeface="Wingdings" pitchFamily="2" charset="2"/>
-              <a:buChar char="q"/>
-            </a:pPr>
-            <a:r>
-              <a:rPr lang="en-US" dirty="0"/>
-              <a:t>Independence of Observations: is there a relationship between your observations or variables</a:t>
-            </a:r>
-          </a:p>
-          <a:p>
-            <a:pPr lvl="1">
-              <a:buFont typeface="Wingdings" pitchFamily="2" charset="2"/>
-              <a:buChar char="q"/>
-            </a:pPr>
-            <a:r>
-              <a:rPr lang="en-US" dirty="0"/>
-              <a:t>Homogeneity of Variance (Homoscedasticity): is the variation among your different groups (treatments) relatively similar?</a:t>
-            </a:r>
-          </a:p>
-          <a:p>
-            <a:pPr lvl="1">
-              <a:buFont typeface="Wingdings" pitchFamily="2" charset="2"/>
-              <a:buChar char="q"/>
-            </a:pPr>
-            <a:r>
-              <a:rPr lang="en-US" dirty="0"/>
-              <a:t>Normality of Data: do your data follow a normal distribution? </a:t>
-            </a:r>
-          </a:p>
-          <a:p>
-            <a:pPr marL="971550" lvl="1" indent="-514350">
-              <a:buFont typeface="+mj-lt"/>
-              <a:buAutoNum type="arabicPeriod"/>
-            </a:pPr>
-            <a:endParaRPr lang="en-US" dirty="0"/>
-          </a:p>
-        </p:txBody>
-      </p:sp>
-      <p:sp>
-        <p:nvSpPr>
-          <p:cNvPr id="4" name="TextBox 3">
-            <a:extLst>
-              <a:ext uri="{FF2B5EF4-FFF2-40B4-BE49-F238E27FC236}">
-                <a16:creationId xmlns:a16="http://schemas.microsoft.com/office/drawing/2014/main" id="{3090AF9C-B237-AAE5-21DC-807AA8904B68}"/>
-              </a:ext>
-            </a:extLst>
-          </p:cNvPr>
-          <p:cNvSpPr txBox="1"/>
-          <p:nvPr/>
-        </p:nvSpPr>
-        <p:spPr>
-          <a:xfrm>
-            <a:off x="838200" y="6064250"/>
-            <a:ext cx="10515600" cy="707886"/>
-          </a:xfrm>
-          <a:prstGeom prst="rect">
-            <a:avLst/>
-          </a:prstGeom>
-          <a:noFill/>
-          <a:ln>
-            <a:solidFill>
-              <a:schemeClr val="tx1"/>
-            </a:solidFill>
-          </a:ln>
-        </p:spPr>
-        <p:txBody>
-          <a:bodyPr wrap="square" rtlCol="0">
-            <a:spAutoFit/>
-          </a:bodyPr>
-          <a:lstStyle/>
-          <a:p>
-            <a:pPr algn="ctr"/>
-            <a:r>
-              <a:rPr lang="en-US" sz="2000" dirty="0"/>
-              <a:t>If the answer to any of these 3 questions is yes, then you either need to correct for it, or use a non-parametric test</a:t>
-            </a:r>
-          </a:p>
-        </p:txBody>
-      </p:sp>
-    </p:spTree>
-    <p:extLst>
-      <p:ext uri="{BB962C8B-B14F-4D97-AF65-F5344CB8AC3E}">
-        <p14:creationId xmlns:p14="http://schemas.microsoft.com/office/powerpoint/2010/main" val="1654925500"/>
-      </p:ext>
-    </p:extLst>
-  </p:cSld>
-  <p:clrMapOvr>
-    <a:masterClrMapping/>
-  </p:clrMapOvr>
-</p:sld>
-</file>
-
-<file path=ppt/slides/slide18.xml><?xml version="1.0" encoding="utf-8"?>
-<p:sld xmlns:a="http://schemas.openxmlformats.org/drawingml/2006/main" xmlns:r="http://schemas.openxmlformats.org/officeDocument/2006/relationships" xmlns:p="http://schemas.openxmlformats.org/presentationml/2006/main">
-  <p:cSld>
-    <p:spTree>
-      <p:nvGrpSpPr>
-        <p:cNvPr id="1" name="">
-          <a:extLst>
-            <a:ext uri="{FF2B5EF4-FFF2-40B4-BE49-F238E27FC236}">
-              <a16:creationId xmlns:a16="http://schemas.microsoft.com/office/drawing/2014/main" id="{2F0C64A5-E587-9B95-E6ED-84391AA3814E}"/>
-            </a:ext>
-          </a:extLst>
-        </p:cNvPr>
-        <p:cNvGrpSpPr/>
-        <p:nvPr/>
-      </p:nvGrpSpPr>
-      <p:grpSpPr>
-        <a:xfrm>
-          <a:off x="0" y="0"/>
-          <a:ext cx="0" cy="0"/>
-          <a:chOff x="0" y="0"/>
-          <a:chExt cx="0" cy="0"/>
-        </a:xfrm>
-      </p:grpSpPr>
-      <p:sp>
-        <p:nvSpPr>
-          <p:cNvPr id="2" name="Title 1">
-            <a:extLst>
-              <a:ext uri="{FF2B5EF4-FFF2-40B4-BE49-F238E27FC236}">
-                <a16:creationId xmlns:a16="http://schemas.microsoft.com/office/drawing/2014/main" id="{E8842870-746F-A8F1-2EBE-BA0101F650E6}"/>
-              </a:ext>
-            </a:extLst>
-          </p:cNvPr>
-          <p:cNvSpPr>
-            <a:spLocks noGrp="1"/>
-          </p:cNvSpPr>
-          <p:nvPr>
-            <p:ph type="title"/>
-          </p:nvPr>
-        </p:nvSpPr>
-        <p:spPr/>
-        <p:txBody>
-          <a:bodyPr/>
-          <a:lstStyle/>
-          <a:p>
-            <a:r>
-              <a:rPr lang="en-US" dirty="0"/>
-              <a:t>Identifying what model to use…</a:t>
-            </a:r>
-          </a:p>
-        </p:txBody>
-      </p:sp>
-      <p:sp>
-        <p:nvSpPr>
-          <p:cNvPr id="3" name="Content Placeholder 2">
-            <a:extLst>
-              <a:ext uri="{FF2B5EF4-FFF2-40B4-BE49-F238E27FC236}">
-                <a16:creationId xmlns:a16="http://schemas.microsoft.com/office/drawing/2014/main" id="{7EF9739E-4137-89B3-E7CC-ECD8996BA9F2}"/>
-              </a:ext>
-            </a:extLst>
-          </p:cNvPr>
-          <p:cNvSpPr>
-            <a:spLocks noGrp="1"/>
-          </p:cNvSpPr>
-          <p:nvPr>
-            <p:ph idx="1"/>
-          </p:nvPr>
-        </p:nvSpPr>
-        <p:spPr>
-          <a:xfrm>
-            <a:off x="838199" y="1825625"/>
-            <a:ext cx="10724535" cy="4103688"/>
-          </a:xfrm>
-        </p:spPr>
-        <p:txBody>
-          <a:bodyPr>
-            <a:normAutofit fontScale="92500" lnSpcReduction="10000"/>
-          </a:bodyPr>
-          <a:lstStyle/>
-          <a:p>
-            <a:pPr marL="514350" indent="-514350">
-              <a:buFont typeface="+mj-lt"/>
-              <a:buAutoNum type="arabicPeriod"/>
-            </a:pPr>
-            <a:r>
-              <a:rPr lang="en-US" dirty="0"/>
-              <a:t>Develop your question &amp; hypotheses (ideally before collecting data…) </a:t>
-            </a:r>
-          </a:p>
-          <a:p>
-            <a:pPr marL="514350" indent="-514350">
-              <a:buFont typeface="+mj-lt"/>
-              <a:buAutoNum type="arabicPeriod"/>
-            </a:pPr>
-            <a:r>
-              <a:rPr lang="en-US" dirty="0"/>
-              <a:t>Assess your variable types (binary response variables vs. continuous vs. discrete etc.)</a:t>
-            </a:r>
-          </a:p>
-          <a:p>
-            <a:pPr marL="514350" indent="-514350">
-              <a:buFont typeface="+mj-lt"/>
-              <a:buAutoNum type="arabicPeriod"/>
-            </a:pPr>
-            <a:r>
-              <a:rPr lang="en-US" dirty="0"/>
-              <a:t>Decide if you can use parametric testing or if you need a non-parametric test (</a:t>
-            </a:r>
-            <a:r>
-              <a:rPr lang="en-US" i="1" dirty="0"/>
-              <a:t>i.e. </a:t>
-            </a:r>
-            <a:r>
-              <a:rPr lang="en-US" dirty="0"/>
-              <a:t>do your data abide by the assumptions of parametric testing)</a:t>
-            </a:r>
-          </a:p>
-          <a:p>
-            <a:pPr lvl="1">
-              <a:buFont typeface="Wingdings" pitchFamily="2" charset="2"/>
-              <a:buChar char="ü"/>
-            </a:pPr>
-            <a:r>
-              <a:rPr lang="en-US" dirty="0"/>
-              <a:t>Independence of Observations: is there a relationship between your observations or variables</a:t>
-            </a:r>
-          </a:p>
-          <a:p>
-            <a:pPr lvl="1">
-              <a:buFont typeface="Wingdings" pitchFamily="2" charset="2"/>
-              <a:buChar char="ü"/>
-            </a:pPr>
-            <a:r>
-              <a:rPr lang="en-US" dirty="0"/>
-              <a:t>Homogeneity of Variance (Homoscedasticity): is the variation among your different groups (treatments) relatively similar?</a:t>
-            </a:r>
-          </a:p>
-          <a:p>
-            <a:pPr lvl="1">
-              <a:buFont typeface="Wingdings" pitchFamily="2" charset="2"/>
-              <a:buChar char="ü"/>
-            </a:pPr>
-            <a:r>
-              <a:rPr lang="en-US" dirty="0"/>
-              <a:t>Normality of Data: do your data follow a normal distribution? </a:t>
-            </a:r>
-          </a:p>
-          <a:p>
-            <a:pPr marL="971550" lvl="1" indent="-514350">
-              <a:buFont typeface="+mj-lt"/>
-              <a:buAutoNum type="arabicPeriod"/>
-            </a:pPr>
-            <a:endParaRPr lang="en-US" dirty="0"/>
-          </a:p>
-        </p:txBody>
-      </p:sp>
-      <p:sp>
-        <p:nvSpPr>
-          <p:cNvPr id="4" name="TextBox 3">
-            <a:extLst>
-              <a:ext uri="{FF2B5EF4-FFF2-40B4-BE49-F238E27FC236}">
-                <a16:creationId xmlns:a16="http://schemas.microsoft.com/office/drawing/2014/main" id="{0FA36872-4985-CCBF-210F-6443F1B32C0F}"/>
-              </a:ext>
-            </a:extLst>
-          </p:cNvPr>
-          <p:cNvSpPr txBox="1"/>
-          <p:nvPr/>
-        </p:nvSpPr>
-        <p:spPr>
-          <a:xfrm>
-            <a:off x="838200" y="6064250"/>
-            <a:ext cx="10515600" cy="707886"/>
-          </a:xfrm>
-          <a:prstGeom prst="rect">
-            <a:avLst/>
-          </a:prstGeom>
-          <a:noFill/>
-          <a:ln>
-            <a:solidFill>
-              <a:schemeClr val="tx1"/>
-            </a:solidFill>
-          </a:ln>
-        </p:spPr>
-        <p:txBody>
-          <a:bodyPr wrap="square" rtlCol="0">
-            <a:spAutoFit/>
-          </a:bodyPr>
-          <a:lstStyle/>
-          <a:p>
-            <a:pPr algn="ctr"/>
-            <a:r>
-              <a:rPr lang="en-US" sz="2000" dirty="0"/>
-              <a:t>If the answer to any of these 3 questions is yes, then you either need to correct for it, or use a non-parametric test</a:t>
-            </a:r>
-          </a:p>
-        </p:txBody>
-      </p:sp>
-    </p:spTree>
-    <p:extLst>
-      <p:ext uri="{BB962C8B-B14F-4D97-AF65-F5344CB8AC3E}">
-        <p14:creationId xmlns:p14="http://schemas.microsoft.com/office/powerpoint/2010/main" val="3058689753"/>
-      </p:ext>
-    </p:extLst>
-  </p:cSld>
-  <p:clrMapOvr>
-    <a:masterClrMapping/>
-  </p:clrMapOvr>
-</p:sld>
-</file>
-
-<file path=ppt/slides/slide19.xml><?xml version="1.0" encoding="utf-8"?>
-<p:sld xmlns:a="http://schemas.openxmlformats.org/drawingml/2006/main" xmlns:r="http://schemas.openxmlformats.org/officeDocument/2006/relationships" xmlns:p="http://schemas.openxmlformats.org/presentationml/2006/main">
-  <p:cSld>
-    <p:spTree>
-      <p:nvGrpSpPr>
-        <p:cNvPr id="1" name="">
-          <a:extLst>
-            <a:ext uri="{FF2B5EF4-FFF2-40B4-BE49-F238E27FC236}">
-              <a16:creationId xmlns:a16="http://schemas.microsoft.com/office/drawing/2014/main" id="{E5D547E2-5FF2-30CD-9F9B-7C8554E910CF}"/>
-            </a:ext>
-          </a:extLst>
-        </p:cNvPr>
-        <p:cNvGrpSpPr/>
-        <p:nvPr/>
-      </p:nvGrpSpPr>
-      <p:grpSpPr>
-        <a:xfrm>
-          <a:off x="0" y="0"/>
-          <a:ext cx="0" cy="0"/>
-          <a:chOff x="0" y="0"/>
-          <a:chExt cx="0" cy="0"/>
-        </a:xfrm>
-      </p:grpSpPr>
-      <p:sp>
-        <p:nvSpPr>
-          <p:cNvPr id="2" name="Title 1">
-            <a:extLst>
-              <a:ext uri="{FF2B5EF4-FFF2-40B4-BE49-F238E27FC236}">
-                <a16:creationId xmlns:a16="http://schemas.microsoft.com/office/drawing/2014/main" id="{91BCB7B7-36E3-BAD6-4595-D186824BABF5}"/>
-              </a:ext>
-            </a:extLst>
-          </p:cNvPr>
-          <p:cNvSpPr>
-            <a:spLocks noGrp="1"/>
-          </p:cNvSpPr>
-          <p:nvPr>
-            <p:ph type="title"/>
-          </p:nvPr>
-        </p:nvSpPr>
-        <p:spPr/>
-        <p:txBody>
-          <a:bodyPr/>
-          <a:lstStyle/>
-          <a:p>
-            <a:r>
-              <a:rPr lang="en-US" dirty="0"/>
-              <a:t>Identifying what model to use…</a:t>
-            </a:r>
-          </a:p>
-        </p:txBody>
-      </p:sp>
-      <p:sp>
-        <p:nvSpPr>
-          <p:cNvPr id="6" name="Content Placeholder 2">
-            <a:extLst>
-              <a:ext uri="{FF2B5EF4-FFF2-40B4-BE49-F238E27FC236}">
-                <a16:creationId xmlns:a16="http://schemas.microsoft.com/office/drawing/2014/main" id="{5CE18673-F0DC-964F-9C59-81F83859A4FE}"/>
-              </a:ext>
-            </a:extLst>
-          </p:cNvPr>
-          <p:cNvSpPr>
-            <a:spLocks noGrp="1"/>
-          </p:cNvSpPr>
-          <p:nvPr>
-            <p:ph idx="1"/>
-          </p:nvPr>
-        </p:nvSpPr>
-        <p:spPr>
-          <a:xfrm>
-            <a:off x="838199" y="1825625"/>
-            <a:ext cx="10724535" cy="4103688"/>
-          </a:xfrm>
-        </p:spPr>
-        <p:txBody>
-          <a:bodyPr>
-            <a:normAutofit/>
-          </a:bodyPr>
-          <a:lstStyle/>
-          <a:p>
-            <a:pPr marL="514350" indent="-514350">
-              <a:buFont typeface="+mj-lt"/>
-              <a:buAutoNum type="arabicPeriod"/>
-            </a:pPr>
-            <a:r>
-              <a:rPr lang="en-US" dirty="0"/>
-              <a:t>Develop your question &amp; hypotheses (ideally before collecting data…) </a:t>
-            </a:r>
-          </a:p>
-          <a:p>
-            <a:pPr marL="514350" indent="-514350">
-              <a:buFont typeface="+mj-lt"/>
-              <a:buAutoNum type="arabicPeriod"/>
-            </a:pPr>
-            <a:r>
-              <a:rPr lang="en-US" dirty="0"/>
-              <a:t>Assess your variable types (binary response variables vs. continuous vs. discrete etc.)</a:t>
-            </a:r>
-          </a:p>
-          <a:p>
-            <a:pPr marL="514350" indent="-514350">
-              <a:buFont typeface="+mj-lt"/>
-              <a:buAutoNum type="arabicPeriod"/>
-            </a:pPr>
-            <a:r>
-              <a:rPr lang="en-US" dirty="0"/>
-              <a:t>Decide if you can use parametric testing or if you need a non-parametric test (</a:t>
-            </a:r>
-            <a:r>
-              <a:rPr lang="en-US" i="1" dirty="0"/>
-              <a:t>i.e. </a:t>
-            </a:r>
-            <a:r>
-              <a:rPr lang="en-US" dirty="0"/>
-              <a:t>do your data abide by the assumptions of parametric testing)</a:t>
-            </a:r>
-          </a:p>
-          <a:p>
-            <a:pPr marL="514350" indent="-514350">
-              <a:buFont typeface="+mj-lt"/>
-              <a:buAutoNum type="arabicPeriod"/>
-            </a:pPr>
-            <a:r>
-              <a:rPr lang="en-US" dirty="0"/>
-              <a:t>Choose a test that answers your questions and meets your needs</a:t>
-            </a:r>
-          </a:p>
-        </p:txBody>
-      </p:sp>
-    </p:spTree>
-    <p:extLst>
-      <p:ext uri="{BB962C8B-B14F-4D97-AF65-F5344CB8AC3E}">
-        <p14:creationId xmlns:p14="http://schemas.microsoft.com/office/powerpoint/2010/main" val="4252230565"/>
       </p:ext>
     </p:extLst>
   </p:cSld>
@@ -8639,6 +8620,958 @@
         <p:cNvPr id="1" name="">
           <a:extLst>
             <a:ext uri="{FF2B5EF4-FFF2-40B4-BE49-F238E27FC236}">
+              <a16:creationId xmlns:a16="http://schemas.microsoft.com/office/drawing/2014/main" id="{B5352B29-9D5B-B456-3463-3C22B9E2AE6C}"/>
+            </a:ext>
+          </a:extLst>
+        </p:cNvPr>
+        <p:cNvGrpSpPr/>
+        <p:nvPr/>
+      </p:nvGrpSpPr>
+      <p:grpSpPr>
+        <a:xfrm>
+          <a:off x="0" y="0"/>
+          <a:ext cx="0" cy="0"/>
+          <a:chOff x="0" y="0"/>
+          <a:chExt cx="0" cy="0"/>
+        </a:xfrm>
+      </p:grpSpPr>
+      <p:sp>
+        <p:nvSpPr>
+          <p:cNvPr id="2" name="Title 1">
+            <a:extLst>
+              <a:ext uri="{FF2B5EF4-FFF2-40B4-BE49-F238E27FC236}">
+                <a16:creationId xmlns:a16="http://schemas.microsoft.com/office/drawing/2014/main" id="{361CC829-884B-442F-C73A-D21AFAE914D4}"/>
+              </a:ext>
+            </a:extLst>
+          </p:cNvPr>
+          <p:cNvSpPr>
+            <a:spLocks noGrp="1"/>
+          </p:cNvSpPr>
+          <p:nvPr>
+            <p:ph type="title"/>
+          </p:nvPr>
+        </p:nvSpPr>
+        <p:spPr/>
+        <p:txBody>
+          <a:bodyPr/>
+          <a:lstStyle/>
+          <a:p>
+            <a:r>
+              <a:rPr lang="en-US" dirty="0"/>
+              <a:t>Identifying what model to use…</a:t>
+            </a:r>
+          </a:p>
+        </p:txBody>
+      </p:sp>
+      <p:sp>
+        <p:nvSpPr>
+          <p:cNvPr id="3" name="Content Placeholder 2">
+            <a:extLst>
+              <a:ext uri="{FF2B5EF4-FFF2-40B4-BE49-F238E27FC236}">
+                <a16:creationId xmlns:a16="http://schemas.microsoft.com/office/drawing/2014/main" id="{D31F839F-E0A7-46C5-7D0C-BB340815B3FC}"/>
+              </a:ext>
+            </a:extLst>
+          </p:cNvPr>
+          <p:cNvSpPr>
+            <a:spLocks noGrp="1"/>
+          </p:cNvSpPr>
+          <p:nvPr>
+            <p:ph idx="1"/>
+          </p:nvPr>
+        </p:nvSpPr>
+        <p:spPr>
+          <a:xfrm>
+            <a:off x="838199" y="1825625"/>
+            <a:ext cx="10872019" cy="4103688"/>
+          </a:xfrm>
+        </p:spPr>
+        <p:txBody>
+          <a:bodyPr>
+            <a:normAutofit/>
+          </a:bodyPr>
+          <a:lstStyle/>
+          <a:p>
+            <a:pPr marL="514350" indent="-514350">
+              <a:buFont typeface="+mj-lt"/>
+              <a:buAutoNum type="arabicPeriod"/>
+            </a:pPr>
+            <a:r>
+              <a:rPr lang="en-US" dirty="0"/>
+              <a:t>Develop your question &amp; hypotheses (ideally before collecting data…) </a:t>
+            </a:r>
+          </a:p>
+          <a:p>
+            <a:pPr marL="514350" indent="-514350">
+              <a:buFont typeface="+mj-lt"/>
+              <a:buAutoNum type="arabicPeriod"/>
+            </a:pPr>
+            <a:r>
+              <a:rPr lang="en-US" dirty="0"/>
+              <a:t>Assess your variable types (binary response variables vs. continuous vs. discrete etc.)</a:t>
+            </a:r>
+          </a:p>
+          <a:p>
+            <a:pPr marL="514350" indent="-514350">
+              <a:buFont typeface="+mj-lt"/>
+              <a:buAutoNum type="arabicPeriod"/>
+            </a:pPr>
+            <a:r>
+              <a:rPr lang="en-US" dirty="0"/>
+              <a:t>Decide if you can use parametric testing or if you need a non-parametric test (</a:t>
+            </a:r>
+            <a:r>
+              <a:rPr lang="en-US" i="1" dirty="0"/>
+              <a:t>i.e. </a:t>
+            </a:r>
+            <a:r>
+              <a:rPr lang="en-US" dirty="0"/>
+              <a:t>do your data abide by the assumptions of parametric testing)</a:t>
+            </a:r>
+          </a:p>
+        </p:txBody>
+      </p:sp>
+    </p:spTree>
+    <p:extLst>
+      <p:ext uri="{BB962C8B-B14F-4D97-AF65-F5344CB8AC3E}">
+        <p14:creationId xmlns:p14="http://schemas.microsoft.com/office/powerpoint/2010/main" val="1654925500"/>
+      </p:ext>
+    </p:extLst>
+  </p:cSld>
+  <p:clrMapOvr>
+    <a:masterClrMapping/>
+  </p:clrMapOvr>
+</p:sld>
+</file>
+
+<file path=ppt/slides/slide21.xml><?xml version="1.0" encoding="utf-8"?>
+<p:sld xmlns:a="http://schemas.openxmlformats.org/drawingml/2006/main" xmlns:r="http://schemas.openxmlformats.org/officeDocument/2006/relationships" xmlns:p="http://schemas.openxmlformats.org/presentationml/2006/main">
+  <p:cSld>
+    <p:spTree>
+      <p:nvGrpSpPr>
+        <p:cNvPr id="1" name="">
+          <a:extLst>
+            <a:ext uri="{FF2B5EF4-FFF2-40B4-BE49-F238E27FC236}">
+              <a16:creationId xmlns:a16="http://schemas.microsoft.com/office/drawing/2014/main" id="{0C4257B4-0A56-053C-BAD8-07F51FC5B6BD}"/>
+            </a:ext>
+          </a:extLst>
+        </p:cNvPr>
+        <p:cNvGrpSpPr/>
+        <p:nvPr/>
+      </p:nvGrpSpPr>
+      <p:grpSpPr>
+        <a:xfrm>
+          <a:off x="0" y="0"/>
+          <a:ext cx="0" cy="0"/>
+          <a:chOff x="0" y="0"/>
+          <a:chExt cx="0" cy="0"/>
+        </a:xfrm>
+      </p:grpSpPr>
+      <p:sp>
+        <p:nvSpPr>
+          <p:cNvPr id="2" name="Title 1">
+            <a:extLst>
+              <a:ext uri="{FF2B5EF4-FFF2-40B4-BE49-F238E27FC236}">
+                <a16:creationId xmlns:a16="http://schemas.microsoft.com/office/drawing/2014/main" id="{52B72ED0-0A97-2EBE-A835-CAF6C680332D}"/>
+              </a:ext>
+            </a:extLst>
+          </p:cNvPr>
+          <p:cNvSpPr>
+            <a:spLocks noGrp="1"/>
+          </p:cNvSpPr>
+          <p:nvPr>
+            <p:ph type="title"/>
+          </p:nvPr>
+        </p:nvSpPr>
+        <p:spPr/>
+        <p:txBody>
+          <a:bodyPr/>
+          <a:lstStyle/>
+          <a:p>
+            <a:r>
+              <a:rPr lang="en-US" dirty="0"/>
+              <a:t>Identifying what model to use…</a:t>
+            </a:r>
+          </a:p>
+        </p:txBody>
+      </p:sp>
+      <p:sp>
+        <p:nvSpPr>
+          <p:cNvPr id="3" name="Content Placeholder 2">
+            <a:extLst>
+              <a:ext uri="{FF2B5EF4-FFF2-40B4-BE49-F238E27FC236}">
+                <a16:creationId xmlns:a16="http://schemas.microsoft.com/office/drawing/2014/main" id="{03D54417-F62C-2EC4-F742-0F10EB621585}"/>
+              </a:ext>
+            </a:extLst>
+          </p:cNvPr>
+          <p:cNvSpPr>
+            <a:spLocks noGrp="1"/>
+          </p:cNvSpPr>
+          <p:nvPr>
+            <p:ph idx="1"/>
+          </p:nvPr>
+        </p:nvSpPr>
+        <p:spPr>
+          <a:xfrm>
+            <a:off x="838199" y="1825625"/>
+            <a:ext cx="10872019" cy="4103688"/>
+          </a:xfrm>
+        </p:spPr>
+        <p:txBody>
+          <a:bodyPr>
+            <a:normAutofit fontScale="92500" lnSpcReduction="10000"/>
+          </a:bodyPr>
+          <a:lstStyle/>
+          <a:p>
+            <a:pPr marL="514350" indent="-514350">
+              <a:buFont typeface="+mj-lt"/>
+              <a:buAutoNum type="arabicPeriod"/>
+            </a:pPr>
+            <a:r>
+              <a:rPr lang="en-US" dirty="0"/>
+              <a:t>Develop your question &amp; hypotheses (ideally before collecting data…) </a:t>
+            </a:r>
+          </a:p>
+          <a:p>
+            <a:pPr marL="514350" indent="-514350">
+              <a:buFont typeface="+mj-lt"/>
+              <a:buAutoNum type="arabicPeriod"/>
+            </a:pPr>
+            <a:r>
+              <a:rPr lang="en-US" dirty="0"/>
+              <a:t>Assess your variable types (binary response variables vs. continuous vs. discrete etc.)</a:t>
+            </a:r>
+          </a:p>
+          <a:p>
+            <a:pPr marL="514350" indent="-514350">
+              <a:buFont typeface="+mj-lt"/>
+              <a:buAutoNum type="arabicPeriod"/>
+            </a:pPr>
+            <a:r>
+              <a:rPr lang="en-US" dirty="0"/>
+              <a:t>Decide if you can use parametric testing or if you need a non-parametric test (</a:t>
+            </a:r>
+            <a:r>
+              <a:rPr lang="en-US" i="1" dirty="0"/>
+              <a:t>i.e. </a:t>
+            </a:r>
+            <a:r>
+              <a:rPr lang="en-US" dirty="0"/>
+              <a:t>do your data abide by the assumptions of parametric testing)</a:t>
+            </a:r>
+          </a:p>
+          <a:p>
+            <a:pPr lvl="1">
+              <a:buFont typeface="Wingdings" pitchFamily="2" charset="2"/>
+              <a:buChar char="q"/>
+            </a:pPr>
+            <a:r>
+              <a:rPr lang="en-US" dirty="0"/>
+              <a:t>Independence of Observations: is there a relationship between your observations or variables</a:t>
+            </a:r>
+          </a:p>
+          <a:p>
+            <a:pPr lvl="1">
+              <a:buFont typeface="Wingdings" pitchFamily="2" charset="2"/>
+              <a:buChar char="q"/>
+            </a:pPr>
+            <a:r>
+              <a:rPr lang="en-US" dirty="0"/>
+              <a:t>Homogeneity of Variance (Homoscedasticity): is the variation among your different groups (treatments) relatively similar?</a:t>
+            </a:r>
+          </a:p>
+          <a:p>
+            <a:pPr lvl="1">
+              <a:buFont typeface="Wingdings" pitchFamily="2" charset="2"/>
+              <a:buChar char="q"/>
+            </a:pPr>
+            <a:r>
+              <a:rPr lang="en-US" dirty="0"/>
+              <a:t>Normality of Data: do your data follow a normal distribution? </a:t>
+            </a:r>
+          </a:p>
+          <a:p>
+            <a:pPr marL="971550" lvl="1" indent="-514350">
+              <a:buFont typeface="+mj-lt"/>
+              <a:buAutoNum type="arabicPeriod"/>
+            </a:pPr>
+            <a:endParaRPr lang="en-US" dirty="0"/>
+          </a:p>
+        </p:txBody>
+      </p:sp>
+    </p:spTree>
+    <p:extLst>
+      <p:ext uri="{BB962C8B-B14F-4D97-AF65-F5344CB8AC3E}">
+        <p14:creationId xmlns:p14="http://schemas.microsoft.com/office/powerpoint/2010/main" val="912853884"/>
+      </p:ext>
+    </p:extLst>
+  </p:cSld>
+  <p:clrMapOvr>
+    <a:masterClrMapping/>
+  </p:clrMapOvr>
+</p:sld>
+</file>
+
+<file path=ppt/slides/slide22.xml><?xml version="1.0" encoding="utf-8"?>
+<p:sld xmlns:a="http://schemas.openxmlformats.org/drawingml/2006/main" xmlns:r="http://schemas.openxmlformats.org/officeDocument/2006/relationships" xmlns:p="http://schemas.openxmlformats.org/presentationml/2006/main">
+  <p:cSld>
+    <p:spTree>
+      <p:nvGrpSpPr>
+        <p:cNvPr id="1" name="">
+          <a:extLst>
+            <a:ext uri="{FF2B5EF4-FFF2-40B4-BE49-F238E27FC236}">
+              <a16:creationId xmlns:a16="http://schemas.microsoft.com/office/drawing/2014/main" id="{B6E9EA5E-3918-6A5F-0DD1-694680CF38F0}"/>
+            </a:ext>
+          </a:extLst>
+        </p:cNvPr>
+        <p:cNvGrpSpPr/>
+        <p:nvPr/>
+      </p:nvGrpSpPr>
+      <p:grpSpPr>
+        <a:xfrm>
+          <a:off x="0" y="0"/>
+          <a:ext cx="0" cy="0"/>
+          <a:chOff x="0" y="0"/>
+          <a:chExt cx="0" cy="0"/>
+        </a:xfrm>
+      </p:grpSpPr>
+      <p:sp>
+        <p:nvSpPr>
+          <p:cNvPr id="2" name="Title 1">
+            <a:extLst>
+              <a:ext uri="{FF2B5EF4-FFF2-40B4-BE49-F238E27FC236}">
+                <a16:creationId xmlns:a16="http://schemas.microsoft.com/office/drawing/2014/main" id="{94B7A246-2083-317B-EA8F-58411E8AEBFB}"/>
+              </a:ext>
+            </a:extLst>
+          </p:cNvPr>
+          <p:cNvSpPr>
+            <a:spLocks noGrp="1"/>
+          </p:cNvSpPr>
+          <p:nvPr>
+            <p:ph type="title"/>
+          </p:nvPr>
+        </p:nvSpPr>
+        <p:spPr/>
+        <p:txBody>
+          <a:bodyPr/>
+          <a:lstStyle/>
+          <a:p>
+            <a:r>
+              <a:rPr lang="en-US" dirty="0"/>
+              <a:t>Identifying what model to use…</a:t>
+            </a:r>
+          </a:p>
+        </p:txBody>
+      </p:sp>
+      <p:sp>
+        <p:nvSpPr>
+          <p:cNvPr id="3" name="Content Placeholder 2">
+            <a:extLst>
+              <a:ext uri="{FF2B5EF4-FFF2-40B4-BE49-F238E27FC236}">
+                <a16:creationId xmlns:a16="http://schemas.microsoft.com/office/drawing/2014/main" id="{F45E4646-73DA-21AB-C966-0BD53791F30A}"/>
+              </a:ext>
+            </a:extLst>
+          </p:cNvPr>
+          <p:cNvSpPr>
+            <a:spLocks noGrp="1"/>
+          </p:cNvSpPr>
+          <p:nvPr>
+            <p:ph idx="1"/>
+          </p:nvPr>
+        </p:nvSpPr>
+        <p:spPr>
+          <a:xfrm>
+            <a:off x="838199" y="1825625"/>
+            <a:ext cx="10872019" cy="4103688"/>
+          </a:xfrm>
+        </p:spPr>
+        <p:txBody>
+          <a:bodyPr>
+            <a:normAutofit fontScale="92500" lnSpcReduction="10000"/>
+          </a:bodyPr>
+          <a:lstStyle/>
+          <a:p>
+            <a:pPr marL="514350" indent="-514350">
+              <a:buFont typeface="+mj-lt"/>
+              <a:buAutoNum type="arabicPeriod"/>
+            </a:pPr>
+            <a:r>
+              <a:rPr lang="en-US" dirty="0"/>
+              <a:t>Develop your question &amp; hypotheses (ideally before collecting data…) </a:t>
+            </a:r>
+          </a:p>
+          <a:p>
+            <a:pPr marL="514350" indent="-514350">
+              <a:buFont typeface="+mj-lt"/>
+              <a:buAutoNum type="arabicPeriod"/>
+            </a:pPr>
+            <a:r>
+              <a:rPr lang="en-US" dirty="0"/>
+              <a:t>Assess your variable types (binary response variables vs. continuous vs. discrete etc.)</a:t>
+            </a:r>
+          </a:p>
+          <a:p>
+            <a:pPr marL="514350" indent="-514350">
+              <a:buFont typeface="+mj-lt"/>
+              <a:buAutoNum type="arabicPeriod"/>
+            </a:pPr>
+            <a:r>
+              <a:rPr lang="en-US" dirty="0"/>
+              <a:t>Decide if you can use parametric testing or if you need a non-parametric test (</a:t>
+            </a:r>
+            <a:r>
+              <a:rPr lang="en-US" i="1" dirty="0"/>
+              <a:t>i.e. </a:t>
+            </a:r>
+            <a:r>
+              <a:rPr lang="en-US" dirty="0"/>
+              <a:t>do your data abide by the assumptions of parametric testing)</a:t>
+            </a:r>
+          </a:p>
+          <a:p>
+            <a:pPr lvl="1">
+              <a:buFont typeface="Wingdings" pitchFamily="2" charset="2"/>
+              <a:buChar char="q"/>
+            </a:pPr>
+            <a:r>
+              <a:rPr lang="en-US" dirty="0"/>
+              <a:t>Independence of Observations: is there a relationship between your observations or variables</a:t>
+            </a:r>
+          </a:p>
+          <a:p>
+            <a:pPr lvl="1">
+              <a:buFont typeface="Wingdings" pitchFamily="2" charset="2"/>
+              <a:buChar char="q"/>
+            </a:pPr>
+            <a:r>
+              <a:rPr lang="en-US" dirty="0"/>
+              <a:t>Homogeneity of Variance (Homoscedasticity): is the variation among your different groups (treatments) relatively similar?</a:t>
+            </a:r>
+          </a:p>
+          <a:p>
+            <a:pPr lvl="1">
+              <a:buFont typeface="Wingdings" pitchFamily="2" charset="2"/>
+              <a:buChar char="q"/>
+            </a:pPr>
+            <a:r>
+              <a:rPr lang="en-US" dirty="0"/>
+              <a:t>Normality of Data: do your data follow a normal distribution? </a:t>
+            </a:r>
+          </a:p>
+          <a:p>
+            <a:pPr marL="971550" lvl="1" indent="-514350">
+              <a:buFont typeface="+mj-lt"/>
+              <a:buAutoNum type="arabicPeriod"/>
+            </a:pPr>
+            <a:endParaRPr lang="en-US" dirty="0"/>
+          </a:p>
+        </p:txBody>
+      </p:sp>
+      <p:sp>
+        <p:nvSpPr>
+          <p:cNvPr id="4" name="TextBox 3">
+            <a:extLst>
+              <a:ext uri="{FF2B5EF4-FFF2-40B4-BE49-F238E27FC236}">
+                <a16:creationId xmlns:a16="http://schemas.microsoft.com/office/drawing/2014/main" id="{83B5D479-5858-7763-FC3F-5C5EC00396C7}"/>
+              </a:ext>
+            </a:extLst>
+          </p:cNvPr>
+          <p:cNvSpPr txBox="1"/>
+          <p:nvPr/>
+        </p:nvSpPr>
+        <p:spPr>
+          <a:xfrm>
+            <a:off x="838200" y="6064250"/>
+            <a:ext cx="10515600" cy="707886"/>
+          </a:xfrm>
+          <a:prstGeom prst="rect">
+            <a:avLst/>
+          </a:prstGeom>
+          <a:noFill/>
+          <a:ln>
+            <a:solidFill>
+              <a:schemeClr val="tx1"/>
+            </a:solidFill>
+          </a:ln>
+        </p:spPr>
+        <p:txBody>
+          <a:bodyPr wrap="square" rtlCol="0">
+            <a:spAutoFit/>
+          </a:bodyPr>
+          <a:lstStyle/>
+          <a:p>
+            <a:pPr algn="ctr"/>
+            <a:r>
+              <a:rPr lang="en-US" sz="2000" dirty="0"/>
+              <a:t>If the answer to any of these 3 questions is yes, then you either need to correct for it, or use a non-parametric test</a:t>
+            </a:r>
+          </a:p>
+        </p:txBody>
+      </p:sp>
+    </p:spTree>
+    <p:extLst>
+      <p:ext uri="{BB962C8B-B14F-4D97-AF65-F5344CB8AC3E}">
+        <p14:creationId xmlns:p14="http://schemas.microsoft.com/office/powerpoint/2010/main" val="2563417593"/>
+      </p:ext>
+    </p:extLst>
+  </p:cSld>
+  <p:clrMapOvr>
+    <a:masterClrMapping/>
+  </p:clrMapOvr>
+</p:sld>
+</file>
+
+<file path=ppt/slides/slide23.xml><?xml version="1.0" encoding="utf-8"?>
+<p:sld xmlns:a="http://schemas.openxmlformats.org/drawingml/2006/main" xmlns:r="http://schemas.openxmlformats.org/officeDocument/2006/relationships" xmlns:p="http://schemas.openxmlformats.org/presentationml/2006/main">
+  <p:cSld>
+    <p:spTree>
+      <p:nvGrpSpPr>
+        <p:cNvPr id="1" name=""/>
+        <p:cNvGrpSpPr/>
+        <p:nvPr/>
+      </p:nvGrpSpPr>
+      <p:grpSpPr>
+        <a:xfrm>
+          <a:off x="0" y="0"/>
+          <a:ext cx="0" cy="0"/>
+          <a:chOff x="0" y="0"/>
+          <a:chExt cx="0" cy="0"/>
+        </a:xfrm>
+      </p:grpSpPr>
+      <p:sp>
+        <p:nvSpPr>
+          <p:cNvPr id="2" name="Title 1">
+            <a:extLst>
+              <a:ext uri="{FF2B5EF4-FFF2-40B4-BE49-F238E27FC236}">
+                <a16:creationId xmlns:a16="http://schemas.microsoft.com/office/drawing/2014/main" id="{2913C870-006F-7405-CC85-D8791DBE20F1}"/>
+              </a:ext>
+            </a:extLst>
+          </p:cNvPr>
+          <p:cNvSpPr>
+            <a:spLocks noGrp="1"/>
+          </p:cNvSpPr>
+          <p:nvPr>
+            <p:ph type="title"/>
+          </p:nvPr>
+        </p:nvSpPr>
+        <p:spPr/>
+        <p:txBody>
+          <a:bodyPr/>
+          <a:lstStyle/>
+          <a:p>
+            <a:r>
+              <a:rPr lang="en-US" dirty="0"/>
+              <a:t>Checking Model Assumptions</a:t>
+            </a:r>
+            <a:br>
+              <a:rPr lang="en-US" dirty="0"/>
+            </a:br>
+            <a:r>
+              <a:rPr lang="en-US" sz="3200" dirty="0"/>
+              <a:t>Lines 71-94</a:t>
+            </a:r>
+            <a:endParaRPr lang="en-US" dirty="0"/>
+          </a:p>
+        </p:txBody>
+      </p:sp>
+      <p:pic>
+        <p:nvPicPr>
+          <p:cNvPr id="5" name="Content Placeholder 4" descr="A screen shot of a computer program&#10;&#10;Description automatically generated">
+            <a:extLst>
+              <a:ext uri="{FF2B5EF4-FFF2-40B4-BE49-F238E27FC236}">
+                <a16:creationId xmlns:a16="http://schemas.microsoft.com/office/drawing/2014/main" id="{5ADE3EB1-F5C7-1706-84AC-51EA2ECE8FD1}"/>
+              </a:ext>
+            </a:extLst>
+          </p:cNvPr>
+          <p:cNvPicPr>
+            <a:picLocks noGrp="1" noChangeAspect="1"/>
+          </p:cNvPicPr>
+          <p:nvPr>
+            <p:ph idx="1"/>
+          </p:nvPr>
+        </p:nvPicPr>
+        <p:blipFill>
+          <a:blip r:embed="rId2"/>
+          <a:srcRect b="62996"/>
+          <a:stretch/>
+        </p:blipFill>
+        <p:spPr>
+          <a:xfrm>
+            <a:off x="141857" y="2271593"/>
+            <a:ext cx="11908285" cy="2456082"/>
+          </a:xfrm>
+        </p:spPr>
+      </p:pic>
+    </p:spTree>
+    <p:extLst>
+      <p:ext uri="{BB962C8B-B14F-4D97-AF65-F5344CB8AC3E}">
+        <p14:creationId xmlns:p14="http://schemas.microsoft.com/office/powerpoint/2010/main" val="1120580105"/>
+      </p:ext>
+    </p:extLst>
+  </p:cSld>
+  <p:clrMapOvr>
+    <a:masterClrMapping/>
+  </p:clrMapOvr>
+</p:sld>
+</file>
+
+<file path=ppt/slides/slide24.xml><?xml version="1.0" encoding="utf-8"?>
+<p:sld xmlns:a="http://schemas.openxmlformats.org/drawingml/2006/main" xmlns:r="http://schemas.openxmlformats.org/officeDocument/2006/relationships" xmlns:p="http://schemas.openxmlformats.org/presentationml/2006/main">
+  <p:cSld>
+    <p:spTree>
+      <p:nvGrpSpPr>
+        <p:cNvPr id="1" name="">
+          <a:extLst>
+            <a:ext uri="{FF2B5EF4-FFF2-40B4-BE49-F238E27FC236}">
+              <a16:creationId xmlns:a16="http://schemas.microsoft.com/office/drawing/2014/main" id="{2F0C64A5-E587-9B95-E6ED-84391AA3814E}"/>
+            </a:ext>
+          </a:extLst>
+        </p:cNvPr>
+        <p:cNvGrpSpPr/>
+        <p:nvPr/>
+      </p:nvGrpSpPr>
+      <p:grpSpPr>
+        <a:xfrm>
+          <a:off x="0" y="0"/>
+          <a:ext cx="0" cy="0"/>
+          <a:chOff x="0" y="0"/>
+          <a:chExt cx="0" cy="0"/>
+        </a:xfrm>
+      </p:grpSpPr>
+      <p:sp>
+        <p:nvSpPr>
+          <p:cNvPr id="2" name="Title 1">
+            <a:extLst>
+              <a:ext uri="{FF2B5EF4-FFF2-40B4-BE49-F238E27FC236}">
+                <a16:creationId xmlns:a16="http://schemas.microsoft.com/office/drawing/2014/main" id="{E8842870-746F-A8F1-2EBE-BA0101F650E6}"/>
+              </a:ext>
+            </a:extLst>
+          </p:cNvPr>
+          <p:cNvSpPr>
+            <a:spLocks noGrp="1"/>
+          </p:cNvSpPr>
+          <p:nvPr>
+            <p:ph type="title"/>
+          </p:nvPr>
+        </p:nvSpPr>
+        <p:spPr/>
+        <p:txBody>
+          <a:bodyPr/>
+          <a:lstStyle/>
+          <a:p>
+            <a:r>
+              <a:rPr lang="en-US" dirty="0"/>
+              <a:t>Identifying what model to use…</a:t>
+            </a:r>
+          </a:p>
+        </p:txBody>
+      </p:sp>
+      <p:sp>
+        <p:nvSpPr>
+          <p:cNvPr id="3" name="Content Placeholder 2">
+            <a:extLst>
+              <a:ext uri="{FF2B5EF4-FFF2-40B4-BE49-F238E27FC236}">
+                <a16:creationId xmlns:a16="http://schemas.microsoft.com/office/drawing/2014/main" id="{7EF9739E-4137-89B3-E7CC-ECD8996BA9F2}"/>
+              </a:ext>
+            </a:extLst>
+          </p:cNvPr>
+          <p:cNvSpPr>
+            <a:spLocks noGrp="1"/>
+          </p:cNvSpPr>
+          <p:nvPr>
+            <p:ph idx="1"/>
+          </p:nvPr>
+        </p:nvSpPr>
+        <p:spPr>
+          <a:xfrm>
+            <a:off x="838199" y="1825625"/>
+            <a:ext cx="10724535" cy="4103688"/>
+          </a:xfrm>
+        </p:spPr>
+        <p:txBody>
+          <a:bodyPr>
+            <a:normAutofit fontScale="92500" lnSpcReduction="10000"/>
+          </a:bodyPr>
+          <a:lstStyle/>
+          <a:p>
+            <a:pPr marL="514350" indent="-514350">
+              <a:buFont typeface="+mj-lt"/>
+              <a:buAutoNum type="arabicPeriod"/>
+            </a:pPr>
+            <a:r>
+              <a:rPr lang="en-US" dirty="0"/>
+              <a:t>Develop your question &amp; hypotheses (ideally before collecting data…) </a:t>
+            </a:r>
+          </a:p>
+          <a:p>
+            <a:pPr marL="514350" indent="-514350">
+              <a:buFont typeface="+mj-lt"/>
+              <a:buAutoNum type="arabicPeriod"/>
+            </a:pPr>
+            <a:r>
+              <a:rPr lang="en-US" dirty="0"/>
+              <a:t>Assess your variable types (binary response variables vs. continuous vs. discrete etc.)</a:t>
+            </a:r>
+          </a:p>
+          <a:p>
+            <a:pPr marL="514350" indent="-514350">
+              <a:buFont typeface="+mj-lt"/>
+              <a:buAutoNum type="arabicPeriod"/>
+            </a:pPr>
+            <a:r>
+              <a:rPr lang="en-US" dirty="0"/>
+              <a:t>Decide if you can use parametric testing or if you need a non-parametric test (</a:t>
+            </a:r>
+            <a:r>
+              <a:rPr lang="en-US" i="1" dirty="0"/>
+              <a:t>i.e. </a:t>
+            </a:r>
+            <a:r>
+              <a:rPr lang="en-US" dirty="0"/>
+              <a:t>do your data abide by the assumptions of parametric testing)</a:t>
+            </a:r>
+          </a:p>
+          <a:p>
+            <a:pPr lvl="1">
+              <a:buFont typeface="Wingdings" pitchFamily="2" charset="2"/>
+              <a:buChar char="ü"/>
+            </a:pPr>
+            <a:r>
+              <a:rPr lang="en-US" dirty="0"/>
+              <a:t>Independence of Observations: is there a relationship between your observations or variables</a:t>
+            </a:r>
+          </a:p>
+          <a:p>
+            <a:pPr lvl="1">
+              <a:buFont typeface="Wingdings" pitchFamily="2" charset="2"/>
+              <a:buChar char="ü"/>
+            </a:pPr>
+            <a:r>
+              <a:rPr lang="en-US" dirty="0"/>
+              <a:t>Homogeneity of Variance (Homoscedasticity): is the variation among your different groups (treatments) relatively similar?</a:t>
+            </a:r>
+          </a:p>
+          <a:p>
+            <a:pPr lvl="1">
+              <a:buFont typeface="Wingdings" pitchFamily="2" charset="2"/>
+              <a:buChar char="ü"/>
+            </a:pPr>
+            <a:r>
+              <a:rPr lang="en-US" dirty="0"/>
+              <a:t>Normality of Data: do your data follow a normal distribution? </a:t>
+            </a:r>
+          </a:p>
+          <a:p>
+            <a:pPr marL="971550" lvl="1" indent="-514350">
+              <a:buFont typeface="+mj-lt"/>
+              <a:buAutoNum type="arabicPeriod"/>
+            </a:pPr>
+            <a:endParaRPr lang="en-US" dirty="0"/>
+          </a:p>
+        </p:txBody>
+      </p:sp>
+      <p:sp>
+        <p:nvSpPr>
+          <p:cNvPr id="4" name="TextBox 3">
+            <a:extLst>
+              <a:ext uri="{FF2B5EF4-FFF2-40B4-BE49-F238E27FC236}">
+                <a16:creationId xmlns:a16="http://schemas.microsoft.com/office/drawing/2014/main" id="{0FA36872-4985-CCBF-210F-6443F1B32C0F}"/>
+              </a:ext>
+            </a:extLst>
+          </p:cNvPr>
+          <p:cNvSpPr txBox="1"/>
+          <p:nvPr/>
+        </p:nvSpPr>
+        <p:spPr>
+          <a:xfrm>
+            <a:off x="838200" y="6064250"/>
+            <a:ext cx="10515600" cy="707886"/>
+          </a:xfrm>
+          <a:prstGeom prst="rect">
+            <a:avLst/>
+          </a:prstGeom>
+          <a:noFill/>
+          <a:ln>
+            <a:solidFill>
+              <a:schemeClr val="tx1"/>
+            </a:solidFill>
+          </a:ln>
+        </p:spPr>
+        <p:txBody>
+          <a:bodyPr wrap="square" rtlCol="0">
+            <a:spAutoFit/>
+          </a:bodyPr>
+          <a:lstStyle/>
+          <a:p>
+            <a:pPr algn="ctr"/>
+            <a:r>
+              <a:rPr lang="en-US" sz="2000" dirty="0"/>
+              <a:t>If the answer to any of these 3 questions is yes, then you either need to correct for it, or use a non-parametric test</a:t>
+            </a:r>
+          </a:p>
+        </p:txBody>
+      </p:sp>
+    </p:spTree>
+    <p:extLst>
+      <p:ext uri="{BB962C8B-B14F-4D97-AF65-F5344CB8AC3E}">
+        <p14:creationId xmlns:p14="http://schemas.microsoft.com/office/powerpoint/2010/main" val="3058689753"/>
+      </p:ext>
+    </p:extLst>
+  </p:cSld>
+  <p:clrMapOvr>
+    <a:masterClrMapping/>
+  </p:clrMapOvr>
+</p:sld>
+</file>
+
+<file path=ppt/slides/slide25.xml><?xml version="1.0" encoding="utf-8"?>
+<p:sld xmlns:a="http://schemas.openxmlformats.org/drawingml/2006/main" xmlns:r="http://schemas.openxmlformats.org/officeDocument/2006/relationships" xmlns:p="http://schemas.openxmlformats.org/presentationml/2006/main">
+  <p:cSld>
+    <p:spTree>
+      <p:nvGrpSpPr>
+        <p:cNvPr id="1" name="">
+          <a:extLst>
+            <a:ext uri="{FF2B5EF4-FFF2-40B4-BE49-F238E27FC236}">
+              <a16:creationId xmlns:a16="http://schemas.microsoft.com/office/drawing/2014/main" id="{E5D547E2-5FF2-30CD-9F9B-7C8554E910CF}"/>
+            </a:ext>
+          </a:extLst>
+        </p:cNvPr>
+        <p:cNvGrpSpPr/>
+        <p:nvPr/>
+      </p:nvGrpSpPr>
+      <p:grpSpPr>
+        <a:xfrm>
+          <a:off x="0" y="0"/>
+          <a:ext cx="0" cy="0"/>
+          <a:chOff x="0" y="0"/>
+          <a:chExt cx="0" cy="0"/>
+        </a:xfrm>
+      </p:grpSpPr>
+      <p:sp>
+        <p:nvSpPr>
+          <p:cNvPr id="2" name="Title 1">
+            <a:extLst>
+              <a:ext uri="{FF2B5EF4-FFF2-40B4-BE49-F238E27FC236}">
+                <a16:creationId xmlns:a16="http://schemas.microsoft.com/office/drawing/2014/main" id="{91BCB7B7-36E3-BAD6-4595-D186824BABF5}"/>
+              </a:ext>
+            </a:extLst>
+          </p:cNvPr>
+          <p:cNvSpPr>
+            <a:spLocks noGrp="1"/>
+          </p:cNvSpPr>
+          <p:nvPr>
+            <p:ph type="title"/>
+          </p:nvPr>
+        </p:nvSpPr>
+        <p:spPr/>
+        <p:txBody>
+          <a:bodyPr/>
+          <a:lstStyle/>
+          <a:p>
+            <a:r>
+              <a:rPr lang="en-US" dirty="0"/>
+              <a:t>Identifying what model to use…</a:t>
+            </a:r>
+          </a:p>
+        </p:txBody>
+      </p:sp>
+      <p:sp>
+        <p:nvSpPr>
+          <p:cNvPr id="6" name="Content Placeholder 2">
+            <a:extLst>
+              <a:ext uri="{FF2B5EF4-FFF2-40B4-BE49-F238E27FC236}">
+                <a16:creationId xmlns:a16="http://schemas.microsoft.com/office/drawing/2014/main" id="{5CE18673-F0DC-964F-9C59-81F83859A4FE}"/>
+              </a:ext>
+            </a:extLst>
+          </p:cNvPr>
+          <p:cNvSpPr>
+            <a:spLocks noGrp="1"/>
+          </p:cNvSpPr>
+          <p:nvPr>
+            <p:ph idx="1"/>
+          </p:nvPr>
+        </p:nvSpPr>
+        <p:spPr>
+          <a:xfrm>
+            <a:off x="838199" y="1825625"/>
+            <a:ext cx="10724535" cy="4103688"/>
+          </a:xfrm>
+        </p:spPr>
+        <p:txBody>
+          <a:bodyPr>
+            <a:normAutofit/>
+          </a:bodyPr>
+          <a:lstStyle/>
+          <a:p>
+            <a:pPr marL="514350" indent="-514350">
+              <a:buFont typeface="+mj-lt"/>
+              <a:buAutoNum type="arabicPeriod"/>
+            </a:pPr>
+            <a:r>
+              <a:rPr lang="en-US" dirty="0"/>
+              <a:t>Develop your question &amp; hypotheses (ideally before collecting data…) </a:t>
+            </a:r>
+          </a:p>
+          <a:p>
+            <a:pPr marL="514350" indent="-514350">
+              <a:buFont typeface="+mj-lt"/>
+              <a:buAutoNum type="arabicPeriod"/>
+            </a:pPr>
+            <a:r>
+              <a:rPr lang="en-US" dirty="0"/>
+              <a:t>Assess your variable types (binary response variables vs. continuous vs. discrete etc.)</a:t>
+            </a:r>
+          </a:p>
+          <a:p>
+            <a:pPr marL="514350" indent="-514350">
+              <a:buFont typeface="+mj-lt"/>
+              <a:buAutoNum type="arabicPeriod"/>
+            </a:pPr>
+            <a:r>
+              <a:rPr lang="en-US" dirty="0"/>
+              <a:t>Decide if you can use parametric testing or if you need a non-parametric test (</a:t>
+            </a:r>
+            <a:r>
+              <a:rPr lang="en-US" i="1" dirty="0"/>
+              <a:t>i.e. </a:t>
+            </a:r>
+            <a:r>
+              <a:rPr lang="en-US" dirty="0"/>
+              <a:t>do your data abide by the assumptions of parametric testing)</a:t>
+            </a:r>
+          </a:p>
+          <a:p>
+            <a:pPr marL="514350" indent="-514350">
+              <a:buFont typeface="+mj-lt"/>
+              <a:buAutoNum type="arabicPeriod"/>
+            </a:pPr>
+            <a:r>
+              <a:rPr lang="en-US" dirty="0"/>
+              <a:t>Choose a test that answers your questions and meets your needs</a:t>
+            </a:r>
+          </a:p>
+        </p:txBody>
+      </p:sp>
+    </p:spTree>
+    <p:extLst>
+      <p:ext uri="{BB962C8B-B14F-4D97-AF65-F5344CB8AC3E}">
+        <p14:creationId xmlns:p14="http://schemas.microsoft.com/office/powerpoint/2010/main" val="4252230565"/>
+      </p:ext>
+    </p:extLst>
+  </p:cSld>
+  <p:clrMapOvr>
+    <a:masterClrMapping/>
+  </p:clrMapOvr>
+</p:sld>
+</file>
+
+<file path=ppt/slides/slide26.xml><?xml version="1.0" encoding="utf-8"?>
+<p:sld xmlns:a="http://schemas.openxmlformats.org/drawingml/2006/main" xmlns:r="http://schemas.openxmlformats.org/officeDocument/2006/relationships" xmlns:p="http://schemas.openxmlformats.org/presentationml/2006/main">
+  <p:cSld>
+    <p:spTree>
+      <p:nvGrpSpPr>
+        <p:cNvPr id="1" name="">
+          <a:extLst>
+            <a:ext uri="{FF2B5EF4-FFF2-40B4-BE49-F238E27FC236}">
               <a16:creationId xmlns:a16="http://schemas.microsoft.com/office/drawing/2014/main" id="{D8105D8A-C7BF-D2EE-60C0-82C9963B0402}"/>
             </a:ext>
           </a:extLst>
@@ -8706,7 +9639,7 @@
         </p:spPr>
         <p:txBody>
           <a:bodyPr>
-            <a:normAutofit/>
+            <a:normAutofit lnSpcReduction="10000"/>
           </a:bodyPr>
           <a:lstStyle/>
           <a:p>
@@ -8762,7 +9695,7 @@
                 <a:effectLst/>
                 <a:latin typeface="-apple-system"/>
               </a:rPr>
-              <a:t>) is doing sequential sum of squares (Type I) – data are balanced</a:t>
+              <a:t>) is doing sequential sum of squares (Type I) – data are categorical</a:t>
             </a:r>
           </a:p>
           <a:p>
@@ -8798,9 +9731,8 @@
                 <a:effectLst/>
                 <a:latin typeface="-apple-system"/>
               </a:rPr>
-              <a:t>) is doing adjusted sum of squares (Type II) – data are not balanced </a:t>
-            </a:r>
-            <a:endParaRPr lang="en-US" dirty="0"/>
+              <a:t>) is doing adjusted sum of squares (Type II) – data are continuous </a:t>
+            </a:r>
           </a:p>
           <a:p>
             <a:pPr marL="514350" indent="-514350">
@@ -8868,7 +9800,247 @@
 </p:sld>
 </file>
 
-<file path=ppt/slides/slide21.xml><?xml version="1.0" encoding="utf-8"?>
+<file path=ppt/slides/slide27.xml><?xml version="1.0" encoding="utf-8"?>
+<p:sld xmlns:a="http://schemas.openxmlformats.org/drawingml/2006/main" xmlns:r="http://schemas.openxmlformats.org/officeDocument/2006/relationships" xmlns:p="http://schemas.openxmlformats.org/presentationml/2006/main">
+  <p:cSld>
+    <p:spTree>
+      <p:nvGrpSpPr>
+        <p:cNvPr id="1" name="">
+          <a:extLst>
+            <a:ext uri="{FF2B5EF4-FFF2-40B4-BE49-F238E27FC236}">
+              <a16:creationId xmlns:a16="http://schemas.microsoft.com/office/drawing/2014/main" id="{455F5045-72F9-8BFC-AD43-4B1B587F450F}"/>
+            </a:ext>
+          </a:extLst>
+        </p:cNvPr>
+        <p:cNvGrpSpPr/>
+        <p:nvPr/>
+      </p:nvGrpSpPr>
+      <p:grpSpPr>
+        <a:xfrm>
+          <a:off x="0" y="0"/>
+          <a:ext cx="0" cy="0"/>
+          <a:chOff x="0" y="0"/>
+          <a:chExt cx="0" cy="0"/>
+        </a:xfrm>
+      </p:grpSpPr>
+      <p:sp>
+        <p:nvSpPr>
+          <p:cNvPr id="2" name="Title 1">
+            <a:extLst>
+              <a:ext uri="{FF2B5EF4-FFF2-40B4-BE49-F238E27FC236}">
+                <a16:creationId xmlns:a16="http://schemas.microsoft.com/office/drawing/2014/main" id="{F6F649C7-A380-09AB-DF02-6777BDD7AA3B}"/>
+              </a:ext>
+            </a:extLst>
+          </p:cNvPr>
+          <p:cNvSpPr>
+            <a:spLocks noGrp="1"/>
+          </p:cNvSpPr>
+          <p:nvPr>
+            <p:ph type="title"/>
+          </p:nvPr>
+        </p:nvSpPr>
+        <p:spPr/>
+        <p:txBody>
+          <a:bodyPr/>
+          <a:lstStyle/>
+          <a:p>
+            <a:r>
+              <a:rPr lang="en-US" dirty="0"/>
+              <a:t>Common Ecological Stats Tests</a:t>
+            </a:r>
+          </a:p>
+        </p:txBody>
+      </p:sp>
+      <p:sp>
+        <p:nvSpPr>
+          <p:cNvPr id="6" name="Content Placeholder 2">
+            <a:extLst>
+              <a:ext uri="{FF2B5EF4-FFF2-40B4-BE49-F238E27FC236}">
+                <a16:creationId xmlns:a16="http://schemas.microsoft.com/office/drawing/2014/main" id="{E161A86B-971C-555D-2723-5098463634C4}"/>
+              </a:ext>
+            </a:extLst>
+          </p:cNvPr>
+          <p:cNvSpPr>
+            <a:spLocks noGrp="1"/>
+          </p:cNvSpPr>
+          <p:nvPr>
+            <p:ph idx="1"/>
+          </p:nvPr>
+        </p:nvSpPr>
+        <p:spPr>
+          <a:xfrm>
+            <a:off x="838199" y="1825625"/>
+            <a:ext cx="10724535" cy="4103688"/>
+          </a:xfrm>
+        </p:spPr>
+        <p:txBody>
+          <a:bodyPr>
+            <a:normAutofit lnSpcReduction="10000"/>
+          </a:bodyPr>
+          <a:lstStyle/>
+          <a:p>
+            <a:pPr marL="514350" indent="-514350">
+              <a:buFont typeface="+mj-lt"/>
+              <a:buAutoNum type="arabicPeriod"/>
+            </a:pPr>
+            <a:r>
+              <a:rPr lang="en-US" dirty="0"/>
+              <a:t>T-tests</a:t>
+            </a:r>
+          </a:p>
+          <a:p>
+            <a:pPr marL="514350" indent="-514350">
+              <a:buFont typeface="+mj-lt"/>
+              <a:buAutoNum type="arabicPeriod"/>
+            </a:pPr>
+            <a:r>
+              <a:rPr lang="en-US" b="1" dirty="0"/>
+              <a:t>ANOVA </a:t>
+            </a:r>
+            <a:r>
+              <a:rPr lang="en-US" dirty="0"/>
+              <a:t>or Linear Model</a:t>
+            </a:r>
+          </a:p>
+          <a:p>
+            <a:pPr marL="971550" lvl="1" indent="-514350">
+              <a:buFont typeface="+mj-lt"/>
+              <a:buAutoNum type="arabicPeriod"/>
+            </a:pPr>
+            <a:r>
+              <a:rPr lang="en-US" b="1" i="0" u="none" strike="noStrike" dirty="0">
+                <a:solidFill>
+                  <a:srgbClr val="0C0D0E"/>
+                </a:solidFill>
+                <a:effectLst/>
+                <a:latin typeface="-apple-system"/>
+              </a:rPr>
+              <a:t>ANOVA (</a:t>
+            </a:r>
+            <a:r>
+              <a:rPr lang="en-US" b="1" i="0" u="none" strike="noStrike" dirty="0" err="1">
+                <a:solidFill>
+                  <a:srgbClr val="0C0D0E"/>
+                </a:solidFill>
+                <a:effectLst/>
+                <a:latin typeface="-apple-system"/>
+              </a:rPr>
+              <a:t>aov</a:t>
+            </a:r>
+            <a:r>
+              <a:rPr lang="en-US" b="1" i="0" u="none" strike="noStrike" dirty="0">
+                <a:solidFill>
+                  <a:srgbClr val="0C0D0E"/>
+                </a:solidFill>
+                <a:effectLst/>
+                <a:latin typeface="-apple-system"/>
+              </a:rPr>
+              <a:t>) is doing sequential sum of squares (Type I) – data are categorical</a:t>
+            </a:r>
+          </a:p>
+          <a:p>
+            <a:pPr marL="971550" lvl="1" indent="-514350">
+              <a:buFont typeface="+mj-lt"/>
+              <a:buAutoNum type="arabicPeriod"/>
+            </a:pPr>
+            <a:r>
+              <a:rPr lang="en-US" b="0" i="0" u="none" strike="noStrike" dirty="0">
+                <a:solidFill>
+                  <a:srgbClr val="0C0D0E"/>
+                </a:solidFill>
+                <a:effectLst/>
+                <a:latin typeface="-apple-system"/>
+              </a:rPr>
+              <a:t>Linear Model (</a:t>
+            </a:r>
+            <a:r>
+              <a:rPr lang="en-US" b="0" i="0" u="none" strike="noStrike" dirty="0" err="1">
+                <a:solidFill>
+                  <a:srgbClr val="0C0D0E"/>
+                </a:solidFill>
+                <a:effectLst/>
+                <a:latin typeface="-apple-system"/>
+              </a:rPr>
+              <a:t>lm</a:t>
+            </a:r>
+            <a:r>
+              <a:rPr lang="en-US" b="0" i="0" u="none" strike="noStrike" dirty="0">
+                <a:solidFill>
+                  <a:srgbClr val="0C0D0E"/>
+                </a:solidFill>
+                <a:effectLst/>
+                <a:latin typeface="-apple-system"/>
+              </a:rPr>
+              <a:t>) is doing adjusted sum of squares (Type II) – data are continuous </a:t>
+            </a:r>
+          </a:p>
+          <a:p>
+            <a:pPr marL="514350" indent="-514350">
+              <a:buFont typeface="+mj-lt"/>
+              <a:buAutoNum type="arabicPeriod"/>
+            </a:pPr>
+            <a:r>
+              <a:rPr lang="en-US" b="1" dirty="0"/>
+              <a:t>Regression (a few types)</a:t>
+            </a:r>
+          </a:p>
+          <a:p>
+            <a:pPr marL="514350" indent="-514350">
+              <a:buFont typeface="+mj-lt"/>
+              <a:buAutoNum type="arabicPeriod"/>
+            </a:pPr>
+            <a:r>
+              <a:rPr lang="en-US" dirty="0"/>
+              <a:t>Ordination analyses (PCA, RDA, NMDS, CCA, </a:t>
+            </a:r>
+            <a:r>
+              <a:rPr lang="en-US" dirty="0" err="1"/>
+              <a:t>etc</a:t>
+            </a:r>
+            <a:r>
+              <a:rPr lang="en-US" dirty="0"/>
+              <a:t>…)</a:t>
+            </a:r>
+          </a:p>
+          <a:p>
+            <a:pPr marL="457200" lvl="1" indent="0">
+              <a:buNone/>
+            </a:pPr>
+            <a:r>
+              <a:rPr lang="en-US" dirty="0"/>
+              <a:t>not going over this today but this is a good brief overview of the differences: </a:t>
+            </a:r>
+            <a:r>
+              <a:rPr lang="en-US" dirty="0">
+                <a:hlinkClick r:id="rId3"/>
+              </a:rPr>
+              <a:t>https://www.davidzeleny.net/anadat-r/doku.php/en:ordination</a:t>
+            </a:r>
+            <a:endParaRPr lang="en-US" dirty="0"/>
+          </a:p>
+          <a:p>
+            <a:pPr marL="514350" indent="-514350">
+              <a:buFont typeface="+mj-lt"/>
+              <a:buAutoNum type="arabicPeriod"/>
+            </a:pPr>
+            <a:endParaRPr lang="en-US" dirty="0"/>
+          </a:p>
+        </p:txBody>
+      </p:sp>
+    </p:spTree>
+    <p:extLst>
+      <p:ext uri="{BB962C8B-B14F-4D97-AF65-F5344CB8AC3E}">
+        <p14:creationId xmlns:p14="http://schemas.microsoft.com/office/powerpoint/2010/main" val="1180648010"/>
+      </p:ext>
+    </p:extLst>
+  </p:cSld>
+  <p:clrMapOvr>
+    <a:masterClrMapping/>
+  </p:clrMapOvr>
+</p:sld>
+</file>
+
+<file path=ppt/slides/slide28.xml><?xml version="1.0" encoding="utf-8"?>
 <p:sld xmlns:a="http://schemas.openxmlformats.org/drawingml/2006/main" xmlns:r="http://schemas.openxmlformats.org/officeDocument/2006/relationships" xmlns:p="http://schemas.openxmlformats.org/presentationml/2006/main">
   <p:cSld>
     <p:spTree>
@@ -8992,7 +10164,7 @@
 </p:sld>
 </file>
 
-<file path=ppt/slides/slide22.xml><?xml version="1.0" encoding="utf-8"?>
+<file path=ppt/slides/slide29.xml><?xml version="1.0" encoding="utf-8"?>
 <p:sld xmlns:a="http://schemas.openxmlformats.org/drawingml/2006/main" xmlns:r="http://schemas.openxmlformats.org/officeDocument/2006/relationships" xmlns:p="http://schemas.openxmlformats.org/presentationml/2006/main">
   <p:cSld>
     <p:spTree>
@@ -9155,939 +10327,6 @@
     <p:extLst>
       <p:ext uri="{BB962C8B-B14F-4D97-AF65-F5344CB8AC3E}">
         <p14:creationId xmlns:p14="http://schemas.microsoft.com/office/powerpoint/2010/main" val="2223334932"/>
-      </p:ext>
-    </p:extLst>
-  </p:cSld>
-  <p:clrMapOvr>
-    <a:masterClrMapping/>
-  </p:clrMapOvr>
-</p:sld>
-</file>
-
-<file path=ppt/slides/slide23.xml><?xml version="1.0" encoding="utf-8"?>
-<p:sld xmlns:a="http://schemas.openxmlformats.org/drawingml/2006/main" xmlns:r="http://schemas.openxmlformats.org/officeDocument/2006/relationships" xmlns:p="http://schemas.openxmlformats.org/presentationml/2006/main">
-  <p:cSld>
-    <p:spTree>
-      <p:nvGrpSpPr>
-        <p:cNvPr id="1" name="">
-          <a:extLst>
-            <a:ext uri="{FF2B5EF4-FFF2-40B4-BE49-F238E27FC236}">
-              <a16:creationId xmlns:a16="http://schemas.microsoft.com/office/drawing/2014/main" id="{24CF3CE9-4F18-7921-EAD0-A5912534FF19}"/>
-            </a:ext>
-          </a:extLst>
-        </p:cNvPr>
-        <p:cNvGrpSpPr/>
-        <p:nvPr/>
-      </p:nvGrpSpPr>
-      <p:grpSpPr>
-        <a:xfrm>
-          <a:off x="0" y="0"/>
-          <a:ext cx="0" cy="0"/>
-          <a:chOff x="0" y="0"/>
-          <a:chExt cx="0" cy="0"/>
-        </a:xfrm>
-      </p:grpSpPr>
-      <p:pic>
-        <p:nvPicPr>
-          <p:cNvPr id="5" name="Content Placeholder 4" descr="A table with text on it&#10;&#10;Description automatically generated">
-            <a:extLst>
-              <a:ext uri="{FF2B5EF4-FFF2-40B4-BE49-F238E27FC236}">
-                <a16:creationId xmlns:a16="http://schemas.microsoft.com/office/drawing/2014/main" id="{1B244CD7-5337-C8E6-D5AE-794610764F70}"/>
-              </a:ext>
-            </a:extLst>
-          </p:cNvPr>
-          <p:cNvPicPr>
-            <a:picLocks noGrp="1" noChangeAspect="1"/>
-          </p:cNvPicPr>
-          <p:nvPr>
-            <p:ph idx="1"/>
-          </p:nvPr>
-        </p:nvPicPr>
-        <p:blipFill>
-          <a:blip r:embed="rId2"/>
-          <a:srcRect l="18438" t="5776" r="14895"/>
-          <a:stretch/>
-        </p:blipFill>
-        <p:spPr>
-          <a:xfrm>
-            <a:off x="6028562" y="1828755"/>
-            <a:ext cx="5832667" cy="4926776"/>
-          </a:xfrm>
-        </p:spPr>
-      </p:pic>
-      <p:pic>
-        <p:nvPicPr>
-          <p:cNvPr id="6" name="Picture 5" descr="A diagram of a question&#10;&#10;Description automatically generated">
-            <a:extLst>
-              <a:ext uri="{FF2B5EF4-FFF2-40B4-BE49-F238E27FC236}">
-                <a16:creationId xmlns:a16="http://schemas.microsoft.com/office/drawing/2014/main" id="{FBF929FE-E222-1AB8-1732-FA6B2B92B52B}"/>
-              </a:ext>
-            </a:extLst>
-          </p:cNvPr>
-          <p:cNvPicPr>
-            <a:picLocks noChangeAspect="1"/>
-          </p:cNvPicPr>
-          <p:nvPr/>
-        </p:nvPicPr>
-        <p:blipFill>
-          <a:blip r:embed="rId3"/>
-          <a:stretch>
-            <a:fillRect/>
-          </a:stretch>
-        </p:blipFill>
-        <p:spPr>
-          <a:xfrm>
-            <a:off x="0" y="2700392"/>
-            <a:ext cx="6028562" cy="2990546"/>
-          </a:xfrm>
-          <a:prstGeom prst="rect">
-            <a:avLst/>
-          </a:prstGeom>
-        </p:spPr>
-      </p:pic>
-      <p:sp>
-        <p:nvSpPr>
-          <p:cNvPr id="7" name="TextBox 6">
-            <a:extLst>
-              <a:ext uri="{FF2B5EF4-FFF2-40B4-BE49-F238E27FC236}">
-                <a16:creationId xmlns:a16="http://schemas.microsoft.com/office/drawing/2014/main" id="{24535D4C-4A33-9D78-591D-199551460B95}"/>
-              </a:ext>
-            </a:extLst>
-          </p:cNvPr>
-          <p:cNvSpPr txBox="1"/>
-          <p:nvPr/>
-        </p:nvSpPr>
-        <p:spPr>
-          <a:xfrm>
-            <a:off x="8377083" y="5383161"/>
-            <a:ext cx="1135626" cy="307777"/>
-          </a:xfrm>
-          <a:prstGeom prst="rect">
-            <a:avLst/>
-          </a:prstGeom>
-          <a:noFill/>
-        </p:spPr>
-        <p:txBody>
-          <a:bodyPr wrap="square" rtlCol="0">
-            <a:spAutoFit/>
-          </a:bodyPr>
-          <a:lstStyle/>
-          <a:p>
-            <a:r>
-              <a:rPr lang="en-US" sz="1400" dirty="0"/>
-              <a:t>(Binary)</a:t>
-            </a:r>
-          </a:p>
-        </p:txBody>
-      </p:sp>
-      <p:sp>
-        <p:nvSpPr>
-          <p:cNvPr id="2" name="Title 1">
-            <a:extLst>
-              <a:ext uri="{FF2B5EF4-FFF2-40B4-BE49-F238E27FC236}">
-                <a16:creationId xmlns:a16="http://schemas.microsoft.com/office/drawing/2014/main" id="{732CBA96-2926-7243-EA17-E039BC4D0C35}"/>
-              </a:ext>
-            </a:extLst>
-          </p:cNvPr>
-          <p:cNvSpPr>
-            <a:spLocks noGrp="1"/>
-          </p:cNvSpPr>
-          <p:nvPr>
-            <p:ph type="title"/>
-          </p:nvPr>
-        </p:nvSpPr>
-        <p:spPr>
-          <a:xfrm>
-            <a:off x="838200" y="365125"/>
-            <a:ext cx="10515600" cy="1325563"/>
-          </a:xfrm>
-        </p:spPr>
-        <p:txBody>
-          <a:bodyPr>
-            <a:normAutofit fontScale="90000"/>
-          </a:bodyPr>
-          <a:lstStyle/>
-          <a:p>
-            <a:r>
-              <a:rPr lang="en-US" dirty="0"/>
-              <a:t>Apply this to our questions: </a:t>
-            </a:r>
-            <a:br>
-              <a:rPr lang="en-US" dirty="0"/>
-            </a:br>
-            <a:r>
-              <a:rPr lang="en-US" sz="3100" dirty="0"/>
-              <a:t>How does the arthropod community change with grazing intensity?</a:t>
-            </a:r>
-            <a:endParaRPr lang="en-US" dirty="0"/>
-          </a:p>
-        </p:txBody>
-      </p:sp>
-      <p:sp>
-        <p:nvSpPr>
-          <p:cNvPr id="3" name="Rectangle 2">
-            <a:extLst>
-              <a:ext uri="{FF2B5EF4-FFF2-40B4-BE49-F238E27FC236}">
-                <a16:creationId xmlns:a16="http://schemas.microsoft.com/office/drawing/2014/main" id="{30DB04BD-CA8D-796F-13CC-AA5B6FB75856}"/>
-              </a:ext>
-            </a:extLst>
-          </p:cNvPr>
-          <p:cNvSpPr/>
-          <p:nvPr/>
-        </p:nvSpPr>
-        <p:spPr>
-          <a:xfrm>
-            <a:off x="73743" y="3583860"/>
-            <a:ext cx="2462981" cy="737420"/>
-          </a:xfrm>
-          <a:prstGeom prst="rect">
-            <a:avLst/>
-          </a:prstGeom>
-          <a:noFill/>
-          <a:ln w="28575">
-            <a:solidFill>
-              <a:srgbClr val="FF0000"/>
-            </a:solidFill>
-          </a:ln>
-        </p:spPr>
-        <p:style>
-          <a:lnRef idx="2">
-            <a:schemeClr val="accent1">
-              <a:shade val="15000"/>
-            </a:schemeClr>
-          </a:lnRef>
-          <a:fillRef idx="1">
-            <a:schemeClr val="accent1"/>
-          </a:fillRef>
-          <a:effectRef idx="0">
-            <a:schemeClr val="accent1"/>
-          </a:effectRef>
-          <a:fontRef idx="minor">
-            <a:schemeClr val="lt1"/>
-          </a:fontRef>
-        </p:style>
-        <p:txBody>
-          <a:bodyPr rtlCol="0" anchor="ctr"/>
-          <a:lstStyle/>
-          <a:p>
-            <a:pPr algn="ctr"/>
-            <a:endParaRPr lang="en-US"/>
-          </a:p>
-        </p:txBody>
-      </p:sp>
-      <p:sp>
-        <p:nvSpPr>
-          <p:cNvPr id="4" name="Rectangle 3">
-            <a:extLst>
-              <a:ext uri="{FF2B5EF4-FFF2-40B4-BE49-F238E27FC236}">
-                <a16:creationId xmlns:a16="http://schemas.microsoft.com/office/drawing/2014/main" id="{10B611C0-8384-B138-6A1A-94DDF1C2F9D5}"/>
-              </a:ext>
-            </a:extLst>
-          </p:cNvPr>
-          <p:cNvSpPr/>
-          <p:nvPr/>
-        </p:nvSpPr>
-        <p:spPr>
-          <a:xfrm>
-            <a:off x="6163440" y="3219686"/>
-            <a:ext cx="5576276" cy="954108"/>
-          </a:xfrm>
-          <a:prstGeom prst="rect">
-            <a:avLst/>
-          </a:prstGeom>
-          <a:noFill/>
-          <a:ln w="28575">
-            <a:solidFill>
-              <a:srgbClr val="FF0000"/>
-            </a:solidFill>
-          </a:ln>
-        </p:spPr>
-        <p:style>
-          <a:lnRef idx="2">
-            <a:schemeClr val="accent1">
-              <a:shade val="15000"/>
-            </a:schemeClr>
-          </a:lnRef>
-          <a:fillRef idx="1">
-            <a:schemeClr val="accent1"/>
-          </a:fillRef>
-          <a:effectRef idx="0">
-            <a:schemeClr val="accent1"/>
-          </a:effectRef>
-          <a:fontRef idx="minor">
-            <a:schemeClr val="lt1"/>
-          </a:fontRef>
-        </p:style>
-        <p:txBody>
-          <a:bodyPr rtlCol="0" anchor="ctr"/>
-          <a:lstStyle/>
-          <a:p>
-            <a:pPr algn="ctr"/>
-            <a:endParaRPr lang="en-US"/>
-          </a:p>
-        </p:txBody>
-      </p:sp>
-      <p:sp>
-        <p:nvSpPr>
-          <p:cNvPr id="8" name="TextBox 7">
-            <a:extLst>
-              <a:ext uri="{FF2B5EF4-FFF2-40B4-BE49-F238E27FC236}">
-                <a16:creationId xmlns:a16="http://schemas.microsoft.com/office/drawing/2014/main" id="{CB40213A-77AD-29F0-D82E-729B5CFED455}"/>
-              </a:ext>
-            </a:extLst>
-          </p:cNvPr>
-          <p:cNvSpPr txBox="1"/>
-          <p:nvPr/>
-        </p:nvSpPr>
-        <p:spPr>
-          <a:xfrm>
-            <a:off x="0" y="5939491"/>
-            <a:ext cx="6555658" cy="954107"/>
-          </a:xfrm>
-          <a:prstGeom prst="rect">
-            <a:avLst/>
-          </a:prstGeom>
-          <a:noFill/>
-        </p:spPr>
-        <p:txBody>
-          <a:bodyPr wrap="square" rtlCol="0">
-            <a:spAutoFit/>
-          </a:bodyPr>
-          <a:lstStyle/>
-          <a:p>
-            <a:r>
-              <a:rPr lang="en-US" sz="2800" dirty="0"/>
-              <a:t>Our groups are:</a:t>
-            </a:r>
-          </a:p>
-          <a:p>
-            <a:r>
-              <a:rPr lang="en-US" sz="2800" dirty="0"/>
-              <a:t>high grazing, low grazing, and no grazing </a:t>
-            </a:r>
-          </a:p>
-        </p:txBody>
-      </p:sp>
-      <p:sp>
-        <p:nvSpPr>
-          <p:cNvPr id="9" name="Rectangle 8">
-            <a:extLst>
-              <a:ext uri="{FF2B5EF4-FFF2-40B4-BE49-F238E27FC236}">
-                <a16:creationId xmlns:a16="http://schemas.microsoft.com/office/drawing/2014/main" id="{1C1D7C4D-76D6-FCDD-B386-2D7F8EF6BBC2}"/>
-              </a:ext>
-            </a:extLst>
-          </p:cNvPr>
-          <p:cNvSpPr/>
-          <p:nvPr/>
-        </p:nvSpPr>
-        <p:spPr>
-          <a:xfrm>
-            <a:off x="1568247" y="4467328"/>
-            <a:ext cx="1204451" cy="1078066"/>
-          </a:xfrm>
-          <a:prstGeom prst="rect">
-            <a:avLst/>
-          </a:prstGeom>
-          <a:noFill/>
-          <a:ln w="28575">
-            <a:solidFill>
-              <a:srgbClr val="FF0000"/>
-            </a:solidFill>
-          </a:ln>
-        </p:spPr>
-        <p:style>
-          <a:lnRef idx="2">
-            <a:schemeClr val="accent1">
-              <a:shade val="15000"/>
-            </a:schemeClr>
-          </a:lnRef>
-          <a:fillRef idx="1">
-            <a:schemeClr val="accent1"/>
-          </a:fillRef>
-          <a:effectRef idx="0">
-            <a:schemeClr val="accent1"/>
-          </a:effectRef>
-          <a:fontRef idx="minor">
-            <a:schemeClr val="lt1"/>
-          </a:fontRef>
-        </p:style>
-        <p:txBody>
-          <a:bodyPr rtlCol="0" anchor="ctr"/>
-          <a:lstStyle/>
-          <a:p>
-            <a:pPr algn="ctr"/>
-            <a:endParaRPr lang="en-US"/>
-          </a:p>
-        </p:txBody>
-      </p:sp>
-    </p:spTree>
-    <p:extLst>
-      <p:ext uri="{BB962C8B-B14F-4D97-AF65-F5344CB8AC3E}">
-        <p14:creationId xmlns:p14="http://schemas.microsoft.com/office/powerpoint/2010/main" val="4073924205"/>
-      </p:ext>
-    </p:extLst>
-  </p:cSld>
-  <p:clrMapOvr>
-    <a:masterClrMapping/>
-  </p:clrMapOvr>
-</p:sld>
-</file>
-
-<file path=ppt/slides/slide24.xml><?xml version="1.0" encoding="utf-8"?>
-<p:sld xmlns:a="http://schemas.openxmlformats.org/drawingml/2006/main" xmlns:r="http://schemas.openxmlformats.org/officeDocument/2006/relationships" xmlns:p="http://schemas.openxmlformats.org/presentationml/2006/main">
-  <p:cSld>
-    <p:spTree>
-      <p:nvGrpSpPr>
-        <p:cNvPr id="1" name="">
-          <a:extLst>
-            <a:ext uri="{FF2B5EF4-FFF2-40B4-BE49-F238E27FC236}">
-              <a16:creationId xmlns:a16="http://schemas.microsoft.com/office/drawing/2014/main" id="{9D8F4CB0-3DA5-C5CB-ACD1-7D287B59EB02}"/>
-            </a:ext>
-          </a:extLst>
-        </p:cNvPr>
-        <p:cNvGrpSpPr/>
-        <p:nvPr/>
-      </p:nvGrpSpPr>
-      <p:grpSpPr>
-        <a:xfrm>
-          <a:off x="0" y="0"/>
-          <a:ext cx="0" cy="0"/>
-          <a:chOff x="0" y="0"/>
-          <a:chExt cx="0" cy="0"/>
-        </a:xfrm>
-      </p:grpSpPr>
-      <p:pic>
-        <p:nvPicPr>
-          <p:cNvPr id="5" name="Content Placeholder 4" descr="A table with text on it&#10;&#10;Description automatically generated">
-            <a:extLst>
-              <a:ext uri="{FF2B5EF4-FFF2-40B4-BE49-F238E27FC236}">
-                <a16:creationId xmlns:a16="http://schemas.microsoft.com/office/drawing/2014/main" id="{B2D6A3E4-0310-35BD-768B-945E15574236}"/>
-              </a:ext>
-            </a:extLst>
-          </p:cNvPr>
-          <p:cNvPicPr>
-            <a:picLocks noGrp="1" noChangeAspect="1"/>
-          </p:cNvPicPr>
-          <p:nvPr>
-            <p:ph idx="1"/>
-          </p:nvPr>
-        </p:nvPicPr>
-        <p:blipFill>
-          <a:blip r:embed="rId2"/>
-          <a:srcRect l="18438" t="5776" r="14895"/>
-          <a:stretch/>
-        </p:blipFill>
-        <p:spPr>
-          <a:xfrm>
-            <a:off x="6028562" y="1828755"/>
-            <a:ext cx="5832667" cy="4926776"/>
-          </a:xfrm>
-        </p:spPr>
-      </p:pic>
-      <p:pic>
-        <p:nvPicPr>
-          <p:cNvPr id="6" name="Picture 5" descr="A diagram of a question&#10;&#10;Description automatically generated">
-            <a:extLst>
-              <a:ext uri="{FF2B5EF4-FFF2-40B4-BE49-F238E27FC236}">
-                <a16:creationId xmlns:a16="http://schemas.microsoft.com/office/drawing/2014/main" id="{DDB6AED5-1801-7EA1-85A8-D4D541B91F78}"/>
-              </a:ext>
-            </a:extLst>
-          </p:cNvPr>
-          <p:cNvPicPr>
-            <a:picLocks noChangeAspect="1"/>
-          </p:cNvPicPr>
-          <p:nvPr/>
-        </p:nvPicPr>
-        <p:blipFill>
-          <a:blip r:embed="rId3"/>
-          <a:stretch>
-            <a:fillRect/>
-          </a:stretch>
-        </p:blipFill>
-        <p:spPr>
-          <a:xfrm>
-            <a:off x="0" y="2700392"/>
-            <a:ext cx="6028562" cy="2990546"/>
-          </a:xfrm>
-          <a:prstGeom prst="rect">
-            <a:avLst/>
-          </a:prstGeom>
-        </p:spPr>
-      </p:pic>
-      <p:sp>
-        <p:nvSpPr>
-          <p:cNvPr id="7" name="TextBox 6">
-            <a:extLst>
-              <a:ext uri="{FF2B5EF4-FFF2-40B4-BE49-F238E27FC236}">
-                <a16:creationId xmlns:a16="http://schemas.microsoft.com/office/drawing/2014/main" id="{F69EA43B-C423-1BEC-6BEC-2C8936975836}"/>
-              </a:ext>
-            </a:extLst>
-          </p:cNvPr>
-          <p:cNvSpPr txBox="1"/>
-          <p:nvPr/>
-        </p:nvSpPr>
-        <p:spPr>
-          <a:xfrm>
-            <a:off x="8377083" y="5383161"/>
-            <a:ext cx="1135626" cy="307777"/>
-          </a:xfrm>
-          <a:prstGeom prst="rect">
-            <a:avLst/>
-          </a:prstGeom>
-          <a:noFill/>
-        </p:spPr>
-        <p:txBody>
-          <a:bodyPr wrap="square" rtlCol="0">
-            <a:spAutoFit/>
-          </a:bodyPr>
-          <a:lstStyle/>
-          <a:p>
-            <a:r>
-              <a:rPr lang="en-US" sz="1400" dirty="0"/>
-              <a:t>(Binary)</a:t>
-            </a:r>
-          </a:p>
-        </p:txBody>
-      </p:sp>
-      <p:sp>
-        <p:nvSpPr>
-          <p:cNvPr id="2" name="Title 1">
-            <a:extLst>
-              <a:ext uri="{FF2B5EF4-FFF2-40B4-BE49-F238E27FC236}">
-                <a16:creationId xmlns:a16="http://schemas.microsoft.com/office/drawing/2014/main" id="{938327F8-CE22-DFD6-4C62-F4C385BF30D1}"/>
-              </a:ext>
-            </a:extLst>
-          </p:cNvPr>
-          <p:cNvSpPr>
-            <a:spLocks noGrp="1"/>
-          </p:cNvSpPr>
-          <p:nvPr>
-            <p:ph type="title"/>
-          </p:nvPr>
-        </p:nvSpPr>
-        <p:spPr>
-          <a:xfrm>
-            <a:off x="838200" y="365125"/>
-            <a:ext cx="10515600" cy="1325563"/>
-          </a:xfrm>
-        </p:spPr>
-        <p:txBody>
-          <a:bodyPr>
-            <a:normAutofit fontScale="90000"/>
-          </a:bodyPr>
-          <a:lstStyle/>
-          <a:p>
-            <a:r>
-              <a:rPr lang="en-US" dirty="0"/>
-              <a:t>Apply this to our questions: </a:t>
-            </a:r>
-            <a:br>
-              <a:rPr lang="en-US" dirty="0"/>
-            </a:br>
-            <a:r>
-              <a:rPr lang="en-US" sz="3100" dirty="0"/>
-              <a:t>How does the arthropod community change with grazing intensity?</a:t>
-            </a:r>
-            <a:endParaRPr lang="en-US" dirty="0"/>
-          </a:p>
-        </p:txBody>
-      </p:sp>
-      <p:sp>
-        <p:nvSpPr>
-          <p:cNvPr id="8" name="TextBox 7">
-            <a:extLst>
-              <a:ext uri="{FF2B5EF4-FFF2-40B4-BE49-F238E27FC236}">
-                <a16:creationId xmlns:a16="http://schemas.microsoft.com/office/drawing/2014/main" id="{FDF97918-CAB9-C6B1-5626-3AB18B0AE712}"/>
-              </a:ext>
-            </a:extLst>
-          </p:cNvPr>
-          <p:cNvSpPr txBox="1"/>
-          <p:nvPr/>
-        </p:nvSpPr>
-        <p:spPr>
-          <a:xfrm>
-            <a:off x="0" y="5939491"/>
-            <a:ext cx="6555658" cy="954107"/>
-          </a:xfrm>
-          <a:prstGeom prst="rect">
-            <a:avLst/>
-          </a:prstGeom>
-          <a:noFill/>
-        </p:spPr>
-        <p:txBody>
-          <a:bodyPr wrap="square" rtlCol="0">
-            <a:spAutoFit/>
-          </a:bodyPr>
-          <a:lstStyle/>
-          <a:p>
-            <a:r>
-              <a:rPr lang="en-US" sz="2800" dirty="0"/>
-              <a:t>Our groups are:</a:t>
-            </a:r>
-          </a:p>
-          <a:p>
-            <a:r>
-              <a:rPr lang="en-US" sz="2800" dirty="0"/>
-              <a:t>high grazing, low grazing, and no grazing </a:t>
-            </a:r>
-          </a:p>
-        </p:txBody>
-      </p:sp>
-      <p:sp>
-        <p:nvSpPr>
-          <p:cNvPr id="10" name="TextBox 9">
-            <a:extLst>
-              <a:ext uri="{FF2B5EF4-FFF2-40B4-BE49-F238E27FC236}">
-                <a16:creationId xmlns:a16="http://schemas.microsoft.com/office/drawing/2014/main" id="{99B29043-5FBF-8D5C-2CAF-6F90E7DF516D}"/>
-              </a:ext>
-            </a:extLst>
-          </p:cNvPr>
-          <p:cNvSpPr txBox="1"/>
-          <p:nvPr/>
-        </p:nvSpPr>
-        <p:spPr>
-          <a:xfrm>
-            <a:off x="838200" y="1777062"/>
-            <a:ext cx="4852219" cy="923330"/>
-          </a:xfrm>
-          <a:prstGeom prst="rect">
-            <a:avLst/>
-          </a:prstGeom>
-          <a:noFill/>
-        </p:spPr>
-        <p:txBody>
-          <a:bodyPr wrap="square" rtlCol="0">
-            <a:spAutoFit/>
-          </a:bodyPr>
-          <a:lstStyle/>
-          <a:p>
-            <a:r>
-              <a:rPr lang="en-US" dirty="0"/>
-              <a:t>BUT if we want to add any random factors into our model then we need to run a more complicated regression</a:t>
-            </a:r>
-          </a:p>
-        </p:txBody>
-      </p:sp>
-    </p:spTree>
-    <p:extLst>
-      <p:ext uri="{BB962C8B-B14F-4D97-AF65-F5344CB8AC3E}">
-        <p14:creationId xmlns:p14="http://schemas.microsoft.com/office/powerpoint/2010/main" val="262828752"/>
-      </p:ext>
-    </p:extLst>
-  </p:cSld>
-  <p:clrMapOvr>
-    <a:masterClrMapping/>
-  </p:clrMapOvr>
-</p:sld>
-</file>
-
-<file path=ppt/slides/slide25.xml><?xml version="1.0" encoding="utf-8"?>
-<p:sld xmlns:a="http://schemas.openxmlformats.org/drawingml/2006/main" xmlns:r="http://schemas.openxmlformats.org/officeDocument/2006/relationships" xmlns:p="http://schemas.openxmlformats.org/presentationml/2006/main">
-  <p:cSld>
-    <p:spTree>
-      <p:nvGrpSpPr>
-        <p:cNvPr id="1" name="">
-          <a:extLst>
-            <a:ext uri="{FF2B5EF4-FFF2-40B4-BE49-F238E27FC236}">
-              <a16:creationId xmlns:a16="http://schemas.microsoft.com/office/drawing/2014/main" id="{BAB3A04D-AF9C-FF2A-D4B3-755FBBB95E4B}"/>
-            </a:ext>
-          </a:extLst>
-        </p:cNvPr>
-        <p:cNvGrpSpPr/>
-        <p:nvPr/>
-      </p:nvGrpSpPr>
-      <p:grpSpPr>
-        <a:xfrm>
-          <a:off x="0" y="0"/>
-          <a:ext cx="0" cy="0"/>
-          <a:chOff x="0" y="0"/>
-          <a:chExt cx="0" cy="0"/>
-        </a:xfrm>
-      </p:grpSpPr>
-      <p:pic>
-        <p:nvPicPr>
-          <p:cNvPr id="5" name="Content Placeholder 4" descr="A table with text on it&#10;&#10;Description automatically generated">
-            <a:extLst>
-              <a:ext uri="{FF2B5EF4-FFF2-40B4-BE49-F238E27FC236}">
-                <a16:creationId xmlns:a16="http://schemas.microsoft.com/office/drawing/2014/main" id="{9B813DD0-7FB3-2F80-C650-B643B1E94E81}"/>
-              </a:ext>
-            </a:extLst>
-          </p:cNvPr>
-          <p:cNvPicPr>
-            <a:picLocks noGrp="1" noChangeAspect="1"/>
-          </p:cNvPicPr>
-          <p:nvPr>
-            <p:ph idx="1"/>
-          </p:nvPr>
-        </p:nvPicPr>
-        <p:blipFill>
-          <a:blip r:embed="rId2"/>
-          <a:srcRect l="18438" t="5776" r="14895"/>
-          <a:stretch/>
-        </p:blipFill>
-        <p:spPr>
-          <a:xfrm>
-            <a:off x="6028562" y="1828755"/>
-            <a:ext cx="5832667" cy="4926776"/>
-          </a:xfrm>
-        </p:spPr>
-      </p:pic>
-      <p:pic>
-        <p:nvPicPr>
-          <p:cNvPr id="6" name="Picture 5" descr="A diagram of a question&#10;&#10;Description automatically generated">
-            <a:extLst>
-              <a:ext uri="{FF2B5EF4-FFF2-40B4-BE49-F238E27FC236}">
-                <a16:creationId xmlns:a16="http://schemas.microsoft.com/office/drawing/2014/main" id="{B7F5CDF3-5F5F-B138-B5EA-1987AE81B218}"/>
-              </a:ext>
-            </a:extLst>
-          </p:cNvPr>
-          <p:cNvPicPr>
-            <a:picLocks noChangeAspect="1"/>
-          </p:cNvPicPr>
-          <p:nvPr/>
-        </p:nvPicPr>
-        <p:blipFill>
-          <a:blip r:embed="rId3"/>
-          <a:stretch>
-            <a:fillRect/>
-          </a:stretch>
-        </p:blipFill>
-        <p:spPr>
-          <a:xfrm>
-            <a:off x="0" y="2700392"/>
-            <a:ext cx="6028562" cy="2990546"/>
-          </a:xfrm>
-          <a:prstGeom prst="rect">
-            <a:avLst/>
-          </a:prstGeom>
-        </p:spPr>
-      </p:pic>
-      <p:sp>
-        <p:nvSpPr>
-          <p:cNvPr id="7" name="TextBox 6">
-            <a:extLst>
-              <a:ext uri="{FF2B5EF4-FFF2-40B4-BE49-F238E27FC236}">
-                <a16:creationId xmlns:a16="http://schemas.microsoft.com/office/drawing/2014/main" id="{FEE76503-A3FB-11C6-8CCD-8DE54F0FB004}"/>
-              </a:ext>
-            </a:extLst>
-          </p:cNvPr>
-          <p:cNvSpPr txBox="1"/>
-          <p:nvPr/>
-        </p:nvSpPr>
-        <p:spPr>
-          <a:xfrm>
-            <a:off x="8377083" y="5383161"/>
-            <a:ext cx="1135626" cy="307777"/>
-          </a:xfrm>
-          <a:prstGeom prst="rect">
-            <a:avLst/>
-          </a:prstGeom>
-          <a:noFill/>
-        </p:spPr>
-        <p:txBody>
-          <a:bodyPr wrap="square" rtlCol="0">
-            <a:spAutoFit/>
-          </a:bodyPr>
-          <a:lstStyle/>
-          <a:p>
-            <a:r>
-              <a:rPr lang="en-US" sz="1400" dirty="0"/>
-              <a:t>(Binary)</a:t>
-            </a:r>
-          </a:p>
-        </p:txBody>
-      </p:sp>
-      <p:sp>
-        <p:nvSpPr>
-          <p:cNvPr id="2" name="Title 1">
-            <a:extLst>
-              <a:ext uri="{FF2B5EF4-FFF2-40B4-BE49-F238E27FC236}">
-                <a16:creationId xmlns:a16="http://schemas.microsoft.com/office/drawing/2014/main" id="{D531AE83-6DDB-3DE2-49DD-ED88ACFC6C70}"/>
-              </a:ext>
-            </a:extLst>
-          </p:cNvPr>
-          <p:cNvSpPr>
-            <a:spLocks noGrp="1"/>
-          </p:cNvSpPr>
-          <p:nvPr>
-            <p:ph type="title"/>
-          </p:nvPr>
-        </p:nvSpPr>
-        <p:spPr>
-          <a:xfrm>
-            <a:off x="838200" y="365125"/>
-            <a:ext cx="10515600" cy="1325563"/>
-          </a:xfrm>
-        </p:spPr>
-        <p:txBody>
-          <a:bodyPr>
-            <a:normAutofit fontScale="90000"/>
-          </a:bodyPr>
-          <a:lstStyle/>
-          <a:p>
-            <a:r>
-              <a:rPr lang="en-US" dirty="0"/>
-              <a:t>Apply this to our questions: </a:t>
-            </a:r>
-            <a:br>
-              <a:rPr lang="en-US" dirty="0"/>
-            </a:br>
-            <a:r>
-              <a:rPr lang="en-US" sz="2800" dirty="0"/>
-              <a:t>Does the arthropod community change from year to year with grazing intensity?</a:t>
-            </a:r>
-          </a:p>
-        </p:txBody>
-      </p:sp>
-      <p:sp>
-        <p:nvSpPr>
-          <p:cNvPr id="8" name="TextBox 7">
-            <a:extLst>
-              <a:ext uri="{FF2B5EF4-FFF2-40B4-BE49-F238E27FC236}">
-                <a16:creationId xmlns:a16="http://schemas.microsoft.com/office/drawing/2014/main" id="{E0E40509-6F35-10A9-60E4-640B7D924D10}"/>
-              </a:ext>
-            </a:extLst>
-          </p:cNvPr>
-          <p:cNvSpPr txBox="1"/>
-          <p:nvPr/>
-        </p:nvSpPr>
-        <p:spPr>
-          <a:xfrm>
-            <a:off x="0" y="5939491"/>
-            <a:ext cx="6555658" cy="954107"/>
-          </a:xfrm>
-          <a:prstGeom prst="rect">
-            <a:avLst/>
-          </a:prstGeom>
-          <a:noFill/>
-        </p:spPr>
-        <p:txBody>
-          <a:bodyPr wrap="square" rtlCol="0">
-            <a:spAutoFit/>
-          </a:bodyPr>
-          <a:lstStyle/>
-          <a:p>
-            <a:r>
-              <a:rPr lang="en-US" sz="2800" dirty="0"/>
-              <a:t>Our groups are:</a:t>
-            </a:r>
-          </a:p>
-          <a:p>
-            <a:r>
-              <a:rPr lang="en-US" sz="2800" dirty="0"/>
-              <a:t>high grazing, low grazing, and no grazing </a:t>
-            </a:r>
-          </a:p>
-        </p:txBody>
-      </p:sp>
-      <p:sp>
-        <p:nvSpPr>
-          <p:cNvPr id="3" name="Rectangle 2">
-            <a:extLst>
-              <a:ext uri="{FF2B5EF4-FFF2-40B4-BE49-F238E27FC236}">
-                <a16:creationId xmlns:a16="http://schemas.microsoft.com/office/drawing/2014/main" id="{9968A948-64F4-C720-5FE1-A622B059EDAE}"/>
-              </a:ext>
-            </a:extLst>
-          </p:cNvPr>
-          <p:cNvSpPr/>
-          <p:nvPr/>
-        </p:nvSpPr>
-        <p:spPr>
-          <a:xfrm>
-            <a:off x="3185652" y="3656631"/>
-            <a:ext cx="2698954" cy="1343071"/>
-          </a:xfrm>
-          <a:prstGeom prst="rect">
-            <a:avLst/>
-          </a:prstGeom>
-          <a:noFill/>
-          <a:ln w="28575">
-            <a:solidFill>
-              <a:srgbClr val="FF0000"/>
-            </a:solidFill>
-          </a:ln>
-        </p:spPr>
-        <p:style>
-          <a:lnRef idx="2">
-            <a:schemeClr val="accent1">
-              <a:shade val="15000"/>
-            </a:schemeClr>
-          </a:lnRef>
-          <a:fillRef idx="1">
-            <a:schemeClr val="accent1"/>
-          </a:fillRef>
-          <a:effectRef idx="0">
-            <a:schemeClr val="accent1"/>
-          </a:effectRef>
-          <a:fontRef idx="minor">
-            <a:schemeClr val="lt1"/>
-          </a:fontRef>
-        </p:style>
-        <p:txBody>
-          <a:bodyPr rtlCol="0" anchor="ctr"/>
-          <a:lstStyle/>
-          <a:p>
-            <a:pPr algn="ctr"/>
-            <a:endParaRPr lang="en-US"/>
-          </a:p>
-        </p:txBody>
-      </p:sp>
-      <p:sp>
-        <p:nvSpPr>
-          <p:cNvPr id="4" name="Rectangle 3">
-            <a:extLst>
-              <a:ext uri="{FF2B5EF4-FFF2-40B4-BE49-F238E27FC236}">
-                <a16:creationId xmlns:a16="http://schemas.microsoft.com/office/drawing/2014/main" id="{E114C420-8C8F-1A78-7BFA-346F41351713}"/>
-              </a:ext>
-            </a:extLst>
-          </p:cNvPr>
-          <p:cNvSpPr/>
-          <p:nvPr/>
-        </p:nvSpPr>
-        <p:spPr>
-          <a:xfrm>
-            <a:off x="6095999" y="4227325"/>
-            <a:ext cx="5765229" cy="772378"/>
-          </a:xfrm>
-          <a:prstGeom prst="rect">
-            <a:avLst/>
-          </a:prstGeom>
-          <a:noFill/>
-          <a:ln w="28575">
-            <a:solidFill>
-              <a:srgbClr val="FF0000"/>
-            </a:solidFill>
-          </a:ln>
-        </p:spPr>
-        <p:style>
-          <a:lnRef idx="2">
-            <a:schemeClr val="accent1">
-              <a:shade val="15000"/>
-            </a:schemeClr>
-          </a:lnRef>
-          <a:fillRef idx="1">
-            <a:schemeClr val="accent1"/>
-          </a:fillRef>
-          <a:effectRef idx="0">
-            <a:schemeClr val="accent1"/>
-          </a:effectRef>
-          <a:fontRef idx="minor">
-            <a:schemeClr val="lt1"/>
-          </a:fontRef>
-        </p:style>
-        <p:txBody>
-          <a:bodyPr rtlCol="0" anchor="ctr"/>
-          <a:lstStyle/>
-          <a:p>
-            <a:pPr algn="ctr"/>
-            <a:endParaRPr lang="en-US"/>
-          </a:p>
-        </p:txBody>
-      </p:sp>
-    </p:spTree>
-    <p:extLst>
-      <p:ext uri="{BB962C8B-B14F-4D97-AF65-F5344CB8AC3E}">
-        <p14:creationId xmlns:p14="http://schemas.microsoft.com/office/powerpoint/2010/main" val="3702426457"/>
       </p:ext>
     </p:extLst>
   </p:cSld>
@@ -10291,6 +10530,2112 @@
 </p:sld>
 </file>
 
+<file path=ppt/slides/slide30.xml><?xml version="1.0" encoding="utf-8"?>
+<p:sld xmlns:a="http://schemas.openxmlformats.org/drawingml/2006/main" xmlns:r="http://schemas.openxmlformats.org/officeDocument/2006/relationships" xmlns:p="http://schemas.openxmlformats.org/presentationml/2006/main">
+  <p:cSld>
+    <p:spTree>
+      <p:nvGrpSpPr>
+        <p:cNvPr id="1" name="">
+          <a:extLst>
+            <a:ext uri="{FF2B5EF4-FFF2-40B4-BE49-F238E27FC236}">
+              <a16:creationId xmlns:a16="http://schemas.microsoft.com/office/drawing/2014/main" id="{24CF3CE9-4F18-7921-EAD0-A5912534FF19}"/>
+            </a:ext>
+          </a:extLst>
+        </p:cNvPr>
+        <p:cNvGrpSpPr/>
+        <p:nvPr/>
+      </p:nvGrpSpPr>
+      <p:grpSpPr>
+        <a:xfrm>
+          <a:off x="0" y="0"/>
+          <a:ext cx="0" cy="0"/>
+          <a:chOff x="0" y="0"/>
+          <a:chExt cx="0" cy="0"/>
+        </a:xfrm>
+      </p:grpSpPr>
+      <p:pic>
+        <p:nvPicPr>
+          <p:cNvPr id="5" name="Content Placeholder 4" descr="A table with text on it&#10;&#10;Description automatically generated">
+            <a:extLst>
+              <a:ext uri="{FF2B5EF4-FFF2-40B4-BE49-F238E27FC236}">
+                <a16:creationId xmlns:a16="http://schemas.microsoft.com/office/drawing/2014/main" id="{1B244CD7-5337-C8E6-D5AE-794610764F70}"/>
+              </a:ext>
+            </a:extLst>
+          </p:cNvPr>
+          <p:cNvPicPr>
+            <a:picLocks noGrp="1" noChangeAspect="1"/>
+          </p:cNvPicPr>
+          <p:nvPr>
+            <p:ph idx="1"/>
+          </p:nvPr>
+        </p:nvPicPr>
+        <p:blipFill>
+          <a:blip r:embed="rId2"/>
+          <a:srcRect l="18438" t="5776" r="14895"/>
+          <a:stretch/>
+        </p:blipFill>
+        <p:spPr>
+          <a:xfrm>
+            <a:off x="6028562" y="1828755"/>
+            <a:ext cx="5832667" cy="4926776"/>
+          </a:xfrm>
+        </p:spPr>
+      </p:pic>
+      <p:pic>
+        <p:nvPicPr>
+          <p:cNvPr id="6" name="Picture 5" descr="A diagram of a question&#10;&#10;Description automatically generated">
+            <a:extLst>
+              <a:ext uri="{FF2B5EF4-FFF2-40B4-BE49-F238E27FC236}">
+                <a16:creationId xmlns:a16="http://schemas.microsoft.com/office/drawing/2014/main" id="{FBF929FE-E222-1AB8-1732-FA6B2B92B52B}"/>
+              </a:ext>
+            </a:extLst>
+          </p:cNvPr>
+          <p:cNvPicPr>
+            <a:picLocks noChangeAspect="1"/>
+          </p:cNvPicPr>
+          <p:nvPr/>
+        </p:nvPicPr>
+        <p:blipFill>
+          <a:blip r:embed="rId3"/>
+          <a:stretch>
+            <a:fillRect/>
+          </a:stretch>
+        </p:blipFill>
+        <p:spPr>
+          <a:xfrm>
+            <a:off x="0" y="2700392"/>
+            <a:ext cx="6028562" cy="2990546"/>
+          </a:xfrm>
+          <a:prstGeom prst="rect">
+            <a:avLst/>
+          </a:prstGeom>
+        </p:spPr>
+      </p:pic>
+      <p:sp>
+        <p:nvSpPr>
+          <p:cNvPr id="7" name="TextBox 6">
+            <a:extLst>
+              <a:ext uri="{FF2B5EF4-FFF2-40B4-BE49-F238E27FC236}">
+                <a16:creationId xmlns:a16="http://schemas.microsoft.com/office/drawing/2014/main" id="{24535D4C-4A33-9D78-591D-199551460B95}"/>
+              </a:ext>
+            </a:extLst>
+          </p:cNvPr>
+          <p:cNvSpPr txBox="1"/>
+          <p:nvPr/>
+        </p:nvSpPr>
+        <p:spPr>
+          <a:xfrm>
+            <a:off x="8377083" y="5383161"/>
+            <a:ext cx="1135626" cy="307777"/>
+          </a:xfrm>
+          <a:prstGeom prst="rect">
+            <a:avLst/>
+          </a:prstGeom>
+          <a:noFill/>
+        </p:spPr>
+        <p:txBody>
+          <a:bodyPr wrap="square" rtlCol="0">
+            <a:spAutoFit/>
+          </a:bodyPr>
+          <a:lstStyle/>
+          <a:p>
+            <a:r>
+              <a:rPr lang="en-US" sz="1400" dirty="0"/>
+              <a:t>(Binary)</a:t>
+            </a:r>
+          </a:p>
+        </p:txBody>
+      </p:sp>
+      <p:sp>
+        <p:nvSpPr>
+          <p:cNvPr id="2" name="Title 1">
+            <a:extLst>
+              <a:ext uri="{FF2B5EF4-FFF2-40B4-BE49-F238E27FC236}">
+                <a16:creationId xmlns:a16="http://schemas.microsoft.com/office/drawing/2014/main" id="{732CBA96-2926-7243-EA17-E039BC4D0C35}"/>
+              </a:ext>
+            </a:extLst>
+          </p:cNvPr>
+          <p:cNvSpPr>
+            <a:spLocks noGrp="1"/>
+          </p:cNvSpPr>
+          <p:nvPr>
+            <p:ph type="title"/>
+          </p:nvPr>
+        </p:nvSpPr>
+        <p:spPr>
+          <a:xfrm>
+            <a:off x="838200" y="365125"/>
+            <a:ext cx="10515600" cy="1325563"/>
+          </a:xfrm>
+        </p:spPr>
+        <p:txBody>
+          <a:bodyPr>
+            <a:normAutofit fontScale="90000"/>
+          </a:bodyPr>
+          <a:lstStyle/>
+          <a:p>
+            <a:r>
+              <a:rPr lang="en-US" dirty="0"/>
+              <a:t>Apply this to our questions: </a:t>
+            </a:r>
+            <a:br>
+              <a:rPr lang="en-US" dirty="0"/>
+            </a:br>
+            <a:r>
+              <a:rPr lang="en-US" sz="3100" dirty="0"/>
+              <a:t>How does the arthropod community change with grazing intensity?</a:t>
+            </a:r>
+            <a:endParaRPr lang="en-US" dirty="0"/>
+          </a:p>
+        </p:txBody>
+      </p:sp>
+      <p:sp>
+        <p:nvSpPr>
+          <p:cNvPr id="3" name="Rectangle 2">
+            <a:extLst>
+              <a:ext uri="{FF2B5EF4-FFF2-40B4-BE49-F238E27FC236}">
+                <a16:creationId xmlns:a16="http://schemas.microsoft.com/office/drawing/2014/main" id="{30DB04BD-CA8D-796F-13CC-AA5B6FB75856}"/>
+              </a:ext>
+            </a:extLst>
+          </p:cNvPr>
+          <p:cNvSpPr/>
+          <p:nvPr/>
+        </p:nvSpPr>
+        <p:spPr>
+          <a:xfrm>
+            <a:off x="73743" y="3583860"/>
+            <a:ext cx="2462981" cy="737420"/>
+          </a:xfrm>
+          <a:prstGeom prst="rect">
+            <a:avLst/>
+          </a:prstGeom>
+          <a:noFill/>
+          <a:ln w="28575">
+            <a:solidFill>
+              <a:srgbClr val="FF0000"/>
+            </a:solidFill>
+          </a:ln>
+        </p:spPr>
+        <p:style>
+          <a:lnRef idx="2">
+            <a:schemeClr val="accent1">
+              <a:shade val="15000"/>
+            </a:schemeClr>
+          </a:lnRef>
+          <a:fillRef idx="1">
+            <a:schemeClr val="accent1"/>
+          </a:fillRef>
+          <a:effectRef idx="0">
+            <a:schemeClr val="accent1"/>
+          </a:effectRef>
+          <a:fontRef idx="minor">
+            <a:schemeClr val="lt1"/>
+          </a:fontRef>
+        </p:style>
+        <p:txBody>
+          <a:bodyPr rtlCol="0" anchor="ctr"/>
+          <a:lstStyle/>
+          <a:p>
+            <a:pPr algn="ctr"/>
+            <a:endParaRPr lang="en-US"/>
+          </a:p>
+        </p:txBody>
+      </p:sp>
+      <p:sp>
+        <p:nvSpPr>
+          <p:cNvPr id="4" name="Rectangle 3">
+            <a:extLst>
+              <a:ext uri="{FF2B5EF4-FFF2-40B4-BE49-F238E27FC236}">
+                <a16:creationId xmlns:a16="http://schemas.microsoft.com/office/drawing/2014/main" id="{10B611C0-8384-B138-6A1A-94DDF1C2F9D5}"/>
+              </a:ext>
+            </a:extLst>
+          </p:cNvPr>
+          <p:cNvSpPr/>
+          <p:nvPr/>
+        </p:nvSpPr>
+        <p:spPr>
+          <a:xfrm>
+            <a:off x="6163440" y="3219686"/>
+            <a:ext cx="5576276" cy="954108"/>
+          </a:xfrm>
+          <a:prstGeom prst="rect">
+            <a:avLst/>
+          </a:prstGeom>
+          <a:noFill/>
+          <a:ln w="28575">
+            <a:solidFill>
+              <a:srgbClr val="FF0000"/>
+            </a:solidFill>
+          </a:ln>
+        </p:spPr>
+        <p:style>
+          <a:lnRef idx="2">
+            <a:schemeClr val="accent1">
+              <a:shade val="15000"/>
+            </a:schemeClr>
+          </a:lnRef>
+          <a:fillRef idx="1">
+            <a:schemeClr val="accent1"/>
+          </a:fillRef>
+          <a:effectRef idx="0">
+            <a:schemeClr val="accent1"/>
+          </a:effectRef>
+          <a:fontRef idx="minor">
+            <a:schemeClr val="lt1"/>
+          </a:fontRef>
+        </p:style>
+        <p:txBody>
+          <a:bodyPr rtlCol="0" anchor="ctr"/>
+          <a:lstStyle/>
+          <a:p>
+            <a:pPr algn="ctr"/>
+            <a:endParaRPr lang="en-US"/>
+          </a:p>
+        </p:txBody>
+      </p:sp>
+      <p:sp>
+        <p:nvSpPr>
+          <p:cNvPr id="8" name="TextBox 7">
+            <a:extLst>
+              <a:ext uri="{FF2B5EF4-FFF2-40B4-BE49-F238E27FC236}">
+                <a16:creationId xmlns:a16="http://schemas.microsoft.com/office/drawing/2014/main" id="{CB40213A-77AD-29F0-D82E-729B5CFED455}"/>
+              </a:ext>
+            </a:extLst>
+          </p:cNvPr>
+          <p:cNvSpPr txBox="1"/>
+          <p:nvPr/>
+        </p:nvSpPr>
+        <p:spPr>
+          <a:xfrm>
+            <a:off x="0" y="5939491"/>
+            <a:ext cx="6555658" cy="954107"/>
+          </a:xfrm>
+          <a:prstGeom prst="rect">
+            <a:avLst/>
+          </a:prstGeom>
+          <a:noFill/>
+        </p:spPr>
+        <p:txBody>
+          <a:bodyPr wrap="square" rtlCol="0">
+            <a:spAutoFit/>
+          </a:bodyPr>
+          <a:lstStyle/>
+          <a:p>
+            <a:r>
+              <a:rPr lang="en-US" sz="2800" dirty="0"/>
+              <a:t>Our groups are:</a:t>
+            </a:r>
+          </a:p>
+          <a:p>
+            <a:r>
+              <a:rPr lang="en-US" sz="2800" dirty="0"/>
+              <a:t>high grazing, low grazing, and no grazing </a:t>
+            </a:r>
+          </a:p>
+        </p:txBody>
+      </p:sp>
+      <p:sp>
+        <p:nvSpPr>
+          <p:cNvPr id="9" name="Rectangle 8">
+            <a:extLst>
+              <a:ext uri="{FF2B5EF4-FFF2-40B4-BE49-F238E27FC236}">
+                <a16:creationId xmlns:a16="http://schemas.microsoft.com/office/drawing/2014/main" id="{1C1D7C4D-76D6-FCDD-B386-2D7F8EF6BBC2}"/>
+              </a:ext>
+            </a:extLst>
+          </p:cNvPr>
+          <p:cNvSpPr/>
+          <p:nvPr/>
+        </p:nvSpPr>
+        <p:spPr>
+          <a:xfrm>
+            <a:off x="1568247" y="4467328"/>
+            <a:ext cx="1204451" cy="1078066"/>
+          </a:xfrm>
+          <a:prstGeom prst="rect">
+            <a:avLst/>
+          </a:prstGeom>
+          <a:noFill/>
+          <a:ln w="28575">
+            <a:solidFill>
+              <a:srgbClr val="FF0000"/>
+            </a:solidFill>
+          </a:ln>
+        </p:spPr>
+        <p:style>
+          <a:lnRef idx="2">
+            <a:schemeClr val="accent1">
+              <a:shade val="15000"/>
+            </a:schemeClr>
+          </a:lnRef>
+          <a:fillRef idx="1">
+            <a:schemeClr val="accent1"/>
+          </a:fillRef>
+          <a:effectRef idx="0">
+            <a:schemeClr val="accent1"/>
+          </a:effectRef>
+          <a:fontRef idx="minor">
+            <a:schemeClr val="lt1"/>
+          </a:fontRef>
+        </p:style>
+        <p:txBody>
+          <a:bodyPr rtlCol="0" anchor="ctr"/>
+          <a:lstStyle/>
+          <a:p>
+            <a:pPr algn="ctr"/>
+            <a:endParaRPr lang="en-US"/>
+          </a:p>
+        </p:txBody>
+      </p:sp>
+    </p:spTree>
+    <p:extLst>
+      <p:ext uri="{BB962C8B-B14F-4D97-AF65-F5344CB8AC3E}">
+        <p14:creationId xmlns:p14="http://schemas.microsoft.com/office/powerpoint/2010/main" val="4073924205"/>
+      </p:ext>
+    </p:extLst>
+  </p:cSld>
+  <p:clrMapOvr>
+    <a:masterClrMapping/>
+  </p:clrMapOvr>
+</p:sld>
+</file>
+
+<file path=ppt/slides/slide31.xml><?xml version="1.0" encoding="utf-8"?>
+<p:sld xmlns:a="http://schemas.openxmlformats.org/drawingml/2006/main" xmlns:r="http://schemas.openxmlformats.org/officeDocument/2006/relationships" xmlns:p="http://schemas.openxmlformats.org/presentationml/2006/main">
+  <p:cSld>
+    <p:spTree>
+      <p:nvGrpSpPr>
+        <p:cNvPr id="1" name=""/>
+        <p:cNvGrpSpPr/>
+        <p:nvPr/>
+      </p:nvGrpSpPr>
+      <p:grpSpPr>
+        <a:xfrm>
+          <a:off x="0" y="0"/>
+          <a:ext cx="0" cy="0"/>
+          <a:chOff x="0" y="0"/>
+          <a:chExt cx="0" cy="0"/>
+        </a:xfrm>
+      </p:grpSpPr>
+      <p:sp>
+        <p:nvSpPr>
+          <p:cNvPr id="2" name="Title 1">
+            <a:extLst>
+              <a:ext uri="{FF2B5EF4-FFF2-40B4-BE49-F238E27FC236}">
+                <a16:creationId xmlns:a16="http://schemas.microsoft.com/office/drawing/2014/main" id="{7AA3B369-1BB0-12F7-CF55-542856DDCE31}"/>
+              </a:ext>
+            </a:extLst>
+          </p:cNvPr>
+          <p:cNvSpPr>
+            <a:spLocks noGrp="1"/>
+          </p:cNvSpPr>
+          <p:nvPr>
+            <p:ph type="title"/>
+          </p:nvPr>
+        </p:nvSpPr>
+        <p:spPr>
+          <a:xfrm>
+            <a:off x="90948" y="266267"/>
+            <a:ext cx="10515600" cy="1325563"/>
+          </a:xfrm>
+        </p:spPr>
+        <p:txBody>
+          <a:bodyPr/>
+          <a:lstStyle/>
+          <a:p>
+            <a:r>
+              <a:rPr lang="en-US" dirty="0"/>
+              <a:t>Basic ANOVA</a:t>
+            </a:r>
+          </a:p>
+        </p:txBody>
+      </p:sp>
+      <p:pic>
+        <p:nvPicPr>
+          <p:cNvPr id="5" name="Content Placeholder 4">
+            <a:extLst>
+              <a:ext uri="{FF2B5EF4-FFF2-40B4-BE49-F238E27FC236}">
+                <a16:creationId xmlns:a16="http://schemas.microsoft.com/office/drawing/2014/main" id="{2FA9CA70-8AF7-9B78-92C3-56EF83AA07B0}"/>
+              </a:ext>
+            </a:extLst>
+          </p:cNvPr>
+          <p:cNvPicPr>
+            <a:picLocks noGrp="1" noChangeAspect="1"/>
+          </p:cNvPicPr>
+          <p:nvPr>
+            <p:ph idx="1"/>
+          </p:nvPr>
+        </p:nvPicPr>
+        <p:blipFill>
+          <a:blip r:embed="rId2"/>
+          <a:stretch>
+            <a:fillRect/>
+          </a:stretch>
+        </p:blipFill>
+        <p:spPr>
+          <a:xfrm>
+            <a:off x="1" y="1690688"/>
+            <a:ext cx="12192000" cy="1447981"/>
+          </a:xfrm>
+        </p:spPr>
+      </p:pic>
+      <p:pic>
+        <p:nvPicPr>
+          <p:cNvPr id="7" name="Picture 6" descr="A screenshot of a computer code&#10;&#10;Description automatically generated">
+            <a:extLst>
+              <a:ext uri="{FF2B5EF4-FFF2-40B4-BE49-F238E27FC236}">
+                <a16:creationId xmlns:a16="http://schemas.microsoft.com/office/drawing/2014/main" id="{00730288-0293-7643-30E4-57600ADF1DDD}"/>
+              </a:ext>
+            </a:extLst>
+          </p:cNvPr>
+          <p:cNvPicPr>
+            <a:picLocks noChangeAspect="1"/>
+          </p:cNvPicPr>
+          <p:nvPr/>
+        </p:nvPicPr>
+        <p:blipFill>
+          <a:blip r:embed="rId3"/>
+          <a:stretch>
+            <a:fillRect/>
+          </a:stretch>
+        </p:blipFill>
+        <p:spPr>
+          <a:xfrm>
+            <a:off x="0" y="3237527"/>
+            <a:ext cx="12163862" cy="2366860"/>
+          </a:xfrm>
+          <a:prstGeom prst="rect">
+            <a:avLst/>
+          </a:prstGeom>
+        </p:spPr>
+      </p:pic>
+    </p:spTree>
+    <p:extLst>
+      <p:ext uri="{BB962C8B-B14F-4D97-AF65-F5344CB8AC3E}">
+        <p14:creationId xmlns:p14="http://schemas.microsoft.com/office/powerpoint/2010/main" val="2111510039"/>
+      </p:ext>
+    </p:extLst>
+  </p:cSld>
+  <p:clrMapOvr>
+    <a:masterClrMapping/>
+  </p:clrMapOvr>
+</p:sld>
+</file>
+
+<file path=ppt/slides/slide32.xml><?xml version="1.0" encoding="utf-8"?>
+<p:sld xmlns:a="http://schemas.openxmlformats.org/drawingml/2006/main" xmlns:r="http://schemas.openxmlformats.org/officeDocument/2006/relationships" xmlns:p="http://schemas.openxmlformats.org/presentationml/2006/main">
+  <p:cSld>
+    <p:spTree>
+      <p:nvGrpSpPr>
+        <p:cNvPr id="1" name="">
+          <a:extLst>
+            <a:ext uri="{FF2B5EF4-FFF2-40B4-BE49-F238E27FC236}">
+              <a16:creationId xmlns:a16="http://schemas.microsoft.com/office/drawing/2014/main" id="{9D8F4CB0-3DA5-C5CB-ACD1-7D287B59EB02}"/>
+            </a:ext>
+          </a:extLst>
+        </p:cNvPr>
+        <p:cNvGrpSpPr/>
+        <p:nvPr/>
+      </p:nvGrpSpPr>
+      <p:grpSpPr>
+        <a:xfrm>
+          <a:off x="0" y="0"/>
+          <a:ext cx="0" cy="0"/>
+          <a:chOff x="0" y="0"/>
+          <a:chExt cx="0" cy="0"/>
+        </a:xfrm>
+      </p:grpSpPr>
+      <p:pic>
+        <p:nvPicPr>
+          <p:cNvPr id="5" name="Content Placeholder 4" descr="A table with text on it&#10;&#10;Description automatically generated">
+            <a:extLst>
+              <a:ext uri="{FF2B5EF4-FFF2-40B4-BE49-F238E27FC236}">
+                <a16:creationId xmlns:a16="http://schemas.microsoft.com/office/drawing/2014/main" id="{B2D6A3E4-0310-35BD-768B-945E15574236}"/>
+              </a:ext>
+            </a:extLst>
+          </p:cNvPr>
+          <p:cNvPicPr>
+            <a:picLocks noGrp="1" noChangeAspect="1"/>
+          </p:cNvPicPr>
+          <p:nvPr>
+            <p:ph idx="1"/>
+          </p:nvPr>
+        </p:nvPicPr>
+        <p:blipFill>
+          <a:blip r:embed="rId2"/>
+          <a:srcRect l="18438" t="5776" r="14895"/>
+          <a:stretch/>
+        </p:blipFill>
+        <p:spPr>
+          <a:xfrm>
+            <a:off x="6028562" y="1828755"/>
+            <a:ext cx="5832667" cy="4926776"/>
+          </a:xfrm>
+        </p:spPr>
+      </p:pic>
+      <p:pic>
+        <p:nvPicPr>
+          <p:cNvPr id="6" name="Picture 5" descr="A diagram of a question&#10;&#10;Description automatically generated">
+            <a:extLst>
+              <a:ext uri="{FF2B5EF4-FFF2-40B4-BE49-F238E27FC236}">
+                <a16:creationId xmlns:a16="http://schemas.microsoft.com/office/drawing/2014/main" id="{DDB6AED5-1801-7EA1-85A8-D4D541B91F78}"/>
+              </a:ext>
+            </a:extLst>
+          </p:cNvPr>
+          <p:cNvPicPr>
+            <a:picLocks noChangeAspect="1"/>
+          </p:cNvPicPr>
+          <p:nvPr/>
+        </p:nvPicPr>
+        <p:blipFill>
+          <a:blip r:embed="rId3"/>
+          <a:stretch>
+            <a:fillRect/>
+          </a:stretch>
+        </p:blipFill>
+        <p:spPr>
+          <a:xfrm>
+            <a:off x="0" y="2700392"/>
+            <a:ext cx="6028562" cy="2990546"/>
+          </a:xfrm>
+          <a:prstGeom prst="rect">
+            <a:avLst/>
+          </a:prstGeom>
+        </p:spPr>
+      </p:pic>
+      <p:sp>
+        <p:nvSpPr>
+          <p:cNvPr id="7" name="TextBox 6">
+            <a:extLst>
+              <a:ext uri="{FF2B5EF4-FFF2-40B4-BE49-F238E27FC236}">
+                <a16:creationId xmlns:a16="http://schemas.microsoft.com/office/drawing/2014/main" id="{F69EA43B-C423-1BEC-6BEC-2C8936975836}"/>
+              </a:ext>
+            </a:extLst>
+          </p:cNvPr>
+          <p:cNvSpPr txBox="1"/>
+          <p:nvPr/>
+        </p:nvSpPr>
+        <p:spPr>
+          <a:xfrm>
+            <a:off x="8377083" y="5383161"/>
+            <a:ext cx="1135626" cy="307777"/>
+          </a:xfrm>
+          <a:prstGeom prst="rect">
+            <a:avLst/>
+          </a:prstGeom>
+          <a:noFill/>
+        </p:spPr>
+        <p:txBody>
+          <a:bodyPr wrap="square" rtlCol="0">
+            <a:spAutoFit/>
+          </a:bodyPr>
+          <a:lstStyle/>
+          <a:p>
+            <a:r>
+              <a:rPr lang="en-US" sz="1400" dirty="0"/>
+              <a:t>(Binary)</a:t>
+            </a:r>
+          </a:p>
+        </p:txBody>
+      </p:sp>
+      <p:sp>
+        <p:nvSpPr>
+          <p:cNvPr id="2" name="Title 1">
+            <a:extLst>
+              <a:ext uri="{FF2B5EF4-FFF2-40B4-BE49-F238E27FC236}">
+                <a16:creationId xmlns:a16="http://schemas.microsoft.com/office/drawing/2014/main" id="{938327F8-CE22-DFD6-4C62-F4C385BF30D1}"/>
+              </a:ext>
+            </a:extLst>
+          </p:cNvPr>
+          <p:cNvSpPr>
+            <a:spLocks noGrp="1"/>
+          </p:cNvSpPr>
+          <p:nvPr>
+            <p:ph type="title"/>
+          </p:nvPr>
+        </p:nvSpPr>
+        <p:spPr>
+          <a:xfrm>
+            <a:off x="838200" y="365125"/>
+            <a:ext cx="10515600" cy="1325563"/>
+          </a:xfrm>
+        </p:spPr>
+        <p:txBody>
+          <a:bodyPr>
+            <a:normAutofit fontScale="90000"/>
+          </a:bodyPr>
+          <a:lstStyle/>
+          <a:p>
+            <a:r>
+              <a:rPr lang="en-US" dirty="0"/>
+              <a:t>Apply this to our questions: </a:t>
+            </a:r>
+            <a:br>
+              <a:rPr lang="en-US" dirty="0"/>
+            </a:br>
+            <a:r>
+              <a:rPr lang="en-US" sz="3100" dirty="0"/>
+              <a:t>How does the arthropod community change with grazing intensity?</a:t>
+            </a:r>
+            <a:endParaRPr lang="en-US" dirty="0"/>
+          </a:p>
+        </p:txBody>
+      </p:sp>
+      <p:sp>
+        <p:nvSpPr>
+          <p:cNvPr id="8" name="TextBox 7">
+            <a:extLst>
+              <a:ext uri="{FF2B5EF4-FFF2-40B4-BE49-F238E27FC236}">
+                <a16:creationId xmlns:a16="http://schemas.microsoft.com/office/drawing/2014/main" id="{FDF97918-CAB9-C6B1-5626-3AB18B0AE712}"/>
+              </a:ext>
+            </a:extLst>
+          </p:cNvPr>
+          <p:cNvSpPr txBox="1"/>
+          <p:nvPr/>
+        </p:nvSpPr>
+        <p:spPr>
+          <a:xfrm>
+            <a:off x="0" y="5939491"/>
+            <a:ext cx="6555658" cy="954107"/>
+          </a:xfrm>
+          <a:prstGeom prst="rect">
+            <a:avLst/>
+          </a:prstGeom>
+          <a:noFill/>
+        </p:spPr>
+        <p:txBody>
+          <a:bodyPr wrap="square" rtlCol="0">
+            <a:spAutoFit/>
+          </a:bodyPr>
+          <a:lstStyle/>
+          <a:p>
+            <a:r>
+              <a:rPr lang="en-US" sz="2800" dirty="0"/>
+              <a:t>Our groups are:</a:t>
+            </a:r>
+          </a:p>
+          <a:p>
+            <a:r>
+              <a:rPr lang="en-US" sz="2800" dirty="0"/>
+              <a:t>high grazing, low grazing, and no grazing </a:t>
+            </a:r>
+          </a:p>
+        </p:txBody>
+      </p:sp>
+      <p:sp>
+        <p:nvSpPr>
+          <p:cNvPr id="10" name="TextBox 9">
+            <a:extLst>
+              <a:ext uri="{FF2B5EF4-FFF2-40B4-BE49-F238E27FC236}">
+                <a16:creationId xmlns:a16="http://schemas.microsoft.com/office/drawing/2014/main" id="{99B29043-5FBF-8D5C-2CAF-6F90E7DF516D}"/>
+              </a:ext>
+            </a:extLst>
+          </p:cNvPr>
+          <p:cNvSpPr txBox="1"/>
+          <p:nvPr/>
+        </p:nvSpPr>
+        <p:spPr>
+          <a:xfrm>
+            <a:off x="64229" y="1595376"/>
+            <a:ext cx="5900105" cy="1200329"/>
+          </a:xfrm>
+          <a:prstGeom prst="rect">
+            <a:avLst/>
+          </a:prstGeom>
+          <a:noFill/>
+          <a:ln>
+            <a:solidFill>
+              <a:schemeClr val="tx1"/>
+            </a:solidFill>
+          </a:ln>
+        </p:spPr>
+        <p:txBody>
+          <a:bodyPr wrap="square" rtlCol="0">
+            <a:spAutoFit/>
+          </a:bodyPr>
+          <a:lstStyle/>
+          <a:p>
+            <a:r>
+              <a:rPr lang="en-US" sz="2400" dirty="0"/>
+              <a:t>BUT if we want to add any random factors into our model then we need to run a more complicated regression</a:t>
+            </a:r>
+          </a:p>
+        </p:txBody>
+      </p:sp>
+      <p:sp>
+        <p:nvSpPr>
+          <p:cNvPr id="11" name="Rectangle 10">
+            <a:extLst>
+              <a:ext uri="{FF2B5EF4-FFF2-40B4-BE49-F238E27FC236}">
+                <a16:creationId xmlns:a16="http://schemas.microsoft.com/office/drawing/2014/main" id="{945893FB-0639-065E-ED94-B16E2C56F9BE}"/>
+              </a:ext>
+            </a:extLst>
+          </p:cNvPr>
+          <p:cNvSpPr/>
+          <p:nvPr/>
+        </p:nvSpPr>
+        <p:spPr>
+          <a:xfrm>
+            <a:off x="3185652" y="3656631"/>
+            <a:ext cx="2698954" cy="1343071"/>
+          </a:xfrm>
+          <a:prstGeom prst="rect">
+            <a:avLst/>
+          </a:prstGeom>
+          <a:noFill/>
+          <a:ln w="28575">
+            <a:solidFill>
+              <a:srgbClr val="FF0000"/>
+            </a:solidFill>
+          </a:ln>
+        </p:spPr>
+        <p:style>
+          <a:lnRef idx="2">
+            <a:schemeClr val="accent1">
+              <a:shade val="15000"/>
+            </a:schemeClr>
+          </a:lnRef>
+          <a:fillRef idx="1">
+            <a:schemeClr val="accent1"/>
+          </a:fillRef>
+          <a:effectRef idx="0">
+            <a:schemeClr val="accent1"/>
+          </a:effectRef>
+          <a:fontRef idx="minor">
+            <a:schemeClr val="lt1"/>
+          </a:fontRef>
+        </p:style>
+        <p:txBody>
+          <a:bodyPr rtlCol="0" anchor="ctr"/>
+          <a:lstStyle/>
+          <a:p>
+            <a:pPr algn="ctr"/>
+            <a:endParaRPr lang="en-US"/>
+          </a:p>
+        </p:txBody>
+      </p:sp>
+      <p:sp>
+        <p:nvSpPr>
+          <p:cNvPr id="12" name="Rectangle 11">
+            <a:extLst>
+              <a:ext uri="{FF2B5EF4-FFF2-40B4-BE49-F238E27FC236}">
+                <a16:creationId xmlns:a16="http://schemas.microsoft.com/office/drawing/2014/main" id="{F2AC6217-C587-63CF-A37E-353C4B42366B}"/>
+              </a:ext>
+            </a:extLst>
+          </p:cNvPr>
+          <p:cNvSpPr/>
+          <p:nvPr/>
+        </p:nvSpPr>
+        <p:spPr>
+          <a:xfrm>
+            <a:off x="6095999" y="4227325"/>
+            <a:ext cx="5765229" cy="772378"/>
+          </a:xfrm>
+          <a:prstGeom prst="rect">
+            <a:avLst/>
+          </a:prstGeom>
+          <a:noFill/>
+          <a:ln w="28575">
+            <a:solidFill>
+              <a:srgbClr val="FF0000"/>
+            </a:solidFill>
+          </a:ln>
+        </p:spPr>
+        <p:style>
+          <a:lnRef idx="2">
+            <a:schemeClr val="accent1">
+              <a:shade val="15000"/>
+            </a:schemeClr>
+          </a:lnRef>
+          <a:fillRef idx="1">
+            <a:schemeClr val="accent1"/>
+          </a:fillRef>
+          <a:effectRef idx="0">
+            <a:schemeClr val="accent1"/>
+          </a:effectRef>
+          <a:fontRef idx="minor">
+            <a:schemeClr val="lt1"/>
+          </a:fontRef>
+        </p:style>
+        <p:txBody>
+          <a:bodyPr rtlCol="0" anchor="ctr"/>
+          <a:lstStyle/>
+          <a:p>
+            <a:pPr algn="ctr"/>
+            <a:endParaRPr lang="en-US"/>
+          </a:p>
+        </p:txBody>
+      </p:sp>
+    </p:spTree>
+    <p:extLst>
+      <p:ext uri="{BB962C8B-B14F-4D97-AF65-F5344CB8AC3E}">
+        <p14:creationId xmlns:p14="http://schemas.microsoft.com/office/powerpoint/2010/main" val="262828752"/>
+      </p:ext>
+    </p:extLst>
+  </p:cSld>
+  <p:clrMapOvr>
+    <a:masterClrMapping/>
+  </p:clrMapOvr>
+</p:sld>
+</file>
+
+<file path=ppt/slides/slide33.xml><?xml version="1.0" encoding="utf-8"?>
+<p:sld xmlns:a="http://schemas.openxmlformats.org/drawingml/2006/main" xmlns:r="http://schemas.openxmlformats.org/officeDocument/2006/relationships" xmlns:p="http://schemas.openxmlformats.org/presentationml/2006/main">
+  <p:cSld>
+    <p:spTree>
+      <p:nvGrpSpPr>
+        <p:cNvPr id="1" name="">
+          <a:extLst>
+            <a:ext uri="{FF2B5EF4-FFF2-40B4-BE49-F238E27FC236}">
+              <a16:creationId xmlns:a16="http://schemas.microsoft.com/office/drawing/2014/main" id="{20B6C15A-E8A1-B740-FC7D-0F601BC9BD43}"/>
+            </a:ext>
+          </a:extLst>
+        </p:cNvPr>
+        <p:cNvGrpSpPr/>
+        <p:nvPr/>
+      </p:nvGrpSpPr>
+      <p:grpSpPr>
+        <a:xfrm>
+          <a:off x="0" y="0"/>
+          <a:ext cx="0" cy="0"/>
+          <a:chOff x="0" y="0"/>
+          <a:chExt cx="0" cy="0"/>
+        </a:xfrm>
+      </p:grpSpPr>
+      <p:sp>
+        <p:nvSpPr>
+          <p:cNvPr id="2" name="Title 1">
+            <a:extLst>
+              <a:ext uri="{FF2B5EF4-FFF2-40B4-BE49-F238E27FC236}">
+                <a16:creationId xmlns:a16="http://schemas.microsoft.com/office/drawing/2014/main" id="{1B4D374C-A703-5EDE-9443-7DDF8F681E25}"/>
+              </a:ext>
+            </a:extLst>
+          </p:cNvPr>
+          <p:cNvSpPr>
+            <a:spLocks noGrp="1"/>
+          </p:cNvSpPr>
+          <p:nvPr>
+            <p:ph type="title"/>
+          </p:nvPr>
+        </p:nvSpPr>
+        <p:spPr>
+          <a:xfrm>
+            <a:off x="90948" y="266267"/>
+            <a:ext cx="10515600" cy="1325563"/>
+          </a:xfrm>
+        </p:spPr>
+        <p:txBody>
+          <a:bodyPr/>
+          <a:lstStyle/>
+          <a:p>
+            <a:r>
+              <a:rPr lang="en-US" dirty="0"/>
+              <a:t>Linear Regression to include Random Factors</a:t>
+            </a:r>
+          </a:p>
+        </p:txBody>
+      </p:sp>
+      <p:pic>
+        <p:nvPicPr>
+          <p:cNvPr id="8" name="Picture 7" descr="A screenshot of a computer program&#10;&#10;Description automatically generated">
+            <a:extLst>
+              <a:ext uri="{FF2B5EF4-FFF2-40B4-BE49-F238E27FC236}">
+                <a16:creationId xmlns:a16="http://schemas.microsoft.com/office/drawing/2014/main" id="{A6EBAC59-1DE7-2043-9AF5-421770DED781}"/>
+              </a:ext>
+            </a:extLst>
+          </p:cNvPr>
+          <p:cNvPicPr>
+            <a:picLocks noChangeAspect="1"/>
+          </p:cNvPicPr>
+          <p:nvPr/>
+        </p:nvPicPr>
+        <p:blipFill>
+          <a:blip r:embed="rId2"/>
+          <a:stretch>
+            <a:fillRect/>
+          </a:stretch>
+        </p:blipFill>
+        <p:spPr>
+          <a:xfrm>
+            <a:off x="1585452" y="1329609"/>
+            <a:ext cx="8989163" cy="2731114"/>
+          </a:xfrm>
+          <a:prstGeom prst="rect">
+            <a:avLst/>
+          </a:prstGeom>
+        </p:spPr>
+      </p:pic>
+    </p:spTree>
+    <p:extLst>
+      <p:ext uri="{BB962C8B-B14F-4D97-AF65-F5344CB8AC3E}">
+        <p14:creationId xmlns:p14="http://schemas.microsoft.com/office/powerpoint/2010/main" val="1957726889"/>
+      </p:ext>
+    </p:extLst>
+  </p:cSld>
+  <p:clrMapOvr>
+    <a:masterClrMapping/>
+  </p:clrMapOvr>
+</p:sld>
+</file>
+
+<file path=ppt/slides/slide34.xml><?xml version="1.0" encoding="utf-8"?>
+<p:sld xmlns:a="http://schemas.openxmlformats.org/drawingml/2006/main" xmlns:r="http://schemas.openxmlformats.org/officeDocument/2006/relationships" xmlns:p="http://schemas.openxmlformats.org/presentationml/2006/main">
+  <p:cSld>
+    <p:spTree>
+      <p:nvGrpSpPr>
+        <p:cNvPr id="1" name="">
+          <a:extLst>
+            <a:ext uri="{FF2B5EF4-FFF2-40B4-BE49-F238E27FC236}">
+              <a16:creationId xmlns:a16="http://schemas.microsoft.com/office/drawing/2014/main" id="{C33985F1-6F5F-049A-0A0E-E029CC369F7B}"/>
+            </a:ext>
+          </a:extLst>
+        </p:cNvPr>
+        <p:cNvGrpSpPr/>
+        <p:nvPr/>
+      </p:nvGrpSpPr>
+      <p:grpSpPr>
+        <a:xfrm>
+          <a:off x="0" y="0"/>
+          <a:ext cx="0" cy="0"/>
+          <a:chOff x="0" y="0"/>
+          <a:chExt cx="0" cy="0"/>
+        </a:xfrm>
+      </p:grpSpPr>
+      <p:pic>
+        <p:nvPicPr>
+          <p:cNvPr id="5" name="Content Placeholder 4" descr="A table with text on it&#10;&#10;Description automatically generated">
+            <a:extLst>
+              <a:ext uri="{FF2B5EF4-FFF2-40B4-BE49-F238E27FC236}">
+                <a16:creationId xmlns:a16="http://schemas.microsoft.com/office/drawing/2014/main" id="{B2DC0FA9-1EB0-6E37-4776-0BA40F8C5129}"/>
+              </a:ext>
+            </a:extLst>
+          </p:cNvPr>
+          <p:cNvPicPr>
+            <a:picLocks noGrp="1" noChangeAspect="1"/>
+          </p:cNvPicPr>
+          <p:nvPr>
+            <p:ph idx="1"/>
+          </p:nvPr>
+        </p:nvPicPr>
+        <p:blipFill>
+          <a:blip r:embed="rId2"/>
+          <a:srcRect l="18438" t="5776" r="14895"/>
+          <a:stretch/>
+        </p:blipFill>
+        <p:spPr>
+          <a:xfrm>
+            <a:off x="6028562" y="1828755"/>
+            <a:ext cx="5832667" cy="4926776"/>
+          </a:xfrm>
+        </p:spPr>
+      </p:pic>
+      <p:pic>
+        <p:nvPicPr>
+          <p:cNvPr id="6" name="Picture 5" descr="A diagram of a question&#10;&#10;Description automatically generated">
+            <a:extLst>
+              <a:ext uri="{FF2B5EF4-FFF2-40B4-BE49-F238E27FC236}">
+                <a16:creationId xmlns:a16="http://schemas.microsoft.com/office/drawing/2014/main" id="{73F54026-C234-5E9E-D4E9-3F87DB4D4454}"/>
+              </a:ext>
+            </a:extLst>
+          </p:cNvPr>
+          <p:cNvPicPr>
+            <a:picLocks noChangeAspect="1"/>
+          </p:cNvPicPr>
+          <p:nvPr/>
+        </p:nvPicPr>
+        <p:blipFill>
+          <a:blip r:embed="rId3"/>
+          <a:stretch>
+            <a:fillRect/>
+          </a:stretch>
+        </p:blipFill>
+        <p:spPr>
+          <a:xfrm>
+            <a:off x="0" y="2700392"/>
+            <a:ext cx="6028562" cy="2990546"/>
+          </a:xfrm>
+          <a:prstGeom prst="rect">
+            <a:avLst/>
+          </a:prstGeom>
+        </p:spPr>
+      </p:pic>
+      <p:sp>
+        <p:nvSpPr>
+          <p:cNvPr id="7" name="TextBox 6">
+            <a:extLst>
+              <a:ext uri="{FF2B5EF4-FFF2-40B4-BE49-F238E27FC236}">
+                <a16:creationId xmlns:a16="http://schemas.microsoft.com/office/drawing/2014/main" id="{BC301A01-FA2E-0230-D431-0D33AB9B3C2F}"/>
+              </a:ext>
+            </a:extLst>
+          </p:cNvPr>
+          <p:cNvSpPr txBox="1"/>
+          <p:nvPr/>
+        </p:nvSpPr>
+        <p:spPr>
+          <a:xfrm>
+            <a:off x="8377083" y="5383161"/>
+            <a:ext cx="1135626" cy="307777"/>
+          </a:xfrm>
+          <a:prstGeom prst="rect">
+            <a:avLst/>
+          </a:prstGeom>
+          <a:noFill/>
+        </p:spPr>
+        <p:txBody>
+          <a:bodyPr wrap="square" rtlCol="0">
+            <a:spAutoFit/>
+          </a:bodyPr>
+          <a:lstStyle/>
+          <a:p>
+            <a:r>
+              <a:rPr lang="en-US" sz="1400" dirty="0"/>
+              <a:t>(Binary)</a:t>
+            </a:r>
+          </a:p>
+        </p:txBody>
+      </p:sp>
+      <p:sp>
+        <p:nvSpPr>
+          <p:cNvPr id="2" name="Title 1">
+            <a:extLst>
+              <a:ext uri="{FF2B5EF4-FFF2-40B4-BE49-F238E27FC236}">
+                <a16:creationId xmlns:a16="http://schemas.microsoft.com/office/drawing/2014/main" id="{0DD12008-CCB8-4899-CDD5-EAF0CEA07EB6}"/>
+              </a:ext>
+            </a:extLst>
+          </p:cNvPr>
+          <p:cNvSpPr>
+            <a:spLocks noGrp="1"/>
+          </p:cNvSpPr>
+          <p:nvPr>
+            <p:ph type="title"/>
+          </p:nvPr>
+        </p:nvSpPr>
+        <p:spPr>
+          <a:xfrm>
+            <a:off x="838200" y="365125"/>
+            <a:ext cx="10515600" cy="1325563"/>
+          </a:xfrm>
+        </p:spPr>
+        <p:txBody>
+          <a:bodyPr>
+            <a:normAutofit/>
+          </a:bodyPr>
+          <a:lstStyle/>
+          <a:p>
+            <a:r>
+              <a:rPr lang="en-US" dirty="0"/>
+              <a:t>Apply this to our questions: </a:t>
+            </a:r>
+            <a:br>
+              <a:rPr lang="en-US" dirty="0"/>
+            </a:br>
+            <a:r>
+              <a:rPr lang="en-US" sz="2800" dirty="0"/>
+              <a:t>How does the arthropod community change with grazing intensity?</a:t>
+            </a:r>
+          </a:p>
+        </p:txBody>
+      </p:sp>
+      <p:sp>
+        <p:nvSpPr>
+          <p:cNvPr id="8" name="TextBox 7">
+            <a:extLst>
+              <a:ext uri="{FF2B5EF4-FFF2-40B4-BE49-F238E27FC236}">
+                <a16:creationId xmlns:a16="http://schemas.microsoft.com/office/drawing/2014/main" id="{FBAA6DE4-4BB8-E1A4-D56F-744A5E94A753}"/>
+              </a:ext>
+            </a:extLst>
+          </p:cNvPr>
+          <p:cNvSpPr txBox="1"/>
+          <p:nvPr/>
+        </p:nvSpPr>
+        <p:spPr>
+          <a:xfrm>
+            <a:off x="0" y="5939491"/>
+            <a:ext cx="6555658" cy="954107"/>
+          </a:xfrm>
+          <a:prstGeom prst="rect">
+            <a:avLst/>
+          </a:prstGeom>
+          <a:noFill/>
+        </p:spPr>
+        <p:txBody>
+          <a:bodyPr wrap="square" rtlCol="0">
+            <a:spAutoFit/>
+          </a:bodyPr>
+          <a:lstStyle/>
+          <a:p>
+            <a:r>
+              <a:rPr lang="en-US" sz="2800" dirty="0"/>
+              <a:t>Our groups are:</a:t>
+            </a:r>
+          </a:p>
+          <a:p>
+            <a:r>
+              <a:rPr lang="en-US" sz="2800" dirty="0"/>
+              <a:t>high grazing, low grazing, and no grazing </a:t>
+            </a:r>
+          </a:p>
+        </p:txBody>
+      </p:sp>
+      <p:sp>
+        <p:nvSpPr>
+          <p:cNvPr id="3" name="Rectangle 2">
+            <a:extLst>
+              <a:ext uri="{FF2B5EF4-FFF2-40B4-BE49-F238E27FC236}">
+                <a16:creationId xmlns:a16="http://schemas.microsoft.com/office/drawing/2014/main" id="{46B3F7CC-3FFE-84C1-7D9D-0A22ABFE6A21}"/>
+              </a:ext>
+            </a:extLst>
+          </p:cNvPr>
+          <p:cNvSpPr/>
+          <p:nvPr/>
+        </p:nvSpPr>
+        <p:spPr>
+          <a:xfrm>
+            <a:off x="3185652" y="3656631"/>
+            <a:ext cx="2698954" cy="1343071"/>
+          </a:xfrm>
+          <a:prstGeom prst="rect">
+            <a:avLst/>
+          </a:prstGeom>
+          <a:noFill/>
+          <a:ln w="28575">
+            <a:solidFill>
+              <a:srgbClr val="FF0000"/>
+            </a:solidFill>
+          </a:ln>
+        </p:spPr>
+        <p:style>
+          <a:lnRef idx="2">
+            <a:schemeClr val="accent1">
+              <a:shade val="15000"/>
+            </a:schemeClr>
+          </a:lnRef>
+          <a:fillRef idx="1">
+            <a:schemeClr val="accent1"/>
+          </a:fillRef>
+          <a:effectRef idx="0">
+            <a:schemeClr val="accent1"/>
+          </a:effectRef>
+          <a:fontRef idx="minor">
+            <a:schemeClr val="lt1"/>
+          </a:fontRef>
+        </p:style>
+        <p:txBody>
+          <a:bodyPr rtlCol="0" anchor="ctr"/>
+          <a:lstStyle/>
+          <a:p>
+            <a:pPr algn="ctr"/>
+            <a:endParaRPr lang="en-US"/>
+          </a:p>
+        </p:txBody>
+      </p:sp>
+      <p:sp>
+        <p:nvSpPr>
+          <p:cNvPr id="4" name="Rectangle 3">
+            <a:extLst>
+              <a:ext uri="{FF2B5EF4-FFF2-40B4-BE49-F238E27FC236}">
+                <a16:creationId xmlns:a16="http://schemas.microsoft.com/office/drawing/2014/main" id="{C6975ED6-09A3-93E2-D7B0-BC16B92F2A87}"/>
+              </a:ext>
+            </a:extLst>
+          </p:cNvPr>
+          <p:cNvSpPr/>
+          <p:nvPr/>
+        </p:nvSpPr>
+        <p:spPr>
+          <a:xfrm>
+            <a:off x="6095999" y="4227325"/>
+            <a:ext cx="5765229" cy="772378"/>
+          </a:xfrm>
+          <a:prstGeom prst="rect">
+            <a:avLst/>
+          </a:prstGeom>
+          <a:noFill/>
+          <a:ln w="28575">
+            <a:solidFill>
+              <a:srgbClr val="FF0000"/>
+            </a:solidFill>
+          </a:ln>
+        </p:spPr>
+        <p:style>
+          <a:lnRef idx="2">
+            <a:schemeClr val="accent1">
+              <a:shade val="15000"/>
+            </a:schemeClr>
+          </a:lnRef>
+          <a:fillRef idx="1">
+            <a:schemeClr val="accent1"/>
+          </a:fillRef>
+          <a:effectRef idx="0">
+            <a:schemeClr val="accent1"/>
+          </a:effectRef>
+          <a:fontRef idx="minor">
+            <a:schemeClr val="lt1"/>
+          </a:fontRef>
+        </p:style>
+        <p:txBody>
+          <a:bodyPr rtlCol="0" anchor="ctr"/>
+          <a:lstStyle/>
+          <a:p>
+            <a:pPr algn="ctr"/>
+            <a:endParaRPr lang="en-US"/>
+          </a:p>
+        </p:txBody>
+      </p:sp>
+      <p:sp>
+        <p:nvSpPr>
+          <p:cNvPr id="9" name="TextBox 8">
+            <a:extLst>
+              <a:ext uri="{FF2B5EF4-FFF2-40B4-BE49-F238E27FC236}">
+                <a16:creationId xmlns:a16="http://schemas.microsoft.com/office/drawing/2014/main" id="{0C0397F1-4452-6316-55BC-BF3A326A5389}"/>
+              </a:ext>
+            </a:extLst>
+          </p:cNvPr>
+          <p:cNvSpPr txBox="1"/>
+          <p:nvPr/>
+        </p:nvSpPr>
+        <p:spPr>
+          <a:xfrm>
+            <a:off x="51939" y="1503043"/>
+            <a:ext cx="5832667" cy="1384995"/>
+          </a:xfrm>
+          <a:prstGeom prst="rect">
+            <a:avLst/>
+          </a:prstGeom>
+          <a:noFill/>
+          <a:ln>
+            <a:solidFill>
+              <a:schemeClr val="tx1"/>
+            </a:solidFill>
+          </a:ln>
+        </p:spPr>
+        <p:txBody>
+          <a:bodyPr wrap="square" rtlCol="0">
+            <a:spAutoFit/>
+          </a:bodyPr>
+          <a:lstStyle/>
+          <a:p>
+            <a:r>
+              <a:rPr lang="en-US" sz="2800" dirty="0"/>
+              <a:t>After we run all of these models, we can choose the best model based on AIC scores</a:t>
+            </a:r>
+          </a:p>
+        </p:txBody>
+      </p:sp>
+    </p:spTree>
+    <p:extLst>
+      <p:ext uri="{BB962C8B-B14F-4D97-AF65-F5344CB8AC3E}">
+        <p14:creationId xmlns:p14="http://schemas.microsoft.com/office/powerpoint/2010/main" val="1452625326"/>
+      </p:ext>
+    </p:extLst>
+  </p:cSld>
+  <p:clrMapOvr>
+    <a:masterClrMapping/>
+  </p:clrMapOvr>
+</p:sld>
+</file>
+
+<file path=ppt/slides/slide35.xml><?xml version="1.0" encoding="utf-8"?>
+<p:sld xmlns:a="http://schemas.openxmlformats.org/drawingml/2006/main" xmlns:r="http://schemas.openxmlformats.org/officeDocument/2006/relationships" xmlns:p="http://schemas.openxmlformats.org/presentationml/2006/main">
+  <p:cSld>
+    <p:spTree>
+      <p:nvGrpSpPr>
+        <p:cNvPr id="1" name="">
+          <a:extLst>
+            <a:ext uri="{FF2B5EF4-FFF2-40B4-BE49-F238E27FC236}">
+              <a16:creationId xmlns:a16="http://schemas.microsoft.com/office/drawing/2014/main" id="{41CCEB6B-F823-A2CF-DD0A-4E6697D511C3}"/>
+            </a:ext>
+          </a:extLst>
+        </p:cNvPr>
+        <p:cNvGrpSpPr/>
+        <p:nvPr/>
+      </p:nvGrpSpPr>
+      <p:grpSpPr>
+        <a:xfrm>
+          <a:off x="0" y="0"/>
+          <a:ext cx="0" cy="0"/>
+          <a:chOff x="0" y="0"/>
+          <a:chExt cx="0" cy="0"/>
+        </a:xfrm>
+      </p:grpSpPr>
+      <p:sp>
+        <p:nvSpPr>
+          <p:cNvPr id="2" name="Title 1">
+            <a:extLst>
+              <a:ext uri="{FF2B5EF4-FFF2-40B4-BE49-F238E27FC236}">
+                <a16:creationId xmlns:a16="http://schemas.microsoft.com/office/drawing/2014/main" id="{8DD3FAFF-A41B-A667-39B5-67C039CA785B}"/>
+              </a:ext>
+            </a:extLst>
+          </p:cNvPr>
+          <p:cNvSpPr>
+            <a:spLocks noGrp="1"/>
+          </p:cNvSpPr>
+          <p:nvPr>
+            <p:ph type="title"/>
+          </p:nvPr>
+        </p:nvSpPr>
+        <p:spPr>
+          <a:xfrm>
+            <a:off x="90948" y="266267"/>
+            <a:ext cx="10515600" cy="1325563"/>
+          </a:xfrm>
+        </p:spPr>
+        <p:txBody>
+          <a:bodyPr/>
+          <a:lstStyle/>
+          <a:p>
+            <a:r>
+              <a:rPr lang="en-US" dirty="0"/>
+              <a:t>Compare AIC Scores of Models: Which is best?</a:t>
+            </a:r>
+          </a:p>
+        </p:txBody>
+      </p:sp>
+      <p:pic>
+        <p:nvPicPr>
+          <p:cNvPr id="5" name="Picture 4">
+            <a:extLst>
+              <a:ext uri="{FF2B5EF4-FFF2-40B4-BE49-F238E27FC236}">
+                <a16:creationId xmlns:a16="http://schemas.microsoft.com/office/drawing/2014/main" id="{2EF60F77-BBE3-0792-3BD3-26582D8AFB0F}"/>
+              </a:ext>
+            </a:extLst>
+          </p:cNvPr>
+          <p:cNvPicPr>
+            <a:picLocks noChangeAspect="1"/>
+          </p:cNvPicPr>
+          <p:nvPr/>
+        </p:nvPicPr>
+        <p:blipFill>
+          <a:blip r:embed="rId2"/>
+          <a:stretch>
+            <a:fillRect/>
+          </a:stretch>
+        </p:blipFill>
+        <p:spPr>
+          <a:xfrm>
+            <a:off x="190500" y="1591830"/>
+            <a:ext cx="9701248" cy="935060"/>
+          </a:xfrm>
+          <a:prstGeom prst="rect">
+            <a:avLst/>
+          </a:prstGeom>
+        </p:spPr>
+      </p:pic>
+      <p:pic>
+        <p:nvPicPr>
+          <p:cNvPr id="7" name="Picture 6" descr="A screen shot of a computer screen&#10;&#10;Description automatically generated">
+            <a:extLst>
+              <a:ext uri="{FF2B5EF4-FFF2-40B4-BE49-F238E27FC236}">
+                <a16:creationId xmlns:a16="http://schemas.microsoft.com/office/drawing/2014/main" id="{4AA5BE0C-9588-31D5-269B-21DF9B109CC9}"/>
+              </a:ext>
+            </a:extLst>
+          </p:cNvPr>
+          <p:cNvPicPr>
+            <a:picLocks noChangeAspect="1"/>
+          </p:cNvPicPr>
+          <p:nvPr/>
+        </p:nvPicPr>
+        <p:blipFill>
+          <a:blip r:embed="rId3"/>
+          <a:stretch>
+            <a:fillRect/>
+          </a:stretch>
+        </p:blipFill>
+        <p:spPr>
+          <a:xfrm>
+            <a:off x="190500" y="2821010"/>
+            <a:ext cx="10016963" cy="1603506"/>
+          </a:xfrm>
+          <a:prstGeom prst="rect">
+            <a:avLst/>
+          </a:prstGeom>
+        </p:spPr>
+      </p:pic>
+      <p:sp>
+        <p:nvSpPr>
+          <p:cNvPr id="9" name="Rectangle 8">
+            <a:extLst>
+              <a:ext uri="{FF2B5EF4-FFF2-40B4-BE49-F238E27FC236}">
+                <a16:creationId xmlns:a16="http://schemas.microsoft.com/office/drawing/2014/main" id="{C5A1667D-25AE-7C1D-288F-7A18DAED418B}"/>
+              </a:ext>
+            </a:extLst>
+          </p:cNvPr>
+          <p:cNvSpPr/>
+          <p:nvPr/>
+        </p:nvSpPr>
+        <p:spPr>
+          <a:xfrm>
+            <a:off x="199101" y="4198374"/>
+            <a:ext cx="2317957" cy="226142"/>
+          </a:xfrm>
+          <a:prstGeom prst="rect">
+            <a:avLst/>
+          </a:prstGeom>
+          <a:noFill/>
+          <a:ln>
+            <a:solidFill>
+              <a:srgbClr val="FF0000"/>
+            </a:solidFill>
+          </a:ln>
+        </p:spPr>
+        <p:style>
+          <a:lnRef idx="2">
+            <a:schemeClr val="accent1">
+              <a:shade val="15000"/>
+            </a:schemeClr>
+          </a:lnRef>
+          <a:fillRef idx="1">
+            <a:schemeClr val="accent1"/>
+          </a:fillRef>
+          <a:effectRef idx="0">
+            <a:schemeClr val="accent1"/>
+          </a:effectRef>
+          <a:fontRef idx="minor">
+            <a:schemeClr val="lt1"/>
+          </a:fontRef>
+        </p:style>
+        <p:txBody>
+          <a:bodyPr rtlCol="0" anchor="ctr"/>
+          <a:lstStyle/>
+          <a:p>
+            <a:pPr algn="ctr"/>
+            <a:endParaRPr lang="en-US"/>
+          </a:p>
+        </p:txBody>
+      </p:sp>
+    </p:spTree>
+    <p:extLst>
+      <p:ext uri="{BB962C8B-B14F-4D97-AF65-F5344CB8AC3E}">
+        <p14:creationId xmlns:p14="http://schemas.microsoft.com/office/powerpoint/2010/main" val="1034689296"/>
+      </p:ext>
+    </p:extLst>
+  </p:cSld>
+  <p:clrMapOvr>
+    <a:masterClrMapping/>
+  </p:clrMapOvr>
+</p:sld>
+</file>
+
+<file path=ppt/slides/slide36.xml><?xml version="1.0" encoding="utf-8"?>
+<p:sld xmlns:a="http://schemas.openxmlformats.org/drawingml/2006/main" xmlns:r="http://schemas.openxmlformats.org/officeDocument/2006/relationships" xmlns:p="http://schemas.openxmlformats.org/presentationml/2006/main">
+  <p:cSld>
+    <p:spTree>
+      <p:nvGrpSpPr>
+        <p:cNvPr id="1" name="">
+          <a:extLst>
+            <a:ext uri="{FF2B5EF4-FFF2-40B4-BE49-F238E27FC236}">
+              <a16:creationId xmlns:a16="http://schemas.microsoft.com/office/drawing/2014/main" id="{0CF26A7C-D389-AD3D-5BAD-FDF8C6581305}"/>
+            </a:ext>
+          </a:extLst>
+        </p:cNvPr>
+        <p:cNvGrpSpPr/>
+        <p:nvPr/>
+      </p:nvGrpSpPr>
+      <p:grpSpPr>
+        <a:xfrm>
+          <a:off x="0" y="0"/>
+          <a:ext cx="0" cy="0"/>
+          <a:chOff x="0" y="0"/>
+          <a:chExt cx="0" cy="0"/>
+        </a:xfrm>
+      </p:grpSpPr>
+      <p:sp>
+        <p:nvSpPr>
+          <p:cNvPr id="2" name="Title 1">
+            <a:extLst>
+              <a:ext uri="{FF2B5EF4-FFF2-40B4-BE49-F238E27FC236}">
+                <a16:creationId xmlns:a16="http://schemas.microsoft.com/office/drawing/2014/main" id="{A3B4C6BE-4DB6-800F-8FDF-82AA33504FC2}"/>
+              </a:ext>
+            </a:extLst>
+          </p:cNvPr>
+          <p:cNvSpPr>
+            <a:spLocks noGrp="1"/>
+          </p:cNvSpPr>
+          <p:nvPr>
+            <p:ph type="title"/>
+          </p:nvPr>
+        </p:nvSpPr>
+        <p:spPr>
+          <a:xfrm>
+            <a:off x="90948" y="266267"/>
+            <a:ext cx="10515600" cy="1325563"/>
+          </a:xfrm>
+        </p:spPr>
+        <p:txBody>
+          <a:bodyPr/>
+          <a:lstStyle/>
+          <a:p>
+            <a:r>
+              <a:rPr lang="en-US" dirty="0"/>
+              <a:t>Compare AIC Scores of Models: Which is best?</a:t>
+            </a:r>
+          </a:p>
+        </p:txBody>
+      </p:sp>
+      <p:pic>
+        <p:nvPicPr>
+          <p:cNvPr id="5" name="Picture 4">
+            <a:extLst>
+              <a:ext uri="{FF2B5EF4-FFF2-40B4-BE49-F238E27FC236}">
+                <a16:creationId xmlns:a16="http://schemas.microsoft.com/office/drawing/2014/main" id="{3C3A6045-3CA6-A037-2A69-399F442F1DE3}"/>
+              </a:ext>
+            </a:extLst>
+          </p:cNvPr>
+          <p:cNvPicPr>
+            <a:picLocks noChangeAspect="1"/>
+          </p:cNvPicPr>
+          <p:nvPr/>
+        </p:nvPicPr>
+        <p:blipFill>
+          <a:blip r:embed="rId2"/>
+          <a:stretch>
+            <a:fillRect/>
+          </a:stretch>
+        </p:blipFill>
+        <p:spPr>
+          <a:xfrm>
+            <a:off x="190500" y="1591830"/>
+            <a:ext cx="9701248" cy="935060"/>
+          </a:xfrm>
+          <a:prstGeom prst="rect">
+            <a:avLst/>
+          </a:prstGeom>
+        </p:spPr>
+      </p:pic>
+      <p:pic>
+        <p:nvPicPr>
+          <p:cNvPr id="7" name="Picture 6" descr="A screen shot of a computer screen&#10;&#10;Description automatically generated">
+            <a:extLst>
+              <a:ext uri="{FF2B5EF4-FFF2-40B4-BE49-F238E27FC236}">
+                <a16:creationId xmlns:a16="http://schemas.microsoft.com/office/drawing/2014/main" id="{6BC1C0D9-00D6-A283-46BF-DE3E99A11A42}"/>
+              </a:ext>
+            </a:extLst>
+          </p:cNvPr>
+          <p:cNvPicPr>
+            <a:picLocks noChangeAspect="1"/>
+          </p:cNvPicPr>
+          <p:nvPr/>
+        </p:nvPicPr>
+        <p:blipFill>
+          <a:blip r:embed="rId3"/>
+          <a:stretch>
+            <a:fillRect/>
+          </a:stretch>
+        </p:blipFill>
+        <p:spPr>
+          <a:xfrm>
+            <a:off x="190500" y="2821010"/>
+            <a:ext cx="10016963" cy="1603506"/>
+          </a:xfrm>
+          <a:prstGeom prst="rect">
+            <a:avLst/>
+          </a:prstGeom>
+        </p:spPr>
+      </p:pic>
+      <p:sp>
+        <p:nvSpPr>
+          <p:cNvPr id="9" name="Rectangle 8">
+            <a:extLst>
+              <a:ext uri="{FF2B5EF4-FFF2-40B4-BE49-F238E27FC236}">
+                <a16:creationId xmlns:a16="http://schemas.microsoft.com/office/drawing/2014/main" id="{F660295F-249C-1AB0-5510-B1162FA5310E}"/>
+              </a:ext>
+            </a:extLst>
+          </p:cNvPr>
+          <p:cNvSpPr/>
+          <p:nvPr/>
+        </p:nvSpPr>
+        <p:spPr>
+          <a:xfrm>
+            <a:off x="199101" y="4198374"/>
+            <a:ext cx="2317957" cy="226142"/>
+          </a:xfrm>
+          <a:prstGeom prst="rect">
+            <a:avLst/>
+          </a:prstGeom>
+          <a:noFill/>
+          <a:ln>
+            <a:solidFill>
+              <a:srgbClr val="FF0000"/>
+            </a:solidFill>
+          </a:ln>
+        </p:spPr>
+        <p:style>
+          <a:lnRef idx="2">
+            <a:schemeClr val="accent1">
+              <a:shade val="15000"/>
+            </a:schemeClr>
+          </a:lnRef>
+          <a:fillRef idx="1">
+            <a:schemeClr val="accent1"/>
+          </a:fillRef>
+          <a:effectRef idx="0">
+            <a:schemeClr val="accent1"/>
+          </a:effectRef>
+          <a:fontRef idx="minor">
+            <a:schemeClr val="lt1"/>
+          </a:fontRef>
+        </p:style>
+        <p:txBody>
+          <a:bodyPr rtlCol="0" anchor="ctr"/>
+          <a:lstStyle/>
+          <a:p>
+            <a:pPr algn="ctr"/>
+            <a:endParaRPr lang="en-US"/>
+          </a:p>
+        </p:txBody>
+      </p:sp>
+      <p:sp>
+        <p:nvSpPr>
+          <p:cNvPr id="10" name="TextBox 9">
+            <a:extLst>
+              <a:ext uri="{FF2B5EF4-FFF2-40B4-BE49-F238E27FC236}">
+                <a16:creationId xmlns:a16="http://schemas.microsoft.com/office/drawing/2014/main" id="{BAA60121-5CE7-1CA3-31D9-063D218BDECE}"/>
+              </a:ext>
+            </a:extLst>
+          </p:cNvPr>
+          <p:cNvSpPr txBox="1"/>
+          <p:nvPr/>
+        </p:nvSpPr>
+        <p:spPr>
+          <a:xfrm>
+            <a:off x="747251" y="6273225"/>
+            <a:ext cx="11572569" cy="584775"/>
+          </a:xfrm>
+          <a:prstGeom prst="rect">
+            <a:avLst/>
+          </a:prstGeom>
+          <a:noFill/>
+        </p:spPr>
+        <p:txBody>
+          <a:bodyPr wrap="square" rtlCol="0">
+            <a:spAutoFit/>
+          </a:bodyPr>
+          <a:lstStyle/>
+          <a:p>
+            <a:r>
+              <a:rPr lang="en-US" sz="3200" dirty="0"/>
+              <a:t>Do the same thing for Richness and evenness (Lines 135*176)</a:t>
+            </a:r>
+          </a:p>
+        </p:txBody>
+      </p:sp>
+    </p:spTree>
+    <p:extLst>
+      <p:ext uri="{BB962C8B-B14F-4D97-AF65-F5344CB8AC3E}">
+        <p14:creationId xmlns:p14="http://schemas.microsoft.com/office/powerpoint/2010/main" val="2558636744"/>
+      </p:ext>
+    </p:extLst>
+  </p:cSld>
+  <p:clrMapOvr>
+    <a:masterClrMapping/>
+  </p:clrMapOvr>
+</p:sld>
+</file>
+
+<file path=ppt/slides/slide37.xml><?xml version="1.0" encoding="utf-8"?>
+<p:sld xmlns:a="http://schemas.openxmlformats.org/drawingml/2006/main" xmlns:r="http://schemas.openxmlformats.org/officeDocument/2006/relationships" xmlns:p="http://schemas.openxmlformats.org/presentationml/2006/main">
+  <p:cSld>
+    <p:spTree>
+      <p:nvGrpSpPr>
+        <p:cNvPr id="1" name="">
+          <a:extLst>
+            <a:ext uri="{FF2B5EF4-FFF2-40B4-BE49-F238E27FC236}">
+              <a16:creationId xmlns:a16="http://schemas.microsoft.com/office/drawing/2014/main" id="{05379849-0F0E-0960-C144-E4453014C131}"/>
+            </a:ext>
+          </a:extLst>
+        </p:cNvPr>
+        <p:cNvGrpSpPr/>
+        <p:nvPr/>
+      </p:nvGrpSpPr>
+      <p:grpSpPr>
+        <a:xfrm>
+          <a:off x="0" y="0"/>
+          <a:ext cx="0" cy="0"/>
+          <a:chOff x="0" y="0"/>
+          <a:chExt cx="0" cy="0"/>
+        </a:xfrm>
+      </p:grpSpPr>
+      <p:pic>
+        <p:nvPicPr>
+          <p:cNvPr id="5" name="Content Placeholder 4" descr="A table with text on it&#10;&#10;Description automatically generated">
+            <a:extLst>
+              <a:ext uri="{FF2B5EF4-FFF2-40B4-BE49-F238E27FC236}">
+                <a16:creationId xmlns:a16="http://schemas.microsoft.com/office/drawing/2014/main" id="{0572042B-4A9C-88A2-1A6F-BFEB403CCABF}"/>
+              </a:ext>
+            </a:extLst>
+          </p:cNvPr>
+          <p:cNvPicPr>
+            <a:picLocks noGrp="1" noChangeAspect="1"/>
+          </p:cNvPicPr>
+          <p:nvPr>
+            <p:ph idx="1"/>
+          </p:nvPr>
+        </p:nvPicPr>
+        <p:blipFill>
+          <a:blip r:embed="rId2"/>
+          <a:srcRect l="18438" t="5776" r="14895"/>
+          <a:stretch/>
+        </p:blipFill>
+        <p:spPr>
+          <a:xfrm>
+            <a:off x="6028562" y="1828755"/>
+            <a:ext cx="5832667" cy="4926776"/>
+          </a:xfrm>
+        </p:spPr>
+      </p:pic>
+      <p:pic>
+        <p:nvPicPr>
+          <p:cNvPr id="6" name="Picture 5" descr="A diagram of a question&#10;&#10;Description automatically generated">
+            <a:extLst>
+              <a:ext uri="{FF2B5EF4-FFF2-40B4-BE49-F238E27FC236}">
+                <a16:creationId xmlns:a16="http://schemas.microsoft.com/office/drawing/2014/main" id="{63F7F25E-6390-1830-45A6-CB0691AAF3C5}"/>
+              </a:ext>
+            </a:extLst>
+          </p:cNvPr>
+          <p:cNvPicPr>
+            <a:picLocks noChangeAspect="1"/>
+          </p:cNvPicPr>
+          <p:nvPr/>
+        </p:nvPicPr>
+        <p:blipFill>
+          <a:blip r:embed="rId3"/>
+          <a:stretch>
+            <a:fillRect/>
+          </a:stretch>
+        </p:blipFill>
+        <p:spPr>
+          <a:xfrm>
+            <a:off x="0" y="2700392"/>
+            <a:ext cx="6028562" cy="2990546"/>
+          </a:xfrm>
+          <a:prstGeom prst="rect">
+            <a:avLst/>
+          </a:prstGeom>
+        </p:spPr>
+      </p:pic>
+      <p:sp>
+        <p:nvSpPr>
+          <p:cNvPr id="7" name="TextBox 6">
+            <a:extLst>
+              <a:ext uri="{FF2B5EF4-FFF2-40B4-BE49-F238E27FC236}">
+                <a16:creationId xmlns:a16="http://schemas.microsoft.com/office/drawing/2014/main" id="{C6BA56A7-173B-DD08-8AAC-4AA8D43E74C8}"/>
+              </a:ext>
+            </a:extLst>
+          </p:cNvPr>
+          <p:cNvSpPr txBox="1"/>
+          <p:nvPr/>
+        </p:nvSpPr>
+        <p:spPr>
+          <a:xfrm>
+            <a:off x="8377083" y="5383161"/>
+            <a:ext cx="1135626" cy="307777"/>
+          </a:xfrm>
+          <a:prstGeom prst="rect">
+            <a:avLst/>
+          </a:prstGeom>
+          <a:noFill/>
+        </p:spPr>
+        <p:txBody>
+          <a:bodyPr wrap="square" rtlCol="0">
+            <a:spAutoFit/>
+          </a:bodyPr>
+          <a:lstStyle/>
+          <a:p>
+            <a:r>
+              <a:rPr lang="en-US" sz="1400" dirty="0"/>
+              <a:t>(Binary)</a:t>
+            </a:r>
+          </a:p>
+        </p:txBody>
+      </p:sp>
+      <p:sp>
+        <p:nvSpPr>
+          <p:cNvPr id="2" name="Title 1">
+            <a:extLst>
+              <a:ext uri="{FF2B5EF4-FFF2-40B4-BE49-F238E27FC236}">
+                <a16:creationId xmlns:a16="http://schemas.microsoft.com/office/drawing/2014/main" id="{E49F9E67-5E17-8357-5F7E-F5EA4A6F8AC6}"/>
+              </a:ext>
+            </a:extLst>
+          </p:cNvPr>
+          <p:cNvSpPr>
+            <a:spLocks noGrp="1"/>
+          </p:cNvSpPr>
+          <p:nvPr>
+            <p:ph type="title"/>
+          </p:nvPr>
+        </p:nvSpPr>
+        <p:spPr>
+          <a:xfrm>
+            <a:off x="838200" y="365125"/>
+            <a:ext cx="10515600" cy="1325563"/>
+          </a:xfrm>
+        </p:spPr>
+        <p:txBody>
+          <a:bodyPr>
+            <a:normAutofit fontScale="90000"/>
+          </a:bodyPr>
+          <a:lstStyle/>
+          <a:p>
+            <a:r>
+              <a:rPr lang="en-US" dirty="0"/>
+              <a:t>Apply this to our questions: </a:t>
+            </a:r>
+            <a:br>
+              <a:rPr lang="en-US" dirty="0"/>
+            </a:br>
+            <a:r>
+              <a:rPr lang="en-US" sz="2800" dirty="0"/>
+              <a:t>Does the arthropod community change from year to year with grazing intensity?</a:t>
+            </a:r>
+          </a:p>
+        </p:txBody>
+      </p:sp>
+      <p:sp>
+        <p:nvSpPr>
+          <p:cNvPr id="8" name="TextBox 7">
+            <a:extLst>
+              <a:ext uri="{FF2B5EF4-FFF2-40B4-BE49-F238E27FC236}">
+                <a16:creationId xmlns:a16="http://schemas.microsoft.com/office/drawing/2014/main" id="{759F1932-E903-18BA-E223-434DDC11D33F}"/>
+              </a:ext>
+            </a:extLst>
+          </p:cNvPr>
+          <p:cNvSpPr txBox="1"/>
+          <p:nvPr/>
+        </p:nvSpPr>
+        <p:spPr>
+          <a:xfrm>
+            <a:off x="0" y="5530737"/>
+            <a:ext cx="6555658" cy="1384995"/>
+          </a:xfrm>
+          <a:prstGeom prst="rect">
+            <a:avLst/>
+          </a:prstGeom>
+          <a:noFill/>
+        </p:spPr>
+        <p:txBody>
+          <a:bodyPr wrap="square" rtlCol="0">
+            <a:spAutoFit/>
+          </a:bodyPr>
+          <a:lstStyle/>
+          <a:p>
+            <a:r>
+              <a:rPr lang="en-US" sz="2800" dirty="0"/>
+              <a:t>Our groups are:</a:t>
+            </a:r>
+          </a:p>
+          <a:p>
+            <a:r>
+              <a:rPr lang="en-US" sz="2800" dirty="0"/>
+              <a:t>high grazing, low grazing, and no grazing</a:t>
+            </a:r>
+          </a:p>
+          <a:p>
+            <a:r>
+              <a:rPr lang="en-US" sz="2800" dirty="0"/>
+              <a:t>&amp; year </a:t>
+            </a:r>
+          </a:p>
+        </p:txBody>
+      </p:sp>
+      <p:sp>
+        <p:nvSpPr>
+          <p:cNvPr id="3" name="Rectangle 2">
+            <a:extLst>
+              <a:ext uri="{FF2B5EF4-FFF2-40B4-BE49-F238E27FC236}">
+                <a16:creationId xmlns:a16="http://schemas.microsoft.com/office/drawing/2014/main" id="{61DFF346-5B49-52F7-A5BD-2CE2A8F9763B}"/>
+              </a:ext>
+            </a:extLst>
+          </p:cNvPr>
+          <p:cNvSpPr/>
+          <p:nvPr/>
+        </p:nvSpPr>
+        <p:spPr>
+          <a:xfrm>
+            <a:off x="3185652" y="3656631"/>
+            <a:ext cx="2698954" cy="1343071"/>
+          </a:xfrm>
+          <a:prstGeom prst="rect">
+            <a:avLst/>
+          </a:prstGeom>
+          <a:noFill/>
+          <a:ln w="28575">
+            <a:solidFill>
+              <a:srgbClr val="FF0000"/>
+            </a:solidFill>
+          </a:ln>
+        </p:spPr>
+        <p:style>
+          <a:lnRef idx="2">
+            <a:schemeClr val="accent1">
+              <a:shade val="15000"/>
+            </a:schemeClr>
+          </a:lnRef>
+          <a:fillRef idx="1">
+            <a:schemeClr val="accent1"/>
+          </a:fillRef>
+          <a:effectRef idx="0">
+            <a:schemeClr val="accent1"/>
+          </a:effectRef>
+          <a:fontRef idx="minor">
+            <a:schemeClr val="lt1"/>
+          </a:fontRef>
+        </p:style>
+        <p:txBody>
+          <a:bodyPr rtlCol="0" anchor="ctr"/>
+          <a:lstStyle/>
+          <a:p>
+            <a:pPr algn="ctr"/>
+            <a:endParaRPr lang="en-US"/>
+          </a:p>
+        </p:txBody>
+      </p:sp>
+      <p:sp>
+        <p:nvSpPr>
+          <p:cNvPr id="4" name="Rectangle 3">
+            <a:extLst>
+              <a:ext uri="{FF2B5EF4-FFF2-40B4-BE49-F238E27FC236}">
+                <a16:creationId xmlns:a16="http://schemas.microsoft.com/office/drawing/2014/main" id="{0EB91B50-C6C3-883A-3FC2-4356867A3338}"/>
+              </a:ext>
+            </a:extLst>
+          </p:cNvPr>
+          <p:cNvSpPr/>
+          <p:nvPr/>
+        </p:nvSpPr>
+        <p:spPr>
+          <a:xfrm>
+            <a:off x="6095999" y="4227325"/>
+            <a:ext cx="5765229" cy="772378"/>
+          </a:xfrm>
+          <a:prstGeom prst="rect">
+            <a:avLst/>
+          </a:prstGeom>
+          <a:noFill/>
+          <a:ln w="28575">
+            <a:solidFill>
+              <a:srgbClr val="FF0000"/>
+            </a:solidFill>
+          </a:ln>
+        </p:spPr>
+        <p:style>
+          <a:lnRef idx="2">
+            <a:schemeClr val="accent1">
+              <a:shade val="15000"/>
+            </a:schemeClr>
+          </a:lnRef>
+          <a:fillRef idx="1">
+            <a:schemeClr val="accent1"/>
+          </a:fillRef>
+          <a:effectRef idx="0">
+            <a:schemeClr val="accent1"/>
+          </a:effectRef>
+          <a:fontRef idx="minor">
+            <a:schemeClr val="lt1"/>
+          </a:fontRef>
+        </p:style>
+        <p:txBody>
+          <a:bodyPr rtlCol="0" anchor="ctr"/>
+          <a:lstStyle/>
+          <a:p>
+            <a:pPr algn="ctr"/>
+            <a:endParaRPr lang="en-US"/>
+          </a:p>
+        </p:txBody>
+      </p:sp>
+    </p:spTree>
+    <p:extLst>
+      <p:ext uri="{BB962C8B-B14F-4D97-AF65-F5344CB8AC3E}">
+        <p14:creationId xmlns:p14="http://schemas.microsoft.com/office/powerpoint/2010/main" val="3297949655"/>
+      </p:ext>
+    </p:extLst>
+  </p:cSld>
+  <p:clrMapOvr>
+    <a:masterClrMapping/>
+  </p:clrMapOvr>
+</p:sld>
+</file>
+
+<file path=ppt/slides/slide38.xml><?xml version="1.0" encoding="utf-8"?>
+<p:sld xmlns:a="http://schemas.openxmlformats.org/drawingml/2006/main" xmlns:r="http://schemas.openxmlformats.org/officeDocument/2006/relationships" xmlns:p="http://schemas.openxmlformats.org/presentationml/2006/main">
+  <p:cSld>
+    <p:spTree>
+      <p:nvGrpSpPr>
+        <p:cNvPr id="1" name=""/>
+        <p:cNvGrpSpPr/>
+        <p:nvPr/>
+      </p:nvGrpSpPr>
+      <p:grpSpPr>
+        <a:xfrm>
+          <a:off x="0" y="0"/>
+          <a:ext cx="0" cy="0"/>
+          <a:chOff x="0" y="0"/>
+          <a:chExt cx="0" cy="0"/>
+        </a:xfrm>
+      </p:grpSpPr>
+      <p:sp>
+        <p:nvSpPr>
+          <p:cNvPr id="2" name="Title 1">
+            <a:extLst>
+              <a:ext uri="{FF2B5EF4-FFF2-40B4-BE49-F238E27FC236}">
+                <a16:creationId xmlns:a16="http://schemas.microsoft.com/office/drawing/2014/main" id="{583E543B-A326-AF55-DE67-306417768716}"/>
+              </a:ext>
+            </a:extLst>
+          </p:cNvPr>
+          <p:cNvSpPr>
+            <a:spLocks noGrp="1"/>
+          </p:cNvSpPr>
+          <p:nvPr>
+            <p:ph type="title"/>
+          </p:nvPr>
+        </p:nvSpPr>
+        <p:spPr/>
+        <p:txBody>
+          <a:bodyPr/>
+          <a:lstStyle/>
+          <a:p>
+            <a:endParaRPr lang="en-US"/>
+          </a:p>
+        </p:txBody>
+      </p:sp>
+      <p:pic>
+        <p:nvPicPr>
+          <p:cNvPr id="5" name="Content Placeholder 4" descr="A screenshot of a computer program&#10;&#10;Description automatically generated">
+            <a:extLst>
+              <a:ext uri="{FF2B5EF4-FFF2-40B4-BE49-F238E27FC236}">
+                <a16:creationId xmlns:a16="http://schemas.microsoft.com/office/drawing/2014/main" id="{C1488085-D6E4-082B-7E60-D4BBFD680BEE}"/>
+              </a:ext>
+            </a:extLst>
+          </p:cNvPr>
+          <p:cNvPicPr>
+            <a:picLocks noGrp="1" noChangeAspect="1"/>
+          </p:cNvPicPr>
+          <p:nvPr>
+            <p:ph idx="1"/>
+          </p:nvPr>
+        </p:nvPicPr>
+        <p:blipFill>
+          <a:blip r:embed="rId2"/>
+          <a:stretch>
+            <a:fillRect/>
+          </a:stretch>
+        </p:blipFill>
+        <p:spPr>
+          <a:xfrm>
+            <a:off x="510867" y="1919518"/>
+            <a:ext cx="11170265" cy="4068328"/>
+          </a:xfrm>
+        </p:spPr>
+      </p:pic>
+    </p:spTree>
+    <p:extLst>
+      <p:ext uri="{BB962C8B-B14F-4D97-AF65-F5344CB8AC3E}">
+        <p14:creationId xmlns:p14="http://schemas.microsoft.com/office/powerpoint/2010/main" val="210658953"/>
+      </p:ext>
+    </p:extLst>
+  </p:cSld>
+  <p:clrMapOvr>
+    <a:masterClrMapping/>
+  </p:clrMapOvr>
+</p:sld>
+</file>
+
 <file path=ppt/slides/slide4.xml><?xml version="1.0" encoding="utf-8"?>
 <p:sld xmlns:a="http://schemas.openxmlformats.org/drawingml/2006/main" xmlns:r="http://schemas.openxmlformats.org/officeDocument/2006/relationships" xmlns:p="http://schemas.openxmlformats.org/presentationml/2006/main">
   <p:cSld>
@@ -10623,7 +12968,7 @@
         <p:spPr/>
         <p:txBody>
           <a:bodyPr>
-            <a:normAutofit fontScale="92500" lnSpcReduction="10000"/>
+            <a:normAutofit/>
           </a:bodyPr>
           <a:lstStyle/>
           <a:p>
@@ -10633,7 +12978,7 @@
             </a:pPr>
             <a:r>
               <a:rPr lang="en-US" dirty="0"/>
-              <a:t>Data Structure</a:t>
+              <a:t>Data Intro &amp; Structure</a:t>
             </a:r>
           </a:p>
           <a:p>
@@ -10647,41 +12992,6 @@
             </a:r>
           </a:p>
           <a:p>
-            <a:pPr lvl="1">
-              <a:spcBef>
-                <a:spcPts val="0"/>
-              </a:spcBef>
-            </a:pPr>
-            <a:r>
-              <a:rPr lang="en-US" dirty="0"/>
-              <a:t>Not going through today but annotated code is available in </a:t>
-            </a:r>
-            <a:r>
-              <a:rPr lang="en-US" dirty="0" err="1"/>
-              <a:t>Boxbox</a:t>
-            </a:r>
-            <a:r>
-              <a:rPr lang="en-US" dirty="0"/>
-              <a:t>-group-</a:t>
-            </a:r>
-            <a:r>
-              <a:rPr lang="en-US" dirty="0" err="1"/>
-              <a:t>grunerlab</a:t>
-            </a:r>
-            <a:r>
-              <a:rPr lang="en-US" dirty="0"/>
-              <a:t>/ GRUNERLAB/ R Studio Workshop/ </a:t>
-            </a:r>
-            <a:r>
-              <a:rPr lang="en-US" dirty="0" err="1"/>
-              <a:t>GrunerLab_RWorkshop</a:t>
-            </a:r>
-            <a:r>
-              <a:rPr lang="en-US" dirty="0"/>
-              <a:t>/ 01_GrunerLab_RWorkshop_DataCleaning.R</a:t>
-            </a:r>
-          </a:p>
-          <a:p>
             <a:pPr marL="514350" indent="-514350">
               <a:buFont typeface="+mj-lt"/>
               <a:buAutoNum type="arabicPeriod"/>
@@ -10692,111 +13002,14 @@
             </a:r>
           </a:p>
           <a:p>
-            <a:pPr lvl="1">
-              <a:lnSpc>
-                <a:spcPct val="100000"/>
-              </a:lnSpc>
-              <a:spcBef>
-                <a:spcPts val="0"/>
-              </a:spcBef>
-            </a:pPr>
-            <a:r>
-              <a:rPr lang="en-US" dirty="0"/>
-              <a:t>Absolute Abundance</a:t>
-            </a:r>
-          </a:p>
-          <a:p>
-            <a:pPr lvl="1">
-              <a:lnSpc>
-                <a:spcPct val="100000"/>
-              </a:lnSpc>
-              <a:spcBef>
-                <a:spcPts val="0"/>
-              </a:spcBef>
-            </a:pPr>
-            <a:r>
-              <a:rPr lang="en-US" dirty="0"/>
-              <a:t>Relative Abundance</a:t>
-            </a:r>
-          </a:p>
-          <a:p>
-            <a:pPr lvl="1">
-              <a:lnSpc>
-                <a:spcPct val="100000"/>
-              </a:lnSpc>
-              <a:spcBef>
-                <a:spcPts val="0"/>
-              </a:spcBef>
-            </a:pPr>
-            <a:r>
-              <a:rPr lang="en-US" dirty="0"/>
-              <a:t>Richness</a:t>
-            </a:r>
-          </a:p>
-          <a:p>
-            <a:pPr lvl="1">
-              <a:lnSpc>
-                <a:spcPct val="100000"/>
-              </a:lnSpc>
-              <a:spcBef>
-                <a:spcPts val="0"/>
-              </a:spcBef>
-            </a:pPr>
-            <a:r>
-              <a:rPr lang="en-US" dirty="0"/>
-              <a:t>Evenness</a:t>
-            </a:r>
-          </a:p>
-          <a:p>
-            <a:pPr lvl="1">
-              <a:lnSpc>
-                <a:spcPct val="100000"/>
-              </a:lnSpc>
-              <a:spcBef>
-                <a:spcPts val="0"/>
-              </a:spcBef>
-            </a:pPr>
-            <a:r>
-              <a:rPr lang="en-US" dirty="0"/>
-              <a:t>Diversity</a:t>
-            </a:r>
-          </a:p>
-          <a:p>
-            <a:pPr marL="514350" indent="-514350">
-              <a:lnSpc>
-                <a:spcPct val="100000"/>
-              </a:lnSpc>
-              <a:spcBef>
-                <a:spcPts val="0"/>
-              </a:spcBef>
-              <a:buFont typeface="+mj-lt"/>
-              <a:buAutoNum type="arabicPeriod"/>
-            </a:pPr>
-            <a:r>
-              <a:rPr lang="en-US" dirty="0"/>
-              <a:t>Modeling Changes in Community Metrics</a:t>
-            </a:r>
-          </a:p>
-          <a:p>
-            <a:pPr lvl="1">
-              <a:lnSpc>
-                <a:spcPct val="100000"/>
-              </a:lnSpc>
-              <a:spcBef>
-                <a:spcPts val="0"/>
-              </a:spcBef>
-            </a:pPr>
-            <a:r>
-              <a:rPr lang="en-US" dirty="0"/>
-              <a:t>What model structure to choose? What test to run?</a:t>
-            </a:r>
-          </a:p>
-          <a:p>
             <a:pPr marL="514350" indent="-514350">
               <a:buFont typeface="+mj-lt"/>
               <a:buAutoNum type="arabicPeriod"/>
             </a:pPr>
-            <a:endParaRPr lang="en-US" dirty="0"/>
+            <a:r>
+              <a:rPr lang="en-US" dirty="0"/>
+              <a:t>Modeling Changes in Community Metrics</a:t>
+            </a:r>
           </a:p>
         </p:txBody>
       </p:sp>
@@ -10883,7 +13096,7 @@
         <p:spPr/>
         <p:txBody>
           <a:bodyPr>
-            <a:normAutofit fontScale="92500" lnSpcReduction="10000"/>
+            <a:normAutofit/>
           </a:bodyPr>
           <a:lstStyle/>
           <a:p>
@@ -10893,7 +13106,7 @@
             </a:pPr>
             <a:r>
               <a:rPr lang="en-US" dirty="0"/>
-              <a:t>Data Structure</a:t>
+              <a:t>Data Intro &amp; Structure </a:t>
             </a:r>
           </a:p>
           <a:p>
@@ -10913,83 +13126,6 @@
             </a:r>
           </a:p>
           <a:p>
-            <a:pPr lvl="1">
-              <a:spcBef>
-                <a:spcPts val="0"/>
-              </a:spcBef>
-            </a:pPr>
-            <a:r>
-              <a:rPr lang="en-US" dirty="0">
-                <a:solidFill>
-                  <a:schemeClr val="bg2">
-                    <a:lumMod val="75000"/>
-                  </a:schemeClr>
-                </a:solidFill>
-              </a:rPr>
-              <a:t>Not going through today but annotated code is available in </a:t>
-            </a:r>
-            <a:r>
-              <a:rPr lang="en-US" dirty="0" err="1">
-                <a:solidFill>
-                  <a:schemeClr val="bg2">
-                    <a:lumMod val="75000"/>
-                  </a:schemeClr>
-                </a:solidFill>
-              </a:rPr>
-              <a:t>Boxbox</a:t>
-            </a:r>
-            <a:r>
-              <a:rPr lang="en-US" dirty="0">
-                <a:solidFill>
-                  <a:schemeClr val="bg2">
-                    <a:lumMod val="75000"/>
-                  </a:schemeClr>
-                </a:solidFill>
-              </a:rPr>
-              <a:t>-group-</a:t>
-            </a:r>
-            <a:r>
-              <a:rPr lang="en-US" dirty="0" err="1">
-                <a:solidFill>
-                  <a:schemeClr val="bg2">
-                    <a:lumMod val="75000"/>
-                  </a:schemeClr>
-                </a:solidFill>
-              </a:rPr>
-              <a:t>grunerlab</a:t>
-            </a:r>
-            <a:r>
-              <a:rPr lang="en-US" dirty="0">
-                <a:solidFill>
-                  <a:schemeClr val="bg2">
-                    <a:lumMod val="75000"/>
-                  </a:schemeClr>
-                </a:solidFill>
-              </a:rPr>
-              <a:t>/ GRUNERLAB/ R Studio Workshop/ </a:t>
-            </a:r>
-            <a:r>
-              <a:rPr lang="en-US" dirty="0" err="1">
-                <a:solidFill>
-                  <a:schemeClr val="bg2">
-                    <a:lumMod val="75000"/>
-                  </a:schemeClr>
-                </a:solidFill>
-              </a:rPr>
-              <a:t>GrunerLab_RWorkshop</a:t>
-            </a:r>
-            <a:r>
-              <a:rPr lang="en-US" dirty="0">
-                <a:solidFill>
-                  <a:schemeClr val="bg2">
-                    <a:lumMod val="75000"/>
-                  </a:schemeClr>
-                </a:solidFill>
-              </a:rPr>
-              <a:t>/ 01_GrunerLab_RWorkshop_DataCleaning.R</a:t>
-            </a:r>
-          </a:p>
-          <a:p>
             <a:pPr marL="514350" indent="-514350">
               <a:buFont typeface="+mj-lt"/>
               <a:buAutoNum type="arabicPeriod"/>
@@ -11006,113 +13142,7 @@
             </a:r>
           </a:p>
           <a:p>
-            <a:pPr lvl="1">
-              <a:lnSpc>
-                <a:spcPct val="100000"/>
-              </a:lnSpc>
-              <a:spcBef>
-                <a:spcPts val="0"/>
-              </a:spcBef>
-            </a:pPr>
-            <a:r>
-              <a:rPr lang="en-US" dirty="0">
-                <a:solidFill>
-                  <a:schemeClr val="bg2">
-                    <a:lumMod val="75000"/>
-                  </a:schemeClr>
-                </a:solidFill>
-              </a:rPr>
-              <a:t>Absolute Abundance</a:t>
-            </a:r>
-          </a:p>
-          <a:p>
-            <a:pPr lvl="1">
-              <a:lnSpc>
-                <a:spcPct val="100000"/>
-              </a:lnSpc>
-              <a:spcBef>
-                <a:spcPts val="0"/>
-              </a:spcBef>
-            </a:pPr>
-            <a:r>
-              <a:rPr lang="en-US" dirty="0">
-                <a:solidFill>
-                  <a:schemeClr val="bg2">
-                    <a:lumMod val="75000"/>
-                  </a:schemeClr>
-                </a:solidFill>
-              </a:rPr>
-              <a:t>Relative Abundance</a:t>
-            </a:r>
-          </a:p>
-          <a:p>
-            <a:pPr lvl="1">
-              <a:lnSpc>
-                <a:spcPct val="100000"/>
-              </a:lnSpc>
-              <a:spcBef>
-                <a:spcPts val="0"/>
-              </a:spcBef>
-            </a:pPr>
-            <a:r>
-              <a:rPr lang="en-US" dirty="0">
-                <a:solidFill>
-                  <a:schemeClr val="bg2">
-                    <a:lumMod val="75000"/>
-                  </a:schemeClr>
-                </a:solidFill>
-              </a:rPr>
-              <a:t>Richness</a:t>
-            </a:r>
-          </a:p>
-          <a:p>
-            <a:pPr lvl="1">
-              <a:lnSpc>
-                <a:spcPct val="100000"/>
-              </a:lnSpc>
-              <a:spcBef>
-                <a:spcPts val="0"/>
-              </a:spcBef>
-            </a:pPr>
-            <a:r>
-              <a:rPr lang="en-US" dirty="0">
-                <a:solidFill>
-                  <a:schemeClr val="bg2">
-                    <a:lumMod val="75000"/>
-                  </a:schemeClr>
-                </a:solidFill>
-              </a:rPr>
-              <a:t>Evenness</a:t>
-            </a:r>
-          </a:p>
-          <a:p>
-            <a:pPr lvl="1">
-              <a:lnSpc>
-                <a:spcPct val="100000"/>
-              </a:lnSpc>
-              <a:spcBef>
-                <a:spcPts val="0"/>
-              </a:spcBef>
-            </a:pPr>
-            <a:r>
-              <a:rPr lang="en-US" dirty="0">
-                <a:solidFill>
-                  <a:schemeClr val="bg2">
-                    <a:lumMod val="75000"/>
-                  </a:schemeClr>
-                </a:solidFill>
-              </a:rPr>
-              <a:t>Diversity</a:t>
-            </a:r>
-          </a:p>
-          <a:p>
             <a:pPr marL="514350" indent="-514350">
-              <a:lnSpc>
-                <a:spcPct val="100000"/>
-              </a:lnSpc>
-              <a:spcBef>
-                <a:spcPts val="0"/>
-              </a:spcBef>
               <a:buFont typeface="+mj-lt"/>
               <a:buAutoNum type="arabicPeriod"/>
             </a:pPr>
@@ -11126,33 +13156,6 @@
               </a:rPr>
               <a:t>Modeling Changes in Community Metrics</a:t>
             </a:r>
-          </a:p>
-          <a:p>
-            <a:pPr lvl="1">
-              <a:lnSpc>
-                <a:spcPct val="100000"/>
-              </a:lnSpc>
-              <a:spcBef>
-                <a:spcPts val="0"/>
-              </a:spcBef>
-            </a:pPr>
-            <a:r>
-              <a:rPr lang="en-US" dirty="0">
-                <a:solidFill>
-                  <a:schemeClr val="bg2">
-                    <a:lumMod val="75000"/>
-                  </a:schemeClr>
-                </a:solidFill>
-              </a:rPr>
-              <a:t>What model structure to choose? What test to run?</a:t>
-            </a:r>
-          </a:p>
-          <a:p>
-            <a:pPr marL="514350" indent="-514350">
-              <a:buFont typeface="+mj-lt"/>
-              <a:buAutoNum type="arabicPeriod"/>
-            </a:pPr>
-            <a:endParaRPr lang="en-US" dirty="0"/>
           </a:p>
         </p:txBody>
       </p:sp>
@@ -11202,14 +13205,21 @@
             <p:ph type="title"/>
           </p:nvPr>
         </p:nvSpPr>
-        <p:spPr/>
-        <p:txBody>
-          <a:bodyPr/>
+        <p:spPr>
+          <a:xfrm>
+            <a:off x="838200" y="365125"/>
+            <a:ext cx="4058265" cy="3380965"/>
+          </a:xfrm>
+        </p:spPr>
+        <p:txBody>
+          <a:bodyPr>
+            <a:normAutofit/>
+          </a:bodyPr>
           <a:lstStyle/>
           <a:p>
             <a:r>
               <a:rPr lang="en-US" dirty="0"/>
-              <a:t>Data Structure</a:t>
+              <a:t>How does grazing affect arthropod communities?</a:t>
             </a:r>
           </a:p>
         </p:txBody>

--- a/GrunerLab_RWorkshop_PPT.pptx
+++ b/GrunerLab_RWorkshop_PPT.pptx
@@ -5,7 +5,7 @@
     <p:sldMasterId id="2147483648" r:id="rId1"/>
   </p:sldMasterIdLst>
   <p:notesMasterIdLst>
-    <p:notesMasterId r:id="rId40"/>
+    <p:notesMasterId r:id="rId43"/>
   </p:notesMasterIdLst>
   <p:sldIdLst>
     <p:sldId id="256" r:id="rId2"/>
@@ -35,17 +35,20 @@
     <p:sldId id="272" r:id="rId26"/>
     <p:sldId id="275" r:id="rId27"/>
     <p:sldId id="291" r:id="rId28"/>
-    <p:sldId id="276" r:id="rId29"/>
-    <p:sldId id="277" r:id="rId30"/>
-    <p:sldId id="278" r:id="rId31"/>
-    <p:sldId id="292" r:id="rId32"/>
-    <p:sldId id="279" r:id="rId33"/>
-    <p:sldId id="293" r:id="rId34"/>
-    <p:sldId id="281" r:id="rId35"/>
-    <p:sldId id="294" r:id="rId36"/>
-    <p:sldId id="295" r:id="rId37"/>
-    <p:sldId id="282" r:id="rId38"/>
-    <p:sldId id="296" r:id="rId39"/>
+    <p:sldId id="277" r:id="rId29"/>
+    <p:sldId id="278" r:id="rId30"/>
+    <p:sldId id="292" r:id="rId31"/>
+    <p:sldId id="279" r:id="rId32"/>
+    <p:sldId id="293" r:id="rId33"/>
+    <p:sldId id="281" r:id="rId34"/>
+    <p:sldId id="294" r:id="rId35"/>
+    <p:sldId id="295" r:id="rId36"/>
+    <p:sldId id="282" r:id="rId37"/>
+    <p:sldId id="296" r:id="rId38"/>
+    <p:sldId id="298" r:id="rId39"/>
+    <p:sldId id="297" r:id="rId40"/>
+    <p:sldId id="299" r:id="rId41"/>
+    <p:sldId id="300" r:id="rId42"/>
   </p:sldIdLst>
   <p:sldSz cx="12192000" cy="6858000"/>
   <p:notesSz cx="6858000" cy="9144000"/>
@@ -10045,7 +10048,13 @@
   <p:cSld>
     <p:spTree>
       <p:nvGrpSpPr>
-        <p:cNvPr id="1" name=""/>
+        <p:cNvPr id="1" name="">
+          <a:extLst>
+            <a:ext uri="{FF2B5EF4-FFF2-40B4-BE49-F238E27FC236}">
+              <a16:creationId xmlns:a16="http://schemas.microsoft.com/office/drawing/2014/main" id="{52C07EBB-BE71-5015-ACBD-A468AEA7E5C0}"/>
+            </a:ext>
+          </a:extLst>
+        </p:cNvPr>
         <p:cNvGrpSpPr/>
         <p:nvPr/>
       </p:nvGrpSpPr>
@@ -10057,54 +10066,21 @@
           <a:chExt cx="0" cy="0"/>
         </a:xfrm>
       </p:grpSpPr>
-      <p:sp>
-        <p:nvSpPr>
-          <p:cNvPr id="7" name="TextBox 6">
-            <a:extLst>
-              <a:ext uri="{FF2B5EF4-FFF2-40B4-BE49-F238E27FC236}">
-                <a16:creationId xmlns:a16="http://schemas.microsoft.com/office/drawing/2014/main" id="{CFA9604A-8273-3C05-B075-2E85F2B0167B}"/>
-              </a:ext>
-            </a:extLst>
-          </p:cNvPr>
-          <p:cNvSpPr txBox="1"/>
-          <p:nvPr/>
-        </p:nvSpPr>
-        <p:spPr>
-          <a:xfrm>
-            <a:off x="8377083" y="5383161"/>
-            <a:ext cx="1135626" cy="307777"/>
-          </a:xfrm>
-          <a:prstGeom prst="rect">
-            <a:avLst/>
-          </a:prstGeom>
-          <a:noFill/>
-        </p:spPr>
-        <p:txBody>
-          <a:bodyPr wrap="square" rtlCol="0">
-            <a:spAutoFit/>
-          </a:bodyPr>
-          <a:lstStyle/>
-          <a:p>
-            <a:r>
-              <a:rPr lang="en-US" sz="1400" dirty="0"/>
-              <a:t>(Binary)</a:t>
-            </a:r>
-          </a:p>
-        </p:txBody>
-      </p:sp>
       <p:pic>
         <p:nvPicPr>
-          <p:cNvPr id="10" name="Content Placeholder 4" descr="A table with text on it&#10;&#10;Description automatically generated">
-            <a:extLst>
-              <a:ext uri="{FF2B5EF4-FFF2-40B4-BE49-F238E27FC236}">
-                <a16:creationId xmlns:a16="http://schemas.microsoft.com/office/drawing/2014/main" id="{C36F9B78-F7F2-E6D5-CA93-CC5AC6DB5BB6}"/>
+          <p:cNvPr id="5" name="Content Placeholder 4" descr="A table with text on it&#10;&#10;Description automatically generated">
+            <a:extLst>
+              <a:ext uri="{FF2B5EF4-FFF2-40B4-BE49-F238E27FC236}">
+                <a16:creationId xmlns:a16="http://schemas.microsoft.com/office/drawing/2014/main" id="{E0C71F12-6FC9-3913-69DB-2FB6CE098258}"/>
               </a:ext>
             </a:extLst>
           </p:cNvPr>
           <p:cNvPicPr>
-            <a:picLocks noChangeAspect="1"/>
+            <a:picLocks noGrp="1" noChangeAspect="1"/>
           </p:cNvPicPr>
-          <p:nvPr/>
+          <p:nvPr>
+            <p:ph idx="1"/>
+          </p:nvPr>
         </p:nvPicPr>
         <p:blipFill>
           <a:blip r:embed="rId2"/>
@@ -10116,17 +10092,14 @@
             <a:off x="6028562" y="1828755"/>
             <a:ext cx="5832667" cy="4926776"/>
           </a:xfrm>
-          <a:prstGeom prst="rect">
-            <a:avLst/>
-          </a:prstGeom>
         </p:spPr>
       </p:pic>
       <p:pic>
         <p:nvPicPr>
-          <p:cNvPr id="11" name="Picture 10" descr="A diagram of a question&#10;&#10;Description automatically generated">
-            <a:extLst>
-              <a:ext uri="{FF2B5EF4-FFF2-40B4-BE49-F238E27FC236}">
-                <a16:creationId xmlns:a16="http://schemas.microsoft.com/office/drawing/2014/main" id="{FF152767-0597-7D8B-A8E8-3894FC3C92A6}"/>
+          <p:cNvPr id="6" name="Picture 5" descr="A diagram of a question&#10;&#10;Description automatically generated">
+            <a:extLst>
+              <a:ext uri="{FF2B5EF4-FFF2-40B4-BE49-F238E27FC236}">
+                <a16:creationId xmlns:a16="http://schemas.microsoft.com/office/drawing/2014/main" id="{BA1F253D-C353-1754-4F27-AA36E1EF388E}"/>
               </a:ext>
             </a:extLst>
           </p:cNvPr>
@@ -10151,10 +10124,88 @@
           </a:prstGeom>
         </p:spPr>
       </p:pic>
+      <p:sp>
+        <p:nvSpPr>
+          <p:cNvPr id="7" name="TextBox 6">
+            <a:extLst>
+              <a:ext uri="{FF2B5EF4-FFF2-40B4-BE49-F238E27FC236}">
+                <a16:creationId xmlns:a16="http://schemas.microsoft.com/office/drawing/2014/main" id="{2B6415D7-CD01-511C-9F33-AB98686EC033}"/>
+              </a:ext>
+            </a:extLst>
+          </p:cNvPr>
+          <p:cNvSpPr txBox="1"/>
+          <p:nvPr/>
+        </p:nvSpPr>
+        <p:spPr>
+          <a:xfrm>
+            <a:off x="8377083" y="5383161"/>
+            <a:ext cx="1135626" cy="307777"/>
+          </a:xfrm>
+          <a:prstGeom prst="rect">
+            <a:avLst/>
+          </a:prstGeom>
+          <a:noFill/>
+        </p:spPr>
+        <p:txBody>
+          <a:bodyPr wrap="square" rtlCol="0">
+            <a:spAutoFit/>
+          </a:bodyPr>
+          <a:lstStyle/>
+          <a:p>
+            <a:r>
+              <a:rPr lang="en-US" sz="1400" dirty="0"/>
+              <a:t>(Binary)</a:t>
+            </a:r>
+          </a:p>
+        </p:txBody>
+      </p:sp>
+      <p:sp>
+        <p:nvSpPr>
+          <p:cNvPr id="2" name="Title 1">
+            <a:extLst>
+              <a:ext uri="{FF2B5EF4-FFF2-40B4-BE49-F238E27FC236}">
+                <a16:creationId xmlns:a16="http://schemas.microsoft.com/office/drawing/2014/main" id="{5E932552-3402-95F7-C427-7016EC68B6B3}"/>
+              </a:ext>
+            </a:extLst>
+          </p:cNvPr>
+          <p:cNvSpPr>
+            <a:spLocks noGrp="1"/>
+          </p:cNvSpPr>
+          <p:nvPr>
+            <p:ph type="title"/>
+          </p:nvPr>
+        </p:nvSpPr>
+        <p:spPr>
+          <a:xfrm>
+            <a:off x="838200" y="365125"/>
+            <a:ext cx="10515600" cy="1325563"/>
+          </a:xfrm>
+        </p:spPr>
+        <p:txBody>
+          <a:bodyPr>
+            <a:normAutofit/>
+          </a:bodyPr>
+          <a:lstStyle/>
+          <a:p>
+            <a:r>
+              <a:rPr lang="en-US" dirty="0"/>
+              <a:t>Apply this to our questions: </a:t>
+            </a:r>
+            <a:br>
+              <a:rPr lang="en-US" dirty="0"/>
+            </a:br>
+            <a:r>
+              <a:rPr lang="en-US" sz="3100" dirty="0"/>
+              <a:t>Does the arthropod community change with grazing intensity?</a:t>
+            </a:r>
+            <a:endParaRPr lang="en-US" dirty="0"/>
+          </a:p>
+        </p:txBody>
+      </p:sp>
     </p:spTree>
     <p:extLst>
       <p:ext uri="{BB962C8B-B14F-4D97-AF65-F5344CB8AC3E}">
-        <p14:creationId xmlns:p14="http://schemas.microsoft.com/office/powerpoint/2010/main" val="3450277869"/>
+        <p14:creationId xmlns:p14="http://schemas.microsoft.com/office/powerpoint/2010/main" val="2223334932"/>
       </p:ext>
     </p:extLst>
   </p:cSld>
@@ -10172,7 +10223,7 @@
         <p:cNvPr id="1" name="">
           <a:extLst>
             <a:ext uri="{FF2B5EF4-FFF2-40B4-BE49-F238E27FC236}">
-              <a16:creationId xmlns:a16="http://schemas.microsoft.com/office/drawing/2014/main" id="{52C07EBB-BE71-5015-ACBD-A468AEA7E5C0}"/>
+              <a16:creationId xmlns:a16="http://schemas.microsoft.com/office/drawing/2014/main" id="{24CF3CE9-4F18-7921-EAD0-A5912534FF19}"/>
             </a:ext>
           </a:extLst>
         </p:cNvPr>
@@ -10189,38 +10240,10 @@
       </p:grpSpPr>
       <p:pic>
         <p:nvPicPr>
-          <p:cNvPr id="5" name="Content Placeholder 4" descr="A table with text on it&#10;&#10;Description automatically generated">
-            <a:extLst>
-              <a:ext uri="{FF2B5EF4-FFF2-40B4-BE49-F238E27FC236}">
-                <a16:creationId xmlns:a16="http://schemas.microsoft.com/office/drawing/2014/main" id="{E0C71F12-6FC9-3913-69DB-2FB6CE098258}"/>
-              </a:ext>
-            </a:extLst>
-          </p:cNvPr>
-          <p:cNvPicPr>
-            <a:picLocks noGrp="1" noChangeAspect="1"/>
-          </p:cNvPicPr>
-          <p:nvPr>
-            <p:ph idx="1"/>
-          </p:nvPr>
-        </p:nvPicPr>
-        <p:blipFill>
-          <a:blip r:embed="rId2"/>
-          <a:srcRect l="18438" t="5776" r="14895"/>
-          <a:stretch/>
-        </p:blipFill>
-        <p:spPr>
-          <a:xfrm>
-            <a:off x="6028562" y="1828755"/>
-            <a:ext cx="5832667" cy="4926776"/>
-          </a:xfrm>
-        </p:spPr>
-      </p:pic>
-      <p:pic>
-        <p:nvPicPr>
           <p:cNvPr id="6" name="Picture 5" descr="A diagram of a question&#10;&#10;Description automatically generated">
             <a:extLst>
               <a:ext uri="{FF2B5EF4-FFF2-40B4-BE49-F238E27FC236}">
-                <a16:creationId xmlns:a16="http://schemas.microsoft.com/office/drawing/2014/main" id="{BA1F253D-C353-1754-4F27-AA36E1EF388E}"/>
+                <a16:creationId xmlns:a16="http://schemas.microsoft.com/office/drawing/2014/main" id="{FBF929FE-E222-1AB8-1732-FA6B2B92B52B}"/>
               </a:ext>
             </a:extLst>
           </p:cNvPr>
@@ -10230,15 +10253,15 @@
           <p:nvPr/>
         </p:nvPicPr>
         <p:blipFill>
-          <a:blip r:embed="rId3"/>
+          <a:blip r:embed="rId2"/>
           <a:stretch>
             <a:fillRect/>
           </a:stretch>
         </p:blipFill>
         <p:spPr>
           <a:xfrm>
-            <a:off x="0" y="2700392"/>
-            <a:ext cx="6028562" cy="2990546"/>
+            <a:off x="1955452" y="1790992"/>
+            <a:ext cx="8281095" cy="4107944"/>
           </a:xfrm>
           <a:prstGeom prst="rect">
             <a:avLst/>
@@ -10247,10 +10270,105 @@
       </p:pic>
       <p:sp>
         <p:nvSpPr>
-          <p:cNvPr id="7" name="TextBox 6">
-            <a:extLst>
-              <a:ext uri="{FF2B5EF4-FFF2-40B4-BE49-F238E27FC236}">
-                <a16:creationId xmlns:a16="http://schemas.microsoft.com/office/drawing/2014/main" id="{2B6415D7-CD01-511C-9F33-AB98686EC033}"/>
+          <p:cNvPr id="2" name="Title 1">
+            <a:extLst>
+              <a:ext uri="{FF2B5EF4-FFF2-40B4-BE49-F238E27FC236}">
+                <a16:creationId xmlns:a16="http://schemas.microsoft.com/office/drawing/2014/main" id="{732CBA96-2926-7243-EA17-E039BC4D0C35}"/>
+              </a:ext>
+            </a:extLst>
+          </p:cNvPr>
+          <p:cNvSpPr>
+            <a:spLocks noGrp="1"/>
+          </p:cNvSpPr>
+          <p:nvPr>
+            <p:ph type="title"/>
+          </p:nvPr>
+        </p:nvSpPr>
+        <p:spPr>
+          <a:xfrm>
+            <a:off x="838200" y="365125"/>
+            <a:ext cx="10515600" cy="1325563"/>
+          </a:xfrm>
+        </p:spPr>
+        <p:txBody>
+          <a:bodyPr>
+            <a:normAutofit/>
+          </a:bodyPr>
+          <a:lstStyle/>
+          <a:p>
+            <a:r>
+              <a:rPr lang="en-US" dirty="0"/>
+              <a:t>Apply this to our questions: </a:t>
+            </a:r>
+            <a:br>
+              <a:rPr lang="en-US" dirty="0"/>
+            </a:br>
+            <a:r>
+              <a:rPr lang="en-US" sz="3100" dirty="0"/>
+              <a:t>Does the arthropod community change with grazing intensity?</a:t>
+            </a:r>
+            <a:endParaRPr lang="en-US" dirty="0"/>
+          </a:p>
+        </p:txBody>
+      </p:sp>
+      <p:sp>
+        <p:nvSpPr>
+          <p:cNvPr id="3" name="Rectangle 2">
+            <a:extLst>
+              <a:ext uri="{FF2B5EF4-FFF2-40B4-BE49-F238E27FC236}">
+                <a16:creationId xmlns:a16="http://schemas.microsoft.com/office/drawing/2014/main" id="{30DB04BD-CA8D-796F-13CC-AA5B6FB75856}"/>
+              </a:ext>
+            </a:extLst>
+          </p:cNvPr>
+          <p:cNvSpPr/>
+          <p:nvPr/>
+        </p:nvSpPr>
+        <p:spPr>
+          <a:xfrm>
+            <a:off x="2128685" y="3200402"/>
+            <a:ext cx="3259392" cy="737420"/>
+          </a:xfrm>
+          <a:prstGeom prst="rect">
+            <a:avLst/>
+          </a:prstGeom>
+          <a:noFill/>
+          <a:ln w="28575">
+            <a:solidFill>
+              <a:srgbClr val="FF0000"/>
+            </a:solidFill>
+          </a:ln>
+        </p:spPr>
+        <p:style>
+          <a:lnRef idx="2">
+            <a:schemeClr val="accent1">
+              <a:shade val="15000"/>
+            </a:schemeClr>
+          </a:lnRef>
+          <a:fillRef idx="1">
+            <a:schemeClr val="accent1"/>
+          </a:fillRef>
+          <a:effectRef idx="0">
+            <a:schemeClr val="accent1"/>
+          </a:effectRef>
+          <a:fontRef idx="minor">
+            <a:schemeClr val="lt1"/>
+          </a:fontRef>
+        </p:style>
+        <p:txBody>
+          <a:bodyPr rtlCol="0" anchor="ctr"/>
+          <a:lstStyle/>
+          <a:p>
+            <a:pPr algn="ctr"/>
+            <a:endParaRPr lang="en-US"/>
+          </a:p>
+        </p:txBody>
+      </p:sp>
+      <p:sp>
+        <p:nvSpPr>
+          <p:cNvPr id="8" name="TextBox 7">
+            <a:extLst>
+              <a:ext uri="{FF2B5EF4-FFF2-40B4-BE49-F238E27FC236}">
+                <a16:creationId xmlns:a16="http://schemas.microsoft.com/office/drawing/2014/main" id="{CB40213A-77AD-29F0-D82E-729B5CFED455}"/>
               </a:ext>
             </a:extLst>
           </p:cNvPr>
@@ -10259,8 +10377,8 @@
         </p:nvSpPr>
         <p:spPr>
           <a:xfrm>
-            <a:off x="8377083" y="5383161"/>
-            <a:ext cx="1135626" cy="307777"/>
+            <a:off x="0" y="5939491"/>
+            <a:ext cx="6555658" cy="954107"/>
           </a:xfrm>
           <a:prstGeom prst="rect">
             <a:avLst/>
@@ -10274,59 +10392,74 @@
           <a:lstStyle/>
           <a:p>
             <a:r>
-              <a:rPr lang="en-US" sz="1400" dirty="0"/>
-              <a:t>(Binary)</a:t>
-            </a:r>
-          </a:p>
-        </p:txBody>
-      </p:sp>
-      <p:sp>
-        <p:nvSpPr>
-          <p:cNvPr id="2" name="Title 1">
-            <a:extLst>
-              <a:ext uri="{FF2B5EF4-FFF2-40B4-BE49-F238E27FC236}">
-                <a16:creationId xmlns:a16="http://schemas.microsoft.com/office/drawing/2014/main" id="{5E932552-3402-95F7-C427-7016EC68B6B3}"/>
-              </a:ext>
-            </a:extLst>
-          </p:cNvPr>
-          <p:cNvSpPr>
-            <a:spLocks noGrp="1"/>
-          </p:cNvSpPr>
-          <p:nvPr>
-            <p:ph type="title"/>
-          </p:nvPr>
+              <a:rPr lang="en-US" sz="2800" dirty="0"/>
+              <a:t>Our groups are:</a:t>
+            </a:r>
+          </a:p>
+          <a:p>
+            <a:r>
+              <a:rPr lang="en-US" sz="2800" dirty="0"/>
+              <a:t>high grazing, low grazing, and no grazing </a:t>
+            </a:r>
+          </a:p>
+        </p:txBody>
+      </p:sp>
+      <p:sp>
+        <p:nvSpPr>
+          <p:cNvPr id="9" name="Rectangle 8">
+            <a:extLst>
+              <a:ext uri="{FF2B5EF4-FFF2-40B4-BE49-F238E27FC236}">
+                <a16:creationId xmlns:a16="http://schemas.microsoft.com/office/drawing/2014/main" id="{1C1D7C4D-76D6-FCDD-B386-2D7F8EF6BBC2}"/>
+              </a:ext>
+            </a:extLst>
+          </p:cNvPr>
+          <p:cNvSpPr/>
+          <p:nvPr/>
         </p:nvSpPr>
         <p:spPr>
           <a:xfrm>
-            <a:off x="838200" y="365125"/>
-            <a:ext cx="10515600" cy="1325563"/>
+            <a:off x="4154131" y="4269165"/>
+            <a:ext cx="1593913" cy="1413879"/>
           </a:xfrm>
+          <a:prstGeom prst="rect">
+            <a:avLst/>
+          </a:prstGeom>
+          <a:noFill/>
+          <a:ln w="28575">
+            <a:solidFill>
+              <a:srgbClr val="FF0000"/>
+            </a:solidFill>
+          </a:ln>
         </p:spPr>
-        <p:txBody>
-          <a:bodyPr>
-            <a:normAutofit fontScale="90000"/>
-          </a:bodyPr>
-          <a:lstStyle/>
-          <a:p>
-            <a:r>
-              <a:rPr lang="en-US" dirty="0"/>
-              <a:t>Apply this to our questions: </a:t>
-            </a:r>
-            <a:br>
-              <a:rPr lang="en-US" dirty="0"/>
-            </a:br>
-            <a:r>
-              <a:rPr lang="en-US" sz="3100" dirty="0"/>
-              <a:t>How does the arthropod community change with grazing intensity?</a:t>
-            </a:r>
-            <a:endParaRPr lang="en-US" dirty="0"/>
+        <p:style>
+          <a:lnRef idx="2">
+            <a:schemeClr val="accent1">
+              <a:shade val="15000"/>
+            </a:schemeClr>
+          </a:lnRef>
+          <a:fillRef idx="1">
+            <a:schemeClr val="accent1"/>
+          </a:fillRef>
+          <a:effectRef idx="0">
+            <a:schemeClr val="accent1"/>
+          </a:effectRef>
+          <a:fontRef idx="minor">
+            <a:schemeClr val="lt1"/>
+          </a:fontRef>
+        </p:style>
+        <p:txBody>
+          <a:bodyPr rtlCol="0" anchor="ctr"/>
+          <a:lstStyle/>
+          <a:p>
+            <a:pPr algn="ctr"/>
+            <a:endParaRPr lang="en-US"/>
           </a:p>
         </p:txBody>
       </p:sp>
     </p:spTree>
     <p:extLst>
       <p:ext uri="{BB962C8B-B14F-4D97-AF65-F5344CB8AC3E}">
-        <p14:creationId xmlns:p14="http://schemas.microsoft.com/office/powerpoint/2010/main" val="2223334932"/>
+        <p14:creationId xmlns:p14="http://schemas.microsoft.com/office/powerpoint/2010/main" val="4073924205"/>
       </p:ext>
     </p:extLst>
   </p:cSld>
@@ -10535,375 +10668,6 @@
   <p:cSld>
     <p:spTree>
       <p:nvGrpSpPr>
-        <p:cNvPr id="1" name="">
-          <a:extLst>
-            <a:ext uri="{FF2B5EF4-FFF2-40B4-BE49-F238E27FC236}">
-              <a16:creationId xmlns:a16="http://schemas.microsoft.com/office/drawing/2014/main" id="{24CF3CE9-4F18-7921-EAD0-A5912534FF19}"/>
-            </a:ext>
-          </a:extLst>
-        </p:cNvPr>
-        <p:cNvGrpSpPr/>
-        <p:nvPr/>
-      </p:nvGrpSpPr>
-      <p:grpSpPr>
-        <a:xfrm>
-          <a:off x="0" y="0"/>
-          <a:ext cx="0" cy="0"/>
-          <a:chOff x="0" y="0"/>
-          <a:chExt cx="0" cy="0"/>
-        </a:xfrm>
-      </p:grpSpPr>
-      <p:pic>
-        <p:nvPicPr>
-          <p:cNvPr id="5" name="Content Placeholder 4" descr="A table with text on it&#10;&#10;Description automatically generated">
-            <a:extLst>
-              <a:ext uri="{FF2B5EF4-FFF2-40B4-BE49-F238E27FC236}">
-                <a16:creationId xmlns:a16="http://schemas.microsoft.com/office/drawing/2014/main" id="{1B244CD7-5337-C8E6-D5AE-794610764F70}"/>
-              </a:ext>
-            </a:extLst>
-          </p:cNvPr>
-          <p:cNvPicPr>
-            <a:picLocks noGrp="1" noChangeAspect="1"/>
-          </p:cNvPicPr>
-          <p:nvPr>
-            <p:ph idx="1"/>
-          </p:nvPr>
-        </p:nvPicPr>
-        <p:blipFill>
-          <a:blip r:embed="rId2"/>
-          <a:srcRect l="18438" t="5776" r="14895"/>
-          <a:stretch/>
-        </p:blipFill>
-        <p:spPr>
-          <a:xfrm>
-            <a:off x="6028562" y="1828755"/>
-            <a:ext cx="5832667" cy="4926776"/>
-          </a:xfrm>
-        </p:spPr>
-      </p:pic>
-      <p:pic>
-        <p:nvPicPr>
-          <p:cNvPr id="6" name="Picture 5" descr="A diagram of a question&#10;&#10;Description automatically generated">
-            <a:extLst>
-              <a:ext uri="{FF2B5EF4-FFF2-40B4-BE49-F238E27FC236}">
-                <a16:creationId xmlns:a16="http://schemas.microsoft.com/office/drawing/2014/main" id="{FBF929FE-E222-1AB8-1732-FA6B2B92B52B}"/>
-              </a:ext>
-            </a:extLst>
-          </p:cNvPr>
-          <p:cNvPicPr>
-            <a:picLocks noChangeAspect="1"/>
-          </p:cNvPicPr>
-          <p:nvPr/>
-        </p:nvPicPr>
-        <p:blipFill>
-          <a:blip r:embed="rId3"/>
-          <a:stretch>
-            <a:fillRect/>
-          </a:stretch>
-        </p:blipFill>
-        <p:spPr>
-          <a:xfrm>
-            <a:off x="0" y="2700392"/>
-            <a:ext cx="6028562" cy="2990546"/>
-          </a:xfrm>
-          <a:prstGeom prst="rect">
-            <a:avLst/>
-          </a:prstGeom>
-        </p:spPr>
-      </p:pic>
-      <p:sp>
-        <p:nvSpPr>
-          <p:cNvPr id="7" name="TextBox 6">
-            <a:extLst>
-              <a:ext uri="{FF2B5EF4-FFF2-40B4-BE49-F238E27FC236}">
-                <a16:creationId xmlns:a16="http://schemas.microsoft.com/office/drawing/2014/main" id="{24535D4C-4A33-9D78-591D-199551460B95}"/>
-              </a:ext>
-            </a:extLst>
-          </p:cNvPr>
-          <p:cNvSpPr txBox="1"/>
-          <p:nvPr/>
-        </p:nvSpPr>
-        <p:spPr>
-          <a:xfrm>
-            <a:off x="8377083" y="5383161"/>
-            <a:ext cx="1135626" cy="307777"/>
-          </a:xfrm>
-          <a:prstGeom prst="rect">
-            <a:avLst/>
-          </a:prstGeom>
-          <a:noFill/>
-        </p:spPr>
-        <p:txBody>
-          <a:bodyPr wrap="square" rtlCol="0">
-            <a:spAutoFit/>
-          </a:bodyPr>
-          <a:lstStyle/>
-          <a:p>
-            <a:r>
-              <a:rPr lang="en-US" sz="1400" dirty="0"/>
-              <a:t>(Binary)</a:t>
-            </a:r>
-          </a:p>
-        </p:txBody>
-      </p:sp>
-      <p:sp>
-        <p:nvSpPr>
-          <p:cNvPr id="2" name="Title 1">
-            <a:extLst>
-              <a:ext uri="{FF2B5EF4-FFF2-40B4-BE49-F238E27FC236}">
-                <a16:creationId xmlns:a16="http://schemas.microsoft.com/office/drawing/2014/main" id="{732CBA96-2926-7243-EA17-E039BC4D0C35}"/>
-              </a:ext>
-            </a:extLst>
-          </p:cNvPr>
-          <p:cNvSpPr>
-            <a:spLocks noGrp="1"/>
-          </p:cNvSpPr>
-          <p:nvPr>
-            <p:ph type="title"/>
-          </p:nvPr>
-        </p:nvSpPr>
-        <p:spPr>
-          <a:xfrm>
-            <a:off x="838200" y="365125"/>
-            <a:ext cx="10515600" cy="1325563"/>
-          </a:xfrm>
-        </p:spPr>
-        <p:txBody>
-          <a:bodyPr>
-            <a:normAutofit fontScale="90000"/>
-          </a:bodyPr>
-          <a:lstStyle/>
-          <a:p>
-            <a:r>
-              <a:rPr lang="en-US" dirty="0"/>
-              <a:t>Apply this to our questions: </a:t>
-            </a:r>
-            <a:br>
-              <a:rPr lang="en-US" dirty="0"/>
-            </a:br>
-            <a:r>
-              <a:rPr lang="en-US" sz="3100" dirty="0"/>
-              <a:t>How does the arthropod community change with grazing intensity?</a:t>
-            </a:r>
-            <a:endParaRPr lang="en-US" dirty="0"/>
-          </a:p>
-        </p:txBody>
-      </p:sp>
-      <p:sp>
-        <p:nvSpPr>
-          <p:cNvPr id="3" name="Rectangle 2">
-            <a:extLst>
-              <a:ext uri="{FF2B5EF4-FFF2-40B4-BE49-F238E27FC236}">
-                <a16:creationId xmlns:a16="http://schemas.microsoft.com/office/drawing/2014/main" id="{30DB04BD-CA8D-796F-13CC-AA5B6FB75856}"/>
-              </a:ext>
-            </a:extLst>
-          </p:cNvPr>
-          <p:cNvSpPr/>
-          <p:nvPr/>
-        </p:nvSpPr>
-        <p:spPr>
-          <a:xfrm>
-            <a:off x="73743" y="3583860"/>
-            <a:ext cx="2462981" cy="737420"/>
-          </a:xfrm>
-          <a:prstGeom prst="rect">
-            <a:avLst/>
-          </a:prstGeom>
-          <a:noFill/>
-          <a:ln w="28575">
-            <a:solidFill>
-              <a:srgbClr val="FF0000"/>
-            </a:solidFill>
-          </a:ln>
-        </p:spPr>
-        <p:style>
-          <a:lnRef idx="2">
-            <a:schemeClr val="accent1">
-              <a:shade val="15000"/>
-            </a:schemeClr>
-          </a:lnRef>
-          <a:fillRef idx="1">
-            <a:schemeClr val="accent1"/>
-          </a:fillRef>
-          <a:effectRef idx="0">
-            <a:schemeClr val="accent1"/>
-          </a:effectRef>
-          <a:fontRef idx="minor">
-            <a:schemeClr val="lt1"/>
-          </a:fontRef>
-        </p:style>
-        <p:txBody>
-          <a:bodyPr rtlCol="0" anchor="ctr"/>
-          <a:lstStyle/>
-          <a:p>
-            <a:pPr algn="ctr"/>
-            <a:endParaRPr lang="en-US"/>
-          </a:p>
-        </p:txBody>
-      </p:sp>
-      <p:sp>
-        <p:nvSpPr>
-          <p:cNvPr id="4" name="Rectangle 3">
-            <a:extLst>
-              <a:ext uri="{FF2B5EF4-FFF2-40B4-BE49-F238E27FC236}">
-                <a16:creationId xmlns:a16="http://schemas.microsoft.com/office/drawing/2014/main" id="{10B611C0-8384-B138-6A1A-94DDF1C2F9D5}"/>
-              </a:ext>
-            </a:extLst>
-          </p:cNvPr>
-          <p:cNvSpPr/>
-          <p:nvPr/>
-        </p:nvSpPr>
-        <p:spPr>
-          <a:xfrm>
-            <a:off x="6163440" y="3219686"/>
-            <a:ext cx="5576276" cy="954108"/>
-          </a:xfrm>
-          <a:prstGeom prst="rect">
-            <a:avLst/>
-          </a:prstGeom>
-          <a:noFill/>
-          <a:ln w="28575">
-            <a:solidFill>
-              <a:srgbClr val="FF0000"/>
-            </a:solidFill>
-          </a:ln>
-        </p:spPr>
-        <p:style>
-          <a:lnRef idx="2">
-            <a:schemeClr val="accent1">
-              <a:shade val="15000"/>
-            </a:schemeClr>
-          </a:lnRef>
-          <a:fillRef idx="1">
-            <a:schemeClr val="accent1"/>
-          </a:fillRef>
-          <a:effectRef idx="0">
-            <a:schemeClr val="accent1"/>
-          </a:effectRef>
-          <a:fontRef idx="minor">
-            <a:schemeClr val="lt1"/>
-          </a:fontRef>
-        </p:style>
-        <p:txBody>
-          <a:bodyPr rtlCol="0" anchor="ctr"/>
-          <a:lstStyle/>
-          <a:p>
-            <a:pPr algn="ctr"/>
-            <a:endParaRPr lang="en-US"/>
-          </a:p>
-        </p:txBody>
-      </p:sp>
-      <p:sp>
-        <p:nvSpPr>
-          <p:cNvPr id="8" name="TextBox 7">
-            <a:extLst>
-              <a:ext uri="{FF2B5EF4-FFF2-40B4-BE49-F238E27FC236}">
-                <a16:creationId xmlns:a16="http://schemas.microsoft.com/office/drawing/2014/main" id="{CB40213A-77AD-29F0-D82E-729B5CFED455}"/>
-              </a:ext>
-            </a:extLst>
-          </p:cNvPr>
-          <p:cNvSpPr txBox="1"/>
-          <p:nvPr/>
-        </p:nvSpPr>
-        <p:spPr>
-          <a:xfrm>
-            <a:off x="0" y="5939491"/>
-            <a:ext cx="6555658" cy="954107"/>
-          </a:xfrm>
-          <a:prstGeom prst="rect">
-            <a:avLst/>
-          </a:prstGeom>
-          <a:noFill/>
-        </p:spPr>
-        <p:txBody>
-          <a:bodyPr wrap="square" rtlCol="0">
-            <a:spAutoFit/>
-          </a:bodyPr>
-          <a:lstStyle/>
-          <a:p>
-            <a:r>
-              <a:rPr lang="en-US" sz="2800" dirty="0"/>
-              <a:t>Our groups are:</a:t>
-            </a:r>
-          </a:p>
-          <a:p>
-            <a:r>
-              <a:rPr lang="en-US" sz="2800" dirty="0"/>
-              <a:t>high grazing, low grazing, and no grazing </a:t>
-            </a:r>
-          </a:p>
-        </p:txBody>
-      </p:sp>
-      <p:sp>
-        <p:nvSpPr>
-          <p:cNvPr id="9" name="Rectangle 8">
-            <a:extLst>
-              <a:ext uri="{FF2B5EF4-FFF2-40B4-BE49-F238E27FC236}">
-                <a16:creationId xmlns:a16="http://schemas.microsoft.com/office/drawing/2014/main" id="{1C1D7C4D-76D6-FCDD-B386-2D7F8EF6BBC2}"/>
-              </a:ext>
-            </a:extLst>
-          </p:cNvPr>
-          <p:cNvSpPr/>
-          <p:nvPr/>
-        </p:nvSpPr>
-        <p:spPr>
-          <a:xfrm>
-            <a:off x="1568247" y="4467328"/>
-            <a:ext cx="1204451" cy="1078066"/>
-          </a:xfrm>
-          <a:prstGeom prst="rect">
-            <a:avLst/>
-          </a:prstGeom>
-          <a:noFill/>
-          <a:ln w="28575">
-            <a:solidFill>
-              <a:srgbClr val="FF0000"/>
-            </a:solidFill>
-          </a:ln>
-        </p:spPr>
-        <p:style>
-          <a:lnRef idx="2">
-            <a:schemeClr val="accent1">
-              <a:shade val="15000"/>
-            </a:schemeClr>
-          </a:lnRef>
-          <a:fillRef idx="1">
-            <a:schemeClr val="accent1"/>
-          </a:fillRef>
-          <a:effectRef idx="0">
-            <a:schemeClr val="accent1"/>
-          </a:effectRef>
-          <a:fontRef idx="minor">
-            <a:schemeClr val="lt1"/>
-          </a:fontRef>
-        </p:style>
-        <p:txBody>
-          <a:bodyPr rtlCol="0" anchor="ctr"/>
-          <a:lstStyle/>
-          <a:p>
-            <a:pPr algn="ctr"/>
-            <a:endParaRPr lang="en-US"/>
-          </a:p>
-        </p:txBody>
-      </p:sp>
-    </p:spTree>
-    <p:extLst>
-      <p:ext uri="{BB962C8B-B14F-4D97-AF65-F5344CB8AC3E}">
-        <p14:creationId xmlns:p14="http://schemas.microsoft.com/office/powerpoint/2010/main" val="4073924205"/>
-      </p:ext>
-    </p:extLst>
-  </p:cSld>
-  <p:clrMapOvr>
-    <a:masterClrMapping/>
-  </p:clrMapOvr>
-</p:sld>
-</file>
-
-<file path=ppt/slides/slide31.xml><?xml version="1.0" encoding="utf-8"?>
-<p:sld xmlns:a="http://schemas.openxmlformats.org/drawingml/2006/main" xmlns:r="http://schemas.openxmlformats.org/officeDocument/2006/relationships" xmlns:p="http://schemas.openxmlformats.org/presentationml/2006/main">
-  <p:cSld>
-    <p:spTree>
-      <p:nvGrpSpPr>
         <p:cNvPr id="1" name=""/>
         <p:cNvGrpSpPr/>
         <p:nvPr/>
@@ -11021,7 +10785,7 @@
 </p:sld>
 </file>
 
-<file path=ppt/slides/slide32.xml><?xml version="1.0" encoding="utf-8"?>
+<file path=ppt/slides/slide31.xml><?xml version="1.0" encoding="utf-8"?>
 <p:sld xmlns:a="http://schemas.openxmlformats.org/drawingml/2006/main" xmlns:r="http://schemas.openxmlformats.org/officeDocument/2006/relationships" xmlns:p="http://schemas.openxmlformats.org/presentationml/2006/main">
   <p:cSld>
     <p:spTree>
@@ -11046,38 +10810,10 @@
       </p:grpSpPr>
       <p:pic>
         <p:nvPicPr>
-          <p:cNvPr id="5" name="Content Placeholder 4" descr="A table with text on it&#10;&#10;Description automatically generated">
-            <a:extLst>
-              <a:ext uri="{FF2B5EF4-FFF2-40B4-BE49-F238E27FC236}">
-                <a16:creationId xmlns:a16="http://schemas.microsoft.com/office/drawing/2014/main" id="{B2D6A3E4-0310-35BD-768B-945E15574236}"/>
-              </a:ext>
-            </a:extLst>
-          </p:cNvPr>
-          <p:cNvPicPr>
-            <a:picLocks noGrp="1" noChangeAspect="1"/>
-          </p:cNvPicPr>
-          <p:nvPr>
-            <p:ph idx="1"/>
-          </p:nvPr>
-        </p:nvPicPr>
-        <p:blipFill>
-          <a:blip r:embed="rId2"/>
-          <a:srcRect l="18438" t="5776" r="14895"/>
-          <a:stretch/>
-        </p:blipFill>
-        <p:spPr>
-          <a:xfrm>
-            <a:off x="6028562" y="1828755"/>
-            <a:ext cx="5832667" cy="4926776"/>
-          </a:xfrm>
-        </p:spPr>
-      </p:pic>
-      <p:pic>
-        <p:nvPicPr>
-          <p:cNvPr id="6" name="Picture 5" descr="A diagram of a question&#10;&#10;Description automatically generated">
-            <a:extLst>
-              <a:ext uri="{FF2B5EF4-FFF2-40B4-BE49-F238E27FC236}">
-                <a16:creationId xmlns:a16="http://schemas.microsoft.com/office/drawing/2014/main" id="{DDB6AED5-1801-7EA1-85A8-D4D541B91F78}"/>
+          <p:cNvPr id="15" name="Picture 14" descr="A diagram of a question&#10;&#10;Description automatically generated">
+            <a:extLst>
+              <a:ext uri="{FF2B5EF4-FFF2-40B4-BE49-F238E27FC236}">
+                <a16:creationId xmlns:a16="http://schemas.microsoft.com/office/drawing/2014/main" id="{6DE1525D-EAE9-ECE2-3B97-F7B7E8FF3ADD}"/>
               </a:ext>
             </a:extLst>
           </p:cNvPr>
@@ -11087,15 +10823,15 @@
           <p:nvPr/>
         </p:nvPicPr>
         <p:blipFill>
-          <a:blip r:embed="rId3"/>
+          <a:blip r:embed="rId2"/>
           <a:stretch>
             <a:fillRect/>
           </a:stretch>
         </p:blipFill>
         <p:spPr>
           <a:xfrm>
-            <a:off x="0" y="2700392"/>
-            <a:ext cx="6028562" cy="2990546"/>
+            <a:off x="4199124" y="2411753"/>
+            <a:ext cx="7885471" cy="3911690"/>
           </a:xfrm>
           <a:prstGeom prst="rect">
             <a:avLst/>
@@ -11104,179 +10840,20 @@
       </p:pic>
       <p:sp>
         <p:nvSpPr>
-          <p:cNvPr id="7" name="TextBox 6">
-            <a:extLst>
-              <a:ext uri="{FF2B5EF4-FFF2-40B4-BE49-F238E27FC236}">
-                <a16:creationId xmlns:a16="http://schemas.microsoft.com/office/drawing/2014/main" id="{F69EA43B-C423-1BEC-6BEC-2C8936975836}"/>
-              </a:ext>
-            </a:extLst>
-          </p:cNvPr>
-          <p:cNvSpPr txBox="1"/>
+          <p:cNvPr id="16" name="Rectangle 15">
+            <a:extLst>
+              <a:ext uri="{FF2B5EF4-FFF2-40B4-BE49-F238E27FC236}">
+                <a16:creationId xmlns:a16="http://schemas.microsoft.com/office/drawing/2014/main" id="{D69E877C-EDC2-9661-AA1D-98818D90F90A}"/>
+              </a:ext>
+            </a:extLst>
+          </p:cNvPr>
+          <p:cNvSpPr/>
           <p:nvPr/>
         </p:nvSpPr>
         <p:spPr>
           <a:xfrm>
-            <a:off x="8377083" y="5383161"/>
-            <a:ext cx="1135626" cy="307777"/>
-          </a:xfrm>
-          <a:prstGeom prst="rect">
-            <a:avLst/>
-          </a:prstGeom>
-          <a:noFill/>
-        </p:spPr>
-        <p:txBody>
-          <a:bodyPr wrap="square" rtlCol="0">
-            <a:spAutoFit/>
-          </a:bodyPr>
-          <a:lstStyle/>
-          <a:p>
-            <a:r>
-              <a:rPr lang="en-US" sz="1400" dirty="0"/>
-              <a:t>(Binary)</a:t>
-            </a:r>
-          </a:p>
-        </p:txBody>
-      </p:sp>
-      <p:sp>
-        <p:nvSpPr>
-          <p:cNvPr id="2" name="Title 1">
-            <a:extLst>
-              <a:ext uri="{FF2B5EF4-FFF2-40B4-BE49-F238E27FC236}">
-                <a16:creationId xmlns:a16="http://schemas.microsoft.com/office/drawing/2014/main" id="{938327F8-CE22-DFD6-4C62-F4C385BF30D1}"/>
-              </a:ext>
-            </a:extLst>
-          </p:cNvPr>
-          <p:cNvSpPr>
-            <a:spLocks noGrp="1"/>
-          </p:cNvSpPr>
-          <p:nvPr>
-            <p:ph type="title"/>
-          </p:nvPr>
-        </p:nvSpPr>
-        <p:spPr>
-          <a:xfrm>
-            <a:off x="838200" y="365125"/>
-            <a:ext cx="10515600" cy="1325563"/>
-          </a:xfrm>
-        </p:spPr>
-        <p:txBody>
-          <a:bodyPr>
-            <a:normAutofit fontScale="90000"/>
-          </a:bodyPr>
-          <a:lstStyle/>
-          <a:p>
-            <a:r>
-              <a:rPr lang="en-US" dirty="0"/>
-              <a:t>Apply this to our questions: </a:t>
-            </a:r>
-            <a:br>
-              <a:rPr lang="en-US" dirty="0"/>
-            </a:br>
-            <a:r>
-              <a:rPr lang="en-US" sz="3100" dirty="0"/>
-              <a:t>How does the arthropod community change with grazing intensity?</a:t>
-            </a:r>
-            <a:endParaRPr lang="en-US" dirty="0"/>
-          </a:p>
-        </p:txBody>
-      </p:sp>
-      <p:sp>
-        <p:nvSpPr>
-          <p:cNvPr id="8" name="TextBox 7">
-            <a:extLst>
-              <a:ext uri="{FF2B5EF4-FFF2-40B4-BE49-F238E27FC236}">
-                <a16:creationId xmlns:a16="http://schemas.microsoft.com/office/drawing/2014/main" id="{FDF97918-CAB9-C6B1-5626-3AB18B0AE712}"/>
-              </a:ext>
-            </a:extLst>
-          </p:cNvPr>
-          <p:cNvSpPr txBox="1"/>
-          <p:nvPr/>
-        </p:nvSpPr>
-        <p:spPr>
-          <a:xfrm>
-            <a:off x="0" y="5939491"/>
-            <a:ext cx="6555658" cy="954107"/>
-          </a:xfrm>
-          <a:prstGeom prst="rect">
-            <a:avLst/>
-          </a:prstGeom>
-          <a:noFill/>
-        </p:spPr>
-        <p:txBody>
-          <a:bodyPr wrap="square" rtlCol="0">
-            <a:spAutoFit/>
-          </a:bodyPr>
-          <a:lstStyle/>
-          <a:p>
-            <a:r>
-              <a:rPr lang="en-US" sz="2800" dirty="0"/>
-              <a:t>Our groups are:</a:t>
-            </a:r>
-          </a:p>
-          <a:p>
-            <a:r>
-              <a:rPr lang="en-US" sz="2800" dirty="0"/>
-              <a:t>high grazing, low grazing, and no grazing </a:t>
-            </a:r>
-          </a:p>
-        </p:txBody>
-      </p:sp>
-      <p:sp>
-        <p:nvSpPr>
-          <p:cNvPr id="10" name="TextBox 9">
-            <a:extLst>
-              <a:ext uri="{FF2B5EF4-FFF2-40B4-BE49-F238E27FC236}">
-                <a16:creationId xmlns:a16="http://schemas.microsoft.com/office/drawing/2014/main" id="{99B29043-5FBF-8D5C-2CAF-6F90E7DF516D}"/>
-              </a:ext>
-            </a:extLst>
-          </p:cNvPr>
-          <p:cNvSpPr txBox="1"/>
-          <p:nvPr/>
-        </p:nvSpPr>
-        <p:spPr>
-          <a:xfrm>
-            <a:off x="64229" y="1595376"/>
-            <a:ext cx="5900105" cy="1200329"/>
-          </a:xfrm>
-          <a:prstGeom prst="rect">
-            <a:avLst/>
-          </a:prstGeom>
-          <a:noFill/>
-          <a:ln>
-            <a:solidFill>
-              <a:schemeClr val="tx1"/>
-            </a:solidFill>
-          </a:ln>
-        </p:spPr>
-        <p:txBody>
-          <a:bodyPr wrap="square" rtlCol="0">
-            <a:spAutoFit/>
-          </a:bodyPr>
-          <a:lstStyle/>
-          <a:p>
-            <a:r>
-              <a:rPr lang="en-US" sz="2400" dirty="0"/>
-              <a:t>BUT if we want to add any random factors into our model then we need to run a more complicated regression</a:t>
-            </a:r>
-          </a:p>
-        </p:txBody>
-      </p:sp>
-      <p:sp>
-        <p:nvSpPr>
-          <p:cNvPr id="11" name="Rectangle 10">
-            <a:extLst>
-              <a:ext uri="{FF2B5EF4-FFF2-40B4-BE49-F238E27FC236}">
-                <a16:creationId xmlns:a16="http://schemas.microsoft.com/office/drawing/2014/main" id="{945893FB-0639-065E-ED94-B16E2C56F9BE}"/>
-              </a:ext>
-            </a:extLst>
-          </p:cNvPr>
-          <p:cNvSpPr/>
-          <p:nvPr/>
-        </p:nvSpPr>
-        <p:spPr>
-          <a:xfrm>
-            <a:off x="3185652" y="3656631"/>
-            <a:ext cx="2698954" cy="1343071"/>
+            <a:off x="8358171" y="3664236"/>
+            <a:ext cx="3608438" cy="1756648"/>
           </a:xfrm>
           <a:prstGeom prst="rect">
             <a:avLst/>
@@ -11315,53 +10892,125 @@
       </p:sp>
       <p:sp>
         <p:nvSpPr>
-          <p:cNvPr id="12" name="Rectangle 11">
-            <a:extLst>
-              <a:ext uri="{FF2B5EF4-FFF2-40B4-BE49-F238E27FC236}">
-                <a16:creationId xmlns:a16="http://schemas.microsoft.com/office/drawing/2014/main" id="{F2AC6217-C587-63CF-A37E-353C4B42366B}"/>
-              </a:ext>
-            </a:extLst>
-          </p:cNvPr>
-          <p:cNvSpPr/>
-          <p:nvPr/>
+          <p:cNvPr id="2" name="Title 1">
+            <a:extLst>
+              <a:ext uri="{FF2B5EF4-FFF2-40B4-BE49-F238E27FC236}">
+                <a16:creationId xmlns:a16="http://schemas.microsoft.com/office/drawing/2014/main" id="{938327F8-CE22-DFD6-4C62-F4C385BF30D1}"/>
+              </a:ext>
+            </a:extLst>
+          </p:cNvPr>
+          <p:cNvSpPr>
+            <a:spLocks noGrp="1"/>
+          </p:cNvSpPr>
+          <p:nvPr>
+            <p:ph type="title"/>
+          </p:nvPr>
         </p:nvSpPr>
         <p:spPr>
           <a:xfrm>
-            <a:off x="6095999" y="4227325"/>
-            <a:ext cx="5765229" cy="772378"/>
+            <a:off x="838200" y="365125"/>
+            <a:ext cx="10515600" cy="1325563"/>
+          </a:xfrm>
+        </p:spPr>
+        <p:txBody>
+          <a:bodyPr>
+            <a:normAutofit/>
+          </a:bodyPr>
+          <a:lstStyle/>
+          <a:p>
+            <a:r>
+              <a:rPr lang="en-US" dirty="0"/>
+              <a:t>Apply this to our questions: </a:t>
+            </a:r>
+            <a:br>
+              <a:rPr lang="en-US" dirty="0"/>
+            </a:br>
+            <a:r>
+              <a:rPr lang="en-US" sz="3100" dirty="0"/>
+              <a:t>Does the arthropod community change with grazing intensity?</a:t>
+            </a:r>
+            <a:endParaRPr lang="en-US" dirty="0"/>
+          </a:p>
+        </p:txBody>
+      </p:sp>
+      <p:sp>
+        <p:nvSpPr>
+          <p:cNvPr id="8" name="TextBox 7">
+            <a:extLst>
+              <a:ext uri="{FF2B5EF4-FFF2-40B4-BE49-F238E27FC236}">
+                <a16:creationId xmlns:a16="http://schemas.microsoft.com/office/drawing/2014/main" id="{FDF97918-CAB9-C6B1-5626-3AB18B0AE712}"/>
+              </a:ext>
+            </a:extLst>
+          </p:cNvPr>
+          <p:cNvSpPr txBox="1"/>
+          <p:nvPr/>
+        </p:nvSpPr>
+        <p:spPr>
+          <a:xfrm>
+            <a:off x="0" y="5939491"/>
+            <a:ext cx="6555658" cy="954107"/>
           </a:xfrm>
           <a:prstGeom prst="rect">
             <a:avLst/>
           </a:prstGeom>
           <a:noFill/>
-          <a:ln w="28575">
+        </p:spPr>
+        <p:txBody>
+          <a:bodyPr wrap="square" rtlCol="0">
+            <a:spAutoFit/>
+          </a:bodyPr>
+          <a:lstStyle/>
+          <a:p>
+            <a:r>
+              <a:rPr lang="en-US" sz="2800" dirty="0"/>
+              <a:t>Our groups are:</a:t>
+            </a:r>
+          </a:p>
+          <a:p>
+            <a:r>
+              <a:rPr lang="en-US" sz="2800" dirty="0"/>
+              <a:t>high grazing, low grazing, and no grazing </a:t>
+            </a:r>
+          </a:p>
+        </p:txBody>
+      </p:sp>
+      <p:sp>
+        <p:nvSpPr>
+          <p:cNvPr id="10" name="TextBox 9">
+            <a:extLst>
+              <a:ext uri="{FF2B5EF4-FFF2-40B4-BE49-F238E27FC236}">
+                <a16:creationId xmlns:a16="http://schemas.microsoft.com/office/drawing/2014/main" id="{99B29043-5FBF-8D5C-2CAF-6F90E7DF516D}"/>
+              </a:ext>
+            </a:extLst>
+          </p:cNvPr>
+          <p:cNvSpPr txBox="1"/>
+          <p:nvPr/>
+        </p:nvSpPr>
+        <p:spPr>
+          <a:xfrm>
+            <a:off x="64229" y="1595376"/>
+            <a:ext cx="5900105" cy="1200329"/>
+          </a:xfrm>
+          <a:prstGeom prst="rect">
+            <a:avLst/>
+          </a:prstGeom>
+          <a:noFill/>
+          <a:ln>
             <a:solidFill>
-              <a:srgbClr val="FF0000"/>
+              <a:schemeClr val="tx1"/>
             </a:solidFill>
           </a:ln>
         </p:spPr>
-        <p:style>
-          <a:lnRef idx="2">
-            <a:schemeClr val="accent1">
-              <a:shade val="15000"/>
-            </a:schemeClr>
-          </a:lnRef>
-          <a:fillRef idx="1">
-            <a:schemeClr val="accent1"/>
-          </a:fillRef>
-          <a:effectRef idx="0">
-            <a:schemeClr val="accent1"/>
-          </a:effectRef>
-          <a:fontRef idx="minor">
-            <a:schemeClr val="lt1"/>
-          </a:fontRef>
-        </p:style>
-        <p:txBody>
-          <a:bodyPr rtlCol="0" anchor="ctr"/>
-          <a:lstStyle/>
-          <a:p>
-            <a:pPr algn="ctr"/>
-            <a:endParaRPr lang="en-US"/>
+        <p:txBody>
+          <a:bodyPr wrap="square" rtlCol="0">
+            <a:spAutoFit/>
+          </a:bodyPr>
+          <a:lstStyle/>
+          <a:p>
+            <a:r>
+              <a:rPr lang="en-US" sz="2400" dirty="0"/>
+              <a:t>BUT if we want to add any random factors into our model then we need to run a more complicated regression</a:t>
+            </a:r>
           </a:p>
         </p:txBody>
       </p:sp>
@@ -11378,7 +11027,7 @@
 </p:sld>
 </file>
 
-<file path=ppt/slides/slide33.xml><?xml version="1.0" encoding="utf-8"?>
+<file path=ppt/slides/slide32.xml><?xml version="1.0" encoding="utf-8"?>
 <p:sld xmlns:a="http://schemas.openxmlformats.org/drawingml/2006/main" xmlns:r="http://schemas.openxmlformats.org/officeDocument/2006/relationships" xmlns:p="http://schemas.openxmlformats.org/presentationml/2006/main">
   <p:cSld>
     <p:spTree>
@@ -11477,7 +11126,7 @@
 </p:sld>
 </file>
 
-<file path=ppt/slides/slide34.xml><?xml version="1.0" encoding="utf-8"?>
+<file path=ppt/slides/slide33.xml><?xml version="1.0" encoding="utf-8"?>
 <p:sld xmlns:a="http://schemas.openxmlformats.org/drawingml/2006/main" xmlns:r="http://schemas.openxmlformats.org/officeDocument/2006/relationships" xmlns:p="http://schemas.openxmlformats.org/presentationml/2006/main">
   <p:cSld>
     <p:spTree>
@@ -11500,99 +11149,6 @@
           <a:chExt cx="0" cy="0"/>
         </a:xfrm>
       </p:grpSpPr>
-      <p:pic>
-        <p:nvPicPr>
-          <p:cNvPr id="5" name="Content Placeholder 4" descr="A table with text on it&#10;&#10;Description automatically generated">
-            <a:extLst>
-              <a:ext uri="{FF2B5EF4-FFF2-40B4-BE49-F238E27FC236}">
-                <a16:creationId xmlns:a16="http://schemas.microsoft.com/office/drawing/2014/main" id="{B2DC0FA9-1EB0-6E37-4776-0BA40F8C5129}"/>
-              </a:ext>
-            </a:extLst>
-          </p:cNvPr>
-          <p:cNvPicPr>
-            <a:picLocks noGrp="1" noChangeAspect="1"/>
-          </p:cNvPicPr>
-          <p:nvPr>
-            <p:ph idx="1"/>
-          </p:nvPr>
-        </p:nvPicPr>
-        <p:blipFill>
-          <a:blip r:embed="rId2"/>
-          <a:srcRect l="18438" t="5776" r="14895"/>
-          <a:stretch/>
-        </p:blipFill>
-        <p:spPr>
-          <a:xfrm>
-            <a:off x="6028562" y="1828755"/>
-            <a:ext cx="5832667" cy="4926776"/>
-          </a:xfrm>
-        </p:spPr>
-      </p:pic>
-      <p:pic>
-        <p:nvPicPr>
-          <p:cNvPr id="6" name="Picture 5" descr="A diagram of a question&#10;&#10;Description automatically generated">
-            <a:extLst>
-              <a:ext uri="{FF2B5EF4-FFF2-40B4-BE49-F238E27FC236}">
-                <a16:creationId xmlns:a16="http://schemas.microsoft.com/office/drawing/2014/main" id="{73F54026-C234-5E9E-D4E9-3F87DB4D4454}"/>
-              </a:ext>
-            </a:extLst>
-          </p:cNvPr>
-          <p:cNvPicPr>
-            <a:picLocks noChangeAspect="1"/>
-          </p:cNvPicPr>
-          <p:nvPr/>
-        </p:nvPicPr>
-        <p:blipFill>
-          <a:blip r:embed="rId3"/>
-          <a:stretch>
-            <a:fillRect/>
-          </a:stretch>
-        </p:blipFill>
-        <p:spPr>
-          <a:xfrm>
-            <a:off x="0" y="2700392"/>
-            <a:ext cx="6028562" cy="2990546"/>
-          </a:xfrm>
-          <a:prstGeom prst="rect">
-            <a:avLst/>
-          </a:prstGeom>
-        </p:spPr>
-      </p:pic>
-      <p:sp>
-        <p:nvSpPr>
-          <p:cNvPr id="7" name="TextBox 6">
-            <a:extLst>
-              <a:ext uri="{FF2B5EF4-FFF2-40B4-BE49-F238E27FC236}">
-                <a16:creationId xmlns:a16="http://schemas.microsoft.com/office/drawing/2014/main" id="{BC301A01-FA2E-0230-D431-0D33AB9B3C2F}"/>
-              </a:ext>
-            </a:extLst>
-          </p:cNvPr>
-          <p:cNvSpPr txBox="1"/>
-          <p:nvPr/>
-        </p:nvSpPr>
-        <p:spPr>
-          <a:xfrm>
-            <a:off x="8377083" y="5383161"/>
-            <a:ext cx="1135626" cy="307777"/>
-          </a:xfrm>
-          <a:prstGeom prst="rect">
-            <a:avLst/>
-          </a:prstGeom>
-          <a:noFill/>
-        </p:spPr>
-        <p:txBody>
-          <a:bodyPr wrap="square" rtlCol="0">
-            <a:spAutoFit/>
-          </a:bodyPr>
-          <a:lstStyle/>
-          <a:p>
-            <a:r>
-              <a:rPr lang="en-US" sz="1400" dirty="0"/>
-              <a:t>(Binary)</a:t>
-            </a:r>
-          </a:p>
-        </p:txBody>
-      </p:sp>
       <p:sp>
         <p:nvSpPr>
           <p:cNvPr id="2" name="Title 1">
@@ -11630,7 +11186,7 @@
             </a:br>
             <a:r>
               <a:rPr lang="en-US" sz="2800" dirty="0"/>
-              <a:t>How does the arthropod community change with grazing intensity?</a:t>
+              <a:t>Does the arthropod community change with grazing intensity?</a:t>
             </a:r>
           </a:p>
         </p:txBody>
@@ -11676,12 +11232,42 @@
           </a:p>
         </p:txBody>
       </p:sp>
-      <p:sp>
-        <p:nvSpPr>
-          <p:cNvPr id="3" name="Rectangle 2">
-            <a:extLst>
-              <a:ext uri="{FF2B5EF4-FFF2-40B4-BE49-F238E27FC236}">
-                <a16:creationId xmlns:a16="http://schemas.microsoft.com/office/drawing/2014/main" id="{46B3F7CC-3FFE-84C1-7D9D-0A22ABFE6A21}"/>
+      <p:pic>
+        <p:nvPicPr>
+          <p:cNvPr id="14" name="Picture 13" descr="A diagram of a question&#10;&#10;Description automatically generated">
+            <a:extLst>
+              <a:ext uri="{FF2B5EF4-FFF2-40B4-BE49-F238E27FC236}">
+                <a16:creationId xmlns:a16="http://schemas.microsoft.com/office/drawing/2014/main" id="{25ECCC1A-C7E2-9F05-3E6E-6AB52BC07D9D}"/>
+              </a:ext>
+            </a:extLst>
+          </p:cNvPr>
+          <p:cNvPicPr>
+            <a:picLocks noChangeAspect="1"/>
+          </p:cNvPicPr>
+          <p:nvPr/>
+        </p:nvPicPr>
+        <p:blipFill>
+          <a:blip r:embed="rId2"/>
+          <a:stretch>
+            <a:fillRect/>
+          </a:stretch>
+        </p:blipFill>
+        <p:spPr>
+          <a:xfrm>
+            <a:off x="4060721" y="2457920"/>
+            <a:ext cx="7885471" cy="3911690"/>
+          </a:xfrm>
+          <a:prstGeom prst="rect">
+            <a:avLst/>
+          </a:prstGeom>
+        </p:spPr>
+      </p:pic>
+      <p:sp>
+        <p:nvSpPr>
+          <p:cNvPr id="15" name="Rectangle 14">
+            <a:extLst>
+              <a:ext uri="{FF2B5EF4-FFF2-40B4-BE49-F238E27FC236}">
+                <a16:creationId xmlns:a16="http://schemas.microsoft.com/office/drawing/2014/main" id="{43C9F8DE-82DE-0E97-FD7B-613141E1889A}"/>
               </a:ext>
             </a:extLst>
           </p:cNvPr>
@@ -11690,8 +11276,8 @@
         </p:nvSpPr>
         <p:spPr>
           <a:xfrm>
-            <a:off x="3185652" y="3656631"/>
-            <a:ext cx="2698954" cy="1343071"/>
+            <a:off x="8219768" y="3710403"/>
+            <a:ext cx="3608438" cy="1756648"/>
           </a:xfrm>
           <a:prstGeom prst="rect">
             <a:avLst/>
@@ -11730,58 +11316,6 @@
       </p:sp>
       <p:sp>
         <p:nvSpPr>
-          <p:cNvPr id="4" name="Rectangle 3">
-            <a:extLst>
-              <a:ext uri="{FF2B5EF4-FFF2-40B4-BE49-F238E27FC236}">
-                <a16:creationId xmlns:a16="http://schemas.microsoft.com/office/drawing/2014/main" id="{C6975ED6-09A3-93E2-D7B0-BC16B92F2A87}"/>
-              </a:ext>
-            </a:extLst>
-          </p:cNvPr>
-          <p:cNvSpPr/>
-          <p:nvPr/>
-        </p:nvSpPr>
-        <p:spPr>
-          <a:xfrm>
-            <a:off x="6095999" y="4227325"/>
-            <a:ext cx="5765229" cy="772378"/>
-          </a:xfrm>
-          <a:prstGeom prst="rect">
-            <a:avLst/>
-          </a:prstGeom>
-          <a:noFill/>
-          <a:ln w="28575">
-            <a:solidFill>
-              <a:srgbClr val="FF0000"/>
-            </a:solidFill>
-          </a:ln>
-        </p:spPr>
-        <p:style>
-          <a:lnRef idx="2">
-            <a:schemeClr val="accent1">
-              <a:shade val="15000"/>
-            </a:schemeClr>
-          </a:lnRef>
-          <a:fillRef idx="1">
-            <a:schemeClr val="accent1"/>
-          </a:fillRef>
-          <a:effectRef idx="0">
-            <a:schemeClr val="accent1"/>
-          </a:effectRef>
-          <a:fontRef idx="minor">
-            <a:schemeClr val="lt1"/>
-          </a:fontRef>
-        </p:style>
-        <p:txBody>
-          <a:bodyPr rtlCol="0" anchor="ctr"/>
-          <a:lstStyle/>
-          <a:p>
-            <a:pPr algn="ctr"/>
-            <a:endParaRPr lang="en-US"/>
-          </a:p>
-        </p:txBody>
-      </p:sp>
-      <p:sp>
-        <p:nvSpPr>
           <p:cNvPr id="9" name="TextBox 8">
             <a:extLst>
               <a:ext uri="{FF2B5EF4-FFF2-40B4-BE49-F238E27FC236}">
@@ -11833,7 +11367,7 @@
 </p:sld>
 </file>
 
-<file path=ppt/slides/slide35.xml><?xml version="1.0" encoding="utf-8"?>
+<file path=ppt/slides/slide34.xml><?xml version="1.0" encoding="utf-8"?>
 <p:sld xmlns:a="http://schemas.openxmlformats.org/drawingml/2006/main" xmlns:r="http://schemas.openxmlformats.org/officeDocument/2006/relationships" xmlns:p="http://schemas.openxmlformats.org/presentationml/2006/main">
   <p:cSld>
     <p:spTree>
@@ -12014,7 +11548,7 @@
 </p:sld>
 </file>
 
-<file path=ppt/slides/slide36.xml><?xml version="1.0" encoding="utf-8"?>
+<file path=ppt/slides/slide35.xml><?xml version="1.0" encoding="utf-8"?>
 <p:sld xmlns:a="http://schemas.openxmlformats.org/drawingml/2006/main" xmlns:r="http://schemas.openxmlformats.org/officeDocument/2006/relationships" xmlns:p="http://schemas.openxmlformats.org/presentationml/2006/main">
   <p:cSld>
     <p:spTree>
@@ -12230,7 +11764,7 @@
 </p:sld>
 </file>
 
-<file path=ppt/slides/slide37.xml><?xml version="1.0" encoding="utf-8"?>
+<file path=ppt/slides/slide36.xml><?xml version="1.0" encoding="utf-8"?>
 <p:sld xmlns:a="http://schemas.openxmlformats.org/drawingml/2006/main" xmlns:r="http://schemas.openxmlformats.org/officeDocument/2006/relationships" xmlns:p="http://schemas.openxmlformats.org/presentationml/2006/main">
   <p:cSld>
     <p:spTree>
@@ -12255,34 +11789,6 @@
       </p:grpSpPr>
       <p:pic>
         <p:nvPicPr>
-          <p:cNvPr id="5" name="Content Placeholder 4" descr="A table with text on it&#10;&#10;Description automatically generated">
-            <a:extLst>
-              <a:ext uri="{FF2B5EF4-FFF2-40B4-BE49-F238E27FC236}">
-                <a16:creationId xmlns:a16="http://schemas.microsoft.com/office/drawing/2014/main" id="{0572042B-4A9C-88A2-1A6F-BFEB403CCABF}"/>
-              </a:ext>
-            </a:extLst>
-          </p:cNvPr>
-          <p:cNvPicPr>
-            <a:picLocks noGrp="1" noChangeAspect="1"/>
-          </p:cNvPicPr>
-          <p:nvPr>
-            <p:ph idx="1"/>
-          </p:nvPr>
-        </p:nvPicPr>
-        <p:blipFill>
-          <a:blip r:embed="rId2"/>
-          <a:srcRect l="18438" t="5776" r="14895"/>
-          <a:stretch/>
-        </p:blipFill>
-        <p:spPr>
-          <a:xfrm>
-            <a:off x="6028562" y="1828755"/>
-            <a:ext cx="5832667" cy="4926776"/>
-          </a:xfrm>
-        </p:spPr>
-      </p:pic>
-      <p:pic>
-        <p:nvPicPr>
           <p:cNvPr id="6" name="Picture 5" descr="A diagram of a question&#10;&#10;Description automatically generated">
             <a:extLst>
               <a:ext uri="{FF2B5EF4-FFF2-40B4-BE49-F238E27FC236}">
@@ -12296,56 +11802,21 @@
           <p:nvPr/>
         </p:nvPicPr>
         <p:blipFill>
-          <a:blip r:embed="rId3"/>
+          <a:blip r:embed="rId2"/>
           <a:stretch>
             <a:fillRect/>
           </a:stretch>
         </p:blipFill>
         <p:spPr>
           <a:xfrm>
-            <a:off x="0" y="2700392"/>
-            <a:ext cx="6028562" cy="2990546"/>
+            <a:off x="2163096" y="1690688"/>
+            <a:ext cx="7885471" cy="3911690"/>
           </a:xfrm>
           <a:prstGeom prst="rect">
             <a:avLst/>
           </a:prstGeom>
         </p:spPr>
       </p:pic>
-      <p:sp>
-        <p:nvSpPr>
-          <p:cNvPr id="7" name="TextBox 6">
-            <a:extLst>
-              <a:ext uri="{FF2B5EF4-FFF2-40B4-BE49-F238E27FC236}">
-                <a16:creationId xmlns:a16="http://schemas.microsoft.com/office/drawing/2014/main" id="{C6BA56A7-173B-DD08-8AAC-4AA8D43E74C8}"/>
-              </a:ext>
-            </a:extLst>
-          </p:cNvPr>
-          <p:cNvSpPr txBox="1"/>
-          <p:nvPr/>
-        </p:nvSpPr>
-        <p:spPr>
-          <a:xfrm>
-            <a:off x="8377083" y="5383161"/>
-            <a:ext cx="1135626" cy="307777"/>
-          </a:xfrm>
-          <a:prstGeom prst="rect">
-            <a:avLst/>
-          </a:prstGeom>
-          <a:noFill/>
-        </p:spPr>
-        <p:txBody>
-          <a:bodyPr wrap="square" rtlCol="0">
-            <a:spAutoFit/>
-          </a:bodyPr>
-          <a:lstStyle/>
-          <a:p>
-            <a:r>
-              <a:rPr lang="en-US" sz="1400" dirty="0"/>
-              <a:t>(Binary)</a:t>
-            </a:r>
-          </a:p>
-        </p:txBody>
-      </p:sp>
       <p:sp>
         <p:nvSpPr>
           <p:cNvPr id="2" name="Title 1">
@@ -12449,8 +11920,8 @@
         </p:nvSpPr>
         <p:spPr>
           <a:xfrm>
-            <a:off x="3185652" y="3656631"/>
-            <a:ext cx="2698954" cy="1343071"/>
+            <a:off x="6322143" y="2943171"/>
+            <a:ext cx="3608438" cy="1756648"/>
           </a:xfrm>
           <a:prstGeom prst="rect">
             <a:avLst/>
@@ -12487,28 +11958,338 @@
           </a:p>
         </p:txBody>
       </p:sp>
-      <p:sp>
-        <p:nvSpPr>
-          <p:cNvPr id="4" name="Rectangle 3">
-            <a:extLst>
-              <a:ext uri="{FF2B5EF4-FFF2-40B4-BE49-F238E27FC236}">
-                <a16:creationId xmlns:a16="http://schemas.microsoft.com/office/drawing/2014/main" id="{0EB91B50-C6C3-883A-3FC2-4356867A3338}"/>
-              </a:ext>
-            </a:extLst>
-          </p:cNvPr>
-          <p:cNvSpPr/>
+    </p:spTree>
+    <p:extLst>
+      <p:ext uri="{BB962C8B-B14F-4D97-AF65-F5344CB8AC3E}">
+        <p14:creationId xmlns:p14="http://schemas.microsoft.com/office/powerpoint/2010/main" val="3297949655"/>
+      </p:ext>
+    </p:extLst>
+  </p:cSld>
+  <p:clrMapOvr>
+    <a:masterClrMapping/>
+  </p:clrMapOvr>
+</p:sld>
+</file>
+
+<file path=ppt/slides/slide37.xml><?xml version="1.0" encoding="utf-8"?>
+<p:sld xmlns:a="http://schemas.openxmlformats.org/drawingml/2006/main" xmlns:r="http://schemas.openxmlformats.org/officeDocument/2006/relationships" xmlns:p="http://schemas.openxmlformats.org/presentationml/2006/main">
+  <p:cSld>
+    <p:spTree>
+      <p:nvGrpSpPr>
+        <p:cNvPr id="1" name=""/>
+        <p:cNvGrpSpPr/>
+        <p:nvPr/>
+      </p:nvGrpSpPr>
+      <p:grpSpPr>
+        <a:xfrm>
+          <a:off x="0" y="0"/>
+          <a:ext cx="0" cy="0"/>
+          <a:chOff x="0" y="0"/>
+          <a:chExt cx="0" cy="0"/>
+        </a:xfrm>
+      </p:grpSpPr>
+      <p:sp>
+        <p:nvSpPr>
+          <p:cNvPr id="8" name="TextBox 7">
+            <a:extLst>
+              <a:ext uri="{FF2B5EF4-FFF2-40B4-BE49-F238E27FC236}">
+                <a16:creationId xmlns:a16="http://schemas.microsoft.com/office/drawing/2014/main" id="{419D3EE4-E12C-4BCE-BA83-04A8BD38A291}"/>
+              </a:ext>
+            </a:extLst>
+          </p:cNvPr>
+          <p:cNvSpPr txBox="1"/>
           <p:nvPr/>
         </p:nvSpPr>
         <p:spPr>
           <a:xfrm>
-            <a:off x="6095999" y="4227325"/>
-            <a:ext cx="5765229" cy="772378"/>
+            <a:off x="0" y="6200487"/>
+            <a:ext cx="11572569" cy="584775"/>
           </a:xfrm>
           <a:prstGeom prst="rect">
             <a:avLst/>
           </a:prstGeom>
           <a:noFill/>
-          <a:ln w="28575">
+        </p:spPr>
+        <p:txBody>
+          <a:bodyPr wrap="square" rtlCol="0">
+            <a:spAutoFit/>
+          </a:bodyPr>
+          <a:lstStyle/>
+          <a:p>
+            <a:r>
+              <a:rPr lang="en-US" sz="3200" dirty="0"/>
+              <a:t>Do the same thing for Richness and evenness (Lines 197*227)</a:t>
+            </a:r>
+          </a:p>
+        </p:txBody>
+      </p:sp>
+      <p:pic>
+        <p:nvPicPr>
+          <p:cNvPr id="14" name="Picture 13" descr="A screenshot of a computer program&#10;&#10;Description automatically generated">
+            <a:extLst>
+              <a:ext uri="{FF2B5EF4-FFF2-40B4-BE49-F238E27FC236}">
+                <a16:creationId xmlns:a16="http://schemas.microsoft.com/office/drawing/2014/main" id="{D9DBE482-E5B1-93A1-4EA3-BC66BCB123AB}"/>
+              </a:ext>
+            </a:extLst>
+          </p:cNvPr>
+          <p:cNvPicPr>
+            <a:picLocks noChangeAspect="1"/>
+          </p:cNvPicPr>
+          <p:nvPr/>
+        </p:nvPicPr>
+        <p:blipFill>
+          <a:blip r:embed="rId2"/>
+          <a:stretch>
+            <a:fillRect/>
+          </a:stretch>
+        </p:blipFill>
+        <p:spPr>
+          <a:xfrm>
+            <a:off x="0" y="1503875"/>
+            <a:ext cx="7847421" cy="2822318"/>
+          </a:xfrm>
+          <a:prstGeom prst="rect">
+            <a:avLst/>
+          </a:prstGeom>
+        </p:spPr>
+      </p:pic>
+      <p:sp>
+        <p:nvSpPr>
+          <p:cNvPr id="15" name="Title 1">
+            <a:extLst>
+              <a:ext uri="{FF2B5EF4-FFF2-40B4-BE49-F238E27FC236}">
+                <a16:creationId xmlns:a16="http://schemas.microsoft.com/office/drawing/2014/main" id="{318B16C0-4F6A-633A-4F57-4742525CA8B8}"/>
+              </a:ext>
+            </a:extLst>
+          </p:cNvPr>
+          <p:cNvSpPr>
+            <a:spLocks noGrp="1"/>
+          </p:cNvSpPr>
+          <p:nvPr>
+            <p:ph type="title"/>
+          </p:nvPr>
+        </p:nvSpPr>
+        <p:spPr>
+          <a:xfrm>
+            <a:off x="838200" y="365125"/>
+            <a:ext cx="10515600" cy="1325563"/>
+          </a:xfrm>
+        </p:spPr>
+        <p:txBody>
+          <a:bodyPr>
+            <a:normAutofit fontScale="90000"/>
+          </a:bodyPr>
+          <a:lstStyle/>
+          <a:p>
+            <a:r>
+              <a:rPr lang="en-US" dirty="0"/>
+              <a:t>Apply this to our questions: </a:t>
+            </a:r>
+            <a:br>
+              <a:rPr lang="en-US" dirty="0"/>
+            </a:br>
+            <a:r>
+              <a:rPr lang="en-US" sz="2800" dirty="0"/>
+              <a:t>Does the arthropod community change from year to year with grazing intensity?</a:t>
+            </a:r>
+          </a:p>
+        </p:txBody>
+      </p:sp>
+      <p:pic>
+        <p:nvPicPr>
+          <p:cNvPr id="17" name="Picture 16" descr="A computer screen with numbers and text&#10;&#10;Description automatically generated">
+            <a:extLst>
+              <a:ext uri="{FF2B5EF4-FFF2-40B4-BE49-F238E27FC236}">
+                <a16:creationId xmlns:a16="http://schemas.microsoft.com/office/drawing/2014/main" id="{BD10BF38-66F4-2499-4DC0-8B63240CD042}"/>
+              </a:ext>
+            </a:extLst>
+          </p:cNvPr>
+          <p:cNvPicPr>
+            <a:picLocks noChangeAspect="1"/>
+          </p:cNvPicPr>
+          <p:nvPr/>
+        </p:nvPicPr>
+        <p:blipFill>
+          <a:blip r:embed="rId3"/>
+          <a:stretch>
+            <a:fillRect/>
+          </a:stretch>
+        </p:blipFill>
+        <p:spPr>
+          <a:xfrm>
+            <a:off x="6246919" y="2900516"/>
+            <a:ext cx="5945081" cy="3287681"/>
+          </a:xfrm>
+          <a:prstGeom prst="rect">
+            <a:avLst/>
+          </a:prstGeom>
+        </p:spPr>
+      </p:pic>
+    </p:spTree>
+    <p:extLst>
+      <p:ext uri="{BB962C8B-B14F-4D97-AF65-F5344CB8AC3E}">
+        <p14:creationId xmlns:p14="http://schemas.microsoft.com/office/powerpoint/2010/main" val="210658953"/>
+      </p:ext>
+    </p:extLst>
+  </p:cSld>
+  <p:clrMapOvr>
+    <a:masterClrMapping/>
+  </p:clrMapOvr>
+</p:sld>
+</file>
+
+<file path=ppt/slides/slide38.xml><?xml version="1.0" encoding="utf-8"?>
+<p:sld xmlns:a="http://schemas.openxmlformats.org/drawingml/2006/main" xmlns:r="http://schemas.openxmlformats.org/officeDocument/2006/relationships" xmlns:p="http://schemas.openxmlformats.org/presentationml/2006/main">
+  <p:cSld>
+    <p:spTree>
+      <p:nvGrpSpPr>
+        <p:cNvPr id="1" name="">
+          <a:extLst>
+            <a:ext uri="{FF2B5EF4-FFF2-40B4-BE49-F238E27FC236}">
+              <a16:creationId xmlns:a16="http://schemas.microsoft.com/office/drawing/2014/main" id="{45AFF74B-A106-D54B-4A91-17F3B5B58D93}"/>
+            </a:ext>
+          </a:extLst>
+        </p:cNvPr>
+        <p:cNvGrpSpPr/>
+        <p:nvPr/>
+      </p:nvGrpSpPr>
+      <p:grpSpPr>
+        <a:xfrm>
+          <a:off x="0" y="0"/>
+          <a:ext cx="0" cy="0"/>
+          <a:chOff x="0" y="0"/>
+          <a:chExt cx="0" cy="0"/>
+        </a:xfrm>
+      </p:grpSpPr>
+      <p:sp>
+        <p:nvSpPr>
+          <p:cNvPr id="15" name="Title 1">
+            <a:extLst>
+              <a:ext uri="{FF2B5EF4-FFF2-40B4-BE49-F238E27FC236}">
+                <a16:creationId xmlns:a16="http://schemas.microsoft.com/office/drawing/2014/main" id="{D83CF52A-C239-23A6-13EE-6C8CA54CA128}"/>
+              </a:ext>
+            </a:extLst>
+          </p:cNvPr>
+          <p:cNvSpPr>
+            <a:spLocks noGrp="1"/>
+          </p:cNvSpPr>
+          <p:nvPr>
+            <p:ph type="title"/>
+          </p:nvPr>
+        </p:nvSpPr>
+        <p:spPr>
+          <a:xfrm>
+            <a:off x="838200" y="365125"/>
+            <a:ext cx="10515600" cy="1325563"/>
+          </a:xfrm>
+        </p:spPr>
+        <p:txBody>
+          <a:bodyPr>
+            <a:normAutofit fontScale="90000"/>
+          </a:bodyPr>
+          <a:lstStyle/>
+          <a:p>
+            <a:r>
+              <a:rPr lang="en-US" dirty="0"/>
+              <a:t>Apply this to our questions: </a:t>
+            </a:r>
+            <a:br>
+              <a:rPr lang="en-US" dirty="0"/>
+            </a:br>
+            <a:r>
+              <a:rPr lang="en-US" sz="2800" dirty="0"/>
+              <a:t>Does the arthropod community change from year to year with grazing intensity?</a:t>
+            </a:r>
+          </a:p>
+        </p:txBody>
+      </p:sp>
+      <p:sp>
+        <p:nvSpPr>
+          <p:cNvPr id="2" name="TextBox 1">
+            <a:extLst>
+              <a:ext uri="{FF2B5EF4-FFF2-40B4-BE49-F238E27FC236}">
+                <a16:creationId xmlns:a16="http://schemas.microsoft.com/office/drawing/2014/main" id="{DBA2B3A3-44B6-6A28-4F39-7843D524DC1C}"/>
+              </a:ext>
+            </a:extLst>
+          </p:cNvPr>
+          <p:cNvSpPr txBox="1"/>
+          <p:nvPr/>
+        </p:nvSpPr>
+        <p:spPr>
+          <a:xfrm>
+            <a:off x="0" y="6488668"/>
+            <a:ext cx="6434454" cy="369332"/>
+          </a:xfrm>
+          <a:prstGeom prst="rect">
+            <a:avLst/>
+          </a:prstGeom>
+          <a:noFill/>
+        </p:spPr>
+        <p:txBody>
+          <a:bodyPr wrap="none" rtlCol="0">
+            <a:spAutoFit/>
+          </a:bodyPr>
+          <a:lstStyle/>
+          <a:p>
+            <a:r>
+              <a:rPr lang="en-US" dirty="0"/>
+              <a:t>Run a post-hoc test to see which years are different for diversity</a:t>
+            </a:r>
+          </a:p>
+        </p:txBody>
+      </p:sp>
+      <p:pic>
+        <p:nvPicPr>
+          <p:cNvPr id="4" name="Picture 3" descr="A screenshot of a computer program&#10;&#10;Description automatically generated">
+            <a:extLst>
+              <a:ext uri="{FF2B5EF4-FFF2-40B4-BE49-F238E27FC236}">
+                <a16:creationId xmlns:a16="http://schemas.microsoft.com/office/drawing/2014/main" id="{70A7150B-CF29-97F7-E020-B5510991ABF8}"/>
+              </a:ext>
+            </a:extLst>
+          </p:cNvPr>
+          <p:cNvPicPr>
+            <a:picLocks noChangeAspect="1"/>
+          </p:cNvPicPr>
+          <p:nvPr/>
+        </p:nvPicPr>
+        <p:blipFill>
+          <a:blip r:embed="rId2"/>
+          <a:stretch>
+            <a:fillRect/>
+          </a:stretch>
+        </p:blipFill>
+        <p:spPr>
+          <a:xfrm>
+            <a:off x="985684" y="1690688"/>
+            <a:ext cx="7594600" cy="3797300"/>
+          </a:xfrm>
+          <a:prstGeom prst="rect">
+            <a:avLst/>
+          </a:prstGeom>
+        </p:spPr>
+      </p:pic>
+      <p:sp>
+        <p:nvSpPr>
+          <p:cNvPr id="5" name="Rectangle 4">
+            <a:extLst>
+              <a:ext uri="{FF2B5EF4-FFF2-40B4-BE49-F238E27FC236}">
+                <a16:creationId xmlns:a16="http://schemas.microsoft.com/office/drawing/2014/main" id="{792F3E10-9D35-E32F-A21A-4C3E2ACE48EF}"/>
+              </a:ext>
+            </a:extLst>
+          </p:cNvPr>
+          <p:cNvSpPr/>
+          <p:nvPr/>
+        </p:nvSpPr>
+        <p:spPr>
+          <a:xfrm>
+            <a:off x="1002890" y="4011561"/>
+            <a:ext cx="4572000" cy="1150374"/>
+          </a:xfrm>
+          <a:prstGeom prst="rect">
+            <a:avLst/>
+          </a:prstGeom>
+          <a:noFill/>
+          <a:ln>
             <a:solidFill>
               <a:srgbClr val="FF0000"/>
             </a:solidFill>
@@ -12542,7 +12323,7 @@
     </p:spTree>
     <p:extLst>
       <p:ext uri="{BB962C8B-B14F-4D97-AF65-F5344CB8AC3E}">
-        <p14:creationId xmlns:p14="http://schemas.microsoft.com/office/powerpoint/2010/main" val="3297949655"/>
+        <p14:creationId xmlns:p14="http://schemas.microsoft.com/office/powerpoint/2010/main" val="649242528"/>
       </p:ext>
     </p:extLst>
   </p:cSld>
@@ -12552,7 +12333,7 @@
 </p:sld>
 </file>
 
-<file path=ppt/slides/slide38.xml><?xml version="1.0" encoding="utf-8"?>
+<file path=ppt/slides/slide39.xml><?xml version="1.0" encoding="utf-8"?>
 <p:sld xmlns:a="http://schemas.openxmlformats.org/drawingml/2006/main" xmlns:r="http://schemas.openxmlformats.org/officeDocument/2006/relationships" xmlns:p="http://schemas.openxmlformats.org/presentationml/2006/main">
   <p:cSld>
     <p:spTree>
@@ -12574,7 +12355,7 @@
           <p:cNvPr id="2" name="Title 1">
             <a:extLst>
               <a:ext uri="{FF2B5EF4-FFF2-40B4-BE49-F238E27FC236}">
-                <a16:creationId xmlns:a16="http://schemas.microsoft.com/office/drawing/2014/main" id="{583E543B-A326-AF55-DE67-306417768716}"/>
+                <a16:creationId xmlns:a16="http://schemas.microsoft.com/office/drawing/2014/main" id="{B27D21C9-CF1D-E786-9F07-DFE51514E207}"/>
               </a:ext>
             </a:extLst>
           </p:cNvPr>
@@ -12587,46 +12368,24 @@
         </p:nvSpPr>
         <p:spPr/>
         <p:txBody>
-          <a:bodyPr/>
-          <a:lstStyle/>
-          <a:p>
-            <a:endParaRPr lang="en-US"/>
-          </a:p>
-        </p:txBody>
-      </p:sp>
-      <p:pic>
-        <p:nvPicPr>
-          <p:cNvPr id="5" name="Content Placeholder 4" descr="A screenshot of a computer program&#10;&#10;Description automatically generated">
-            <a:extLst>
-              <a:ext uri="{FF2B5EF4-FFF2-40B4-BE49-F238E27FC236}">
-                <a16:creationId xmlns:a16="http://schemas.microsoft.com/office/drawing/2014/main" id="{C1488085-D6E4-082B-7E60-D4BBFD680BEE}"/>
-              </a:ext>
-            </a:extLst>
-          </p:cNvPr>
-          <p:cNvPicPr>
-            <a:picLocks noGrp="1" noChangeAspect="1"/>
-          </p:cNvPicPr>
-          <p:nvPr>
-            <p:ph idx="1"/>
-          </p:nvPr>
-        </p:nvPicPr>
-        <p:blipFill>
-          <a:blip r:embed="rId2"/>
-          <a:stretch>
-            <a:fillRect/>
-          </a:stretch>
-        </p:blipFill>
-        <p:spPr>
-          <a:xfrm>
-            <a:off x="510867" y="1919518"/>
-            <a:ext cx="11170265" cy="4068328"/>
-          </a:xfrm>
-        </p:spPr>
-      </p:pic>
+          <a:bodyPr>
+            <a:normAutofit/>
+          </a:bodyPr>
+          <a:lstStyle/>
+          <a:p>
+            <a:pPr algn="ctr"/>
+            <a:r>
+              <a:rPr lang="en-US" sz="4400" dirty="0"/>
+              <a:t>RESULTS VISUALIZED!</a:t>
+            </a:r>
+            <a:endParaRPr lang="en-US" dirty="0"/>
+          </a:p>
+        </p:txBody>
+      </p:sp>
     </p:spTree>
     <p:extLst>
       <p:ext uri="{BB962C8B-B14F-4D97-AF65-F5344CB8AC3E}">
-        <p14:creationId xmlns:p14="http://schemas.microsoft.com/office/powerpoint/2010/main" val="210658953"/>
+        <p14:creationId xmlns:p14="http://schemas.microsoft.com/office/powerpoint/2010/main" val="2908359930"/>
       </p:ext>
     </p:extLst>
   </p:cSld>
@@ -12732,6 +12491,267 @@
     <p:extLst>
       <p:ext uri="{BB962C8B-B14F-4D97-AF65-F5344CB8AC3E}">
         <p14:creationId xmlns:p14="http://schemas.microsoft.com/office/powerpoint/2010/main" val="45147177"/>
+      </p:ext>
+    </p:extLst>
+  </p:cSld>
+  <p:clrMapOvr>
+    <a:masterClrMapping/>
+  </p:clrMapOvr>
+</p:sld>
+</file>
+
+<file path=ppt/slides/slide40.xml><?xml version="1.0" encoding="utf-8"?>
+<p:sld xmlns:a="http://schemas.openxmlformats.org/drawingml/2006/main" xmlns:r="http://schemas.openxmlformats.org/officeDocument/2006/relationships" xmlns:p="http://schemas.openxmlformats.org/presentationml/2006/main">
+  <p:cSld>
+    <p:spTree>
+      <p:nvGrpSpPr>
+        <p:cNvPr id="1" name="">
+          <a:extLst>
+            <a:ext uri="{FF2B5EF4-FFF2-40B4-BE49-F238E27FC236}">
+              <a16:creationId xmlns:a16="http://schemas.microsoft.com/office/drawing/2014/main" id="{5E96BD3B-E792-C61D-F4B4-201046B7F3E6}"/>
+            </a:ext>
+          </a:extLst>
+        </p:cNvPr>
+        <p:cNvGrpSpPr/>
+        <p:nvPr/>
+      </p:nvGrpSpPr>
+      <p:grpSpPr>
+        <a:xfrm>
+          <a:off x="0" y="0"/>
+          <a:ext cx="0" cy="0"/>
+          <a:chOff x="0" y="0"/>
+          <a:chExt cx="0" cy="0"/>
+        </a:xfrm>
+      </p:grpSpPr>
+      <p:sp>
+        <p:nvSpPr>
+          <p:cNvPr id="2" name="Title 1">
+            <a:extLst>
+              <a:ext uri="{FF2B5EF4-FFF2-40B4-BE49-F238E27FC236}">
+                <a16:creationId xmlns:a16="http://schemas.microsoft.com/office/drawing/2014/main" id="{42F003C0-1BEF-0FA7-B05A-2E7F19E64EE5}"/>
+              </a:ext>
+            </a:extLst>
+          </p:cNvPr>
+          <p:cNvSpPr>
+            <a:spLocks noGrp="1"/>
+          </p:cNvSpPr>
+          <p:nvPr>
+            <p:ph type="title"/>
+          </p:nvPr>
+        </p:nvSpPr>
+        <p:spPr>
+          <a:xfrm>
+            <a:off x="88489" y="365125"/>
+            <a:ext cx="6381137" cy="6084836"/>
+          </a:xfrm>
+        </p:spPr>
+        <p:txBody>
+          <a:bodyPr>
+            <a:normAutofit/>
+          </a:bodyPr>
+          <a:lstStyle/>
+          <a:p>
+            <a:pPr algn="ctr"/>
+            <a:r>
+              <a:rPr lang="en-US" sz="4400" dirty="0"/>
+              <a:t>Does the arthropod community change with grazing intensity?</a:t>
+            </a:r>
+            <a:br>
+              <a:rPr lang="en-US" sz="4400" dirty="0"/>
+            </a:br>
+            <a:br>
+              <a:rPr lang="en-US" sz="4400" dirty="0"/>
+            </a:br>
+            <a:r>
+              <a:rPr lang="en-US" sz="4400" dirty="0"/>
+              <a:t>NO!</a:t>
+            </a:r>
+            <a:endParaRPr lang="en-US" dirty="0"/>
+          </a:p>
+        </p:txBody>
+      </p:sp>
+      <p:pic>
+        <p:nvPicPr>
+          <p:cNvPr id="4" name="Picture 3" descr="A screenshot of a graph&#10;&#10;Description automatically generated">
+            <a:extLst>
+              <a:ext uri="{FF2B5EF4-FFF2-40B4-BE49-F238E27FC236}">
+                <a16:creationId xmlns:a16="http://schemas.microsoft.com/office/drawing/2014/main" id="{78F0BF66-49F5-AC98-73B6-F3B6A75C7185}"/>
+              </a:ext>
+            </a:extLst>
+          </p:cNvPr>
+          <p:cNvPicPr>
+            <a:picLocks noChangeAspect="1"/>
+          </p:cNvPicPr>
+          <p:nvPr/>
+        </p:nvPicPr>
+        <p:blipFill>
+          <a:blip r:embed="rId2"/>
+          <a:stretch>
+            <a:fillRect/>
+          </a:stretch>
+        </p:blipFill>
+        <p:spPr>
+          <a:xfrm>
+            <a:off x="6650293" y="365125"/>
+            <a:ext cx="5223388" cy="6268065"/>
+          </a:xfrm>
+          <a:prstGeom prst="rect">
+            <a:avLst/>
+          </a:prstGeom>
+        </p:spPr>
+      </p:pic>
+    </p:spTree>
+    <p:extLst>
+      <p:ext uri="{BB962C8B-B14F-4D97-AF65-F5344CB8AC3E}">
+        <p14:creationId xmlns:p14="http://schemas.microsoft.com/office/powerpoint/2010/main" val="884976370"/>
+      </p:ext>
+    </p:extLst>
+  </p:cSld>
+  <p:clrMapOvr>
+    <a:masterClrMapping/>
+  </p:clrMapOvr>
+</p:sld>
+</file>
+
+<file path=ppt/slides/slide41.xml><?xml version="1.0" encoding="utf-8"?>
+<p:sld xmlns:a="http://schemas.openxmlformats.org/drawingml/2006/main" xmlns:r="http://schemas.openxmlformats.org/officeDocument/2006/relationships" xmlns:p="http://schemas.openxmlformats.org/presentationml/2006/main">
+  <p:cSld>
+    <p:spTree>
+      <p:nvGrpSpPr>
+        <p:cNvPr id="1" name="">
+          <a:extLst>
+            <a:ext uri="{FF2B5EF4-FFF2-40B4-BE49-F238E27FC236}">
+              <a16:creationId xmlns:a16="http://schemas.microsoft.com/office/drawing/2014/main" id="{76219D6D-8078-214B-A299-A9A6227BBFEE}"/>
+            </a:ext>
+          </a:extLst>
+        </p:cNvPr>
+        <p:cNvGrpSpPr/>
+        <p:nvPr/>
+      </p:nvGrpSpPr>
+      <p:grpSpPr>
+        <a:xfrm>
+          <a:off x="0" y="0"/>
+          <a:ext cx="0" cy="0"/>
+          <a:chOff x="0" y="0"/>
+          <a:chExt cx="0" cy="0"/>
+        </a:xfrm>
+      </p:grpSpPr>
+      <p:sp>
+        <p:nvSpPr>
+          <p:cNvPr id="2" name="Title 1">
+            <a:extLst>
+              <a:ext uri="{FF2B5EF4-FFF2-40B4-BE49-F238E27FC236}">
+                <a16:creationId xmlns:a16="http://schemas.microsoft.com/office/drawing/2014/main" id="{7E90A886-0AF9-1931-155D-10E3269C6CA2}"/>
+              </a:ext>
+            </a:extLst>
+          </p:cNvPr>
+          <p:cNvSpPr>
+            <a:spLocks noGrp="1"/>
+          </p:cNvSpPr>
+          <p:nvPr>
+            <p:ph type="title"/>
+          </p:nvPr>
+        </p:nvSpPr>
+        <p:spPr>
+          <a:xfrm>
+            <a:off x="88489" y="365125"/>
+            <a:ext cx="6381137" cy="6084836"/>
+          </a:xfrm>
+        </p:spPr>
+        <p:txBody>
+          <a:bodyPr>
+            <a:normAutofit/>
+          </a:bodyPr>
+          <a:lstStyle/>
+          <a:p>
+            <a:pPr algn="ctr"/>
+            <a:r>
+              <a:rPr lang="en-US" sz="4400" dirty="0"/>
+              <a:t>Does the arthropod community change from year to year with grazing intensity?</a:t>
+            </a:r>
+            <a:br>
+              <a:rPr lang="en-US" sz="4400" dirty="0"/>
+            </a:br>
+            <a:br>
+              <a:rPr lang="en-US" sz="4400" dirty="0"/>
+            </a:br>
+            <a:r>
+              <a:rPr lang="en-US" sz="4400" dirty="0"/>
+              <a:t>YES - sometimes</a:t>
+            </a:r>
+            <a:endParaRPr lang="en-US" dirty="0"/>
+          </a:p>
+        </p:txBody>
+      </p:sp>
+      <p:pic>
+        <p:nvPicPr>
+          <p:cNvPr id="8" name="Picture 7" descr="A screenshot of a graph&#10;&#10;Description automatically generated">
+            <a:extLst>
+              <a:ext uri="{FF2B5EF4-FFF2-40B4-BE49-F238E27FC236}">
+                <a16:creationId xmlns:a16="http://schemas.microsoft.com/office/drawing/2014/main" id="{333A84D4-2D1F-124B-E537-C3D75511E102}"/>
+              </a:ext>
+            </a:extLst>
+          </p:cNvPr>
+          <p:cNvPicPr>
+            <a:picLocks noChangeAspect="1"/>
+          </p:cNvPicPr>
+          <p:nvPr/>
+        </p:nvPicPr>
+        <p:blipFill>
+          <a:blip r:embed="rId2"/>
+          <a:stretch>
+            <a:fillRect/>
+          </a:stretch>
+        </p:blipFill>
+        <p:spPr>
+          <a:xfrm>
+            <a:off x="6584624" y="64574"/>
+            <a:ext cx="5607376" cy="6728851"/>
+          </a:xfrm>
+          <a:prstGeom prst="rect">
+            <a:avLst/>
+          </a:prstGeom>
+        </p:spPr>
+      </p:pic>
+      <p:sp>
+        <p:nvSpPr>
+          <p:cNvPr id="15" name="TextBox 14">
+            <a:extLst>
+              <a:ext uri="{FF2B5EF4-FFF2-40B4-BE49-F238E27FC236}">
+                <a16:creationId xmlns:a16="http://schemas.microsoft.com/office/drawing/2014/main" id="{9F2426F3-2237-2C0C-ACF7-B6337DE1BAB8}"/>
+              </a:ext>
+            </a:extLst>
+          </p:cNvPr>
+          <p:cNvSpPr txBox="1"/>
+          <p:nvPr/>
+        </p:nvSpPr>
+        <p:spPr>
+          <a:xfrm>
+            <a:off x="1" y="5879691"/>
+            <a:ext cx="6381138" cy="923330"/>
+          </a:xfrm>
+          <a:prstGeom prst="rect">
+            <a:avLst/>
+          </a:prstGeom>
+          <a:noFill/>
+        </p:spPr>
+        <p:txBody>
+          <a:bodyPr wrap="square" rtlCol="0">
+            <a:spAutoFit/>
+          </a:bodyPr>
+          <a:lstStyle/>
+          <a:p>
+            <a:r>
+              <a:rPr lang="en-US" dirty="0"/>
+              <a:t>Note: here you would want to decide whether to graph just year to year differences or year &amp; grazing differences then put stats on the figure</a:t>
+            </a:r>
+          </a:p>
+        </p:txBody>
+      </p:sp>
+    </p:spTree>
+    <p:extLst>
+      <p:ext uri="{BB962C8B-B14F-4D97-AF65-F5344CB8AC3E}">
+        <p14:creationId xmlns:p14="http://schemas.microsoft.com/office/powerpoint/2010/main" val="2417115884"/>
       </p:ext>
     </p:extLst>
   </p:cSld>
